--- a/The Fellowship of the Ring.pptx
+++ b/The Fellowship of the Ring.pptx
@@ -5,7 +5,7 @@
     <p:sldMasterId id="2147483648" r:id="rId1"/>
   </p:sldMasterIdLst>
   <p:notesMasterIdLst>
-    <p:notesMasterId r:id="rId27"/>
+    <p:notesMasterId r:id="rId28"/>
   </p:notesMasterIdLst>
   <p:sldIdLst>
     <p:sldId id="256" r:id="rId2"/>
@@ -19,20 +19,21 @@
     <p:sldId id="261" r:id="rId10"/>
     <p:sldId id="262" r:id="rId11"/>
     <p:sldId id="263" r:id="rId12"/>
-    <p:sldId id="264" r:id="rId13"/>
-    <p:sldId id="266" r:id="rId14"/>
-    <p:sldId id="278" r:id="rId15"/>
-    <p:sldId id="271" r:id="rId16"/>
-    <p:sldId id="282" r:id="rId17"/>
-    <p:sldId id="267" r:id="rId18"/>
-    <p:sldId id="283" r:id="rId19"/>
-    <p:sldId id="280" r:id="rId20"/>
-    <p:sldId id="281" r:id="rId21"/>
-    <p:sldId id="273" r:id="rId22"/>
-    <p:sldId id="274" r:id="rId23"/>
-    <p:sldId id="275" r:id="rId24"/>
-    <p:sldId id="276" r:id="rId25"/>
-    <p:sldId id="284" r:id="rId26"/>
+    <p:sldId id="287" r:id="rId13"/>
+    <p:sldId id="278" r:id="rId14"/>
+    <p:sldId id="271" r:id="rId15"/>
+    <p:sldId id="282" r:id="rId16"/>
+    <p:sldId id="267" r:id="rId17"/>
+    <p:sldId id="283" r:id="rId18"/>
+    <p:sldId id="280" r:id="rId19"/>
+    <p:sldId id="281" r:id="rId20"/>
+    <p:sldId id="273" r:id="rId21"/>
+    <p:sldId id="274" r:id="rId22"/>
+    <p:sldId id="275" r:id="rId23"/>
+    <p:sldId id="276" r:id="rId24"/>
+    <p:sldId id="284" r:id="rId25"/>
+    <p:sldId id="285" r:id="rId26"/>
+    <p:sldId id="286" r:id="rId27"/>
   </p:sldIdLst>
   <p:sldSz cx="9144000" cy="6858000" type="screen4x3"/>
   <p:notesSz cx="6858000" cy="9144000"/>
@@ -216,7 +217,7 @@
           <a:p>
             <a:fld id="{B87E2604-5AC8-4AF7-8F67-ED0E692FA66E}" type="datetimeFigureOut">
               <a:rPr lang="en-GB" smtClean="0"/>
-              <a:t>17/09/2015</a:t>
+              <a:t>20/09/2015</a:t>
             </a:fld>
             <a:endParaRPr lang="en-GB"/>
           </a:p>
@@ -824,7 +825,7 @@
           <a:p>
             <a:fld id="{828D5D84-2C57-426A-A11C-619C0D2652D3}" type="slidenum">
               <a:rPr lang="en-GB" smtClean="0"/>
-              <a:t>22</a:t>
+              <a:t>21</a:t>
             </a:fld>
             <a:endParaRPr lang="en-GB"/>
           </a:p>
@@ -960,7 +961,7 @@
           <a:p>
             <a:fld id="{828D5D84-2C57-426A-A11C-619C0D2652D3}" type="slidenum">
               <a:rPr lang="en-GB" smtClean="0"/>
-              <a:t>23</a:t>
+              <a:t>22</a:t>
             </a:fld>
             <a:endParaRPr lang="en-GB"/>
           </a:p>
@@ -1044,7 +1045,7 @@
           <a:p>
             <a:fld id="{828D5D84-2C57-426A-A11C-619C0D2652D3}" type="slidenum">
               <a:rPr lang="en-GB" smtClean="0"/>
-              <a:t>24</a:t>
+              <a:t>23</a:t>
             </a:fld>
             <a:endParaRPr lang="en-GB"/>
           </a:p>
@@ -1142,7 +1143,7 @@
           <a:p>
             <a:fld id="{828D5D84-2C57-426A-A11C-619C0D2652D3}" type="slidenum">
               <a:rPr lang="en-GB" smtClean="0"/>
-              <a:t>25</a:t>
+              <a:t>24</a:t>
             </a:fld>
             <a:endParaRPr lang="en-GB"/>
           </a:p>
@@ -1671,30 +1672,7 @@
           <a:bodyPr/>
           <a:lstStyle/>
           <a:p>
-            <a:r>
-              <a:rPr lang="en-GB" dirty="0" smtClean="0"/>
-              <a:t>Hand out large wearable nameplates for actors.</a:t>
-            </a:r>
-          </a:p>
-          <a:p>
-            <a:r>
-              <a:rPr lang="en-GB" dirty="0" smtClean="0"/>
-              <a:t>Give Model 2 Values and Assumptions cue cards to actors.</a:t>
-            </a:r>
-          </a:p>
-          <a:p>
-            <a:r>
-              <a:rPr lang="en-GB" dirty="0" smtClean="0"/>
-              <a:t>Give Model 2</a:t>
-            </a:r>
-            <a:r>
-              <a:rPr lang="en-GB" baseline="0" dirty="0" smtClean="0"/>
-              <a:t> </a:t>
-            </a:r>
-            <a:r>
-              <a:rPr lang="en-GB" dirty="0" smtClean="0"/>
-              <a:t>Behaviours bingo sheet to audience members.</a:t>
-            </a:r>
+            <a:endParaRPr lang="en-US" dirty="0"/>
           </a:p>
         </p:txBody>
       </p:sp>
@@ -1715,7 +1693,7 @@
           <a:p>
             <a:fld id="{828D5D84-2C57-426A-A11C-619C0D2652D3}" type="slidenum">
               <a:rPr lang="en-GB" smtClean="0"/>
-              <a:t>10</a:t>
+              <a:t>9</a:t>
             </a:fld>
             <a:endParaRPr lang="en-GB"/>
           </a:p>
@@ -1724,7 +1702,7 @@
     </p:spTree>
     <p:extLst>
       <p:ext uri="{BB962C8B-B14F-4D97-AF65-F5344CB8AC3E}">
-        <p14:creationId xmlns:p14="http://schemas.microsoft.com/office/powerpoint/2010/main" val="3293741744"/>
+        <p14:creationId xmlns:p14="http://schemas.microsoft.com/office/powerpoint/2010/main" val="1747671405"/>
       </p:ext>
     </p:extLst>
   </p:cSld>
@@ -1778,7 +1756,30 @@
           <a:bodyPr/>
           <a:lstStyle/>
           <a:p>
-            <a:endParaRPr lang="en-GB" dirty="0"/>
+            <a:r>
+              <a:rPr lang="en-GB" dirty="0" smtClean="0"/>
+              <a:t>Hand out large wearable nameplates for actors.</a:t>
+            </a:r>
+          </a:p>
+          <a:p>
+            <a:r>
+              <a:rPr lang="en-GB" dirty="0" smtClean="0"/>
+              <a:t>Give Model 2 Values and Assumptions cue cards to actors.</a:t>
+            </a:r>
+          </a:p>
+          <a:p>
+            <a:r>
+              <a:rPr lang="en-GB" dirty="0" smtClean="0"/>
+              <a:t>Give Model 2</a:t>
+            </a:r>
+            <a:r>
+              <a:rPr lang="en-GB" baseline="0" dirty="0" smtClean="0"/>
+              <a:t> </a:t>
+            </a:r>
+            <a:r>
+              <a:rPr lang="en-GB" dirty="0" smtClean="0"/>
+              <a:t>Behaviours bingo sheet to audience members.</a:t>
+            </a:r>
           </a:p>
         </p:txBody>
       </p:sp>
@@ -1799,7 +1800,7 @@
           <a:p>
             <a:fld id="{828D5D84-2C57-426A-A11C-619C0D2652D3}" type="slidenum">
               <a:rPr lang="en-GB" smtClean="0"/>
-              <a:t>12</a:t>
+              <a:t>10</a:t>
             </a:fld>
             <a:endParaRPr lang="en-GB"/>
           </a:p>
@@ -1808,7 +1809,7 @@
     </p:spTree>
     <p:extLst>
       <p:ext uri="{BB962C8B-B14F-4D97-AF65-F5344CB8AC3E}">
-        <p14:creationId xmlns:p14="http://schemas.microsoft.com/office/powerpoint/2010/main" val="1491409698"/>
+        <p14:creationId xmlns:p14="http://schemas.microsoft.com/office/powerpoint/2010/main" val="3293741744"/>
       </p:ext>
     </p:extLst>
   </p:cSld>
@@ -1862,32 +1863,6 @@
           <a:bodyPr/>
           <a:lstStyle/>
           <a:p>
-            <a:r>
-              <a:rPr lang="en-GB" dirty="0" smtClean="0"/>
-              <a:t>Combine Chris </a:t>
-            </a:r>
-            <a:r>
-              <a:rPr lang="en-GB" dirty="0" err="1" smtClean="0"/>
-              <a:t>Argyris's</a:t>
-            </a:r>
-            <a:r>
-              <a:rPr lang="en-GB" baseline="0" dirty="0" smtClean="0"/>
-              <a:t> Model 1: Unilateral Control vs Model 2: Mutual Learning Model</a:t>
-            </a:r>
-          </a:p>
-          <a:p>
-            <a:r>
-              <a:rPr lang="en-GB" baseline="0" dirty="0" smtClean="0"/>
-              <a:t>- What people say they think – espoused theory</a:t>
-            </a:r>
-          </a:p>
-          <a:p>
-            <a:r>
-              <a:rPr lang="en-GB" baseline="0" dirty="0" smtClean="0"/>
-              <a:t>- What people are observed doing – theory in use</a:t>
-            </a:r>
-          </a:p>
-          <a:p>
             <a:pPr marL="0" marR="0" indent="0" algn="l" defTabSz="914400" rtl="0" eaLnBrk="1" fontAlgn="auto" latinLnBrk="0" hangingPunct="1">
               <a:lnSpc>
                 <a:spcPct val="100000"/>
@@ -1906,6 +1881,82 @@
               <a:defRPr/>
             </a:pPr>
             <a:r>
+              <a:rPr lang="en-US" i="0" dirty="0" smtClean="0"/>
+              <a:t>The Mutual Learning approach draws from Chris </a:t>
+            </a:r>
+            <a:r>
+              <a:rPr lang="en-US" i="0" dirty="0" err="1" smtClean="0"/>
+              <a:t>Argyris</a:t>
+            </a:r>
+            <a:r>
+              <a:rPr lang="en-US" i="0" dirty="0" smtClean="0"/>
+              <a:t> and Don </a:t>
+            </a:r>
+            <a:r>
+              <a:rPr lang="en-US" i="0" dirty="0" err="1" smtClean="0"/>
+              <a:t>Schön’s</a:t>
+            </a:r>
+            <a:r>
+              <a:rPr lang="en-US" i="0" dirty="0" smtClean="0"/>
+              <a:t> Model II work, as well as the work of Bob Putnam, Diana Smith and Phil MacArthur at Action Design, who originally used the term Mutual Learning Model.</a:t>
+            </a:r>
+          </a:p>
+          <a:p>
+            <a:endParaRPr lang="en-GB" dirty="0" smtClean="0"/>
+          </a:p>
+          <a:p>
+            <a:r>
+              <a:rPr lang="en-GB" dirty="0" smtClean="0"/>
+              <a:t>Combine Chris </a:t>
+            </a:r>
+            <a:r>
+              <a:rPr lang="en-GB" dirty="0" err="1" smtClean="0"/>
+              <a:t>Argyris's</a:t>
+            </a:r>
+            <a:r>
+              <a:rPr lang="en-GB" baseline="0" dirty="0" smtClean="0"/>
+              <a:t> Model 1: Unilateral Control </a:t>
+            </a:r>
+            <a:r>
+              <a:rPr lang="en-GB" baseline="0" dirty="0" err="1" smtClean="0"/>
+              <a:t>vs</a:t>
+            </a:r>
+            <a:r>
+              <a:rPr lang="en-GB" baseline="0" dirty="0" smtClean="0"/>
+              <a:t> Model 2: Mutual Learning Model</a:t>
+            </a:r>
+          </a:p>
+          <a:p>
+            <a:r>
+              <a:rPr lang="en-GB" baseline="0" dirty="0" smtClean="0"/>
+              <a:t>- What people say they think – espoused theory</a:t>
+            </a:r>
+          </a:p>
+          <a:p>
+            <a:r>
+              <a:rPr lang="en-GB" baseline="0" dirty="0" smtClean="0"/>
+              <a:t>- What people are observed doing – theory in use</a:t>
+            </a:r>
+          </a:p>
+          <a:p>
+            <a:pPr marL="0" marR="0" indent="0" algn="l" defTabSz="914400" rtl="0" eaLnBrk="1" fontAlgn="auto" latinLnBrk="0" hangingPunct="1">
+              <a:lnSpc>
+                <a:spcPct val="100000"/>
+              </a:lnSpc>
+              <a:spcBef>
+                <a:spcPts val="0"/>
+              </a:spcBef>
+              <a:spcAft>
+                <a:spcPts val="0"/>
+              </a:spcAft>
+              <a:buClrTx/>
+              <a:buSzTx/>
+              <a:buFontTx/>
+              <a:buNone/>
+              <a:tabLst/>
+              <a:defRPr/>
+            </a:pPr>
+            <a:r>
               <a:rPr lang="en-GB" baseline="0" dirty="0" smtClean="0"/>
               <a:t>- Observable behaviour reveals discrepancy between espoused theory and theory in use</a:t>
             </a:r>
@@ -1976,6 +2027,12 @@
               <a:rPr lang="en-GB" baseline="0" dirty="0" smtClean="0"/>
               <a:t> Word)</a:t>
             </a:r>
+          </a:p>
+          <a:p>
+            <a:endParaRPr lang="en-GB" dirty="0" smtClean="0"/>
+          </a:p>
+          <a:p>
+            <a:endParaRPr lang="en-US" dirty="0"/>
           </a:p>
         </p:txBody>
       </p:sp>
@@ -1996,7 +2053,7 @@
           <a:p>
             <a:fld id="{828D5D84-2C57-426A-A11C-619C0D2652D3}" type="slidenum">
               <a:rPr lang="en-GB" smtClean="0"/>
-              <a:t>13</a:t>
+              <a:t>12</a:t>
             </a:fld>
             <a:endParaRPr lang="en-GB"/>
           </a:p>
@@ -2005,7 +2062,7 @@
     </p:spTree>
     <p:extLst>
       <p:ext uri="{BB962C8B-B14F-4D97-AF65-F5344CB8AC3E}">
-        <p14:creationId xmlns:p14="http://schemas.microsoft.com/office/powerpoint/2010/main" val="1491409698"/>
+        <p14:creationId xmlns:p14="http://schemas.microsoft.com/office/powerpoint/2010/main" val="1747671405"/>
       </p:ext>
     </p:extLst>
   </p:cSld>
@@ -2174,7 +2231,15 @@
             </a:pPr>
             <a:r>
               <a:rPr lang="en-US" baseline="0" dirty="0" smtClean="0"/>
-              <a:t>Score for assumptions range from:</a:t>
+              <a:t>Score for </a:t>
+            </a:r>
+            <a:r>
+              <a:rPr lang="en-US" baseline="0" dirty="0" smtClean="0"/>
+              <a:t>mindset range </a:t>
+            </a:r>
+            <a:r>
+              <a:rPr lang="en-US" baseline="0" dirty="0" smtClean="0"/>
+              <a:t>from:</a:t>
             </a:r>
           </a:p>
           <a:p>
@@ -2438,16 +2503,11 @@
             </a:pPr>
             <a:r>
               <a:rPr lang="en-US" i="0" baseline="0" dirty="0" smtClean="0"/>
-              <a:t>You believe in your ML talk AND you talk the talk and walk the walk all the time.</a:t>
-            </a:r>
-          </a:p>
-          <a:p>
-            <a:endParaRPr lang="en-US" i="0" baseline="0" dirty="0" smtClean="0"/>
-          </a:p>
-          <a:p>
+              <a:t>You believe in your ML talk AND you talk the talk and walk the walk all the time</a:t>
+            </a:r>
             <a:r>
               <a:rPr lang="en-US" i="0" baseline="0" dirty="0" smtClean="0"/>
-              <a:t>If you scored between 26 - 39 points, stand up. This means you apply Mutual Learning sometimes to often.</a:t>
+              <a:t>.</a:t>
             </a:r>
           </a:p>
           <a:p>
@@ -2468,79 +2528,6 @@
               <a:tabLst/>
               <a:defRPr/>
             </a:pPr>
-            <a:r>
-              <a:rPr lang="en-US" i="0" baseline="0" dirty="0" smtClean="0"/>
-              <a:t>You believe somewhat in your ML talk AND you can talk the talk and do walk the walk all the time.</a:t>
-            </a:r>
-          </a:p>
-          <a:p>
-            <a:endParaRPr lang="en-US" i="0" baseline="0" dirty="0" smtClean="0"/>
-          </a:p>
-          <a:p>
-            <a:r>
-              <a:rPr lang="en-US" i="0" baseline="0" dirty="0" smtClean="0"/>
-              <a:t>If you scored 26 points or lower, stand up. This means you Unilateral Control is most likely to be your default way of working.</a:t>
-            </a:r>
-          </a:p>
-          <a:p>
-            <a:r>
-              <a:rPr lang="en-US" i="0" baseline="0" dirty="0" smtClean="0"/>
-              <a:t>You believe in your UC talk AND you talk the talk and walk the walk all the time.</a:t>
-            </a:r>
-          </a:p>
-          <a:p>
-            <a:endParaRPr lang="en-US" i="0" baseline="0" dirty="0" smtClean="0"/>
-          </a:p>
-          <a:p>
-            <a:r>
-              <a:rPr lang="en-US" i="0" baseline="0" dirty="0" smtClean="0"/>
-              <a:t>So – why did I ask you to share your score?</a:t>
-            </a:r>
-          </a:p>
-          <a:p>
-            <a:endParaRPr lang="en-US" i="0" baseline="0" dirty="0" smtClean="0"/>
-          </a:p>
-          <a:p>
-            <a:r>
-              <a:rPr lang="en-US" i="0" baseline="0" dirty="0" smtClean="0"/>
-              <a:t>The main reason is to create the option for you to find the practitioners of ML during the break and get tips on how to live and breathe the Mutual Learning Model and 8 </a:t>
-            </a:r>
-            <a:r>
-              <a:rPr lang="en-US" i="0" baseline="0" dirty="0" err="1" smtClean="0"/>
-              <a:t>behaviours</a:t>
-            </a:r>
-            <a:r>
-              <a:rPr lang="en-US" i="0" baseline="0" dirty="0" smtClean="0"/>
-              <a:t>, even under stress.</a:t>
-            </a:r>
-          </a:p>
-          <a:p>
-            <a:endParaRPr lang="en-US" i="0" baseline="0" dirty="0" smtClean="0"/>
-          </a:p>
-          <a:p>
-            <a:r>
-              <a:rPr lang="en-US" i="0" baseline="0" dirty="0" smtClean="0"/>
-              <a:t>Thank you. Everyone take a sit.</a:t>
-            </a:r>
-          </a:p>
-          <a:p>
-            <a:endParaRPr lang="en-US" i="0" baseline="0" dirty="0" smtClean="0"/>
-          </a:p>
-          <a:p>
-            <a:r>
-              <a:rPr lang="en-US" i="0" baseline="0" dirty="0" smtClean="0"/>
-              <a:t>Let’s look at the findings in greater detail. If you scored 15 for mindset and 24 for </a:t>
-            </a:r>
-            <a:r>
-              <a:rPr lang="en-US" i="0" baseline="0" dirty="0" err="1" smtClean="0"/>
-              <a:t>behaviour</a:t>
-            </a:r>
-            <a:r>
-              <a:rPr lang="en-US" i="0" baseline="0" dirty="0" smtClean="0"/>
-              <a:t>, it means you are congruent in applying Mutual learning most of the time. The results you get from your efforts should reflect this.</a:t>
-            </a:r>
-          </a:p>
-          <a:p>
             <a:endParaRPr lang="en-US" i="0" baseline="0" dirty="0" smtClean="0"/>
           </a:p>
           <a:p>
@@ -2563,7 +2550,107 @@
             </a:pPr>
             <a:r>
               <a:rPr lang="en-US" i="0" baseline="0" dirty="0" smtClean="0"/>
-              <a:t>On the one hand, if you scored higher in </a:t>
+              <a:t>Let’s drill down into the significance of more results by looking at time in pairs: mindset and </a:t>
+            </a:r>
+            <a:r>
+              <a:rPr lang="en-US" i="0" baseline="0" dirty="0" err="1" smtClean="0"/>
+              <a:t>behaviours</a:t>
+            </a:r>
+            <a:r>
+              <a:rPr lang="en-US" i="0" baseline="0" dirty="0" smtClean="0"/>
+              <a:t>.</a:t>
+            </a:r>
+          </a:p>
+          <a:p>
+            <a:pPr marL="0" marR="0" indent="0" algn="l" defTabSz="457200" rtl="0" eaLnBrk="1" fontAlgn="auto" latinLnBrk="0" hangingPunct="1">
+              <a:lnSpc>
+                <a:spcPct val="100000"/>
+              </a:lnSpc>
+              <a:spcBef>
+                <a:spcPts val="0"/>
+              </a:spcBef>
+              <a:spcAft>
+                <a:spcPts val="0"/>
+              </a:spcAft>
+              <a:buClrTx/>
+              <a:buSzTx/>
+              <a:buFontTx/>
+              <a:buNone/>
+              <a:tabLst/>
+              <a:defRPr/>
+            </a:pPr>
+            <a:r>
+              <a:rPr lang="en-US" i="0" baseline="0" dirty="0" smtClean="0"/>
+              <a:t>On the one hand, if you scored 20 points for questions 1-5, you score yourself maximum on ML mindset and:</a:t>
+            </a:r>
+          </a:p>
+          <a:p>
+            <a:pPr marL="171450" marR="0" indent="-171450" algn="l" defTabSz="457200" rtl="0" eaLnBrk="1" fontAlgn="auto" latinLnBrk="0" hangingPunct="1">
+              <a:lnSpc>
+                <a:spcPct val="100000"/>
+              </a:lnSpc>
+              <a:spcBef>
+                <a:spcPts val="0"/>
+              </a:spcBef>
+              <a:spcAft>
+                <a:spcPts val="0"/>
+              </a:spcAft>
+              <a:buClrTx/>
+              <a:buSzTx/>
+              <a:buFont typeface="Arial"/>
+              <a:buChar char="•"/>
+              <a:tabLst/>
+              <a:defRPr/>
+            </a:pPr>
+            <a:r>
+              <a:rPr lang="en-US" i="0" baseline="0" dirty="0" smtClean="0"/>
+              <a:t>For questions 6-13:</a:t>
+            </a:r>
+          </a:p>
+          <a:p>
+            <a:pPr marL="628650" marR="0" lvl="1" indent="-171450" algn="l" defTabSz="457200" rtl="0" eaLnBrk="1" fontAlgn="auto" latinLnBrk="0" hangingPunct="1">
+              <a:lnSpc>
+                <a:spcPct val="100000"/>
+              </a:lnSpc>
+              <a:spcBef>
+                <a:spcPts val="0"/>
+              </a:spcBef>
+              <a:spcAft>
+                <a:spcPts val="0"/>
+              </a:spcAft>
+              <a:buClrTx/>
+              <a:buSzTx/>
+              <a:buFont typeface="Arial"/>
+              <a:buChar char="•"/>
+              <a:tabLst/>
+              <a:defRPr/>
+            </a:pPr>
+            <a:r>
+              <a:rPr lang="en-US" i="0" baseline="0" dirty="0" smtClean="0"/>
+              <a:t>If you scored 24 or higher, this means your preference is mostly ML. You believe in your ML talk AND you can talk the talk and do walk the walk most of the time.</a:t>
+            </a:r>
+          </a:p>
+          <a:p>
+            <a:pPr marL="628650" marR="0" lvl="1" indent="-171450" algn="l" defTabSz="457200" rtl="0" eaLnBrk="1" fontAlgn="auto" latinLnBrk="0" hangingPunct="1">
+              <a:lnSpc>
+                <a:spcPct val="100000"/>
+              </a:lnSpc>
+              <a:spcBef>
+                <a:spcPts val="0"/>
+              </a:spcBef>
+              <a:spcAft>
+                <a:spcPts val="0"/>
+              </a:spcAft>
+              <a:buClrTx/>
+              <a:buSzTx/>
+              <a:buFont typeface="Arial"/>
+              <a:buChar char="•"/>
+              <a:tabLst/>
+              <a:defRPr/>
+            </a:pPr>
+            <a:r>
+              <a:rPr lang="en-US" i="0" baseline="0" dirty="0" smtClean="0"/>
+              <a:t>If you scored 16-23, your </a:t>
             </a:r>
             <a:r>
               <a:rPr lang="en-US" i="0" baseline="0" dirty="0" err="1" smtClean="0"/>
@@ -2571,7 +2658,111 @@
             </a:r>
             <a:r>
               <a:rPr lang="en-US" i="0" baseline="0" dirty="0" smtClean="0"/>
-              <a:t> than mindset, it means you actively apply the Mutual Learning </a:t>
+              <a:t> straddles between UC and ML. You believe in your ML talk AND you fluctuate between UC and ML in </a:t>
+            </a:r>
+            <a:r>
+              <a:rPr lang="en-US" i="0" baseline="0" dirty="0" err="1" smtClean="0"/>
+              <a:t>behaviour</a:t>
+            </a:r>
+            <a:r>
+              <a:rPr lang="en-US" i="0" baseline="0" dirty="0" smtClean="0"/>
+              <a:t>. </a:t>
+            </a:r>
+          </a:p>
+          <a:p>
+            <a:pPr marL="628650" marR="0" lvl="1" indent="-171450" algn="l" defTabSz="457200" rtl="0" eaLnBrk="1" fontAlgn="auto" latinLnBrk="0" hangingPunct="1">
+              <a:lnSpc>
+                <a:spcPct val="100000"/>
+              </a:lnSpc>
+              <a:spcBef>
+                <a:spcPts val="0"/>
+              </a:spcBef>
+              <a:spcAft>
+                <a:spcPts val="0"/>
+              </a:spcAft>
+              <a:buClrTx/>
+              <a:buSzTx/>
+              <a:buFont typeface="Arial"/>
+              <a:buChar char="•"/>
+              <a:tabLst/>
+              <a:defRPr/>
+            </a:pPr>
+            <a:r>
+              <a:rPr lang="en-US" i="0" baseline="0" dirty="0" smtClean="0"/>
+              <a:t>If you scored 8-15, your belief in ML is in strong contradiction with your predominantly UC </a:t>
+            </a:r>
+            <a:r>
+              <a:rPr lang="en-US" i="0" baseline="0" dirty="0" err="1" smtClean="0"/>
+              <a:t>behaviour</a:t>
+            </a:r>
+            <a:r>
+              <a:rPr lang="en-US" i="0" baseline="0" dirty="0" smtClean="0"/>
+              <a:t>.</a:t>
+            </a:r>
+          </a:p>
+          <a:p>
+            <a:pPr marL="0" marR="0" lvl="0" indent="0" algn="l" defTabSz="457200" rtl="0" eaLnBrk="1" fontAlgn="auto" latinLnBrk="0" hangingPunct="1">
+              <a:lnSpc>
+                <a:spcPct val="100000"/>
+              </a:lnSpc>
+              <a:spcBef>
+                <a:spcPts val="0"/>
+              </a:spcBef>
+              <a:spcAft>
+                <a:spcPts val="0"/>
+              </a:spcAft>
+              <a:buClrTx/>
+              <a:buSzTx/>
+              <a:buFont typeface="Arial"/>
+              <a:buNone/>
+              <a:tabLst/>
+              <a:defRPr/>
+            </a:pPr>
+            <a:endParaRPr lang="en-US" i="0" baseline="0" dirty="0" smtClean="0"/>
+          </a:p>
+          <a:p>
+            <a:pPr marL="0" marR="0" lvl="0" indent="0" algn="l" defTabSz="457200" rtl="0" eaLnBrk="1" fontAlgn="auto" latinLnBrk="0" hangingPunct="1">
+              <a:lnSpc>
+                <a:spcPct val="100000"/>
+              </a:lnSpc>
+              <a:spcBef>
+                <a:spcPts val="0"/>
+              </a:spcBef>
+              <a:spcAft>
+                <a:spcPts val="0"/>
+              </a:spcAft>
+              <a:buClrTx/>
+              <a:buSzTx/>
+              <a:buFont typeface="Arial"/>
+              <a:buNone/>
+              <a:tabLst/>
+              <a:defRPr/>
+            </a:pPr>
+            <a:r>
+              <a:rPr lang="en-US" i="0" baseline="0" dirty="0" smtClean="0"/>
+              <a:t>On the other hand, if you scored between 5 and 10 for questions 1-5, you believe in UC AND you </a:t>
+            </a:r>
+            <a:r>
+              <a:rPr lang="en-US" i="0" baseline="0" dirty="0" smtClean="0"/>
+              <a:t>talk the talk and walk the walk all the time.</a:t>
+            </a:r>
+          </a:p>
+          <a:p>
+            <a:endParaRPr lang="en-US" i="0" baseline="0" dirty="0" smtClean="0"/>
+          </a:p>
+          <a:p>
+            <a:r>
+              <a:rPr lang="en-US" i="0" baseline="0" dirty="0" smtClean="0"/>
+              <a:t>So – why did I ask you to share your score?</a:t>
+            </a:r>
+          </a:p>
+          <a:p>
+            <a:endParaRPr lang="en-US" i="0" baseline="0" dirty="0" smtClean="0"/>
+          </a:p>
+          <a:p>
+            <a:r>
+              <a:rPr lang="en-US" i="0" baseline="0" dirty="0" smtClean="0"/>
+              <a:t>The main reason is to create the option for you to find the practitioners of ML during the break and get tips on how to live and breathe the Mutual Learning Model and 8 </a:t>
             </a:r>
             <a:r>
               <a:rPr lang="en-US" i="0" baseline="0" dirty="0" err="1" smtClean="0"/>
@@ -2579,7 +2770,7 @@
             </a:r>
             <a:r>
               <a:rPr lang="en-US" i="0" baseline="0" dirty="0" smtClean="0"/>
-              <a:t> without really applying the mindset. You believe in your talk AND you talk the talk and walk the walk.</a:t>
+              <a:t>, even under stress.</a:t>
             </a:r>
           </a:p>
           <a:p>
@@ -2588,7 +2779,16 @@
           <a:p>
             <a:r>
               <a:rPr lang="en-US" i="0" baseline="0" dirty="0" smtClean="0"/>
-              <a:t>On the other hand, if you scored higher in mindset than </a:t>
+              <a:t>Thank you. Everyone take a sit.</a:t>
+            </a:r>
+          </a:p>
+          <a:p>
+            <a:endParaRPr lang="en-US" i="0" baseline="0" dirty="0" smtClean="0"/>
+          </a:p>
+          <a:p>
+            <a:r>
+              <a:rPr lang="en-US" i="0" baseline="0" dirty="0" smtClean="0"/>
+              <a:t>Let’s look at the findings in greater detail. If you scored 15 for mindset and 24 for </a:t>
             </a:r>
             <a:r>
               <a:rPr lang="en-US" i="0" baseline="0" dirty="0" err="1" smtClean="0"/>
@@ -2596,7 +2796,45 @@
             </a:r>
             <a:r>
               <a:rPr lang="en-US" i="0" baseline="0" dirty="0" smtClean="0"/>
-              <a:t>, it means that you believe strongly in the Mutual Learning mindset yet rarely apply the </a:t>
+              <a:t>, it means you are congruent in applying Mutual learning most of the time. The results you get from your efforts should reflect this.</a:t>
+            </a:r>
+          </a:p>
+          <a:p>
+            <a:endParaRPr lang="en-US" i="0" baseline="0" dirty="0" smtClean="0"/>
+          </a:p>
+          <a:p>
+            <a:pPr marL="0" marR="0" indent="0" algn="l" defTabSz="457200" rtl="0" eaLnBrk="1" fontAlgn="auto" latinLnBrk="0" hangingPunct="1">
+              <a:lnSpc>
+                <a:spcPct val="100000"/>
+              </a:lnSpc>
+              <a:spcBef>
+                <a:spcPts val="0"/>
+              </a:spcBef>
+              <a:spcAft>
+                <a:spcPts val="0"/>
+              </a:spcAft>
+              <a:buClrTx/>
+              <a:buSzTx/>
+              <a:buFontTx/>
+              <a:buNone/>
+              <a:tabLst/>
+              <a:defRPr/>
+            </a:pPr>
+            <a:r>
+              <a:rPr lang="en-US" i="0" baseline="0" dirty="0" smtClean="0"/>
+              <a:t>If you </a:t>
+            </a:r>
+            <a:r>
+              <a:rPr lang="en-US" i="0" baseline="0" dirty="0" smtClean="0"/>
+              <a:t>scored higher in </a:t>
+            </a:r>
+            <a:r>
+              <a:rPr lang="en-US" i="0" baseline="0" dirty="0" err="1" smtClean="0"/>
+              <a:t>behaviour</a:t>
+            </a:r>
+            <a:r>
+              <a:rPr lang="en-US" i="0" baseline="0" dirty="0" smtClean="0"/>
+              <a:t> than mindset, it means you actively apply the Mutual Learning </a:t>
             </a:r>
             <a:r>
               <a:rPr lang="en-US" i="0" baseline="0" dirty="0" err="1" smtClean="0"/>
@@ -2604,13 +2842,214 @@
             </a:r>
             <a:r>
               <a:rPr lang="en-US" i="0" baseline="0" dirty="0" smtClean="0"/>
-              <a:t> in practice. This puts into question how much you really value the mindset and/or understand it. You believe in your talk BUT you only talk the talk and don’t walk the </a:t>
-            </a:r>
-            <a:r>
-              <a:rPr lang="en-US" i="0" baseline="0" smtClean="0"/>
-              <a:t>walk.</a:t>
-            </a:r>
+              <a:t> without really applying the mindset. </a:t>
+            </a:r>
+            <a:r>
+              <a:rPr lang="en-US" i="0" baseline="0" dirty="0" smtClean="0"/>
+              <a:t>You </a:t>
+            </a:r>
+            <a:r>
+              <a:rPr lang="en-US" i="0" baseline="0" dirty="0" smtClean="0"/>
+              <a:t>talk the talk and walk the </a:t>
+            </a:r>
+            <a:r>
+              <a:rPr lang="en-US" i="0" baseline="0" dirty="0" smtClean="0"/>
+              <a:t>walk but you don’t quite believe in the ML mindset. Nonetheless, starting to change your </a:t>
+            </a:r>
+            <a:r>
+              <a:rPr lang="en-US" i="0" baseline="0" dirty="0" err="1" smtClean="0"/>
+              <a:t>behaviour</a:t>
+            </a:r>
+            <a:r>
+              <a:rPr lang="en-US" i="0" baseline="0" dirty="0" smtClean="0"/>
+              <a:t> can be an easier way to changing your mindset. As Amy </a:t>
+            </a:r>
+            <a:r>
+              <a:rPr lang="en-US" i="0" baseline="0" dirty="0" err="1" smtClean="0"/>
+              <a:t>Cuddy</a:t>
+            </a:r>
+            <a:r>
+              <a:rPr lang="en-US" i="0" baseline="0" dirty="0" smtClean="0"/>
+              <a:t>, psychologist famous for her Ted talk on the Power Pose and the body influencing the mind, it’s </a:t>
+            </a:r>
+            <a:r>
+              <a:rPr lang="en-US" i="0" baseline="0" dirty="0" smtClean="0"/>
+              <a:t>about "Fake it until you become it."</a:t>
+            </a:r>
+          </a:p>
+          <a:p>
             <a:endParaRPr lang="en-US" i="0" baseline="0" dirty="0" smtClean="0"/>
+          </a:p>
+          <a:p>
+            <a:r>
+              <a:rPr lang="en-US" i="0" baseline="0" dirty="0" smtClean="0"/>
+              <a:t>If </a:t>
+            </a:r>
+            <a:r>
+              <a:rPr lang="en-US" i="0" baseline="0" dirty="0" smtClean="0"/>
+              <a:t>you scored higher in mindset than </a:t>
+            </a:r>
+            <a:r>
+              <a:rPr lang="en-US" i="0" baseline="0" dirty="0" err="1" smtClean="0"/>
+              <a:t>behaviour</a:t>
+            </a:r>
+            <a:r>
+              <a:rPr lang="en-US" i="0" baseline="0" dirty="0" smtClean="0"/>
+              <a:t>, it means that you believe strongly in the Mutual Learning mindset yet </a:t>
+            </a:r>
+            <a:r>
+              <a:rPr lang="en-US" i="0" baseline="0" dirty="0" smtClean="0"/>
+              <a:t>don’t apply </a:t>
+            </a:r>
+            <a:r>
+              <a:rPr lang="en-US" i="0" baseline="0" dirty="0" smtClean="0"/>
+              <a:t>the </a:t>
+            </a:r>
+            <a:r>
+              <a:rPr lang="en-US" i="0" baseline="0" dirty="0" err="1" smtClean="0"/>
+              <a:t>behaviours</a:t>
+            </a:r>
+            <a:r>
+              <a:rPr lang="en-US" i="0" baseline="0" dirty="0" smtClean="0"/>
+              <a:t> fully </a:t>
+            </a:r>
+            <a:r>
+              <a:rPr lang="en-US" i="0" baseline="0" dirty="0" smtClean="0"/>
+              <a:t>in </a:t>
+            </a:r>
+            <a:r>
+              <a:rPr lang="en-US" i="0" baseline="0" dirty="0" smtClean="0"/>
+              <a:t>practice all of the time. This is a strong position to be in, however, belief needs to result in corresponding </a:t>
+            </a:r>
+            <a:r>
+              <a:rPr lang="en-US" i="0" baseline="0" dirty="0" err="1" smtClean="0"/>
+              <a:t>behaviour</a:t>
+            </a:r>
+            <a:r>
+              <a:rPr lang="en-US" i="0" baseline="0" dirty="0" smtClean="0"/>
+              <a:t> to be effective. Monitor your theory in practice for discrepancies to your ML mindset to increase your practice of ML </a:t>
+            </a:r>
+            <a:r>
+              <a:rPr lang="en-US" i="0" baseline="0" dirty="0" err="1" smtClean="0"/>
+              <a:t>behaviour</a:t>
+            </a:r>
+            <a:r>
+              <a:rPr lang="en-US" i="0" baseline="0" dirty="0" smtClean="0"/>
+              <a:t> more often, especially when under stress.</a:t>
+            </a:r>
+          </a:p>
+          <a:p>
+            <a:endParaRPr lang="en-US" i="0" baseline="0" dirty="0" smtClean="0"/>
+          </a:p>
+          <a:p>
+            <a:r>
+              <a:rPr lang="en-US" b="1" i="0" baseline="0" dirty="0" smtClean="0"/>
+              <a:t>How accurate is the Mutual Learning Scale?</a:t>
+            </a:r>
+            <a:endParaRPr lang="en-US" b="0" i="0" baseline="0" dirty="0" smtClean="0"/>
+          </a:p>
+          <a:p>
+            <a:r>
+              <a:rPr lang="en-US" b="0" i="0" baseline="0" dirty="0" smtClean="0"/>
+              <a:t>It depends. We suggest taking your two scores and multiplying them by 3/5 each to </a:t>
+            </a:r>
+            <a:r>
+              <a:rPr lang="en-US" b="0" i="0" baseline="0" dirty="0" err="1" smtClean="0"/>
+              <a:t>calbrate</a:t>
+            </a:r>
+            <a:r>
+              <a:rPr lang="en-US" b="0" i="0" baseline="0" dirty="0" smtClean="0"/>
+              <a:t> it for how you think and act under stress.</a:t>
+            </a:r>
+          </a:p>
+          <a:p>
+            <a:endParaRPr lang="en-US" b="0" i="0" baseline="0" dirty="0" smtClean="0"/>
+          </a:p>
+          <a:p>
+            <a:r>
+              <a:rPr lang="en-US" b="0" i="0" baseline="0" dirty="0" smtClean="0"/>
+              <a:t>For instance, if Annie scores 20/20 for mindset on a sunny day, under stress, she would more likely score 15/20.</a:t>
+            </a:r>
+          </a:p>
+          <a:p>
+            <a:pPr marL="0" marR="0" indent="0" algn="l" defTabSz="914400" rtl="0" eaLnBrk="1" fontAlgn="auto" latinLnBrk="0" hangingPunct="1">
+              <a:lnSpc>
+                <a:spcPct val="100000"/>
+              </a:lnSpc>
+              <a:spcBef>
+                <a:spcPts val="0"/>
+              </a:spcBef>
+              <a:spcAft>
+                <a:spcPts val="0"/>
+              </a:spcAft>
+              <a:buClrTx/>
+              <a:buSzTx/>
+              <a:buFontTx/>
+              <a:buNone/>
+              <a:tabLst/>
+              <a:defRPr/>
+            </a:pPr>
+            <a:r>
+              <a:rPr lang="en-US" b="0" i="0" baseline="0" dirty="0" smtClean="0"/>
+              <a:t>For instance, if Annie scores 25/32 for mindset on a sunny day, under stress, she would more likely score 15/32.</a:t>
+            </a:r>
+          </a:p>
+          <a:p>
+            <a:pPr marL="0" marR="0" indent="0" algn="l" defTabSz="914400" rtl="0" eaLnBrk="1" fontAlgn="auto" latinLnBrk="0" hangingPunct="1">
+              <a:lnSpc>
+                <a:spcPct val="100000"/>
+              </a:lnSpc>
+              <a:spcBef>
+                <a:spcPts val="0"/>
+              </a:spcBef>
+              <a:spcAft>
+                <a:spcPts val="0"/>
+              </a:spcAft>
+              <a:buClrTx/>
+              <a:buSzTx/>
+              <a:buFontTx/>
+              <a:buNone/>
+              <a:tabLst/>
+              <a:defRPr/>
+            </a:pPr>
+            <a:endParaRPr lang="en-US" b="0" i="0" baseline="0" dirty="0" smtClean="0"/>
+          </a:p>
+          <a:p>
+            <a:pPr marL="0" marR="0" indent="0" algn="l" defTabSz="914400" rtl="0" eaLnBrk="1" fontAlgn="auto" latinLnBrk="0" hangingPunct="1">
+              <a:lnSpc>
+                <a:spcPct val="100000"/>
+              </a:lnSpc>
+              <a:spcBef>
+                <a:spcPts val="0"/>
+              </a:spcBef>
+              <a:spcAft>
+                <a:spcPts val="0"/>
+              </a:spcAft>
+              <a:buClrTx/>
+              <a:buSzTx/>
+              <a:buFontTx/>
+              <a:buNone/>
+              <a:tabLst/>
+              <a:defRPr/>
+            </a:pPr>
+            <a:r>
+              <a:rPr lang="en-US" b="0" i="0" baseline="0" dirty="0" smtClean="0"/>
+              <a:t>What we expect to see is a reduction by one level down, from “competent” to “advanced beginner” when Annie is under stress. Embedding Mutual Learning as a mindset is vital to ensure your best chances of congruent </a:t>
+            </a:r>
+            <a:r>
+              <a:rPr lang="en-US" b="0" i="0" baseline="0" dirty="0" err="1" smtClean="0"/>
+              <a:t>behaviour</a:t>
+            </a:r>
+            <a:r>
+              <a:rPr lang="en-US" b="0" i="0" baseline="0" dirty="0" smtClean="0"/>
+              <a:t> to get the desired results.</a:t>
+            </a:r>
+          </a:p>
+          <a:p>
+            <a:endParaRPr lang="en-US" b="0" i="0" baseline="0" dirty="0" smtClean="0"/>
+          </a:p>
+          <a:p>
+            <a:endParaRPr lang="en-US" b="1" i="0" baseline="0" dirty="0" smtClean="0"/>
           </a:p>
         </p:txBody>
       </p:sp>
@@ -2631,7 +3070,7 @@
           <a:p>
             <a:fld id="{7E75E9DD-8B2C-E440-9B98-CB5FAE3BBE40}" type="slidenum">
               <a:rPr lang="en-US" smtClean="0"/>
-              <a:t>14</a:t>
+              <a:t>13</a:t>
             </a:fld>
             <a:endParaRPr lang="en-US"/>
           </a:p>
@@ -2831,7 +3270,7 @@
           <a:p>
             <a:fld id="{46657BA7-24BA-4EC1-97D6-99B2CCBE5DEC}" type="datetimeFigureOut">
               <a:rPr lang="en-GB" smtClean="0"/>
-              <a:t>17/09/2015</a:t>
+              <a:t>20/09/2015</a:t>
             </a:fld>
             <a:endParaRPr lang="en-GB"/>
           </a:p>
@@ -3001,7 +3440,7 @@
           <a:p>
             <a:fld id="{46657BA7-24BA-4EC1-97D6-99B2CCBE5DEC}" type="datetimeFigureOut">
               <a:rPr lang="en-GB" smtClean="0"/>
-              <a:t>17/09/2015</a:t>
+              <a:t>20/09/2015</a:t>
             </a:fld>
             <a:endParaRPr lang="en-GB"/>
           </a:p>
@@ -3181,7 +3620,7 @@
           <a:p>
             <a:fld id="{46657BA7-24BA-4EC1-97D6-99B2CCBE5DEC}" type="datetimeFigureOut">
               <a:rPr lang="en-GB" smtClean="0"/>
-              <a:t>17/09/2015</a:t>
+              <a:t>20/09/2015</a:t>
             </a:fld>
             <a:endParaRPr lang="en-GB"/>
           </a:p>
@@ -3592,7 +4031,7 @@
           <a:p>
             <a:fld id="{46657BA7-24BA-4EC1-97D6-99B2CCBE5DEC}" type="datetimeFigureOut">
               <a:rPr lang="en-GB" smtClean="0"/>
-              <a:t>17/09/2015</a:t>
+              <a:t>20/09/2015</a:t>
             </a:fld>
             <a:endParaRPr lang="en-GB"/>
           </a:p>
@@ -3838,7 +4277,7 @@
           <a:p>
             <a:fld id="{46657BA7-24BA-4EC1-97D6-99B2CCBE5DEC}" type="datetimeFigureOut">
               <a:rPr lang="en-GB" smtClean="0"/>
-              <a:t>17/09/2015</a:t>
+              <a:t>20/09/2015</a:t>
             </a:fld>
             <a:endParaRPr lang="en-GB"/>
           </a:p>
@@ -4126,7 +4565,7 @@
           <a:p>
             <a:fld id="{46657BA7-24BA-4EC1-97D6-99B2CCBE5DEC}" type="datetimeFigureOut">
               <a:rPr lang="en-GB" smtClean="0"/>
-              <a:t>17/09/2015</a:t>
+              <a:t>20/09/2015</a:t>
             </a:fld>
             <a:endParaRPr lang="en-GB"/>
           </a:p>
@@ -4548,7 +4987,7 @@
           <a:p>
             <a:fld id="{46657BA7-24BA-4EC1-97D6-99B2CCBE5DEC}" type="datetimeFigureOut">
               <a:rPr lang="en-GB" smtClean="0"/>
-              <a:t>17/09/2015</a:t>
+              <a:t>20/09/2015</a:t>
             </a:fld>
             <a:endParaRPr lang="en-GB"/>
           </a:p>
@@ -4666,7 +5105,7 @@
           <a:p>
             <a:fld id="{46657BA7-24BA-4EC1-97D6-99B2CCBE5DEC}" type="datetimeFigureOut">
               <a:rPr lang="en-GB" smtClean="0"/>
-              <a:t>17/09/2015</a:t>
+              <a:t>20/09/2015</a:t>
             </a:fld>
             <a:endParaRPr lang="en-GB"/>
           </a:p>
@@ -4761,7 +5200,7 @@
           <a:p>
             <a:fld id="{46657BA7-24BA-4EC1-97D6-99B2CCBE5DEC}" type="datetimeFigureOut">
               <a:rPr lang="en-GB" smtClean="0"/>
-              <a:t>17/09/2015</a:t>
+              <a:t>20/09/2015</a:t>
             </a:fld>
             <a:endParaRPr lang="en-GB"/>
           </a:p>
@@ -5038,7 +5477,7 @@
           <a:p>
             <a:fld id="{46657BA7-24BA-4EC1-97D6-99B2CCBE5DEC}" type="datetimeFigureOut">
               <a:rPr lang="en-GB" smtClean="0"/>
-              <a:t>17/09/2015</a:t>
+              <a:t>20/09/2015</a:t>
             </a:fld>
             <a:endParaRPr lang="en-GB"/>
           </a:p>
@@ -5291,7 +5730,7 @@
           <a:p>
             <a:fld id="{46657BA7-24BA-4EC1-97D6-99B2CCBE5DEC}" type="datetimeFigureOut">
               <a:rPr lang="en-GB" smtClean="0"/>
-              <a:t>17/09/2015</a:t>
+              <a:t>20/09/2015</a:t>
             </a:fld>
             <a:endParaRPr lang="en-GB"/>
           </a:p>
@@ -5400,10 +5839,10 @@
           <a:lstStyle/>
           <a:p>
             <a:r>
-              <a:rPr lang="en-US" smtClean="0"/>
+              <a:rPr lang="en-US" dirty="0" smtClean="0"/>
               <a:t>Click to edit Master title style</a:t>
             </a:r>
-            <a:endParaRPr lang="en-GB"/>
+            <a:endParaRPr lang="en-GB" dirty="0"/>
           </a:p>
         </p:txBody>
       </p:sp>
@@ -5434,38 +5873,38 @@
           <a:p>
             <a:pPr lvl="0"/>
             <a:r>
-              <a:rPr lang="en-US" smtClean="0"/>
+              <a:rPr lang="en-US" dirty="0" smtClean="0"/>
               <a:t>Click to edit Master text styles</a:t>
             </a:r>
           </a:p>
           <a:p>
             <a:pPr lvl="1"/>
             <a:r>
-              <a:rPr lang="en-US" smtClean="0"/>
+              <a:rPr lang="en-US" dirty="0" smtClean="0"/>
               <a:t>Second level</a:t>
             </a:r>
           </a:p>
           <a:p>
             <a:pPr lvl="2"/>
             <a:r>
-              <a:rPr lang="en-US" smtClean="0"/>
+              <a:rPr lang="en-US" dirty="0" smtClean="0"/>
               <a:t>Third level</a:t>
             </a:r>
           </a:p>
           <a:p>
             <a:pPr lvl="3"/>
             <a:r>
-              <a:rPr lang="en-US" smtClean="0"/>
+              <a:rPr lang="en-US" dirty="0" smtClean="0"/>
               <a:t>Fourth level</a:t>
             </a:r>
           </a:p>
           <a:p>
             <a:pPr lvl="4"/>
             <a:r>
-              <a:rPr lang="en-US" smtClean="0"/>
+              <a:rPr lang="en-US" dirty="0" smtClean="0"/>
               <a:t>Fifth level</a:t>
             </a:r>
-            <a:endParaRPr lang="en-GB"/>
+            <a:endParaRPr lang="en-GB" dirty="0"/>
           </a:p>
         </p:txBody>
       </p:sp>
@@ -5504,7 +5943,7 @@
           <a:p>
             <a:fld id="{46657BA7-24BA-4EC1-97D6-99B2CCBE5DEC}" type="datetimeFigureOut">
               <a:rPr lang="en-GB" smtClean="0"/>
-              <a:t>17/09/2015</a:t>
+              <a:t>20/09/2015</a:t>
             </a:fld>
             <a:endParaRPr lang="en-GB"/>
           </a:p>
@@ -5621,9 +6060,9 @@
           <a:solidFill>
             <a:schemeClr val="tx1"/>
           </a:solidFill>
-          <a:latin typeface="+mj-lt"/>
+          <a:latin typeface="Book Antiqua"/>
           <a:ea typeface="+mj-ea"/>
-          <a:cs typeface="+mj-cs"/>
+          <a:cs typeface="Book Antiqua"/>
         </a:defRPr>
       </a:lvl1pPr>
     </p:titleStyle>
@@ -5638,9 +6077,9 @@
           <a:solidFill>
             <a:schemeClr val="tx1"/>
           </a:solidFill>
-          <a:latin typeface="+mn-lt"/>
+          <a:latin typeface="Book Antiqua"/>
           <a:ea typeface="+mn-ea"/>
-          <a:cs typeface="+mn-cs"/>
+          <a:cs typeface="Book Antiqua"/>
         </a:defRPr>
       </a:lvl1pPr>
       <a:lvl2pPr marL="742950" indent="-285750" algn="l" defTabSz="914400" rtl="0" eaLnBrk="1" latinLnBrk="0" hangingPunct="1">
@@ -5653,9 +6092,9 @@
           <a:solidFill>
             <a:schemeClr val="tx1"/>
           </a:solidFill>
-          <a:latin typeface="+mn-lt"/>
+          <a:latin typeface="Book Antiqua"/>
           <a:ea typeface="+mn-ea"/>
-          <a:cs typeface="+mn-cs"/>
+          <a:cs typeface="Book Antiqua"/>
         </a:defRPr>
       </a:lvl2pPr>
       <a:lvl3pPr marL="1143000" indent="-228600" algn="l" defTabSz="914400" rtl="0" eaLnBrk="1" latinLnBrk="0" hangingPunct="1">
@@ -5668,9 +6107,9 @@
           <a:solidFill>
             <a:schemeClr val="tx1"/>
           </a:solidFill>
-          <a:latin typeface="+mn-lt"/>
+          <a:latin typeface="Book Antiqua"/>
           <a:ea typeface="+mn-ea"/>
-          <a:cs typeface="+mn-cs"/>
+          <a:cs typeface="Book Antiqua"/>
         </a:defRPr>
       </a:lvl3pPr>
       <a:lvl4pPr marL="1600200" indent="-228600" algn="l" defTabSz="914400" rtl="0" eaLnBrk="1" latinLnBrk="0" hangingPunct="1">
@@ -5683,9 +6122,9 @@
           <a:solidFill>
             <a:schemeClr val="tx1"/>
           </a:solidFill>
-          <a:latin typeface="+mn-lt"/>
+          <a:latin typeface="Book Antiqua"/>
           <a:ea typeface="+mn-ea"/>
-          <a:cs typeface="+mn-cs"/>
+          <a:cs typeface="Book Antiqua"/>
         </a:defRPr>
       </a:lvl4pPr>
       <a:lvl5pPr marL="2057400" indent="-228600" algn="l" defTabSz="914400" rtl="0" eaLnBrk="1" latinLnBrk="0" hangingPunct="1">
@@ -5698,9 +6137,9 @@
           <a:solidFill>
             <a:schemeClr val="tx1"/>
           </a:solidFill>
-          <a:latin typeface="+mn-lt"/>
+          <a:latin typeface="Book Antiqua"/>
           <a:ea typeface="+mn-ea"/>
-          <a:cs typeface="+mn-cs"/>
+          <a:cs typeface="Book Antiqua"/>
         </a:defRPr>
       </a:lvl5pPr>
       <a:lvl6pPr marL="2514600" indent="-228600" algn="l" defTabSz="914400" rtl="0" eaLnBrk="1" latinLnBrk="0" hangingPunct="1">
@@ -5880,6 +6319,37 @@
           <a:chExt cx="0" cy="0"/>
         </a:xfrm>
       </p:grpSpPr>
+      <p:pic>
+        <p:nvPicPr>
+          <p:cNvPr id="5" name="Picture 4" descr="map-of-middle-earth.jpg"/>
+          <p:cNvPicPr>
+            <a:picLocks noChangeAspect="1"/>
+          </p:cNvPicPr>
+          <p:nvPr/>
+        </p:nvPicPr>
+        <p:blipFill>
+          <a:blip r:embed="rId2">
+            <a:alphaModFix amt="71000"/>
+            <a:extLst>
+              <a:ext uri="{28A0092B-C50C-407E-A947-70E740481C1C}">
+                <a14:useLocalDpi xmlns:a14="http://schemas.microsoft.com/office/drawing/2010/main" val="0"/>
+              </a:ext>
+            </a:extLst>
+          </a:blip>
+          <a:stretch>
+            <a:fillRect/>
+          </a:stretch>
+        </p:blipFill>
+        <p:spPr>
+          <a:xfrm>
+            <a:off x="0" y="-3544"/>
+            <a:ext cx="9144000" cy="6861544"/>
+          </a:xfrm>
+          <a:prstGeom prst="rect">
+            <a:avLst/>
+          </a:prstGeom>
+        </p:spPr>
+      </p:pic>
       <p:sp>
         <p:nvSpPr>
           <p:cNvPr id="2" name="Title 1"/>
@@ -5890,23 +6360,55 @@
             <p:ph type="ctrTitle"/>
           </p:nvPr>
         </p:nvSpPr>
-        <p:spPr/>
+        <p:spPr>
+          <a:xfrm>
+            <a:off x="0" y="260648"/>
+            <a:ext cx="9144000" cy="1470025"/>
+          </a:xfrm>
+          <a:solidFill>
+            <a:srgbClr val="000000"/>
+          </a:solidFill>
+        </p:spPr>
         <p:txBody>
           <a:bodyPr/>
           <a:lstStyle/>
           <a:p>
             <a:r>
-              <a:rPr lang="en-GB" dirty="0" smtClean="0"/>
+              <a:rPr lang="en-GB" dirty="0" smtClean="0">
+                <a:solidFill>
+                  <a:srgbClr val="FFFFFF"/>
+                </a:solidFill>
+                <a:latin typeface="Book Antiqua"/>
+                <a:cs typeface="Book Antiqua"/>
+              </a:rPr>
               <a:t>The Fellowship of the Ring</a:t>
             </a:r>
             <a:br>
-              <a:rPr lang="en-GB" dirty="0" smtClean="0"/>
+              <a:rPr lang="en-GB" dirty="0" smtClean="0">
+                <a:solidFill>
+                  <a:srgbClr val="FFFFFF"/>
+                </a:solidFill>
+                <a:latin typeface="Book Antiqua"/>
+                <a:cs typeface="Book Antiqua"/>
+              </a:rPr>
             </a:br>
             <a:r>
-              <a:rPr lang="en-GB" sz="2800" dirty="0" smtClean="0"/>
+              <a:rPr lang="en-GB" sz="2800" dirty="0" smtClean="0">
+                <a:solidFill>
+                  <a:srgbClr val="FFFFFF"/>
+                </a:solidFill>
+                <a:latin typeface="Book Antiqua"/>
+                <a:cs typeface="Book Antiqua"/>
+              </a:rPr>
               <a:t>Personal Leadership Towards Joyful Work</a:t>
             </a:r>
-            <a:endParaRPr lang="en-GB" sz="2800" dirty="0"/>
+            <a:endParaRPr lang="en-GB" sz="2800" dirty="0">
+              <a:solidFill>
+                <a:srgbClr val="FFFFFF"/>
+              </a:solidFill>
+              <a:latin typeface="Book Antiqua"/>
+              <a:cs typeface="Book Antiqua"/>
+            </a:endParaRPr>
           </a:p>
         </p:txBody>
       </p:sp>
@@ -5920,7 +6422,15 @@
             <p:ph type="subTitle" idx="1"/>
           </p:nvPr>
         </p:nvSpPr>
-        <p:spPr/>
+        <p:spPr>
+          <a:xfrm>
+            <a:off x="0" y="6165304"/>
+            <a:ext cx="9144000" cy="504056"/>
+          </a:xfrm>
+          <a:solidFill>
+            <a:srgbClr val="000000"/>
+          </a:solidFill>
+        </p:spPr>
         <p:txBody>
           <a:bodyPr>
             <a:normAutofit/>
@@ -5928,13 +6438,84 @@
           <a:lstStyle/>
           <a:p>
             <a:r>
-              <a:rPr lang="en-GB" sz="2400" dirty="0" smtClean="0"/>
-              <a:t>With Joe Schmetzer &amp; Portia Tung</a:t>
-            </a:r>
-            <a:endParaRPr lang="en-GB" sz="2400" dirty="0"/>
-          </a:p>
-        </p:txBody>
-      </p:sp>
+              <a:rPr lang="en-GB" sz="1800" dirty="0" smtClean="0">
+                <a:solidFill>
+                  <a:srgbClr val="FFFFFF"/>
+                </a:solidFill>
+                <a:latin typeface="Book Antiqua"/>
+                <a:cs typeface="Book Antiqua"/>
+              </a:rPr>
+              <a:t>With </a:t>
+            </a:r>
+            <a:r>
+              <a:rPr lang="en-GB" sz="1800" dirty="0" smtClean="0">
+                <a:solidFill>
+                  <a:srgbClr val="FFFFFF"/>
+                </a:solidFill>
+                <a:latin typeface="Book Antiqua"/>
+                <a:cs typeface="Book Antiqua"/>
+              </a:rPr>
+              <a:t>Joe Schmetzer &amp; Portia Tung</a:t>
+            </a:r>
+            <a:endParaRPr lang="en-GB" sz="1800" dirty="0">
+              <a:solidFill>
+                <a:srgbClr val="FFFFFF"/>
+              </a:solidFill>
+              <a:latin typeface="Book Antiqua"/>
+              <a:cs typeface="Book Antiqua"/>
+            </a:endParaRPr>
+          </a:p>
+        </p:txBody>
+      </p:sp>
+      <p:pic>
+        <p:nvPicPr>
+          <p:cNvPr id="6" name="Picture 4"/>
+          <p:cNvPicPr>
+            <a:picLocks noChangeAspect="1" noChangeArrowheads="1"/>
+          </p:cNvPicPr>
+          <p:nvPr/>
+        </p:nvPicPr>
+        <p:blipFill>
+          <a:blip r:embed="rId3">
+            <a:extLst>
+              <a:ext uri="{28A0092B-C50C-407E-A947-70E740481C1C}">
+                <a14:useLocalDpi xmlns:a14="http://schemas.microsoft.com/office/drawing/2010/main" val="0"/>
+              </a:ext>
+            </a:extLst>
+          </a:blip>
+          <a:srcRect/>
+          <a:stretch>
+            <a:fillRect/>
+          </a:stretch>
+        </p:blipFill>
+        <p:spPr bwMode="auto">
+          <a:xfrm>
+            <a:off x="7945917" y="6199170"/>
+            <a:ext cx="1225550" cy="431800"/>
+          </a:xfrm>
+          <a:prstGeom prst="rect">
+            <a:avLst/>
+          </a:prstGeom>
+          <a:solidFill>
+            <a:srgbClr val="FFFFFF"/>
+          </a:solidFill>
+          <a:ln>
+            <a:noFill/>
+          </a:ln>
+          <a:extLst>
+            <a:ext uri="{91240B29-F687-4f45-9708-019B960494DF}">
+              <a14:hiddenLine xmlns:a14="http://schemas.microsoft.com/office/drawing/2010/main" w="9525">
+                <a:solidFill>
+                  <a:srgbClr val="000000"/>
+                </a:solidFill>
+                <a:miter lim="800000"/>
+                <a:headEnd/>
+                <a:tailEnd/>
+              </a14:hiddenLine>
+            </a:ext>
+          </a:extLst>
+        </p:spPr>
+      </p:pic>
     </p:spTree>
     <p:extLst>
       <p:ext uri="{BB962C8B-B14F-4D97-AF65-F5344CB8AC3E}">
@@ -5948,7 +6529,7 @@
   <p:timing>
     <p:tnLst>
       <p:par>
-        <p:cTn id="1" dur="indefinite" restart="never" nodeType="tmRoot"/>
+        <p:cTn xmlns:p14="http://schemas.microsoft.com/office/powerpoint/2010/main" id="1" dur="indefinite" restart="never" nodeType="tmRoot"/>
       </p:par>
     </p:tnLst>
   </p:timing>
@@ -6010,7 +6591,7 @@
           <a:bodyPr/>
           <a:lstStyle/>
           <a:p>
-            <a:pPr marL="0" indent="0">
+            <a:pPr marL="0" indent="0" algn="just">
               <a:buNone/>
             </a:pPr>
             <a:r>
@@ -6019,13 +6600,13 @@
             </a:r>
           </a:p>
           <a:p>
-            <a:pPr marL="0" indent="0">
+            <a:pPr marL="0" indent="0" algn="just">
               <a:buNone/>
             </a:pPr>
             <a:endParaRPr lang="en-GB" dirty="0"/>
           </a:p>
           <a:p>
-            <a:pPr marL="0" indent="0">
+            <a:pPr marL="0" indent="0" algn="just">
               <a:buNone/>
             </a:pPr>
             <a:r>
@@ -6057,7 +6638,7 @@
   <p:timing>
     <p:tnLst>
       <p:par>
-        <p:cTn id="1" dur="indefinite" restart="never" nodeType="tmRoot"/>
+        <p:cTn xmlns:p14="http://schemas.microsoft.com/office/powerpoint/2010/main" id="1" dur="indefinite" restart="never" nodeType="tmRoot"/>
       </p:par>
     </p:tnLst>
   </p:timing>
@@ -6139,8 +6720,13 @@
           <a:p>
             <a:r>
               <a:rPr lang="en-GB" dirty="0" smtClean="0"/>
-              <a:t>Who wants their meetings to be more like this?</a:t>
-            </a:r>
+              <a:t>Who wants their meetings to be more like </a:t>
+            </a:r>
+            <a:r>
+              <a:rPr lang="en-GB" dirty="0" smtClean="0"/>
+              <a:t>this one?</a:t>
+            </a:r>
+            <a:endParaRPr lang="en-GB" dirty="0" smtClean="0"/>
           </a:p>
         </p:txBody>
       </p:sp>
@@ -6157,7 +6743,7 @@
   <p:timing>
     <p:tnLst>
       <p:par>
-        <p:cTn id="1" dur="indefinite" restart="never" nodeType="tmRoot"/>
+        <p:cTn xmlns:p14="http://schemas.microsoft.com/office/powerpoint/2010/main" id="1" dur="indefinite" restart="never" nodeType="tmRoot"/>
       </p:par>
     </p:tnLst>
   </p:timing>
@@ -6193,13 +6779,19 @@
         </p:nvSpPr>
         <p:spPr/>
         <p:txBody>
-          <a:bodyPr/>
+          <a:bodyPr>
+            <a:normAutofit fontScale="90000"/>
+          </a:bodyPr>
           <a:lstStyle/>
           <a:p>
+            <a:pPr algn="r"/>
             <a:r>
               <a:rPr lang="en-GB" dirty="0" smtClean="0"/>
-              <a:t>Theory</a:t>
-            </a:r>
+              <a:t>Model II</a:t>
+            </a:r>
+            <a:br>
+              <a:rPr lang="en-GB" dirty="0" smtClean="0"/>
+            </a:br>
             <a:endParaRPr lang="en-GB" dirty="0"/>
           </a:p>
         </p:txBody>
@@ -6214,63 +6806,957 @@
             <p:ph idx="1"/>
           </p:nvPr>
         </p:nvSpPr>
-        <p:spPr/>
+        <p:spPr>
+          <a:xfrm>
+            <a:off x="323528" y="938187"/>
+            <a:ext cx="2818656" cy="676672"/>
+          </a:xfrm>
+        </p:spPr>
         <p:txBody>
           <a:bodyPr/>
           <a:lstStyle/>
           <a:p>
-            <a:r>
-              <a:rPr lang="en-GB" dirty="0" smtClean="0"/>
-              <a:t>Introduce Model 2:</a:t>
-            </a:r>
-          </a:p>
-          <a:p>
-            <a:pPr lvl="1"/>
-            <a:r>
-              <a:rPr lang="en-GB" dirty="0" smtClean="0"/>
-              <a:t>Reveal Values &amp; Assumptions</a:t>
-            </a:r>
-          </a:p>
-          <a:p>
-            <a:pPr lvl="1"/>
-            <a:r>
-              <a:rPr lang="en-GB" dirty="0" smtClean="0"/>
-              <a:t>Reveal Behaviours</a:t>
-            </a:r>
-          </a:p>
-          <a:p>
-            <a:pPr lvl="1"/>
-            <a:r>
-              <a:rPr lang="en-GB" dirty="0" smtClean="0"/>
-              <a:t>Recap on Results</a:t>
-            </a:r>
-          </a:p>
-          <a:p>
-            <a:pPr lvl="1"/>
-            <a:endParaRPr lang="en-GB" dirty="0"/>
-          </a:p>
-          <a:p>
             <a:pPr marL="0" indent="0">
               <a:buNone/>
             </a:pPr>
-            <a:endParaRPr lang="en-GB" dirty="0" smtClean="0"/>
-          </a:p>
-          <a:p>
-            <a:pPr lvl="1"/>
+            <a:r>
+              <a:rPr lang="en-GB" dirty="0" err="1" smtClean="0"/>
+              <a:t>Mindset</a:t>
+            </a:r>
             <a:endParaRPr lang="en-GB" dirty="0"/>
           </a:p>
+        </p:txBody>
+      </p:sp>
+      <p:sp>
+        <p:nvSpPr>
+          <p:cNvPr id="4" name="TextBox 3"/>
+          <p:cNvSpPr txBox="1"/>
+          <p:nvPr/>
+        </p:nvSpPr>
+        <p:spPr>
+          <a:xfrm>
+            <a:off x="323528" y="1524842"/>
+            <a:ext cx="2880320" cy="4770537"/>
+          </a:xfrm>
+          <a:prstGeom prst="rect">
+            <a:avLst/>
+          </a:prstGeom>
+          <a:noFill/>
+        </p:spPr>
+        <p:txBody>
+          <a:bodyPr wrap="square" rtlCol="0">
+            <a:spAutoFit/>
+          </a:bodyPr>
+          <a:lstStyle/>
+          <a:p>
+            <a:r>
+              <a:rPr lang="en-US" sz="1600" b="1" dirty="0" smtClean="0"/>
+              <a:t>Values</a:t>
+            </a:r>
+          </a:p>
+          <a:p>
+            <a:pPr marL="285750" indent="-285750">
+              <a:buFont typeface="Arial"/>
+              <a:buChar char="•"/>
+            </a:pPr>
+            <a:r>
+              <a:rPr lang="en-US" sz="1600" dirty="0" smtClean="0"/>
+              <a:t>Transparency</a:t>
+            </a:r>
+          </a:p>
+          <a:p>
+            <a:pPr marL="285750" indent="-285750">
+              <a:buFont typeface="Arial"/>
+              <a:buChar char="•"/>
+            </a:pPr>
+            <a:r>
+              <a:rPr lang="en-US" sz="1600" dirty="0" smtClean="0"/>
+              <a:t>Curiosity</a:t>
+            </a:r>
+          </a:p>
+          <a:p>
+            <a:pPr marL="285750" indent="-285750">
+              <a:buFont typeface="Arial"/>
+              <a:buChar char="•"/>
+            </a:pPr>
+            <a:r>
+              <a:rPr lang="en-US" sz="1600" dirty="0" smtClean="0"/>
+              <a:t>Informed choice</a:t>
+            </a:r>
+          </a:p>
+          <a:p>
+            <a:pPr marL="285750" indent="-285750">
+              <a:buFont typeface="Arial"/>
+              <a:buChar char="•"/>
+            </a:pPr>
+            <a:r>
+              <a:rPr lang="en-US" sz="1600" dirty="0" smtClean="0"/>
+              <a:t>Accountability</a:t>
+            </a:r>
+          </a:p>
+          <a:p>
+            <a:pPr marL="285750" indent="-285750">
+              <a:buFont typeface="Arial"/>
+              <a:buChar char="•"/>
+            </a:pPr>
+            <a:r>
+              <a:rPr lang="en-US" sz="1600" dirty="0" smtClean="0"/>
+              <a:t>Compassion</a:t>
+            </a:r>
+          </a:p>
+          <a:p>
+            <a:endParaRPr lang="en-US" sz="1600" dirty="0"/>
+          </a:p>
+          <a:p>
+            <a:r>
+              <a:rPr lang="en-US" sz="1600" b="1" dirty="0" smtClean="0"/>
+              <a:t>Assumptions</a:t>
+            </a:r>
+          </a:p>
+          <a:p>
+            <a:pPr marL="285750" indent="-285750">
+              <a:buFont typeface="Arial"/>
+              <a:buChar char="•"/>
+            </a:pPr>
+            <a:r>
+              <a:rPr lang="en-US" sz="1600" dirty="0" smtClean="0"/>
+              <a:t>I have information; so do other people</a:t>
+            </a:r>
+          </a:p>
+          <a:p>
+            <a:pPr marL="285750" indent="-285750">
+              <a:buFont typeface="Arial"/>
+              <a:buChar char="•"/>
+            </a:pPr>
+            <a:r>
+              <a:rPr lang="en-US" sz="1600" dirty="0" smtClean="0"/>
+              <a:t>Each of us sees things others don’t</a:t>
+            </a:r>
+          </a:p>
+          <a:p>
+            <a:pPr marL="285750" indent="-285750">
+              <a:buFont typeface="Arial"/>
+              <a:buChar char="•"/>
+            </a:pPr>
+            <a:r>
+              <a:rPr lang="en-US" sz="1600" dirty="0" smtClean="0"/>
+              <a:t>People may disagree with me and still have pure motives</a:t>
+            </a:r>
+          </a:p>
+          <a:p>
+            <a:pPr marL="285750" indent="-285750">
+              <a:buFont typeface="Arial"/>
+              <a:buChar char="•"/>
+            </a:pPr>
+            <a:r>
+              <a:rPr lang="en-US" sz="1600" dirty="0" smtClean="0"/>
+              <a:t>Differences are opportunities for learning</a:t>
+            </a:r>
+          </a:p>
+          <a:p>
+            <a:pPr marL="285750" indent="-285750">
+              <a:buFont typeface="Arial"/>
+              <a:buChar char="•"/>
+            </a:pPr>
+            <a:r>
+              <a:rPr lang="en-US" sz="1600" dirty="0" smtClean="0"/>
+              <a:t>I may be contributing to the problem</a:t>
+            </a:r>
+          </a:p>
+        </p:txBody>
+      </p:sp>
+      <p:sp>
+        <p:nvSpPr>
+          <p:cNvPr id="6" name="TextBox 5"/>
+          <p:cNvSpPr txBox="1"/>
+          <p:nvPr/>
+        </p:nvSpPr>
+        <p:spPr>
+          <a:xfrm>
+            <a:off x="3393704" y="1455161"/>
+            <a:ext cx="6120680" cy="2031325"/>
+          </a:xfrm>
+          <a:prstGeom prst="rect">
+            <a:avLst/>
+          </a:prstGeom>
+          <a:noFill/>
+        </p:spPr>
+        <p:txBody>
+          <a:bodyPr wrap="square" rtlCol="0">
+            <a:spAutoFit/>
+          </a:bodyPr>
+          <a:lstStyle/>
+          <a:p>
+            <a:pPr marL="514350" indent="-514350" algn="just">
+              <a:buFont typeface="+mj-lt"/>
+              <a:buAutoNum type="arabicPeriod"/>
+            </a:pPr>
+            <a:r>
+              <a:rPr lang="en-US" sz="1400" dirty="0"/>
+              <a:t>State views and ask genuine questions</a:t>
+            </a:r>
+          </a:p>
+          <a:p>
+            <a:pPr marL="514350" indent="-514350" algn="just">
+              <a:buFont typeface="+mj-lt"/>
+              <a:buAutoNum type="arabicPeriod"/>
+            </a:pPr>
+            <a:r>
+              <a:rPr lang="en-US" sz="1400" dirty="0"/>
+              <a:t>Share all relevant information</a:t>
+            </a:r>
+          </a:p>
+          <a:p>
+            <a:pPr marL="514350" indent="-514350" algn="just">
+              <a:buFont typeface="+mj-lt"/>
+              <a:buAutoNum type="arabicPeriod"/>
+            </a:pPr>
+            <a:r>
+              <a:rPr lang="en-US" sz="1400" dirty="0"/>
+              <a:t>Use specific examples and agree on what important words mean</a:t>
+            </a:r>
+          </a:p>
+          <a:p>
+            <a:pPr marL="514350" indent="-514350" algn="just">
+              <a:buFont typeface="+mj-lt"/>
+              <a:buAutoNum type="arabicPeriod"/>
+            </a:pPr>
+            <a:r>
+              <a:rPr lang="en-US" sz="1400" dirty="0"/>
+              <a:t>Explain reasoning and intent</a:t>
+            </a:r>
+          </a:p>
+          <a:p>
+            <a:pPr marL="514350" indent="-514350" algn="just">
+              <a:buFont typeface="+mj-lt"/>
+              <a:buAutoNum type="arabicPeriod"/>
+            </a:pPr>
+            <a:r>
+              <a:rPr lang="en-US" sz="1400" dirty="0"/>
+              <a:t>Focus on interests, not positions</a:t>
+            </a:r>
+          </a:p>
+          <a:p>
+            <a:pPr marL="514350" indent="-514350" algn="just">
+              <a:buFont typeface="+mj-lt"/>
+              <a:buAutoNum type="arabicPeriod"/>
+            </a:pPr>
+            <a:r>
+              <a:rPr lang="en-US" sz="1400" dirty="0"/>
+              <a:t>Test assumptions and inferences</a:t>
+            </a:r>
+          </a:p>
+          <a:p>
+            <a:pPr marL="514350" indent="-514350" algn="just">
+              <a:buFont typeface="+mj-lt"/>
+              <a:buAutoNum type="arabicPeriod"/>
+            </a:pPr>
+            <a:r>
+              <a:rPr lang="en-US" sz="1400" dirty="0"/>
+              <a:t>Jointly design next steps</a:t>
+            </a:r>
+          </a:p>
+          <a:p>
+            <a:pPr marL="514350" indent="-514350" algn="just">
+              <a:buFont typeface="+mj-lt"/>
+              <a:buAutoNum type="arabicPeriod"/>
+            </a:pPr>
+            <a:r>
+              <a:rPr lang="en-US" sz="1400" dirty="0"/>
+              <a:t>Discuss </a:t>
+            </a:r>
+            <a:r>
+              <a:rPr lang="en-US" sz="1400" dirty="0" err="1"/>
+              <a:t>undiscussable</a:t>
+            </a:r>
+            <a:r>
+              <a:rPr lang="en-US" sz="1400" dirty="0"/>
+              <a:t> </a:t>
+            </a:r>
+            <a:r>
+              <a:rPr lang="en-US" sz="1400" dirty="0" smtClean="0"/>
+              <a:t>issues</a:t>
+            </a:r>
+            <a:endParaRPr lang="en-US" sz="1400" dirty="0"/>
+          </a:p>
+          <a:p>
+            <a:pPr algn="just"/>
+            <a:endParaRPr lang="en-US" sz="1400" dirty="0"/>
+          </a:p>
+        </p:txBody>
+      </p:sp>
+      <p:sp>
+        <p:nvSpPr>
+          <p:cNvPr id="7" name="Content Placeholder 2"/>
+          <p:cNvSpPr txBox="1">
+            <a:spLocks/>
+          </p:cNvSpPr>
+          <p:nvPr/>
+        </p:nvSpPr>
+        <p:spPr>
+          <a:xfrm>
+            <a:off x="3347864" y="938187"/>
+            <a:ext cx="2818656" cy="676672"/>
+          </a:xfrm>
+          <a:prstGeom prst="rect">
+            <a:avLst/>
+          </a:prstGeom>
+        </p:spPr>
+        <p:txBody>
+          <a:bodyPr vert="horz" lIns="91440" tIns="45720" rIns="91440" bIns="45720" rtlCol="0">
+            <a:normAutofit/>
+          </a:bodyPr>
+          <a:lstStyle>
+            <a:lvl1pPr marL="342900" indent="-342900" algn="l" defTabSz="914400" rtl="0" eaLnBrk="1" latinLnBrk="0" hangingPunct="1">
+              <a:spcBef>
+                <a:spcPct val="20000"/>
+              </a:spcBef>
+              <a:buFont typeface="Arial" panose="020B0604020202020204" pitchFamily="34" charset="0"/>
+              <a:buChar char="•"/>
+              <a:defRPr sz="3200" kern="1200">
+                <a:solidFill>
+                  <a:schemeClr val="tx1"/>
+                </a:solidFill>
+                <a:latin typeface="Book Antiqua"/>
+                <a:ea typeface="+mn-ea"/>
+                <a:cs typeface="Book Antiqua"/>
+              </a:defRPr>
+            </a:lvl1pPr>
+            <a:lvl2pPr marL="742950" indent="-285750" algn="l" defTabSz="914400" rtl="0" eaLnBrk="1" latinLnBrk="0" hangingPunct="1">
+              <a:spcBef>
+                <a:spcPct val="20000"/>
+              </a:spcBef>
+              <a:buFont typeface="Arial" panose="020B0604020202020204" pitchFamily="34" charset="0"/>
+              <a:buChar char="–"/>
+              <a:defRPr sz="2800" kern="1200">
+                <a:solidFill>
+                  <a:schemeClr val="tx1"/>
+                </a:solidFill>
+                <a:latin typeface="Book Antiqua"/>
+                <a:ea typeface="+mn-ea"/>
+                <a:cs typeface="Book Antiqua"/>
+              </a:defRPr>
+            </a:lvl2pPr>
+            <a:lvl3pPr marL="1143000" indent="-228600" algn="l" defTabSz="914400" rtl="0" eaLnBrk="1" latinLnBrk="0" hangingPunct="1">
+              <a:spcBef>
+                <a:spcPct val="20000"/>
+              </a:spcBef>
+              <a:buFont typeface="Arial" panose="020B0604020202020204" pitchFamily="34" charset="0"/>
+              <a:buChar char="•"/>
+              <a:defRPr sz="2400" kern="1200">
+                <a:solidFill>
+                  <a:schemeClr val="tx1"/>
+                </a:solidFill>
+                <a:latin typeface="Book Antiqua"/>
+                <a:ea typeface="+mn-ea"/>
+                <a:cs typeface="Book Antiqua"/>
+              </a:defRPr>
+            </a:lvl3pPr>
+            <a:lvl4pPr marL="1600200" indent="-228600" algn="l" defTabSz="914400" rtl="0" eaLnBrk="1" latinLnBrk="0" hangingPunct="1">
+              <a:spcBef>
+                <a:spcPct val="20000"/>
+              </a:spcBef>
+              <a:buFont typeface="Arial" panose="020B0604020202020204" pitchFamily="34" charset="0"/>
+              <a:buChar char="–"/>
+              <a:defRPr sz="2000" kern="1200">
+                <a:solidFill>
+                  <a:schemeClr val="tx1"/>
+                </a:solidFill>
+                <a:latin typeface="Book Antiqua"/>
+                <a:ea typeface="+mn-ea"/>
+                <a:cs typeface="Book Antiqua"/>
+              </a:defRPr>
+            </a:lvl4pPr>
+            <a:lvl5pPr marL="2057400" indent="-228600" algn="l" defTabSz="914400" rtl="0" eaLnBrk="1" latinLnBrk="0" hangingPunct="1">
+              <a:spcBef>
+                <a:spcPct val="20000"/>
+              </a:spcBef>
+              <a:buFont typeface="Arial" panose="020B0604020202020204" pitchFamily="34" charset="0"/>
+              <a:buChar char="»"/>
+              <a:defRPr sz="2000" kern="1200">
+                <a:solidFill>
+                  <a:schemeClr val="tx1"/>
+                </a:solidFill>
+                <a:latin typeface="Book Antiqua"/>
+                <a:ea typeface="+mn-ea"/>
+                <a:cs typeface="Book Antiqua"/>
+              </a:defRPr>
+            </a:lvl5pPr>
+            <a:lvl6pPr marL="2514600" indent="-228600" algn="l" defTabSz="914400" rtl="0" eaLnBrk="1" latinLnBrk="0" hangingPunct="1">
+              <a:spcBef>
+                <a:spcPct val="20000"/>
+              </a:spcBef>
+              <a:buFont typeface="Arial" panose="020B0604020202020204" pitchFamily="34" charset="0"/>
+              <a:buChar char="•"/>
+              <a:defRPr sz="2000" kern="1200">
+                <a:solidFill>
+                  <a:schemeClr val="tx1"/>
+                </a:solidFill>
+                <a:latin typeface="+mn-lt"/>
+                <a:ea typeface="+mn-ea"/>
+                <a:cs typeface="+mn-cs"/>
+              </a:defRPr>
+            </a:lvl6pPr>
+            <a:lvl7pPr marL="2971800" indent="-228600" algn="l" defTabSz="914400" rtl="0" eaLnBrk="1" latinLnBrk="0" hangingPunct="1">
+              <a:spcBef>
+                <a:spcPct val="20000"/>
+              </a:spcBef>
+              <a:buFont typeface="Arial" panose="020B0604020202020204" pitchFamily="34" charset="0"/>
+              <a:buChar char="•"/>
+              <a:defRPr sz="2000" kern="1200">
+                <a:solidFill>
+                  <a:schemeClr val="tx1"/>
+                </a:solidFill>
+                <a:latin typeface="+mn-lt"/>
+                <a:ea typeface="+mn-ea"/>
+                <a:cs typeface="+mn-cs"/>
+              </a:defRPr>
+            </a:lvl7pPr>
+            <a:lvl8pPr marL="3429000" indent="-228600" algn="l" defTabSz="914400" rtl="0" eaLnBrk="1" latinLnBrk="0" hangingPunct="1">
+              <a:spcBef>
+                <a:spcPct val="20000"/>
+              </a:spcBef>
+              <a:buFont typeface="Arial" panose="020B0604020202020204" pitchFamily="34" charset="0"/>
+              <a:buChar char="•"/>
+              <a:defRPr sz="2000" kern="1200">
+                <a:solidFill>
+                  <a:schemeClr val="tx1"/>
+                </a:solidFill>
+                <a:latin typeface="+mn-lt"/>
+                <a:ea typeface="+mn-ea"/>
+                <a:cs typeface="+mn-cs"/>
+              </a:defRPr>
+            </a:lvl8pPr>
+            <a:lvl9pPr marL="3886200" indent="-228600" algn="l" defTabSz="914400" rtl="0" eaLnBrk="1" latinLnBrk="0" hangingPunct="1">
+              <a:spcBef>
+                <a:spcPct val="20000"/>
+              </a:spcBef>
+              <a:buFont typeface="Arial" panose="020B0604020202020204" pitchFamily="34" charset="0"/>
+              <a:buChar char="•"/>
+              <a:defRPr sz="2000" kern="1200">
+                <a:solidFill>
+                  <a:schemeClr val="tx1"/>
+                </a:solidFill>
+                <a:latin typeface="+mn-lt"/>
+                <a:ea typeface="+mn-ea"/>
+                <a:cs typeface="+mn-cs"/>
+              </a:defRPr>
+            </a:lvl9pPr>
+          </a:lstStyle>
           <a:p>
             <a:pPr marL="0" indent="0">
+              <a:buFont typeface="Arial" panose="020B0604020202020204" pitchFamily="34" charset="0"/>
               <a:buNone/>
             </a:pPr>
+            <a:r>
+              <a:rPr lang="en-GB" dirty="0" smtClean="0"/>
+              <a:t>Behaviours</a:t>
+            </a:r>
             <a:endParaRPr lang="en-GB" dirty="0"/>
+          </a:p>
+        </p:txBody>
+      </p:sp>
+      <p:sp>
+        <p:nvSpPr>
+          <p:cNvPr id="8" name="Content Placeholder 2"/>
+          <p:cNvSpPr txBox="1">
+            <a:spLocks/>
+          </p:cNvSpPr>
+          <p:nvPr/>
+        </p:nvSpPr>
+        <p:spPr>
+          <a:xfrm>
+            <a:off x="3347864" y="3415059"/>
+            <a:ext cx="2818656" cy="676672"/>
+          </a:xfrm>
+          <a:prstGeom prst="rect">
+            <a:avLst/>
+          </a:prstGeom>
+        </p:spPr>
+        <p:txBody>
+          <a:bodyPr vert="horz" lIns="91440" tIns="45720" rIns="91440" bIns="45720" rtlCol="0">
+            <a:normAutofit/>
+          </a:bodyPr>
+          <a:lstStyle>
+            <a:lvl1pPr marL="342900" indent="-342900" algn="l" defTabSz="914400" rtl="0" eaLnBrk="1" latinLnBrk="0" hangingPunct="1">
+              <a:spcBef>
+                <a:spcPct val="20000"/>
+              </a:spcBef>
+              <a:buFont typeface="Arial" panose="020B0604020202020204" pitchFamily="34" charset="0"/>
+              <a:buChar char="•"/>
+              <a:defRPr sz="3200" kern="1200">
+                <a:solidFill>
+                  <a:schemeClr val="tx1"/>
+                </a:solidFill>
+                <a:latin typeface="Book Antiqua"/>
+                <a:ea typeface="+mn-ea"/>
+                <a:cs typeface="Book Antiqua"/>
+              </a:defRPr>
+            </a:lvl1pPr>
+            <a:lvl2pPr marL="742950" indent="-285750" algn="l" defTabSz="914400" rtl="0" eaLnBrk="1" latinLnBrk="0" hangingPunct="1">
+              <a:spcBef>
+                <a:spcPct val="20000"/>
+              </a:spcBef>
+              <a:buFont typeface="Arial" panose="020B0604020202020204" pitchFamily="34" charset="0"/>
+              <a:buChar char="–"/>
+              <a:defRPr sz="2800" kern="1200">
+                <a:solidFill>
+                  <a:schemeClr val="tx1"/>
+                </a:solidFill>
+                <a:latin typeface="Book Antiqua"/>
+                <a:ea typeface="+mn-ea"/>
+                <a:cs typeface="Book Antiqua"/>
+              </a:defRPr>
+            </a:lvl2pPr>
+            <a:lvl3pPr marL="1143000" indent="-228600" algn="l" defTabSz="914400" rtl="0" eaLnBrk="1" latinLnBrk="0" hangingPunct="1">
+              <a:spcBef>
+                <a:spcPct val="20000"/>
+              </a:spcBef>
+              <a:buFont typeface="Arial" panose="020B0604020202020204" pitchFamily="34" charset="0"/>
+              <a:buChar char="•"/>
+              <a:defRPr sz="2400" kern="1200">
+                <a:solidFill>
+                  <a:schemeClr val="tx1"/>
+                </a:solidFill>
+                <a:latin typeface="Book Antiqua"/>
+                <a:ea typeface="+mn-ea"/>
+                <a:cs typeface="Book Antiqua"/>
+              </a:defRPr>
+            </a:lvl3pPr>
+            <a:lvl4pPr marL="1600200" indent="-228600" algn="l" defTabSz="914400" rtl="0" eaLnBrk="1" latinLnBrk="0" hangingPunct="1">
+              <a:spcBef>
+                <a:spcPct val="20000"/>
+              </a:spcBef>
+              <a:buFont typeface="Arial" panose="020B0604020202020204" pitchFamily="34" charset="0"/>
+              <a:buChar char="–"/>
+              <a:defRPr sz="2000" kern="1200">
+                <a:solidFill>
+                  <a:schemeClr val="tx1"/>
+                </a:solidFill>
+                <a:latin typeface="Book Antiqua"/>
+                <a:ea typeface="+mn-ea"/>
+                <a:cs typeface="Book Antiqua"/>
+              </a:defRPr>
+            </a:lvl4pPr>
+            <a:lvl5pPr marL="2057400" indent="-228600" algn="l" defTabSz="914400" rtl="0" eaLnBrk="1" latinLnBrk="0" hangingPunct="1">
+              <a:spcBef>
+                <a:spcPct val="20000"/>
+              </a:spcBef>
+              <a:buFont typeface="Arial" panose="020B0604020202020204" pitchFamily="34" charset="0"/>
+              <a:buChar char="»"/>
+              <a:defRPr sz="2000" kern="1200">
+                <a:solidFill>
+                  <a:schemeClr val="tx1"/>
+                </a:solidFill>
+                <a:latin typeface="Book Antiqua"/>
+                <a:ea typeface="+mn-ea"/>
+                <a:cs typeface="Book Antiqua"/>
+              </a:defRPr>
+            </a:lvl5pPr>
+            <a:lvl6pPr marL="2514600" indent="-228600" algn="l" defTabSz="914400" rtl="0" eaLnBrk="1" latinLnBrk="0" hangingPunct="1">
+              <a:spcBef>
+                <a:spcPct val="20000"/>
+              </a:spcBef>
+              <a:buFont typeface="Arial" panose="020B0604020202020204" pitchFamily="34" charset="0"/>
+              <a:buChar char="•"/>
+              <a:defRPr sz="2000" kern="1200">
+                <a:solidFill>
+                  <a:schemeClr val="tx1"/>
+                </a:solidFill>
+                <a:latin typeface="+mn-lt"/>
+                <a:ea typeface="+mn-ea"/>
+                <a:cs typeface="+mn-cs"/>
+              </a:defRPr>
+            </a:lvl6pPr>
+            <a:lvl7pPr marL="2971800" indent="-228600" algn="l" defTabSz="914400" rtl="0" eaLnBrk="1" latinLnBrk="0" hangingPunct="1">
+              <a:spcBef>
+                <a:spcPct val="20000"/>
+              </a:spcBef>
+              <a:buFont typeface="Arial" panose="020B0604020202020204" pitchFamily="34" charset="0"/>
+              <a:buChar char="•"/>
+              <a:defRPr sz="2000" kern="1200">
+                <a:solidFill>
+                  <a:schemeClr val="tx1"/>
+                </a:solidFill>
+                <a:latin typeface="+mn-lt"/>
+                <a:ea typeface="+mn-ea"/>
+                <a:cs typeface="+mn-cs"/>
+              </a:defRPr>
+            </a:lvl7pPr>
+            <a:lvl8pPr marL="3429000" indent="-228600" algn="l" defTabSz="914400" rtl="0" eaLnBrk="1" latinLnBrk="0" hangingPunct="1">
+              <a:spcBef>
+                <a:spcPct val="20000"/>
+              </a:spcBef>
+              <a:buFont typeface="Arial" panose="020B0604020202020204" pitchFamily="34" charset="0"/>
+              <a:buChar char="•"/>
+              <a:defRPr sz="2000" kern="1200">
+                <a:solidFill>
+                  <a:schemeClr val="tx1"/>
+                </a:solidFill>
+                <a:latin typeface="+mn-lt"/>
+                <a:ea typeface="+mn-ea"/>
+                <a:cs typeface="+mn-cs"/>
+              </a:defRPr>
+            </a:lvl8pPr>
+            <a:lvl9pPr marL="3886200" indent="-228600" algn="l" defTabSz="914400" rtl="0" eaLnBrk="1" latinLnBrk="0" hangingPunct="1">
+              <a:spcBef>
+                <a:spcPct val="20000"/>
+              </a:spcBef>
+              <a:buFont typeface="Arial" panose="020B0604020202020204" pitchFamily="34" charset="0"/>
+              <a:buChar char="•"/>
+              <a:defRPr sz="2000" kern="1200">
+                <a:solidFill>
+                  <a:schemeClr val="tx1"/>
+                </a:solidFill>
+                <a:latin typeface="+mn-lt"/>
+                <a:ea typeface="+mn-ea"/>
+                <a:cs typeface="+mn-cs"/>
+              </a:defRPr>
+            </a:lvl9pPr>
+          </a:lstStyle>
+          <a:p>
+            <a:pPr marL="0" indent="0">
+              <a:buFont typeface="Arial" panose="020B0604020202020204" pitchFamily="34" charset="0"/>
+              <a:buNone/>
+            </a:pPr>
+            <a:r>
+              <a:rPr lang="en-GB" dirty="0" smtClean="0"/>
+              <a:t>Results</a:t>
+            </a:r>
+            <a:endParaRPr lang="en-GB" dirty="0"/>
+          </a:p>
+        </p:txBody>
+      </p:sp>
+      <p:sp>
+        <p:nvSpPr>
+          <p:cNvPr id="10" name="TextBox 9"/>
+          <p:cNvSpPr txBox="1"/>
+          <p:nvPr/>
+        </p:nvSpPr>
+        <p:spPr>
+          <a:xfrm>
+            <a:off x="3419872" y="3991123"/>
+            <a:ext cx="3888432" cy="2462213"/>
+          </a:xfrm>
+          <a:prstGeom prst="rect">
+            <a:avLst/>
+          </a:prstGeom>
+          <a:noFill/>
+        </p:spPr>
+        <p:txBody>
+          <a:bodyPr wrap="square" rtlCol="0">
+            <a:spAutoFit/>
+          </a:bodyPr>
+          <a:lstStyle/>
+          <a:p>
+            <a:pPr algn="just"/>
+            <a:r>
+              <a:rPr lang="en-US" sz="1400" b="1" dirty="0" smtClean="0"/>
+              <a:t>Performance</a:t>
+            </a:r>
+          </a:p>
+          <a:p>
+            <a:pPr marL="285750" indent="-285750" algn="just">
+              <a:buFont typeface="Arial"/>
+              <a:buChar char="•"/>
+            </a:pPr>
+            <a:r>
+              <a:rPr lang="en-US" sz="1400" dirty="0" smtClean="0"/>
+              <a:t>Higher-quality decisions</a:t>
+            </a:r>
+          </a:p>
+          <a:p>
+            <a:pPr marL="285750" indent="-285750" algn="just">
+              <a:buFont typeface="Arial"/>
+              <a:buChar char="•"/>
+            </a:pPr>
+            <a:r>
+              <a:rPr lang="en-US" sz="1400" dirty="0" smtClean="0"/>
+              <a:t>Greater innovation</a:t>
+            </a:r>
+          </a:p>
+          <a:p>
+            <a:pPr marL="285750" indent="-285750" algn="just">
+              <a:buFont typeface="Arial"/>
+              <a:buChar char="•"/>
+            </a:pPr>
+            <a:r>
+              <a:rPr lang="en-US" sz="1400" dirty="0" smtClean="0"/>
+              <a:t>Shorter implementation time</a:t>
+            </a:r>
+          </a:p>
+          <a:p>
+            <a:pPr marL="285750" indent="-285750" algn="just">
+              <a:buFont typeface="Arial"/>
+              <a:buChar char="•"/>
+            </a:pPr>
+            <a:r>
+              <a:rPr lang="en-US" sz="1400" dirty="0" smtClean="0"/>
+              <a:t>Reduced costs</a:t>
+            </a:r>
+          </a:p>
+          <a:p>
+            <a:pPr algn="just"/>
+            <a:endParaRPr lang="en-US" sz="1400" b="1" dirty="0"/>
+          </a:p>
+          <a:p>
+            <a:pPr algn="just"/>
+            <a:r>
+              <a:rPr lang="en-US" sz="1400" b="1" dirty="0" smtClean="0"/>
+              <a:t>Individual Well-Being</a:t>
+            </a:r>
+          </a:p>
+          <a:p>
+            <a:pPr marL="285750" indent="-285750" algn="just">
+              <a:buFont typeface="Arial"/>
+              <a:buChar char="•"/>
+            </a:pPr>
+            <a:r>
+              <a:rPr lang="en-US" sz="1400" dirty="0" smtClean="0"/>
+              <a:t>Increased motivation</a:t>
+            </a:r>
+          </a:p>
+          <a:p>
+            <a:pPr marL="285750" indent="-285750" algn="just">
+              <a:buFont typeface="Arial"/>
+              <a:buChar char="•"/>
+            </a:pPr>
+            <a:r>
+              <a:rPr lang="en-US" sz="1400" dirty="0" smtClean="0"/>
+              <a:t>Increased satisfaction</a:t>
+            </a:r>
+          </a:p>
+          <a:p>
+            <a:pPr marL="285750" indent="-285750" algn="just">
+              <a:buFont typeface="Arial"/>
+              <a:buChar char="•"/>
+            </a:pPr>
+            <a:r>
+              <a:rPr lang="en-US" sz="1400" dirty="0" smtClean="0"/>
+              <a:t>Richer development opportunities</a:t>
+            </a:r>
+          </a:p>
+          <a:p>
+            <a:pPr marL="285750" indent="-285750" algn="just">
+              <a:buFont typeface="Arial"/>
+              <a:buChar char="•"/>
+            </a:pPr>
+            <a:r>
+              <a:rPr lang="en-US" sz="1400" dirty="0" smtClean="0"/>
+              <a:t>Reduced stress</a:t>
+            </a:r>
+            <a:endParaRPr lang="en-US" sz="1400" dirty="0"/>
+          </a:p>
+        </p:txBody>
+      </p:sp>
+      <p:sp>
+        <p:nvSpPr>
+          <p:cNvPr id="11" name="TextBox 10"/>
+          <p:cNvSpPr txBox="1"/>
+          <p:nvPr/>
+        </p:nvSpPr>
+        <p:spPr>
+          <a:xfrm>
+            <a:off x="5940152" y="3991123"/>
+            <a:ext cx="3312368" cy="1815882"/>
+          </a:xfrm>
+          <a:prstGeom prst="rect">
+            <a:avLst/>
+          </a:prstGeom>
+          <a:noFill/>
+        </p:spPr>
+        <p:txBody>
+          <a:bodyPr wrap="square" rtlCol="0">
+            <a:spAutoFit/>
+          </a:bodyPr>
+          <a:lstStyle/>
+          <a:p>
+            <a:pPr algn="just"/>
+            <a:r>
+              <a:rPr lang="en-US" sz="1400" b="1" dirty="0" smtClean="0"/>
+              <a:t>Working Relationships</a:t>
+            </a:r>
+          </a:p>
+          <a:p>
+            <a:pPr marL="285750" indent="-285750" algn="just">
+              <a:buFont typeface="Arial"/>
+              <a:buChar char="•"/>
+            </a:pPr>
+            <a:r>
+              <a:rPr lang="en-US" sz="1400" dirty="0" smtClean="0"/>
+              <a:t>Greater commitment</a:t>
+            </a:r>
+          </a:p>
+          <a:p>
+            <a:pPr marL="285750" indent="-285750" algn="just">
+              <a:buFont typeface="Arial"/>
+              <a:buChar char="•"/>
+            </a:pPr>
+            <a:r>
+              <a:rPr lang="en-US" sz="1400" dirty="0" smtClean="0"/>
+              <a:t>Increased trust</a:t>
+            </a:r>
+          </a:p>
+          <a:p>
+            <a:pPr marL="285750" indent="-285750" algn="just">
+              <a:buFont typeface="Arial"/>
+              <a:buChar char="•"/>
+            </a:pPr>
+            <a:r>
+              <a:rPr lang="en-US" sz="1400" dirty="0" smtClean="0"/>
+              <a:t>Increased learning</a:t>
+            </a:r>
+          </a:p>
+          <a:p>
+            <a:pPr marL="285750" indent="-285750" algn="just">
+              <a:buFont typeface="Arial"/>
+              <a:buChar char="•"/>
+            </a:pPr>
+            <a:r>
+              <a:rPr lang="en-US" sz="1400" dirty="0" smtClean="0"/>
+              <a:t>Reduced defensiveness</a:t>
+            </a:r>
+          </a:p>
+          <a:p>
+            <a:pPr marL="285750" indent="-285750" algn="just">
+              <a:buFont typeface="Arial"/>
+              <a:buChar char="•"/>
+            </a:pPr>
+            <a:r>
+              <a:rPr lang="en-US" sz="1400" dirty="0" smtClean="0"/>
+              <a:t>Productive conflict</a:t>
+            </a:r>
+          </a:p>
+          <a:p>
+            <a:pPr marL="285750" indent="-285750" algn="just">
+              <a:buFont typeface="Arial"/>
+              <a:buChar char="•"/>
+            </a:pPr>
+            <a:r>
+              <a:rPr lang="en-US" sz="1400" dirty="0" smtClean="0"/>
+              <a:t>Appropriate dependence on others</a:t>
+            </a:r>
+          </a:p>
+          <a:p>
+            <a:pPr marL="285750" indent="-285750" algn="just">
+              <a:buFont typeface="Arial"/>
+              <a:buChar char="•"/>
+            </a:pPr>
+            <a:endParaRPr lang="en-US" sz="1400" dirty="0"/>
+          </a:p>
+        </p:txBody>
+      </p:sp>
+      <p:cxnSp>
+        <p:nvCxnSpPr>
+          <p:cNvPr id="13" name="Straight Connector 12"/>
+          <p:cNvCxnSpPr/>
+          <p:nvPr/>
+        </p:nvCxnSpPr>
+        <p:spPr>
+          <a:xfrm>
+            <a:off x="3131840" y="966787"/>
+            <a:ext cx="0" cy="5445224"/>
+          </a:xfrm>
+          <a:prstGeom prst="line">
+            <a:avLst/>
+          </a:prstGeom>
+          <a:ln w="12700" cmpd="sng">
+            <a:solidFill>
+              <a:srgbClr val="000000"/>
+            </a:solidFill>
+            <a:prstDash val="solid"/>
+          </a:ln>
+        </p:spPr>
+        <p:style>
+          <a:lnRef idx="2">
+            <a:schemeClr val="accent1"/>
+          </a:lnRef>
+          <a:fillRef idx="0">
+            <a:schemeClr val="accent1"/>
+          </a:fillRef>
+          <a:effectRef idx="1">
+            <a:schemeClr val="accent1"/>
+          </a:effectRef>
+          <a:fontRef idx="minor">
+            <a:schemeClr val="tx1"/>
+          </a:fontRef>
+        </p:style>
+      </p:cxnSp>
+      <p:cxnSp>
+        <p:nvCxnSpPr>
+          <p:cNvPr id="14" name="Straight Connector 13"/>
+          <p:cNvCxnSpPr/>
+          <p:nvPr/>
+        </p:nvCxnSpPr>
+        <p:spPr>
+          <a:xfrm flipH="1" flipV="1">
+            <a:off x="3131840" y="3415059"/>
+            <a:ext cx="5760640" cy="13941"/>
+          </a:xfrm>
+          <a:prstGeom prst="line">
+            <a:avLst/>
+          </a:prstGeom>
+          <a:ln w="12700" cmpd="sng">
+            <a:solidFill>
+              <a:srgbClr val="000000"/>
+            </a:solidFill>
+            <a:prstDash val="solid"/>
+          </a:ln>
+        </p:spPr>
+        <p:style>
+          <a:lnRef idx="2">
+            <a:schemeClr val="accent1"/>
+          </a:lnRef>
+          <a:fillRef idx="0">
+            <a:schemeClr val="accent1"/>
+          </a:fillRef>
+          <a:effectRef idx="1">
+            <a:schemeClr val="accent1"/>
+          </a:effectRef>
+          <a:fontRef idx="minor">
+            <a:schemeClr val="tx1"/>
+          </a:fontRef>
+        </p:style>
+      </p:cxnSp>
+      <p:sp>
+        <p:nvSpPr>
+          <p:cNvPr id="15" name="TextBox 14"/>
+          <p:cNvSpPr txBox="1"/>
+          <p:nvPr/>
+        </p:nvSpPr>
+        <p:spPr>
+          <a:xfrm>
+            <a:off x="3925676" y="6392640"/>
+            <a:ext cx="5039590" cy="276999"/>
+          </a:xfrm>
+          <a:prstGeom prst="rect">
+            <a:avLst/>
+          </a:prstGeom>
+          <a:noFill/>
+        </p:spPr>
+        <p:txBody>
+          <a:bodyPr wrap="square" rtlCol="0">
+            <a:spAutoFit/>
+          </a:bodyPr>
+          <a:lstStyle/>
+          <a:p>
+            <a:pPr algn="r"/>
+            <a:r>
+              <a:rPr lang="en-US" sz="1200" i="1" dirty="0" smtClean="0"/>
+              <a:t>The Virtuous Cycle of Mutual Learning by Roge</a:t>
+            </a:r>
+            <a:r>
+              <a:rPr lang="en-US" sz="1200" i="1" dirty="0" smtClean="0"/>
+              <a:t>r Schwarz</a:t>
+            </a:r>
+            <a:endParaRPr lang="en-US" sz="1200" i="1" dirty="0"/>
           </a:p>
         </p:txBody>
       </p:sp>
     </p:spTree>
     <p:extLst>
       <p:ext uri="{BB962C8B-B14F-4D97-AF65-F5344CB8AC3E}">
-        <p14:creationId xmlns:p14="http://schemas.microsoft.com/office/powerpoint/2010/main" val="4083881217"/>
+        <p14:creationId xmlns:p14="http://schemas.microsoft.com/office/powerpoint/2010/main" val="3829495682"/>
       </p:ext>
     </p:extLst>
   </p:cSld>
@@ -6280,9 +7766,342 @@
   <p:timing>
     <p:tnLst>
       <p:par>
-        <p:cTn id="1" dur="indefinite" restart="never" nodeType="tmRoot"/>
+        <p:cTn xmlns:p14="http://schemas.microsoft.com/office/powerpoint/2010/main" id="1" dur="indefinite" restart="never" nodeType="tmRoot">
+          <p:childTnLst>
+            <p:seq concurrent="1" nextAc="seek">
+              <p:cTn id="2" dur="indefinite" nodeType="mainSeq">
+                <p:childTnLst>
+                  <p:par>
+                    <p:cTn id="3" fill="hold">
+                      <p:stCondLst>
+                        <p:cond delay="indefinite"/>
+                      </p:stCondLst>
+                      <p:childTnLst>
+                        <p:par>
+                          <p:cTn id="4" fill="hold">
+                            <p:stCondLst>
+                              <p:cond delay="0"/>
+                            </p:stCondLst>
+                            <p:childTnLst>
+                              <p:par>
+                                <p:cTn id="5" presetID="1" presetClass="entr" presetSubtype="0" fill="hold" grpId="0" nodeType="clickEffect">
+                                  <p:stCondLst>
+                                    <p:cond delay="0"/>
+                                  </p:stCondLst>
+                                  <p:childTnLst>
+                                    <p:set>
+                                      <p:cBhvr>
+                                        <p:cTn id="6" dur="1" fill="hold">
+                                          <p:stCondLst>
+                                            <p:cond delay="0"/>
+                                          </p:stCondLst>
+                                        </p:cTn>
+                                        <p:tgtEl>
+                                          <p:spTgt spid="10"/>
+                                        </p:tgtEl>
+                                        <p:attrNameLst>
+                                          <p:attrName>style.visibility</p:attrName>
+                                        </p:attrNameLst>
+                                      </p:cBhvr>
+                                      <p:to>
+                                        <p:strVal val="visible"/>
+                                      </p:to>
+                                    </p:set>
+                                  </p:childTnLst>
+                                </p:cTn>
+                              </p:par>
+                              <p:par>
+                                <p:cTn id="7" presetID="1" presetClass="entr" presetSubtype="0" fill="hold" grpId="0" nodeType="withEffect">
+                                  <p:stCondLst>
+                                    <p:cond delay="0"/>
+                                  </p:stCondLst>
+                                  <p:childTnLst>
+                                    <p:set>
+                                      <p:cBhvr>
+                                        <p:cTn id="8" dur="1" fill="hold">
+                                          <p:stCondLst>
+                                            <p:cond delay="0"/>
+                                          </p:stCondLst>
+                                        </p:cTn>
+                                        <p:tgtEl>
+                                          <p:spTgt spid="11"/>
+                                        </p:tgtEl>
+                                        <p:attrNameLst>
+                                          <p:attrName>style.visibility</p:attrName>
+                                        </p:attrNameLst>
+                                      </p:cBhvr>
+                                      <p:to>
+                                        <p:strVal val="visible"/>
+                                      </p:to>
+                                    </p:set>
+                                  </p:childTnLst>
+                                </p:cTn>
+                              </p:par>
+                              <p:par>
+                                <p:cTn id="9" presetID="1" presetClass="entr" presetSubtype="0" fill="hold" grpId="0" nodeType="withEffect">
+                                  <p:stCondLst>
+                                    <p:cond delay="0"/>
+                                  </p:stCondLst>
+                                  <p:childTnLst>
+                                    <p:set>
+                                      <p:cBhvr>
+                                        <p:cTn id="10" dur="1" fill="hold">
+                                          <p:stCondLst>
+                                            <p:cond delay="0"/>
+                                          </p:stCondLst>
+                                        </p:cTn>
+                                        <p:tgtEl>
+                                          <p:spTgt spid="8"/>
+                                        </p:tgtEl>
+                                        <p:attrNameLst>
+                                          <p:attrName>style.visibility</p:attrName>
+                                        </p:attrNameLst>
+                                      </p:cBhvr>
+                                      <p:to>
+                                        <p:strVal val="visible"/>
+                                      </p:to>
+                                    </p:set>
+                                  </p:childTnLst>
+                                </p:cTn>
+                              </p:par>
+                            </p:childTnLst>
+                          </p:cTn>
+                        </p:par>
+                      </p:childTnLst>
+                    </p:cTn>
+                  </p:par>
+                  <p:par>
+                    <p:cTn id="11" fill="hold">
+                      <p:stCondLst>
+                        <p:cond delay="indefinite"/>
+                      </p:stCondLst>
+                      <p:childTnLst>
+                        <p:par>
+                          <p:cTn id="12" fill="hold">
+                            <p:stCondLst>
+                              <p:cond delay="0"/>
+                            </p:stCondLst>
+                            <p:childTnLst>
+                              <p:par>
+                                <p:cTn id="13" presetID="1" presetClass="entr" presetSubtype="0" fill="hold" grpId="0" nodeType="clickEffect">
+                                  <p:stCondLst>
+                                    <p:cond delay="0"/>
+                                  </p:stCondLst>
+                                  <p:childTnLst>
+                                    <p:set>
+                                      <p:cBhvr>
+                                        <p:cTn id="14" dur="1" fill="hold">
+                                          <p:stCondLst>
+                                            <p:cond delay="0"/>
+                                          </p:stCondLst>
+                                        </p:cTn>
+                                        <p:tgtEl>
+                                          <p:spTgt spid="6"/>
+                                        </p:tgtEl>
+                                        <p:attrNameLst>
+                                          <p:attrName>style.visibility</p:attrName>
+                                        </p:attrNameLst>
+                                      </p:cBhvr>
+                                      <p:to>
+                                        <p:strVal val="visible"/>
+                                      </p:to>
+                                    </p:set>
+                                  </p:childTnLst>
+                                </p:cTn>
+                              </p:par>
+                              <p:par>
+                                <p:cTn id="15" presetID="1" presetClass="entr" presetSubtype="0" fill="hold" grpId="0" nodeType="withEffect">
+                                  <p:stCondLst>
+                                    <p:cond delay="0"/>
+                                  </p:stCondLst>
+                                  <p:childTnLst>
+                                    <p:set>
+                                      <p:cBhvr>
+                                        <p:cTn id="16" dur="1" fill="hold">
+                                          <p:stCondLst>
+                                            <p:cond delay="0"/>
+                                          </p:stCondLst>
+                                        </p:cTn>
+                                        <p:tgtEl>
+                                          <p:spTgt spid="7"/>
+                                        </p:tgtEl>
+                                        <p:attrNameLst>
+                                          <p:attrName>style.visibility</p:attrName>
+                                        </p:attrNameLst>
+                                      </p:cBhvr>
+                                      <p:to>
+                                        <p:strVal val="visible"/>
+                                      </p:to>
+                                    </p:set>
+                                  </p:childTnLst>
+                                </p:cTn>
+                              </p:par>
+                              <p:par>
+                                <p:cTn id="17" presetID="1" presetClass="entr" presetSubtype="0" fill="hold" nodeType="withEffect">
+                                  <p:stCondLst>
+                                    <p:cond delay="0"/>
+                                  </p:stCondLst>
+                                  <p:childTnLst>
+                                    <p:set>
+                                      <p:cBhvr>
+                                        <p:cTn id="18" dur="1" fill="hold">
+                                          <p:stCondLst>
+                                            <p:cond delay="0"/>
+                                          </p:stCondLst>
+                                        </p:cTn>
+                                        <p:tgtEl>
+                                          <p:spTgt spid="14"/>
+                                        </p:tgtEl>
+                                        <p:attrNameLst>
+                                          <p:attrName>style.visibility</p:attrName>
+                                        </p:attrNameLst>
+                                      </p:cBhvr>
+                                      <p:to>
+                                        <p:strVal val="visible"/>
+                                      </p:to>
+                                    </p:set>
+                                  </p:childTnLst>
+                                </p:cTn>
+                              </p:par>
+                            </p:childTnLst>
+                          </p:cTn>
+                        </p:par>
+                      </p:childTnLst>
+                    </p:cTn>
+                  </p:par>
+                  <p:par>
+                    <p:cTn id="19" fill="hold">
+                      <p:stCondLst>
+                        <p:cond delay="indefinite"/>
+                      </p:stCondLst>
+                      <p:childTnLst>
+                        <p:par>
+                          <p:cTn id="20" fill="hold">
+                            <p:stCondLst>
+                              <p:cond delay="0"/>
+                            </p:stCondLst>
+                            <p:childTnLst>
+                              <p:par>
+                                <p:cTn id="21" presetID="1" presetClass="entr" presetSubtype="0" fill="hold" nodeType="clickEffect">
+                                  <p:stCondLst>
+                                    <p:cond delay="0"/>
+                                  </p:stCondLst>
+                                  <p:childTnLst>
+                                    <p:set>
+                                      <p:cBhvr>
+                                        <p:cTn id="22" dur="1" fill="hold">
+                                          <p:stCondLst>
+                                            <p:cond delay="0"/>
+                                          </p:stCondLst>
+                                        </p:cTn>
+                                        <p:tgtEl>
+                                          <p:spTgt spid="13"/>
+                                        </p:tgtEl>
+                                        <p:attrNameLst>
+                                          <p:attrName>style.visibility</p:attrName>
+                                        </p:attrNameLst>
+                                      </p:cBhvr>
+                                      <p:to>
+                                        <p:strVal val="visible"/>
+                                      </p:to>
+                                    </p:set>
+                                  </p:childTnLst>
+                                </p:cTn>
+                              </p:par>
+                              <p:par>
+                                <p:cTn id="23" presetID="1" presetClass="entr" presetSubtype="0" fill="hold" grpId="0" nodeType="withEffect">
+                                  <p:stCondLst>
+                                    <p:cond delay="0"/>
+                                  </p:stCondLst>
+                                  <p:childTnLst>
+                                    <p:set>
+                                      <p:cBhvr>
+                                        <p:cTn id="24" dur="1" fill="hold">
+                                          <p:stCondLst>
+                                            <p:cond delay="0"/>
+                                          </p:stCondLst>
+                                        </p:cTn>
+                                        <p:tgtEl>
+                                          <p:spTgt spid="3">
+                                            <p:txEl>
+                                              <p:pRg st="0" end="0"/>
+                                            </p:txEl>
+                                          </p:spTgt>
+                                        </p:tgtEl>
+                                        <p:attrNameLst>
+                                          <p:attrName>style.visibility</p:attrName>
+                                        </p:attrNameLst>
+                                      </p:cBhvr>
+                                      <p:to>
+                                        <p:strVal val="visible"/>
+                                      </p:to>
+                                    </p:set>
+                                  </p:childTnLst>
+                                </p:cTn>
+                              </p:par>
+                              <p:par>
+                                <p:cTn id="25" presetID="1" presetClass="entr" presetSubtype="0" fill="hold" grpId="0" nodeType="withEffect">
+                                  <p:stCondLst>
+                                    <p:cond delay="0"/>
+                                  </p:stCondLst>
+                                  <p:childTnLst>
+                                    <p:set>
+                                      <p:cBhvr>
+                                        <p:cTn id="26" dur="1" fill="hold">
+                                          <p:stCondLst>
+                                            <p:cond delay="0"/>
+                                          </p:stCondLst>
+                                        </p:cTn>
+                                        <p:tgtEl>
+                                          <p:spTgt spid="4"/>
+                                        </p:tgtEl>
+                                        <p:attrNameLst>
+                                          <p:attrName>style.visibility</p:attrName>
+                                        </p:attrNameLst>
+                                      </p:cBhvr>
+                                      <p:to>
+                                        <p:strVal val="visible"/>
+                                      </p:to>
+                                    </p:set>
+                                  </p:childTnLst>
+                                </p:cTn>
+                              </p:par>
+                            </p:childTnLst>
+                          </p:cTn>
+                        </p:par>
+                      </p:childTnLst>
+                    </p:cTn>
+                  </p:par>
+                </p:childTnLst>
+              </p:cTn>
+              <p:prevCondLst>
+                <p:cond evt="onPrev" delay="0">
+                  <p:tgtEl>
+                    <p:sldTgt/>
+                  </p:tgtEl>
+                </p:cond>
+              </p:prevCondLst>
+              <p:nextCondLst>
+                <p:cond evt="onNext" delay="0">
+                  <p:tgtEl>
+                    <p:sldTgt/>
+                  </p:tgtEl>
+                </p:cond>
+              </p:nextCondLst>
+            </p:seq>
+          </p:childTnLst>
+        </p:cTn>
       </p:par>
     </p:tnLst>
+    <p:bldLst>
+      <p:bldP spid="3" grpId="0" build="p"/>
+      <p:bldP spid="4" grpId="0"/>
+      <p:bldP spid="6" grpId="0"/>
+      <p:bldP spid="7" grpId="0"/>
+      <p:bldP spid="8" grpId="0"/>
+      <p:bldP spid="10" grpId="0"/>
+      <p:bldP spid="11" grpId="0"/>
+    </p:bldLst>
   </p:timing>
 </p:sld>
 </file>
@@ -6306,143 +8125,6 @@
       </p:grpSpPr>
       <p:sp>
         <p:nvSpPr>
-          <p:cNvPr id="2" name="Title 1"/>
-          <p:cNvSpPr>
-            <a:spLocks noGrp="1"/>
-          </p:cNvSpPr>
-          <p:nvPr>
-            <p:ph type="title"/>
-          </p:nvPr>
-        </p:nvSpPr>
-        <p:spPr/>
-        <p:txBody>
-          <a:bodyPr/>
-          <a:lstStyle/>
-          <a:p>
-            <a:r>
-              <a:rPr lang="en-GB" dirty="0" smtClean="0"/>
-              <a:t>Theory in Depth</a:t>
-            </a:r>
-            <a:endParaRPr lang="en-GB" dirty="0"/>
-          </a:p>
-        </p:txBody>
-      </p:sp>
-      <p:sp>
-        <p:nvSpPr>
-          <p:cNvPr id="3" name="Content Placeholder 2"/>
-          <p:cNvSpPr>
-            <a:spLocks noGrp="1"/>
-          </p:cNvSpPr>
-          <p:nvPr>
-            <p:ph idx="1"/>
-          </p:nvPr>
-        </p:nvSpPr>
-        <p:spPr/>
-        <p:txBody>
-          <a:bodyPr/>
-          <a:lstStyle/>
-          <a:p>
-            <a:r>
-              <a:rPr lang="en-GB" dirty="0" smtClean="0"/>
-              <a:t>Chris </a:t>
-            </a:r>
-            <a:r>
-              <a:rPr lang="en-GB" dirty="0" err="1" smtClean="0"/>
-              <a:t>Argyris's</a:t>
-            </a:r>
-            <a:r>
-              <a:rPr lang="en-GB" baseline="0" dirty="0" smtClean="0"/>
-              <a:t> Model 1</a:t>
-            </a:r>
-            <a:r>
-              <a:rPr lang="en-GB" dirty="0" smtClean="0"/>
-              <a:t> + Model 2</a:t>
-            </a:r>
-          </a:p>
-          <a:p>
-            <a:r>
-              <a:rPr lang="en-GB" baseline="0" dirty="0" smtClean="0"/>
-              <a:t>Plus</a:t>
-            </a:r>
-            <a:r>
-              <a:rPr lang="en-GB" dirty="0" smtClean="0"/>
-              <a:t> </a:t>
-            </a:r>
-            <a:r>
-              <a:rPr lang="en-GB" baseline="0" dirty="0" smtClean="0"/>
-              <a:t>Schwarz's 8 Behaviours for Smarter Teams</a:t>
-            </a:r>
-          </a:p>
-          <a:p>
-            <a:pPr marL="0" indent="0">
-              <a:buNone/>
-            </a:pPr>
-            <a:endParaRPr lang="en-GB" baseline="0" dirty="0" smtClean="0"/>
-          </a:p>
-          <a:p>
-            <a:endParaRPr lang="en-GB" dirty="0" smtClean="0"/>
-          </a:p>
-          <a:p>
-            <a:pPr lvl="1"/>
-            <a:endParaRPr lang="en-GB" dirty="0"/>
-          </a:p>
-          <a:p>
-            <a:pPr marL="0" indent="0">
-              <a:buNone/>
-            </a:pPr>
-            <a:endParaRPr lang="en-GB" dirty="0" smtClean="0"/>
-          </a:p>
-          <a:p>
-            <a:pPr lvl="1"/>
-            <a:endParaRPr lang="en-GB" dirty="0"/>
-          </a:p>
-          <a:p>
-            <a:pPr marL="0" indent="0">
-              <a:buNone/>
-            </a:pPr>
-            <a:endParaRPr lang="en-GB" dirty="0"/>
-          </a:p>
-        </p:txBody>
-      </p:sp>
-    </p:spTree>
-    <p:extLst>
-      <p:ext uri="{BB962C8B-B14F-4D97-AF65-F5344CB8AC3E}">
-        <p14:creationId xmlns:p14="http://schemas.microsoft.com/office/powerpoint/2010/main" val="3304709087"/>
-      </p:ext>
-    </p:extLst>
-  </p:cSld>
-  <p:clrMapOvr>
-    <a:masterClrMapping/>
-  </p:clrMapOvr>
-  <p:timing>
-    <p:tnLst>
-      <p:par>
-        <p:cTn id="1" dur="indefinite" restart="never" nodeType="tmRoot"/>
-      </p:par>
-    </p:tnLst>
-  </p:timing>
-</p:sld>
-</file>
-
-<file path=ppt/slides/slide14.xml><?xml version="1.0" encoding="utf-8"?>
-<p:sld xmlns:a="http://schemas.openxmlformats.org/drawingml/2006/main" xmlns:r="http://schemas.openxmlformats.org/officeDocument/2006/relationships" xmlns:p="http://schemas.openxmlformats.org/presentationml/2006/main">
-  <p:cSld>
-    <p:spTree>
-      <p:nvGrpSpPr>
-        <p:cNvPr id="1" name=""/>
-        <p:cNvGrpSpPr/>
-        <p:nvPr/>
-      </p:nvGrpSpPr>
-      <p:grpSpPr>
-        <a:xfrm>
-          <a:off x="0" y="0"/>
-          <a:ext cx="0" cy="0"/>
-          <a:chOff x="0" y="0"/>
-          <a:chExt cx="0" cy="0"/>
-        </a:xfrm>
-      </p:grpSpPr>
-      <p:sp>
-        <p:nvSpPr>
           <p:cNvPr id="67" name="Rectangle 66"/>
           <p:cNvSpPr/>
           <p:nvPr/>
@@ -6456,11 +8138,11 @@
             <a:avLst/>
           </a:prstGeom>
           <a:solidFill>
-            <a:srgbClr val="CC0033"/>
+            <a:srgbClr val="FFFF66"/>
           </a:solidFill>
           <a:ln>
             <a:solidFill>
-              <a:srgbClr val="CC0033"/>
+              <a:srgbClr val="FFFF99"/>
             </a:solidFill>
           </a:ln>
           <a:effectLst/>
@@ -7617,11 +9299,11 @@
             <a:avLst/>
           </a:prstGeom>
           <a:solidFill>
-            <a:srgbClr val="FF3366"/>
+            <a:srgbClr val="999966"/>
           </a:solidFill>
           <a:ln>
             <a:solidFill>
-              <a:srgbClr val="FF3366"/>
+              <a:srgbClr val="999933"/>
             </a:solidFill>
           </a:ln>
           <a:effectLst/>
@@ -7657,18 +9339,18 @@
         </p:nvSpPr>
         <p:spPr>
           <a:xfrm>
-            <a:off x="2291537" y="3621852"/>
+            <a:off x="2291537" y="3634552"/>
             <a:ext cx="1203199" cy="1206168"/>
           </a:xfrm>
           <a:prstGeom prst="rect">
             <a:avLst/>
           </a:prstGeom>
           <a:solidFill>
-            <a:srgbClr val="FF6699"/>
+            <a:srgbClr val="666633"/>
           </a:solidFill>
           <a:ln>
             <a:solidFill>
-              <a:srgbClr val="FF6699"/>
+              <a:srgbClr val="666633"/>
             </a:solidFill>
           </a:ln>
           <a:effectLst/>
@@ -7704,21 +9386,24 @@
         </p:nvSpPr>
         <p:spPr>
           <a:xfrm>
-            <a:off x="2278187" y="4214664"/>
+            <a:off x="2284537" y="4221014"/>
             <a:ext cx="615950" cy="615950"/>
           </a:xfrm>
           <a:prstGeom prst="rect">
             <a:avLst/>
           </a:prstGeom>
           <a:solidFill>
-            <a:schemeClr val="accent2">
-              <a:lumMod val="40000"/>
-              <a:lumOff val="60000"/>
+            <a:schemeClr val="tx1">
+              <a:lumMod val="50000"/>
+              <a:lumOff val="50000"/>
             </a:schemeClr>
           </a:solidFill>
           <a:ln>
             <a:solidFill>
-              <a:srgbClr val="FF6699"/>
+              <a:schemeClr val="tx1">
+                <a:lumMod val="50000"/>
+                <a:lumOff val="50000"/>
+              </a:schemeClr>
             </a:solidFill>
           </a:ln>
           <a:effectLst/>
@@ -7772,9 +9457,8 @@
             <a:r>
               <a:rPr lang="en-US" sz="1200" b="1" dirty="0" smtClean="0">
                 <a:solidFill>
-                  <a:schemeClr val="accent2">
-                    <a:lumMod val="20000"/>
-                    <a:lumOff val="80000"/>
+                  <a:schemeClr val="bg2">
+                    <a:lumMod val="25000"/>
                   </a:schemeClr>
                 </a:solidFill>
               </a:rPr>
@@ -7782,9 +9466,8 @@
             </a:r>
             <a:endParaRPr lang="en-US" sz="1200" b="1" dirty="0">
               <a:solidFill>
-                <a:schemeClr val="accent2">
-                  <a:lumMod val="20000"/>
-                  <a:lumOff val="80000"/>
+                <a:schemeClr val="bg2">
+                  <a:lumMod val="25000"/>
                 </a:schemeClr>
               </a:solidFill>
             </a:endParaRPr>
@@ -7817,9 +9500,8 @@
             <a:r>
               <a:rPr lang="en-US" sz="1200" b="1" dirty="0" smtClean="0">
                 <a:solidFill>
-                  <a:schemeClr val="accent2">
-                    <a:lumMod val="20000"/>
-                    <a:lumOff val="80000"/>
+                  <a:schemeClr val="bg2">
+                    <a:lumMod val="25000"/>
                   </a:schemeClr>
                 </a:solidFill>
               </a:rPr>
@@ -7827,9 +9509,8 @@
             </a:r>
             <a:endParaRPr lang="en-US" sz="1200" b="1" dirty="0">
               <a:solidFill>
-                <a:schemeClr val="accent2">
-                  <a:lumMod val="20000"/>
-                  <a:lumOff val="80000"/>
+                <a:schemeClr val="bg2">
+                  <a:lumMod val="25000"/>
                 </a:schemeClr>
               </a:solidFill>
             </a:endParaRPr>
@@ -7860,16 +9541,30 @@
           <a:p>
             <a:pPr algn="ctr"/>
             <a:r>
+              <a:rPr lang="en-US" sz="800" b="1" dirty="0">
+                <a:solidFill>
+                  <a:schemeClr val="bg2">
+                    <a:lumMod val="25000"/>
+                  </a:schemeClr>
+                </a:solidFill>
+              </a:rPr>
+              <a:t>n</a:t>
+            </a:r>
+            <a:r>
               <a:rPr lang="en-US" sz="800" b="1" dirty="0" smtClean="0">
                 <a:solidFill>
-                  <a:srgbClr val="FF6699"/>
+                  <a:schemeClr val="bg2">
+                    <a:lumMod val="25000"/>
+                  </a:schemeClr>
                 </a:solidFill>
               </a:rPr>
-              <a:t>100 % UC</a:t>
+              <a:t>ot yet</a:t>
             </a:r>
             <a:endParaRPr lang="en-US" sz="800" b="1" dirty="0">
               <a:solidFill>
-                <a:srgbClr val="FF6699"/>
+                <a:schemeClr val="bg2">
+                  <a:lumMod val="25000"/>
+                </a:schemeClr>
               </a:solidFill>
             </a:endParaRPr>
           </a:p>
@@ -7899,18 +9594,10 @@
           <a:p>
             <a:pPr algn="ctr"/>
             <a:r>
-              <a:rPr lang="en-US" sz="2000" dirty="0" smtClean="0">
-                <a:solidFill>
-                  <a:srgbClr val="FFFFFF"/>
-                </a:solidFill>
-              </a:rPr>
+              <a:rPr lang="en-US" sz="2000" dirty="0" smtClean="0"/>
               <a:t>x</a:t>
             </a:r>
-            <a:endParaRPr lang="en-US" sz="2000" dirty="0">
-              <a:solidFill>
-                <a:srgbClr val="FFFFFF"/>
-              </a:solidFill>
-            </a:endParaRPr>
+            <a:endParaRPr lang="en-US" sz="2000" dirty="0"/>
           </a:p>
         </p:txBody>
       </p:sp>
@@ -7938,18 +9625,10 @@
           <a:p>
             <a:pPr algn="ctr"/>
             <a:r>
-              <a:rPr lang="en-US" sz="2000" dirty="0" smtClean="0">
-                <a:solidFill>
-                  <a:srgbClr val="FFFFFF"/>
-                </a:solidFill>
-              </a:rPr>
+              <a:rPr lang="en-US" sz="2000" dirty="0" smtClean="0"/>
               <a:t>x</a:t>
             </a:r>
-            <a:endParaRPr lang="en-US" sz="2000" dirty="0">
-              <a:solidFill>
-                <a:srgbClr val="FFFFFF"/>
-              </a:solidFill>
-            </a:endParaRPr>
+            <a:endParaRPr lang="en-US" sz="2000" dirty="0"/>
           </a:p>
         </p:txBody>
       </p:sp>
@@ -7977,18 +9656,10 @@
           <a:p>
             <a:pPr algn="ctr"/>
             <a:r>
-              <a:rPr lang="en-US" sz="2000" dirty="0" smtClean="0">
-                <a:solidFill>
-                  <a:srgbClr val="FFFFFF"/>
-                </a:solidFill>
-              </a:rPr>
+              <a:rPr lang="en-US" sz="2000" dirty="0" smtClean="0"/>
               <a:t>x</a:t>
             </a:r>
-            <a:endParaRPr lang="en-US" sz="2000" dirty="0">
-              <a:solidFill>
-                <a:srgbClr val="FFFFFF"/>
-              </a:solidFill>
-            </a:endParaRPr>
+            <a:endParaRPr lang="en-US" sz="2000" dirty="0"/>
           </a:p>
         </p:txBody>
       </p:sp>
@@ -8147,7 +9818,7 @@
           <a:p>
             <a:r>
               <a:rPr lang="en-US" sz="1000" dirty="0" smtClean="0"/>
-              <a:t>Rarely apply </a:t>
+              <a:t>Occasionally apply </a:t>
             </a:r>
             <a:r>
               <a:rPr lang="en-US" sz="1000" dirty="0" err="1" smtClean="0"/>
@@ -8391,9 +10062,8 @@
             <a:r>
               <a:rPr lang="en-US" sz="1200" b="1" dirty="0">
                 <a:solidFill>
-                  <a:schemeClr val="accent2">
-                    <a:lumMod val="20000"/>
-                    <a:lumOff val="80000"/>
+                  <a:schemeClr val="bg2">
+                    <a:lumMod val="25000"/>
                   </a:schemeClr>
                 </a:solidFill>
               </a:rPr>
@@ -8402,9 +10072,8 @@
             <a:r>
               <a:rPr lang="en-US" sz="1200" b="1" dirty="0" smtClean="0">
                 <a:solidFill>
-                  <a:schemeClr val="accent2">
-                    <a:lumMod val="20000"/>
-                    <a:lumOff val="80000"/>
+                  <a:schemeClr val="bg2">
+                    <a:lumMod val="25000"/>
                   </a:schemeClr>
                 </a:solidFill>
               </a:rPr>
@@ -8412,9 +10081,8 @@
             </a:r>
             <a:endParaRPr lang="en-US" sz="1200" b="1" dirty="0">
               <a:solidFill>
-                <a:schemeClr val="accent2">
-                  <a:lumMod val="20000"/>
-                  <a:lumOff val="80000"/>
+                <a:schemeClr val="bg2">
+                  <a:lumMod val="25000"/>
                 </a:schemeClr>
               </a:solidFill>
             </a:endParaRPr>
@@ -8434,7 +10102,7 @@
   <p:timing>
     <p:tnLst>
       <p:par>
-        <p:cTn id="1" dur="indefinite" restart="never" nodeType="tmRoot">
+        <p:cTn xmlns:p14="http://schemas.microsoft.com/office/powerpoint/2010/main" id="1" dur="indefinite" restart="never" nodeType="tmRoot">
           <p:childTnLst>
             <p:seq concurrent="1" nextAc="seek">
               <p:cTn id="2" dur="indefinite" nodeType="mainSeq">
@@ -9149,6 +10817,120 @@
 </p:sld>
 </file>
 
+<file path=ppt/slides/slide14.xml><?xml version="1.0" encoding="utf-8"?>
+<p:sld xmlns:a="http://schemas.openxmlformats.org/drawingml/2006/main" xmlns:r="http://schemas.openxmlformats.org/officeDocument/2006/relationships" xmlns:p="http://schemas.openxmlformats.org/presentationml/2006/main">
+  <p:cSld>
+    <p:spTree>
+      <p:nvGrpSpPr>
+        <p:cNvPr id="1" name=""/>
+        <p:cNvGrpSpPr/>
+        <p:nvPr/>
+      </p:nvGrpSpPr>
+      <p:grpSpPr>
+        <a:xfrm>
+          <a:off x="0" y="0"/>
+          <a:ext cx="0" cy="0"/>
+          <a:chOff x="0" y="0"/>
+          <a:chExt cx="0" cy="0"/>
+        </a:xfrm>
+      </p:grpSpPr>
+      <p:sp>
+        <p:nvSpPr>
+          <p:cNvPr id="2" name="Title 1"/>
+          <p:cNvSpPr>
+            <a:spLocks noGrp="1"/>
+          </p:cNvSpPr>
+          <p:nvPr>
+            <p:ph type="title"/>
+          </p:nvPr>
+        </p:nvSpPr>
+        <p:spPr/>
+        <p:txBody>
+          <a:bodyPr/>
+          <a:lstStyle/>
+          <a:p>
+            <a:r>
+              <a:rPr lang="en-GB" dirty="0" smtClean="0"/>
+              <a:t>Your Turn</a:t>
+            </a:r>
+            <a:endParaRPr lang="en-GB" dirty="0"/>
+          </a:p>
+        </p:txBody>
+      </p:sp>
+      <p:sp>
+        <p:nvSpPr>
+          <p:cNvPr id="3" name="Content Placeholder 2"/>
+          <p:cNvSpPr>
+            <a:spLocks noGrp="1"/>
+          </p:cNvSpPr>
+          <p:nvPr>
+            <p:ph idx="1"/>
+          </p:nvPr>
+        </p:nvSpPr>
+        <p:spPr/>
+        <p:txBody>
+          <a:bodyPr>
+            <a:normAutofit/>
+          </a:bodyPr>
+          <a:lstStyle/>
+          <a:p>
+            <a:pPr marL="0" indent="0">
+              <a:buNone/>
+            </a:pPr>
+            <a:r>
+              <a:rPr lang="en-GB" sz="2800" dirty="0" smtClean="0"/>
+              <a:t>In pairs:</a:t>
+            </a:r>
+          </a:p>
+          <a:p>
+            <a:r>
+              <a:rPr lang="en-GB" sz="2800" dirty="0" smtClean="0"/>
+              <a:t>Share your thoughts on the concepts</a:t>
+            </a:r>
+          </a:p>
+          <a:p>
+            <a:r>
+              <a:rPr lang="en-GB" sz="2800" dirty="0" smtClean="0"/>
+              <a:t>Exchange insights</a:t>
+            </a:r>
+            <a:endParaRPr lang="en-GB" sz="2800" dirty="0" smtClean="0"/>
+          </a:p>
+          <a:p>
+            <a:r>
+              <a:rPr lang="en-GB" sz="2800" dirty="0" smtClean="0"/>
+              <a:t>Identify at least one personal improvement </a:t>
+            </a:r>
+            <a:r>
+              <a:rPr lang="en-GB" sz="2800" dirty="0" smtClean="0"/>
+              <a:t>action towards Mutual Learning</a:t>
+            </a:r>
+            <a:endParaRPr lang="en-GB" sz="2800" dirty="0" smtClean="0"/>
+          </a:p>
+          <a:p>
+            <a:endParaRPr lang="en-GB" sz="2800" dirty="0" smtClean="0"/>
+          </a:p>
+        </p:txBody>
+      </p:sp>
+    </p:spTree>
+    <p:extLst>
+      <p:ext uri="{BB962C8B-B14F-4D97-AF65-F5344CB8AC3E}">
+        <p14:creationId xmlns:p14="http://schemas.microsoft.com/office/powerpoint/2010/main" val="246661764"/>
+      </p:ext>
+    </p:extLst>
+  </p:cSld>
+  <p:clrMapOvr>
+    <a:masterClrMapping/>
+  </p:clrMapOvr>
+  <p:timing>
+    <p:tnLst>
+      <p:par>
+        <p:cTn xmlns:p14="http://schemas.microsoft.com/office/powerpoint/2010/main" id="1" dur="indefinite" restart="never" nodeType="tmRoot"/>
+      </p:par>
+    </p:tnLst>
+  </p:timing>
+</p:sld>
+</file>
+
 <file path=ppt/slides/slide15.xml><?xml version="1.0" encoding="utf-8"?>
 <p:sld xmlns:a="http://schemas.openxmlformats.org/drawingml/2006/main" xmlns:r="http://schemas.openxmlformats.org/officeDocument/2006/relationships" xmlns:p="http://schemas.openxmlformats.org/presentationml/2006/main">
   <p:cSld>
@@ -9183,7 +10965,7 @@
           <a:p>
             <a:r>
               <a:rPr lang="en-GB" dirty="0" smtClean="0"/>
-              <a:t>Your Turn</a:t>
+              <a:t>Summary</a:t>
             </a:r>
             <a:endParaRPr lang="en-GB" dirty="0"/>
           </a:p>
@@ -9206,41 +10988,35 @@
           </a:bodyPr>
           <a:lstStyle/>
           <a:p>
-            <a:pPr marL="0" indent="0">
-              <a:buNone/>
-            </a:pPr>
             <a:r>
               <a:rPr lang="en-GB" sz="2800" dirty="0" smtClean="0"/>
-              <a:t>In pairs:</a:t>
+              <a:t>Applied the Mutual Learning Scale to ourselves</a:t>
             </a:r>
           </a:p>
           <a:p>
             <a:r>
               <a:rPr lang="en-GB" sz="2800" dirty="0" smtClean="0"/>
-              <a:t>Share your thoughts on the concepts</a:t>
+              <a:t>Learned about the Mutual Learning Model</a:t>
             </a:r>
           </a:p>
           <a:p>
             <a:r>
               <a:rPr lang="en-GB" sz="2800" dirty="0" smtClean="0"/>
-              <a:t>Discuss insights</a:t>
+              <a:t>Learned about the 8 behaviours</a:t>
             </a:r>
           </a:p>
           <a:p>
             <a:r>
               <a:rPr lang="en-GB" sz="2800" dirty="0" smtClean="0"/>
-              <a:t>Identify at least one personal improvement action in the way you lead</a:t>
-            </a:r>
-          </a:p>
-          <a:p>
-            <a:endParaRPr lang="en-GB" sz="2800" dirty="0" smtClean="0"/>
+              <a:t>Identified ways we can apply the concepts</a:t>
+            </a:r>
           </a:p>
         </p:txBody>
       </p:sp>
     </p:spTree>
     <p:extLst>
       <p:ext uri="{BB962C8B-B14F-4D97-AF65-F5344CB8AC3E}">
-        <p14:creationId xmlns:p14="http://schemas.microsoft.com/office/powerpoint/2010/main" val="246661764"/>
+        <p14:creationId xmlns:p14="http://schemas.microsoft.com/office/powerpoint/2010/main" val="225589894"/>
       </p:ext>
     </p:extLst>
   </p:cSld>
@@ -9250,7 +11026,7 @@
   <p:timing>
     <p:tnLst>
       <p:par>
-        <p:cTn id="1" dur="indefinite" restart="never" nodeType="tmRoot"/>
+        <p:cTn xmlns:p14="http://schemas.microsoft.com/office/powerpoint/2010/main" id="1" dur="indefinite" restart="never" nodeType="tmRoot"/>
       </p:par>
     </p:tnLst>
   </p:timing>
@@ -9291,7 +11067,7 @@
           <a:p>
             <a:r>
               <a:rPr lang="en-GB" dirty="0" smtClean="0"/>
-              <a:t>Summary</a:t>
+              <a:t>Want to know more?</a:t>
             </a:r>
             <a:endParaRPr lang="en-GB" dirty="0"/>
           </a:p>
@@ -9310,47 +11086,168 @@
         <p:spPr/>
         <p:txBody>
           <a:bodyPr>
-            <a:normAutofit/>
+            <a:normAutofit fontScale="92500" lnSpcReduction="10000"/>
           </a:bodyPr>
           <a:lstStyle/>
           <a:p>
             <a:r>
-              <a:rPr lang="en-GB" sz="2800" dirty="0" smtClean="0"/>
-              <a:t>Applied the Mutual Learning Scale to ourselves</a:t>
-            </a:r>
-          </a:p>
-          <a:p>
-            <a:r>
-              <a:rPr lang="en-GB" sz="2800" dirty="0" smtClean="0"/>
-              <a:t>Learned abou</a:t>
-            </a:r>
-            <a:r>
-              <a:rPr lang="en-GB" sz="2800" dirty="0" smtClean="0"/>
-              <a:t>t the Mutual Learning Model</a:t>
-            </a:r>
-          </a:p>
-          <a:p>
-            <a:r>
-              <a:rPr lang="en-GB" sz="2800" dirty="0" smtClean="0"/>
-              <a:t>Learned abou</a:t>
-            </a:r>
-            <a:r>
-              <a:rPr lang="en-GB" sz="2800" dirty="0" smtClean="0"/>
-              <a:t>t the 8 behaviours</a:t>
-            </a:r>
-          </a:p>
-          <a:p>
-            <a:r>
-              <a:rPr lang="en-GB" sz="2800" dirty="0" smtClean="0"/>
-              <a:t>Identified ways we can apply the concepts</a:t>
-            </a:r>
-          </a:p>
-        </p:txBody>
-      </p:sp>
+              <a:rPr lang="en-GB" sz="2000" dirty="0" smtClean="0"/>
+              <a:t>London Action Science </a:t>
+            </a:r>
+            <a:r>
+              <a:rPr lang="en-GB" sz="2000" dirty="0" err="1" smtClean="0"/>
+              <a:t>Meetup</a:t>
+            </a:r>
+            <a:r>
+              <a:rPr lang="en-GB" sz="2000" dirty="0" smtClean="0"/>
+              <a:t> Group</a:t>
+            </a:r>
+          </a:p>
+          <a:p>
+            <a:pPr lvl="1"/>
+            <a:r>
+              <a:rPr lang="en-GB" sz="2000" dirty="0" smtClean="0">
+                <a:hlinkClick r:id="rId2"/>
+              </a:rPr>
+              <a:t>http://www.meetup.com/London-Action-Science-Meetup/</a:t>
+            </a:r>
+            <a:endParaRPr lang="en-GB" sz="2000" dirty="0" smtClean="0"/>
+          </a:p>
+          <a:p>
+            <a:endParaRPr lang="en-GB" sz="2000" dirty="0" smtClean="0"/>
+          </a:p>
+          <a:p>
+            <a:r>
+              <a:rPr lang="en-GB" sz="2000" dirty="0" smtClean="0"/>
+              <a:t>Eight </a:t>
+            </a:r>
+            <a:r>
+              <a:rPr lang="en-GB" sz="2000" dirty="0" smtClean="0"/>
+              <a:t>Behaviours for Smarter Teams (free download):</a:t>
+            </a:r>
+          </a:p>
+          <a:p>
+            <a:pPr lvl="1"/>
+            <a:r>
+              <a:rPr lang="en-GB" sz="2000" dirty="0" smtClean="0">
+                <a:hlinkClick r:id="rId3"/>
+              </a:rPr>
+              <a:t>http://www.schwarzassociates.com/resources/articles/</a:t>
+            </a:r>
+            <a:endParaRPr lang="en-GB" sz="2000" dirty="0" smtClean="0"/>
+          </a:p>
+          <a:p>
+            <a:endParaRPr lang="en-GB" sz="2000" dirty="0" smtClean="0"/>
+          </a:p>
+          <a:p>
+            <a:r>
+              <a:rPr lang="en-GB" sz="2000" dirty="0" smtClean="0"/>
+              <a:t>Smart </a:t>
+            </a:r>
+            <a:r>
+              <a:rPr lang="en-GB" sz="2000" dirty="0" smtClean="0"/>
+              <a:t>Leaders Smarter Teams by Roger Schwarz</a:t>
+            </a:r>
+          </a:p>
+          <a:p>
+            <a:endParaRPr lang="en-GB" sz="2000" dirty="0" smtClean="0"/>
+          </a:p>
+          <a:p>
+            <a:r>
+              <a:rPr lang="en-GB" sz="2000" dirty="0" smtClean="0"/>
+              <a:t>More </a:t>
+            </a:r>
+            <a:r>
+              <a:rPr lang="en-GB" sz="2000" dirty="0" smtClean="0"/>
+              <a:t>about Action Science:</a:t>
+            </a:r>
+          </a:p>
+          <a:p>
+            <a:pPr lvl="1"/>
+            <a:r>
+              <a:rPr lang="en-GB" sz="2000" dirty="0" smtClean="0">
+                <a:hlinkClick r:id="rId4"/>
+              </a:rPr>
+              <a:t>http://www.actionscience.com/actinq.htm</a:t>
+            </a:r>
+            <a:endParaRPr lang="en-GB" sz="2000" dirty="0" smtClean="0"/>
+          </a:p>
+          <a:p>
+            <a:endParaRPr lang="en-GB" sz="2000" dirty="0" smtClean="0"/>
+          </a:p>
+          <a:p>
+            <a:r>
+              <a:rPr lang="en-GB" sz="2000" dirty="0" smtClean="0"/>
+              <a:t>Amy </a:t>
+            </a:r>
+            <a:r>
+              <a:rPr lang="en-GB" sz="2000" dirty="0" smtClean="0"/>
+              <a:t>Cuddy's Power Pose Ted talk</a:t>
+            </a:r>
+          </a:p>
+          <a:p>
+            <a:pPr lvl="1"/>
+            <a:r>
+              <a:rPr lang="en-GB" sz="2000" dirty="0" smtClean="0">
+                <a:hlinkClick r:id="rId5"/>
+              </a:rPr>
+              <a:t>https://www.ted.com/talks/amy_cuddy_your_body_language_shapes_who_you_are</a:t>
+            </a:r>
+            <a:endParaRPr lang="en-GB" sz="2000" dirty="0" smtClean="0"/>
+          </a:p>
+          <a:p>
+            <a:pPr lvl="1"/>
+            <a:endParaRPr lang="en-GB" sz="2000" dirty="0" smtClean="0"/>
+          </a:p>
+          <a:p>
+            <a:endParaRPr lang="en-GB" sz="2000" dirty="0"/>
+          </a:p>
+        </p:txBody>
+      </p:sp>
+      <p:pic>
+        <p:nvPicPr>
+          <p:cNvPr id="4" name="Picture 3" descr="Schwarz-Book-Cover.jpg"/>
+          <p:cNvPicPr>
+            <a:picLocks noChangeAspect="1"/>
+          </p:cNvPicPr>
+          <p:nvPr/>
+        </p:nvPicPr>
+        <p:blipFill>
+          <a:blip r:embed="rId6">
+            <a:extLst>
+              <a:ext uri="{28A0092B-C50C-407E-A947-70E740481C1C}">
+                <a14:useLocalDpi xmlns:a14="http://schemas.microsoft.com/office/drawing/2010/main" val="0"/>
+              </a:ext>
+            </a:extLst>
+          </a:blip>
+          <a:stretch>
+            <a:fillRect/>
+          </a:stretch>
+        </p:blipFill>
+        <p:spPr>
+          <a:xfrm>
+            <a:off x="7058985" y="3284984"/>
+            <a:ext cx="1545463" cy="2345308"/>
+          </a:xfrm>
+          <a:prstGeom prst="rect">
+            <a:avLst/>
+          </a:prstGeom>
+          <a:ln>
+            <a:noFill/>
+          </a:ln>
+          <a:effectLst>
+            <a:outerShdw blurRad="292100" dist="139700" dir="2700000" algn="tl" rotWithShape="0">
+              <a:srgbClr val="333333">
+                <a:alpha val="65000"/>
+              </a:srgbClr>
+            </a:outerShdw>
+          </a:effectLst>
+        </p:spPr>
+      </p:pic>
     </p:spTree>
     <p:extLst>
       <p:ext uri="{BB962C8B-B14F-4D97-AF65-F5344CB8AC3E}">
-        <p14:creationId xmlns:p14="http://schemas.microsoft.com/office/powerpoint/2010/main" val="225589894"/>
+        <p14:creationId xmlns:p14="http://schemas.microsoft.com/office/powerpoint/2010/main" val="3082657749"/>
       </p:ext>
     </p:extLst>
   </p:cSld>
@@ -9360,7 +11257,7 @@
   <p:timing>
     <p:tnLst>
       <p:par>
-        <p:cTn id="1" dur="indefinite" restart="never" nodeType="tmRoot"/>
+        <p:cTn xmlns:p14="http://schemas.microsoft.com/office/powerpoint/2010/main" id="1" dur="indefinite" restart="never" nodeType="tmRoot"/>
       </p:par>
     </p:tnLst>
   </p:timing>
@@ -9400,8 +11297,16 @@
           <a:lstStyle/>
           <a:p>
             <a:r>
-              <a:rPr lang="en-GB" smtClean="0"/>
-              <a:t>Recommended Resources</a:t>
+              <a:rPr lang="en-GB" dirty="0" smtClean="0"/>
+              <a:t>Joyful </a:t>
+            </a:r>
+            <a:r>
+              <a:rPr lang="en-GB" dirty="0"/>
+              <a:t>W</a:t>
+            </a:r>
+            <a:r>
+              <a:rPr lang="en-GB" dirty="0" smtClean="0"/>
+              <a:t>ork</a:t>
             </a:r>
             <a:endParaRPr lang="en-GB" dirty="0"/>
           </a:p>
@@ -9424,96 +11329,104 @@
           </a:bodyPr>
           <a:lstStyle/>
           <a:p>
-            <a:r>
-              <a:rPr lang="en-GB" sz="2000" dirty="0" smtClean="0"/>
-              <a:t>London Action Science </a:t>
-            </a:r>
-            <a:r>
-              <a:rPr lang="en-GB" sz="2000" dirty="0" err="1" smtClean="0"/>
-              <a:t>Meetup</a:t>
-            </a:r>
-            <a:r>
-              <a:rPr lang="en-GB" sz="2000" dirty="0" smtClean="0"/>
-              <a:t> Group</a:t>
-            </a:r>
-          </a:p>
-          <a:p>
-            <a:pPr lvl="1"/>
-            <a:r>
-              <a:rPr lang="en-GB" sz="2000" dirty="0" smtClean="0">
-                <a:hlinkClick r:id="rId2"/>
-              </a:rPr>
-              <a:t>http://www.meetup.com/London-Action-Science-Meetup/</a:t>
-            </a:r>
-            <a:endParaRPr lang="en-GB" sz="2000" dirty="0" smtClean="0"/>
-          </a:p>
-          <a:p>
-            <a:r>
-              <a:rPr lang="en-GB" sz="2000" dirty="0" smtClean="0"/>
-              <a:t>Eight Behaviours for Smarter Teams (free download):</a:t>
-            </a:r>
-          </a:p>
-          <a:p>
-            <a:pPr lvl="1"/>
-            <a:r>
-              <a:rPr lang="en-GB" sz="2000" dirty="0" smtClean="0">
-                <a:hlinkClick r:id="rId3"/>
-              </a:rPr>
-              <a:t>http://www.schwarzassociates.com/resources/articles/</a:t>
-            </a:r>
-            <a:endParaRPr lang="en-GB" sz="2000" dirty="0" smtClean="0"/>
-          </a:p>
-          <a:p>
-            <a:r>
-              <a:rPr lang="en-GB" sz="2000" dirty="0" smtClean="0"/>
-              <a:t>Smart Leaders Smarter Teams by Roger Schwarz</a:t>
-            </a:r>
-          </a:p>
-          <a:p>
-            <a:r>
-              <a:rPr lang="en-GB" sz="2000" dirty="0" smtClean="0"/>
-              <a:t>More about Action Science:</a:t>
-            </a:r>
-          </a:p>
-          <a:p>
-            <a:pPr lvl="1"/>
-            <a:r>
-              <a:rPr lang="en-GB" sz="2000" dirty="0" smtClean="0">
-                <a:hlinkClick r:id="rId4"/>
-              </a:rPr>
-              <a:t>http://www.actionscience.com/actinq.htm</a:t>
-            </a:r>
-            <a:endParaRPr lang="en-GB" sz="2000" dirty="0" smtClean="0"/>
-          </a:p>
-          <a:p>
-            <a:r>
-              <a:rPr lang="en-GB" sz="2000" dirty="0" smtClean="0"/>
-              <a:t>Amy Cuddy's Power Pose Ted talk</a:t>
-            </a:r>
-          </a:p>
-          <a:p>
-            <a:pPr lvl="1"/>
-            <a:r>
-              <a:rPr lang="en-GB" sz="2000" dirty="0" smtClean="0">
-                <a:hlinkClick r:id="rId5"/>
-              </a:rPr>
-              <a:t>https://www.ted.com/talks/amy_cuddy_your_body_language_shapes_who_you_are</a:t>
-            </a:r>
-            <a:endParaRPr lang="en-GB" sz="2000" dirty="0" smtClean="0"/>
-          </a:p>
-          <a:p>
-            <a:pPr lvl="1"/>
-            <a:endParaRPr lang="en-GB" sz="2000" dirty="0" smtClean="0"/>
-          </a:p>
-          <a:p>
-            <a:endParaRPr lang="en-GB" sz="2000" dirty="0"/>
+            <a:pPr marL="0" indent="0">
+              <a:buNone/>
+            </a:pPr>
+            <a:r>
+              <a:rPr lang="en-GB" sz="2400" dirty="0" smtClean="0"/>
+              <a:t>To do </a:t>
+            </a:r>
+            <a:r>
+              <a:rPr lang="en-GB" sz="2400" dirty="0" smtClean="0"/>
+              <a:t>make work joyful</a:t>
+            </a:r>
+            <a:endParaRPr lang="en-GB" sz="2400" dirty="0" smtClean="0"/>
+          </a:p>
+          <a:p>
+            <a:pPr marL="0" indent="0">
+              <a:buNone/>
+            </a:pPr>
+            <a:r>
+              <a:rPr lang="en-GB" sz="2400" dirty="0" smtClean="0"/>
+              <a:t>As aspiring leaders</a:t>
+            </a:r>
+          </a:p>
+          <a:p>
+            <a:pPr marL="0" indent="0">
+              <a:buNone/>
+            </a:pPr>
+            <a:r>
+              <a:rPr lang="en-GB" sz="2400" dirty="0" smtClean="0"/>
+              <a:t>We need to practice personal leadership.</a:t>
+            </a:r>
+          </a:p>
+          <a:p>
+            <a:pPr marL="0" indent="0">
+              <a:buNone/>
+            </a:pPr>
+            <a:endParaRPr lang="en-GB" sz="2400" dirty="0"/>
+          </a:p>
+          <a:p>
+            <a:pPr marL="0" indent="0">
+              <a:buNone/>
+            </a:pPr>
+            <a:r>
+              <a:rPr lang="en-GB" sz="2400" b="1" dirty="0" smtClean="0"/>
+              <a:t>Success Criteria</a:t>
+            </a:r>
+          </a:p>
+          <a:p>
+            <a:pPr marL="0" indent="0">
+              <a:buNone/>
+            </a:pPr>
+            <a:r>
+              <a:rPr lang="en-GB" sz="2400" dirty="0" smtClean="0"/>
+              <a:t>[ ] I know what the Mutual Learning Model is</a:t>
+            </a:r>
+          </a:p>
+          <a:p>
+            <a:pPr marL="0" indent="0">
+              <a:buNone/>
+            </a:pPr>
+            <a:r>
+              <a:rPr lang="en-GB" sz="2400" dirty="0" smtClean="0"/>
+              <a:t>[ ] I know what the 8 behaviours are</a:t>
+            </a:r>
+          </a:p>
+          <a:p>
+            <a:pPr marL="0" indent="0">
+              <a:buNone/>
+            </a:pPr>
+            <a:r>
+              <a:rPr lang="en-GB" sz="2400" dirty="0" smtClean="0"/>
+              <a:t>[ ] I've a deeper understanding of the way I lead</a:t>
+            </a:r>
+          </a:p>
+          <a:p>
+            <a:pPr marL="0" indent="0">
+              <a:buNone/>
+            </a:pPr>
+            <a:r>
+              <a:rPr lang="en-GB" sz="2400" dirty="0" smtClean="0"/>
+              <a:t>[ ] I've identified at least one personal improvement action</a:t>
+            </a:r>
+          </a:p>
+          <a:p>
+            <a:pPr marL="0" indent="0">
+              <a:buNone/>
+            </a:pPr>
+            <a:r>
+              <a:rPr lang="en-GB" sz="2400" dirty="0" smtClean="0"/>
+              <a:t>[ ] We've had fun!</a:t>
+            </a:r>
+            <a:endParaRPr lang="en-GB" sz="2400" dirty="0"/>
           </a:p>
         </p:txBody>
       </p:sp>
     </p:spTree>
     <p:extLst>
       <p:ext uri="{BB962C8B-B14F-4D97-AF65-F5344CB8AC3E}">
-        <p14:creationId xmlns:p14="http://schemas.microsoft.com/office/powerpoint/2010/main" val="3082657749"/>
+        <p14:creationId xmlns:p14="http://schemas.microsoft.com/office/powerpoint/2010/main" val="2843956460"/>
       </p:ext>
     </p:extLst>
   </p:cSld>
@@ -9523,7 +11436,7 @@
   <p:timing>
     <p:tnLst>
       <p:par>
-        <p:cTn id="1" dur="indefinite" restart="never" nodeType="tmRoot"/>
+        <p:cTn xmlns:p14="http://schemas.microsoft.com/office/powerpoint/2010/main" id="1" dur="indefinite" restart="never" nodeType="tmRoot"/>
       </p:par>
     </p:tnLst>
   </p:timing>
@@ -9563,177 +11476,6 @@
           <a:lstStyle/>
           <a:p>
             <a:r>
-              <a:rPr lang="en-GB" dirty="0" smtClean="0"/>
-              <a:t>In search of joyful work</a:t>
-            </a:r>
-            <a:endParaRPr lang="en-GB" dirty="0"/>
-          </a:p>
-        </p:txBody>
-      </p:sp>
-      <p:sp>
-        <p:nvSpPr>
-          <p:cNvPr id="3" name="Content Placeholder 2"/>
-          <p:cNvSpPr>
-            <a:spLocks noGrp="1"/>
-          </p:cNvSpPr>
-          <p:nvPr>
-            <p:ph idx="1"/>
-          </p:nvPr>
-        </p:nvSpPr>
-        <p:spPr/>
-        <p:txBody>
-          <a:bodyPr>
-            <a:normAutofit/>
-          </a:bodyPr>
-          <a:lstStyle/>
-          <a:p>
-            <a:pPr marL="0" indent="0">
-              <a:buNone/>
-            </a:pPr>
-            <a:r>
-              <a:rPr lang="en-GB" sz="2400" dirty="0" smtClean="0"/>
-              <a:t>To do joyful work</a:t>
-            </a:r>
-          </a:p>
-          <a:p>
-            <a:pPr marL="0" indent="0">
-              <a:buNone/>
-            </a:pPr>
-            <a:r>
-              <a:rPr lang="en-GB" sz="2400" dirty="0" smtClean="0"/>
-              <a:t>As </a:t>
-            </a:r>
-            <a:r>
-              <a:rPr lang="en-GB" sz="2400" dirty="0" smtClean="0"/>
-              <a:t>aspiring leaders</a:t>
-            </a:r>
-            <a:endParaRPr lang="en-GB" sz="2400" dirty="0" smtClean="0"/>
-          </a:p>
-          <a:p>
-            <a:pPr marL="0" indent="0">
-              <a:buNone/>
-            </a:pPr>
-            <a:r>
-              <a:rPr lang="en-GB" sz="2400" dirty="0" smtClean="0"/>
-              <a:t>We need to practice personal leadership.</a:t>
-            </a:r>
-          </a:p>
-          <a:p>
-            <a:pPr marL="0" indent="0">
-              <a:buNone/>
-            </a:pPr>
-            <a:endParaRPr lang="en-GB" sz="2400" dirty="0"/>
-          </a:p>
-          <a:p>
-            <a:pPr marL="0" indent="0">
-              <a:buNone/>
-            </a:pPr>
-            <a:r>
-              <a:rPr lang="en-GB" sz="2400" b="1" dirty="0" smtClean="0"/>
-              <a:t>Success Criteria</a:t>
-            </a:r>
-          </a:p>
-          <a:p>
-            <a:pPr marL="0" indent="0">
-              <a:buNone/>
-            </a:pPr>
-            <a:r>
-              <a:rPr lang="en-GB" sz="2400" dirty="0" smtClean="0"/>
-              <a:t>[ ] I know what the Mutual Learning Model is</a:t>
-            </a:r>
-          </a:p>
-          <a:p>
-            <a:pPr marL="0" indent="0">
-              <a:buNone/>
-            </a:pPr>
-            <a:r>
-              <a:rPr lang="en-GB" sz="2400" dirty="0" smtClean="0"/>
-              <a:t>[ ] I know what the 8 behaviours are</a:t>
-            </a:r>
-          </a:p>
-          <a:p>
-            <a:pPr marL="0" indent="0">
-              <a:buNone/>
-            </a:pPr>
-            <a:r>
-              <a:rPr lang="en-GB" sz="2400" dirty="0" smtClean="0"/>
-              <a:t>[ ] I've a deeper understanding of the way I lead</a:t>
-            </a:r>
-          </a:p>
-          <a:p>
-            <a:pPr marL="0" indent="0">
-              <a:buNone/>
-            </a:pPr>
-            <a:r>
-              <a:rPr lang="en-GB" sz="2400" dirty="0" smtClean="0"/>
-              <a:t>[ ] I've identified at least one personal improvement action</a:t>
-            </a:r>
-          </a:p>
-          <a:p>
-            <a:pPr marL="0" indent="0">
-              <a:buNone/>
-            </a:pPr>
-            <a:r>
-              <a:rPr lang="en-GB" sz="2400" dirty="0" smtClean="0"/>
-              <a:t>[ ] We've had fun!</a:t>
-            </a:r>
-            <a:endParaRPr lang="en-GB" sz="2400" dirty="0"/>
-          </a:p>
-        </p:txBody>
-      </p:sp>
-    </p:spTree>
-    <p:extLst>
-      <p:ext uri="{BB962C8B-B14F-4D97-AF65-F5344CB8AC3E}">
-        <p14:creationId xmlns:p14="http://schemas.microsoft.com/office/powerpoint/2010/main" val="2843956460"/>
-      </p:ext>
-    </p:extLst>
-  </p:cSld>
-  <p:clrMapOvr>
-    <a:masterClrMapping/>
-  </p:clrMapOvr>
-  <p:timing>
-    <p:tnLst>
-      <p:par>
-        <p:cTn id="1" dur="indefinite" restart="never" nodeType="tmRoot"/>
-      </p:par>
-    </p:tnLst>
-  </p:timing>
-</p:sld>
-</file>
-
-<file path=ppt/slides/slide19.xml><?xml version="1.0" encoding="utf-8"?>
-<p:sld xmlns:a="http://schemas.openxmlformats.org/drawingml/2006/main" xmlns:r="http://schemas.openxmlformats.org/officeDocument/2006/relationships" xmlns:p="http://schemas.openxmlformats.org/presentationml/2006/main">
-  <p:cSld>
-    <p:spTree>
-      <p:nvGrpSpPr>
-        <p:cNvPr id="1" name=""/>
-        <p:cNvGrpSpPr/>
-        <p:nvPr/>
-      </p:nvGrpSpPr>
-      <p:grpSpPr>
-        <a:xfrm>
-          <a:off x="0" y="0"/>
-          <a:ext cx="0" cy="0"/>
-          <a:chOff x="0" y="0"/>
-          <a:chExt cx="0" cy="0"/>
-        </a:xfrm>
-      </p:grpSpPr>
-      <p:sp>
-        <p:nvSpPr>
-          <p:cNvPr id="2" name="Title 1"/>
-          <p:cNvSpPr>
-            <a:spLocks noGrp="1"/>
-          </p:cNvSpPr>
-          <p:nvPr>
-            <p:ph type="title"/>
-          </p:nvPr>
-        </p:nvSpPr>
-        <p:spPr/>
-        <p:txBody>
-          <a:bodyPr/>
-          <a:lstStyle/>
-          <a:p>
-            <a:r>
               <a:rPr lang="en-US" dirty="0" smtClean="0"/>
               <a:t>Thank you for playing!</a:t>
             </a:r>
@@ -9741,36 +11483,6 @@
           </a:p>
         </p:txBody>
       </p:sp>
-      <p:pic>
-        <p:nvPicPr>
-          <p:cNvPr id="6" name="Picture 5" descr="Chantal-Danseur.jpg"/>
-          <p:cNvPicPr>
-            <a:picLocks noChangeAspect="1"/>
-          </p:cNvPicPr>
-          <p:nvPr/>
-        </p:nvPicPr>
-        <p:blipFill>
-          <a:blip r:embed="rId3">
-            <a:extLst>
-              <a:ext uri="{28A0092B-C50C-407E-A947-70E740481C1C}">
-                <a14:useLocalDpi xmlns:a14="http://schemas.microsoft.com/office/drawing/2010/main" val="0"/>
-              </a:ext>
-            </a:extLst>
-          </a:blip>
-          <a:stretch>
-            <a:fillRect/>
-          </a:stretch>
-        </p:blipFill>
-        <p:spPr>
-          <a:xfrm>
-            <a:off x="913462" y="1851293"/>
-            <a:ext cx="3040728" cy="3040728"/>
-          </a:xfrm>
-          <a:prstGeom prst="rect">
-            <a:avLst/>
-          </a:prstGeom>
-        </p:spPr>
-      </p:pic>
       <p:sp>
         <p:nvSpPr>
           <p:cNvPr id="7" name="Text Box 19"/>
@@ -9793,14 +11505,14 @@
           </a:ln>
           <a:effectLst/>
           <a:extLst>
-            <a:ext uri="{909E8E84-426E-40DD-AFC4-6F175D3DCCD1}">
+            <a:ext uri="{909E8E84-426E-40dd-AFC4-6F175D3DCCD1}">
               <a14:hiddenFill xmlns:a14="http://schemas.microsoft.com/office/drawing/2010/main">
                 <a:solidFill>
                   <a:schemeClr val="accent1"/>
                 </a:solidFill>
               </a14:hiddenFill>
             </a:ext>
-            <a:ext uri="{91240B29-F687-4F45-9708-019B960494DF}">
+            <a:ext uri="{91240B29-F687-4f45-9708-019B960494DF}">
               <a14:hiddenLine xmlns:a14="http://schemas.microsoft.com/office/drawing/2010/main" w="9525">
                 <a:solidFill>
                   <a:schemeClr val="tx1"/>
@@ -9810,7 +11522,7 @@
                 <a:tailEnd/>
               </a14:hiddenLine>
             </a:ext>
-            <a:ext uri="{AF507438-7753-43E0-B8FC-AC1667EBCBE1}">
+            <a:ext uri="{AF507438-7753-43e0-B8FC-AC1667EBCBE1}">
               <a14:hiddenEffects xmlns:a14="http://schemas.microsoft.com/office/drawing/2010/main">
                 <a:effectLst>
                   <a:outerShdw blurRad="63500" dist="38099" dir="2700000" algn="ctr" rotWithShape="0">
@@ -9870,14 +11582,14 @@
           </a:ln>
           <a:effectLst/>
           <a:extLst>
-            <a:ext uri="{909E8E84-426E-40DD-AFC4-6F175D3DCCD1}">
+            <a:ext uri="{909E8E84-426E-40dd-AFC4-6F175D3DCCD1}">
               <a14:hiddenFill xmlns:a14="http://schemas.microsoft.com/office/drawing/2010/main">
                 <a:solidFill>
                   <a:schemeClr val="accent1"/>
                 </a:solidFill>
               </a14:hiddenFill>
             </a:ext>
-            <a:ext uri="{91240B29-F687-4F45-9708-019B960494DF}">
+            <a:ext uri="{91240B29-F687-4f45-9708-019B960494DF}">
               <a14:hiddenLine xmlns:a14="http://schemas.microsoft.com/office/drawing/2010/main" w="9525">
                 <a:solidFill>
                   <a:schemeClr val="tx1"/>
@@ -9887,7 +11599,7 @@
                 <a:tailEnd/>
               </a14:hiddenLine>
             </a:ext>
-            <a:ext uri="{AF507438-7753-43E0-B8FC-AC1667EBCBE1}">
+            <a:ext uri="{AF507438-7753-43e0-B8FC-AC1667EBCBE1}">
               <a14:hiddenEffects xmlns:a14="http://schemas.microsoft.com/office/drawing/2010/main">
                 <a:effectLst>
                   <a:outerShdw blurRad="63500" dist="38099" dir="2700000" algn="ctr" rotWithShape="0">
@@ -9932,7 +11644,7 @@
                 </a:solidFill>
                 <a:latin typeface="+mn-lt"/>
                 <a:cs typeface="Arial Unicode MS" charset="0"/>
-                <a:hlinkClick r:id="rId4"/>
+                <a:hlinkClick r:id="rId3"/>
               </a:rPr>
               <a:t>www.selfishprogramming.org</a:t>
             </a:r>
@@ -10016,14 +11728,14 @@
           </a:ln>
           <a:effectLst/>
           <a:extLst>
-            <a:ext uri="{909E8E84-426E-40DD-AFC4-6F175D3DCCD1}">
+            <a:ext uri="{909E8E84-426E-40dd-AFC4-6F175D3DCCD1}">
               <a14:hiddenFill xmlns:a14="http://schemas.microsoft.com/office/drawing/2010/main">
                 <a:solidFill>
                   <a:schemeClr val="accent1"/>
                 </a:solidFill>
               </a14:hiddenFill>
             </a:ext>
-            <a:ext uri="{91240B29-F687-4F45-9708-019B960494DF}">
+            <a:ext uri="{91240B29-F687-4f45-9708-019B960494DF}">
               <a14:hiddenLine xmlns:a14="http://schemas.microsoft.com/office/drawing/2010/main" w="9525">
                 <a:solidFill>
                   <a:schemeClr val="tx1"/>
@@ -10033,7 +11745,7 @@
                 <a:tailEnd/>
               </a14:hiddenLine>
             </a:ext>
-            <a:ext uri="{AF507438-7753-43E0-B8FC-AC1667EBCBE1}">
+            <a:ext uri="{AF507438-7753-43e0-B8FC-AC1667EBCBE1}">
               <a14:hiddenEffects xmlns:a14="http://schemas.microsoft.com/office/drawing/2010/main">
                 <a:effectLst>
                   <a:outerShdw blurRad="63500" dist="38099" dir="2700000" algn="ctr" rotWithShape="0">
@@ -10084,7 +11796,7 @@
           <p:nvPr/>
         </p:nvPicPr>
         <p:blipFill>
-          <a:blip r:embed="rId5" cstate="print">
+          <a:blip r:embed="rId4" cstate="print">
             <a:extLst>
               <a:ext uri="{28A0092B-C50C-407E-A947-70E740481C1C}">
                 <a14:useLocalDpi xmlns:a14="http://schemas.microsoft.com/office/drawing/2010/main" val="0"/>
@@ -10137,69 +11849,6 @@
       </p:pic>
       <p:sp>
         <p:nvSpPr>
-          <p:cNvPr id="10" name="Text Box 19"/>
-          <p:cNvSpPr txBox="1">
-            <a:spLocks noChangeArrowheads="1"/>
-          </p:cNvSpPr>
-          <p:nvPr/>
-        </p:nvSpPr>
-        <p:spPr bwMode="auto">
-          <a:xfrm>
-            <a:off x="1040691" y="4320759"/>
-            <a:ext cx="2790475" cy="369332"/>
-          </a:xfrm>
-          <a:prstGeom prst="rect">
-            <a:avLst/>
-          </a:prstGeom>
-          <a:solidFill>
-            <a:schemeClr val="accent6">
-              <a:lumMod val="60000"/>
-              <a:lumOff val="40000"/>
-            </a:schemeClr>
-          </a:solidFill>
-          <a:ln>
-            <a:noFill/>
-          </a:ln>
-          <a:effectLst/>
-          <a:extLst/>
-        </p:spPr>
-        <p:txBody>
-          <a:bodyPr wrap="square">
-            <a:spAutoFit/>
-          </a:bodyPr>
-          <a:lstStyle/>
-          <a:p>
-            <a:pPr algn="ctr" fontAlgn="auto">
-              <a:spcBef>
-                <a:spcPct val="50000"/>
-              </a:spcBef>
-              <a:spcAft>
-                <a:spcPts val="0"/>
-              </a:spcAft>
-              <a:defRPr/>
-            </a:pPr>
-            <a:r>
-              <a:rPr lang="en-GB" sz="1800" dirty="0" smtClean="0">
-                <a:solidFill>
-                  <a:schemeClr val="bg1"/>
-                </a:solidFill>
-                <a:latin typeface="+mn-lt"/>
-                <a:cs typeface="Arial Unicode MS" charset="0"/>
-              </a:rPr>
-              <a:t>Joe Schmetzer</a:t>
-            </a:r>
-            <a:endParaRPr lang="en-GB" sz="1800" dirty="0">
-              <a:solidFill>
-                <a:schemeClr val="bg1"/>
-              </a:solidFill>
-              <a:latin typeface="+mn-lt"/>
-              <a:cs typeface="Arial Unicode MS" charset="0"/>
-            </a:endParaRPr>
-          </a:p>
-        </p:txBody>
-      </p:sp>
-      <p:sp>
-        <p:nvSpPr>
           <p:cNvPr id="12" name="Text Box 19"/>
           <p:cNvSpPr txBox="1">
             <a:spLocks noChangeArrowheads="1"/>
@@ -10215,7 +11864,7 @@
             <a:avLst/>
           </a:prstGeom>
           <a:solidFill>
-            <a:schemeClr val="accent1"/>
+            <a:srgbClr val="7F7F7F"/>
           </a:solidFill>
           <a:ln>
             <a:noFill/>
@@ -10267,7 +11916,7 @@
           <p:nvPr/>
         </p:nvPicPr>
         <p:blipFill>
-          <a:blip r:embed="rId6" cstate="print">
+          <a:blip r:embed="rId5" cstate="print">
             <a:extLst>
               <a:ext uri="{28A0092B-C50C-407E-A947-70E740481C1C}">
                 <a14:useLocalDpi xmlns:a14="http://schemas.microsoft.com/office/drawing/2010/main" val="0"/>
@@ -10297,7 +11946,7 @@
             <a:tailEnd/>
           </a:ln>
           <a:extLst>
-            <a:ext uri="{909E8E84-426E-40DD-AFC4-6F175D3DCCD1}">
+            <a:ext uri="{909E8E84-426E-40dd-AFC4-6F175D3DCCD1}">
               <a14:hiddenFill xmlns:a14="http://schemas.microsoft.com/office/drawing/2010/main">
                 <a:solidFill>
                   <a:srgbClr val="FFFFFF"/>
@@ -10329,14 +11978,14 @@
           </a:ln>
           <a:effectLst/>
           <a:extLst>
-            <a:ext uri="{909E8E84-426E-40DD-AFC4-6F175D3DCCD1}">
+            <a:ext uri="{909E8E84-426E-40dd-AFC4-6F175D3DCCD1}">
               <a14:hiddenFill xmlns:a14="http://schemas.microsoft.com/office/drawing/2010/main">
                 <a:solidFill>
                   <a:schemeClr val="accent1"/>
                 </a:solidFill>
               </a14:hiddenFill>
             </a:ext>
-            <a:ext uri="{91240B29-F687-4F45-9708-019B960494DF}">
+            <a:ext uri="{91240B29-F687-4f45-9708-019B960494DF}">
               <a14:hiddenLine xmlns:a14="http://schemas.microsoft.com/office/drawing/2010/main" w="9525">
                 <a:solidFill>
                   <a:schemeClr val="tx1"/>
@@ -10346,7 +11995,7 @@
                 <a:tailEnd/>
               </a14:hiddenLine>
             </a:ext>
-            <a:ext uri="{AF507438-7753-43E0-B8FC-AC1667EBCBE1}">
+            <a:ext uri="{AF507438-7753-43e0-B8FC-AC1667EBCBE1}">
               <a14:hiddenEffects xmlns:a14="http://schemas.microsoft.com/office/drawing/2010/main">
                 <a:effectLst>
                   <a:outerShdw blurRad="63500" dist="38099" dir="2700000" algn="ctr" rotWithShape="0">
@@ -10436,14 +12085,14 @@
           </a:ln>
           <a:effectLst/>
           <a:extLst>
-            <a:ext uri="{909E8E84-426E-40DD-AFC4-6F175D3DCCD1}">
+            <a:ext uri="{909E8E84-426E-40dd-AFC4-6F175D3DCCD1}">
               <a14:hiddenFill xmlns:a14="http://schemas.microsoft.com/office/drawing/2010/main">
                 <a:solidFill>
                   <a:schemeClr val="accent1"/>
                 </a:solidFill>
               </a14:hiddenFill>
             </a:ext>
-            <a:ext uri="{91240B29-F687-4F45-9708-019B960494DF}">
+            <a:ext uri="{91240B29-F687-4f45-9708-019B960494DF}">
               <a14:hiddenLine xmlns:a14="http://schemas.microsoft.com/office/drawing/2010/main" w="9525">
                 <a:solidFill>
                   <a:schemeClr val="tx1"/>
@@ -10453,7 +12102,7 @@
                 <a:tailEnd/>
               </a14:hiddenLine>
             </a:ext>
-            <a:ext uri="{AF507438-7753-43E0-B8FC-AC1667EBCBE1}">
+            <a:ext uri="{AF507438-7753-43e0-B8FC-AC1667EBCBE1}">
               <a14:hiddenEffects xmlns:a14="http://schemas.microsoft.com/office/drawing/2010/main">
                 <a:effectLst>
                   <a:outerShdw blurRad="63500" dist="38099" dir="2700000" algn="ctr" rotWithShape="0">
@@ -10486,16 +12135,123 @@
                 <a:latin typeface="+mn-lt"/>
                 <a:cs typeface="Arial Unicode MS" charset="0"/>
               </a:rPr>
-              <a:t>Enterprise </a:t>
-            </a:r>
-            <a:r>
-              <a:rPr lang="en-GB" dirty="0" smtClean="0">
+              <a:t>Enterprise Gardener</a:t>
+            </a:r>
+            <a:endParaRPr lang="en-GB" dirty="0">
+              <a:latin typeface="+mn-lt"/>
+              <a:cs typeface="Arial Unicode MS" charset="0"/>
+            </a:endParaRPr>
+          </a:p>
+        </p:txBody>
+      </p:sp>
+      <p:pic>
+        <p:nvPicPr>
+          <p:cNvPr id="15" name="Picture 14" descr="Joe-Schmetzer-Twitter-Pic.jpg"/>
+          <p:cNvPicPr>
+            <a:picLocks noChangeAspect="1"/>
+          </p:cNvPicPr>
+          <p:nvPr/>
+        </p:nvPicPr>
+        <p:blipFill>
+          <a:blip r:embed="rId6">
+            <a:extLst>
+              <a:ext uri="{28A0092B-C50C-407E-A947-70E740481C1C}">
+                <a14:useLocalDpi xmlns:a14="http://schemas.microsoft.com/office/drawing/2010/main" val="0"/>
+              </a:ext>
+            </a:extLst>
+          </a:blip>
+          <a:stretch>
+            <a:fillRect/>
+          </a:stretch>
+        </p:blipFill>
+        <p:spPr>
+          <a:xfrm>
+            <a:off x="971600" y="1916832"/>
+            <a:ext cx="2880319" cy="2880319"/>
+          </a:xfrm>
+          <a:prstGeom prst="rect">
+            <a:avLst/>
+          </a:prstGeom>
+          <a:solidFill>
+            <a:srgbClr val="FFFFFF">
+              <a:shade val="85000"/>
+            </a:srgbClr>
+          </a:solidFill>
+          <a:ln w="88900" cap="sq">
+            <a:solidFill>
+              <a:srgbClr val="FFFFFF"/>
+            </a:solidFill>
+            <a:miter lim="800000"/>
+          </a:ln>
+          <a:effectLst>
+            <a:outerShdw blurRad="55000" dist="18000" dir="5400000" algn="tl" rotWithShape="0">
+              <a:srgbClr val="000000">
+                <a:alpha val="40000"/>
+              </a:srgbClr>
+            </a:outerShdw>
+          </a:effectLst>
+          <a:scene3d>
+            <a:camera prst="orthographicFront"/>
+            <a:lightRig rig="twoPt" dir="t">
+              <a:rot lat="0" lon="0" rev="7200000"/>
+            </a:lightRig>
+          </a:scene3d>
+          <a:sp3d>
+            <a:bevelT w="25400" h="19050"/>
+            <a:contourClr>
+              <a:srgbClr val="FFFFFF"/>
+            </a:contourClr>
+          </a:sp3d>
+        </p:spPr>
+      </p:pic>
+      <p:sp>
+        <p:nvSpPr>
+          <p:cNvPr id="16" name="Text Box 19"/>
+          <p:cNvSpPr txBox="1">
+            <a:spLocks noChangeArrowheads="1"/>
+          </p:cNvSpPr>
+          <p:nvPr/>
+        </p:nvSpPr>
+        <p:spPr bwMode="auto">
+          <a:xfrm>
+            <a:off x="1009700" y="4290938"/>
+            <a:ext cx="2823170" cy="369332"/>
+          </a:xfrm>
+          <a:prstGeom prst="rect">
+            <a:avLst/>
+          </a:prstGeom>
+          <a:solidFill>
+            <a:srgbClr val="FFFFFF"/>
+          </a:solidFill>
+          <a:ln>
+            <a:noFill/>
+          </a:ln>
+          <a:effectLst/>
+          <a:extLst/>
+        </p:spPr>
+        <p:txBody>
+          <a:bodyPr wrap="square">
+            <a:spAutoFit/>
+          </a:bodyPr>
+          <a:lstStyle/>
+          <a:p>
+            <a:pPr algn="ctr" fontAlgn="auto">
+              <a:spcBef>
+                <a:spcPct val="50000"/>
+              </a:spcBef>
+              <a:spcAft>
+                <a:spcPts val="0"/>
+              </a:spcAft>
+              <a:defRPr/>
+            </a:pPr>
+            <a:r>
+              <a:rPr lang="en-GB" sz="1800" dirty="0" smtClean="0">
                 <a:latin typeface="+mn-lt"/>
                 <a:cs typeface="Arial Unicode MS" charset="0"/>
               </a:rPr>
-              <a:t>Gardener</a:t>
-            </a:r>
-            <a:endParaRPr lang="en-GB" dirty="0">
+              <a:t>Joe Schmetzer</a:t>
+            </a:r>
+            <a:endParaRPr lang="en-GB" sz="1800" dirty="0">
               <a:latin typeface="+mn-lt"/>
               <a:cs typeface="Arial Unicode MS" charset="0"/>
             </a:endParaRPr>
@@ -10515,114 +12271,14 @@
   <p:timing>
     <p:tnLst>
       <p:par>
-        <p:cTn id="1" dur="indefinite" restart="never" nodeType="tmRoot"/>
+        <p:cTn xmlns:p14="http://schemas.microsoft.com/office/powerpoint/2010/main" id="1" dur="indefinite" restart="never" nodeType="tmRoot"/>
       </p:par>
     </p:tnLst>
   </p:timing>
 </p:sld>
 </file>
 
-<file path=ppt/slides/slide2.xml><?xml version="1.0" encoding="utf-8"?>
-<p:sld xmlns:a="http://schemas.openxmlformats.org/drawingml/2006/main" xmlns:r="http://schemas.openxmlformats.org/officeDocument/2006/relationships" xmlns:p="http://schemas.openxmlformats.org/presentationml/2006/main">
-  <p:cSld>
-    <p:spTree>
-      <p:nvGrpSpPr>
-        <p:cNvPr id="1" name=""/>
-        <p:cNvGrpSpPr/>
-        <p:nvPr/>
-      </p:nvGrpSpPr>
-      <p:grpSpPr>
-        <a:xfrm>
-          <a:off x="0" y="0"/>
-          <a:ext cx="0" cy="0"/>
-          <a:chOff x="0" y="0"/>
-          <a:chExt cx="0" cy="0"/>
-        </a:xfrm>
-      </p:grpSpPr>
-      <p:sp>
-        <p:nvSpPr>
-          <p:cNvPr id="2" name="Title 1"/>
-          <p:cNvSpPr>
-            <a:spLocks noGrp="1"/>
-          </p:cNvSpPr>
-          <p:nvPr>
-            <p:ph type="title"/>
-          </p:nvPr>
-        </p:nvSpPr>
-        <p:spPr/>
-        <p:txBody>
-          <a:bodyPr/>
-          <a:lstStyle/>
-          <a:p>
-            <a:r>
-              <a:rPr lang="en-GB" dirty="0" smtClean="0"/>
-              <a:t>The Dream</a:t>
-            </a:r>
-            <a:endParaRPr lang="en-GB" dirty="0"/>
-          </a:p>
-        </p:txBody>
-      </p:sp>
-      <p:sp>
-        <p:nvSpPr>
-          <p:cNvPr id="3" name="Content Placeholder 2"/>
-          <p:cNvSpPr>
-            <a:spLocks noGrp="1"/>
-          </p:cNvSpPr>
-          <p:nvPr>
-            <p:ph idx="1"/>
-          </p:nvPr>
-        </p:nvSpPr>
-        <p:spPr/>
-        <p:txBody>
-          <a:bodyPr/>
-          <a:lstStyle/>
-          <a:p>
-            <a:pPr marL="0" indent="0">
-              <a:buNone/>
-            </a:pPr>
-            <a:r>
-              <a:rPr lang="en-GB" dirty="0" smtClean="0"/>
-              <a:t>Suppose tonight, while you slept, a miracle occurred.</a:t>
-            </a:r>
-          </a:p>
-          <a:p>
-            <a:pPr marL="0" indent="0">
-              <a:buNone/>
-            </a:pPr>
-            <a:endParaRPr lang="en-GB" dirty="0"/>
-          </a:p>
-          <a:p>
-            <a:pPr marL="0" indent="0">
-              <a:buNone/>
-            </a:pPr>
-            <a:r>
-              <a:rPr lang="en-GB" dirty="0" smtClean="0"/>
-              <a:t>When you awake tomorrow, what would be some of the things you would notice that would tell you that you're doing more joyful work?</a:t>
-            </a:r>
-          </a:p>
-        </p:txBody>
-      </p:sp>
-    </p:spTree>
-    <p:extLst>
-      <p:ext uri="{BB962C8B-B14F-4D97-AF65-F5344CB8AC3E}">
-        <p14:creationId xmlns:p14="http://schemas.microsoft.com/office/powerpoint/2010/main" val="2469945073"/>
-      </p:ext>
-    </p:extLst>
-  </p:cSld>
-  <p:clrMapOvr>
-    <a:masterClrMapping/>
-  </p:clrMapOvr>
-  <p:timing>
-    <p:tnLst>
-      <p:par>
-        <p:cTn id="1" dur="indefinite" restart="never" nodeType="tmRoot"/>
-      </p:par>
-    </p:tnLst>
-  </p:timing>
-</p:sld>
-</file>
-
-<file path=ppt/slides/slide20.xml><?xml version="1.0" encoding="utf-8"?>
+<file path=ppt/slides/slide19.xml><?xml version="1.0" encoding="utf-8"?>
 <p:sld xmlns:a="http://schemas.openxmlformats.org/drawingml/2006/main" xmlns:r="http://schemas.openxmlformats.org/officeDocument/2006/relationships" xmlns:p="http://schemas.openxmlformats.org/presentationml/2006/main">
   <p:cSld>
     <p:spTree>
@@ -10684,14 +12340,14 @@
           <p:nvPr>
             <p:extLst>
               <p:ext uri="{D42A27DB-BD31-4B8C-83A1-F6EECF244321}">
-                <p14:modId xmlns:p14="http://schemas.microsoft.com/office/powerpoint/2010/main" val="968850252"/>
+                <p14:modId xmlns:p14="http://schemas.microsoft.com/office/powerpoint/2010/main" val="3138169055"/>
               </p:ext>
             </p:extLst>
           </p:nvPr>
         </p:nvGraphicFramePr>
         <p:xfrm>
           <a:off x="952500" y="1507540"/>
-          <a:ext cx="7239000" cy="4953000"/>
+          <a:ext cx="7239000" cy="4572000"/>
         </p:xfrm>
         <a:graphic>
           <a:graphicData uri="http://schemas.openxmlformats.org/drawingml/2006/table">
@@ -10849,15 +12505,7 @@
                       </a:r>
                       <a:r>
                         <a:rPr lang="en-GB" sz="1200" baseline="0" dirty="0" smtClean="0"/>
-                        <a:t> </a:t>
-                      </a:r>
-                      <a:r>
-                        <a:rPr lang="en-GB" sz="1200" baseline="0" dirty="0" smtClean="0"/>
-                        <a:t>– </a:t>
-                      </a:r>
-                      <a:r>
-                        <a:rPr lang="en-GB" sz="1200" baseline="0" dirty="0" smtClean="0"/>
-                        <a:t>00.06</a:t>
+                        <a:t> – 00.06</a:t>
                       </a:r>
                       <a:endParaRPr lang="en" sz="1200" dirty="0"/>
                     </a:p>
@@ -10899,15 +12547,7 @@
                       </a:pPr>
                       <a:r>
                         <a:rPr lang="en-GB" sz="1200" dirty="0" smtClean="0"/>
-                        <a:t>00.06 </a:t>
-                      </a:r>
-                      <a:r>
-                        <a:rPr lang="en-GB" sz="1200" dirty="0" smtClean="0"/>
-                        <a:t>– </a:t>
-                      </a:r>
-                      <a:r>
-                        <a:rPr lang="en-GB" sz="1200" dirty="0" smtClean="0"/>
-                        <a:t>00.11</a:t>
+                        <a:t>00.06 – 00.11</a:t>
                       </a:r>
                       <a:endParaRPr lang="en" sz="1200" dirty="0"/>
                     </a:p>
@@ -10957,15 +12597,7 @@
                       </a:r>
                       <a:r>
                         <a:rPr lang="en" sz="1200" dirty="0" smtClean="0"/>
-                        <a:t> </a:t>
-                      </a:r>
-                      <a:r>
-                        <a:rPr lang="en" sz="1200" dirty="0" smtClean="0"/>
-                        <a:t>– </a:t>
-                      </a:r>
-                      <a:r>
-                        <a:rPr lang="en" sz="1200" dirty="0" smtClean="0"/>
-                        <a:t>00.</a:t>
+                        <a:t> – 00.</a:t>
                       </a:r>
                       <a:r>
                         <a:rPr lang="en-GB" sz="1200" dirty="0" smtClean="0"/>
@@ -11073,15 +12705,7 @@
                       </a:r>
                       <a:r>
                         <a:rPr lang="en" sz="1200" dirty="0" smtClean="0"/>
-                        <a:t> </a:t>
-                      </a:r>
-                      <a:r>
-                        <a:rPr lang="en" sz="1200" dirty="0" smtClean="0"/>
-                        <a:t>– </a:t>
-                      </a:r>
-                      <a:r>
-                        <a:rPr lang="en" sz="1200" dirty="0" smtClean="0"/>
-                        <a:t>00.</a:t>
+                        <a:t> – 00.</a:t>
                       </a:r>
                       <a:r>
                         <a:rPr lang="en-GB" sz="1200" dirty="0" smtClean="0"/>
@@ -11197,11 +12821,7 @@
                       </a:r>
                       <a:r>
                         <a:rPr lang="en" sz="1200" dirty="0" smtClean="0"/>
-                        <a:t> </a:t>
-                      </a:r>
-                      <a:r>
-                        <a:rPr lang="en" sz="1200" dirty="0" smtClean="0"/>
-                        <a:t>– </a:t>
+                        <a:t> – </a:t>
                       </a:r>
                       <a:r>
                         <a:rPr lang="en" sz="1200" dirty="0" smtClean="0"/>
@@ -11209,7 +12829,7 @@
                       </a:r>
                       <a:r>
                         <a:rPr lang="en-GB" sz="1200" dirty="0" smtClean="0"/>
-                        <a:t>46</a:t>
+                        <a:t>51</a:t>
                       </a:r>
                       <a:endParaRPr lang="en" sz="1200" dirty="0"/>
                     </a:p>
@@ -11243,68 +12863,6 @@
                     <a:bodyPr/>
                     <a:lstStyle/>
                     <a:p>
-                      <a:pPr>
-                        <a:spcBef>
-                          <a:spcPts val="0"/>
-                        </a:spcBef>
-                        <a:buNone/>
-                      </a:pPr>
-                      <a:r>
-                        <a:rPr lang="en" sz="1200" dirty="0" smtClean="0"/>
-                        <a:t>00.</a:t>
-                      </a:r>
-                      <a:r>
-                        <a:rPr lang="en-GB" sz="1200" dirty="0" smtClean="0"/>
-                        <a:t>46</a:t>
-                      </a:r>
-                      <a:r>
-                        <a:rPr lang="en" sz="1200" dirty="0" smtClean="0"/>
-                        <a:t> </a:t>
-                      </a:r>
-                      <a:r>
-                        <a:rPr lang="en" sz="1200" dirty="0"/>
-                        <a:t>- </a:t>
-                      </a:r>
-                      <a:r>
-                        <a:rPr lang="en" sz="1200" dirty="0" smtClean="0"/>
-                        <a:t>00.</a:t>
-                      </a:r>
-                      <a:r>
-                        <a:rPr lang="en-GB" sz="1200" dirty="0" smtClean="0"/>
-                        <a:t>51</a:t>
-                      </a:r>
-                      <a:endParaRPr lang="en" sz="1200" dirty="0"/>
-                    </a:p>
-                  </a:txBody>
-                  <a:tcPr marL="91425" marR="91425" marT="91425" marB="91425"/>
-                </a:tc>
-                <a:tc>
-                  <a:txBody>
-                    <a:bodyPr/>
-                    <a:lstStyle/>
-                    <a:p>
-                      <a:pPr>
-                        <a:spcBef>
-                          <a:spcPts val="0"/>
-                        </a:spcBef>
-                        <a:buNone/>
-                      </a:pPr>
-                      <a:r>
-                        <a:rPr lang="en-GB" sz="1200" dirty="0" smtClean="0"/>
-                        <a:t>Theory in Depth</a:t>
-                      </a:r>
-                      <a:endParaRPr lang="en" sz="1200" dirty="0"/>
-                    </a:p>
-                  </a:txBody>
-                  <a:tcPr marL="91425" marR="91425" marT="91425" marB="91425"/>
-                </a:tc>
-              </a:tr>
-              <a:tr h="381000">
-                <a:tc>
-                  <a:txBody>
-                    <a:bodyPr/>
-                    <a:lstStyle/>
-                    <a:p>
                       <a:pPr rtl="0">
                         <a:spcBef>
                           <a:spcPts val="0"/>
@@ -11321,15 +12879,7 @@
                       </a:r>
                       <a:r>
                         <a:rPr lang="en" sz="1200" dirty="0" smtClean="0"/>
-                        <a:t> </a:t>
-                      </a:r>
-                      <a:r>
-                        <a:rPr lang="en" sz="1200" dirty="0" smtClean="0"/>
-                        <a:t>– </a:t>
-                      </a:r>
-                      <a:r>
-                        <a:rPr lang="en" sz="1200" dirty="0" smtClean="0"/>
-                        <a:t>00.</a:t>
+                        <a:t> – 00.</a:t>
                       </a:r>
                       <a:r>
                         <a:rPr lang="en-GB" sz="1200" dirty="0" smtClean="0"/>
@@ -11379,15 +12929,7 @@
                       </a:pPr>
                       <a:r>
                         <a:rPr lang="en-GB" sz="1200" dirty="0" smtClean="0"/>
-                        <a:t>00.56 </a:t>
-                      </a:r>
-                      <a:r>
-                        <a:rPr lang="en-GB" sz="1200" dirty="0" smtClean="0"/>
-                        <a:t>– </a:t>
-                      </a:r>
-                      <a:r>
-                        <a:rPr lang="en-GB" sz="1200" dirty="0" smtClean="0"/>
-                        <a:t>00.59</a:t>
+                        <a:t>00.56 – 00.59</a:t>
                       </a:r>
                       <a:endParaRPr lang="en" sz="1200" dirty="0"/>
                     </a:p>
@@ -11433,15 +12975,7 @@
                       </a:pPr>
                       <a:r>
                         <a:rPr lang="en-GB" sz="1200" dirty="0" smtClean="0"/>
-                        <a:t>00.59 </a:t>
-                      </a:r>
-                      <a:r>
-                        <a:rPr lang="en-GB" sz="1200" dirty="0" smtClean="0"/>
-                        <a:t>– </a:t>
-                      </a:r>
-                      <a:r>
-                        <a:rPr lang="en-GB" sz="1200" dirty="0" smtClean="0"/>
-                        <a:t>00.62</a:t>
+                        <a:t>00.59 – 00.62</a:t>
                       </a:r>
                       <a:endParaRPr lang="en" sz="1200" dirty="0"/>
                     </a:p>
@@ -11483,13 +13017,202 @@
   <p:clrMapOvr>
     <a:masterClrMapping/>
   </p:clrMapOvr>
-  <p:transition spd="slow">
+  <p:transition xmlns:p14="http://schemas.microsoft.com/office/powerpoint/2010/main" spd="slow">
     <p:cut/>
   </p:transition>
   <p:timing>
     <p:tnLst>
       <p:par>
-        <p:cTn id="1" dur="indefinite" restart="never" nodeType="tmRoot"/>
+        <p:cTn xmlns:p14="http://schemas.microsoft.com/office/powerpoint/2010/main" id="1" dur="indefinite" restart="never" nodeType="tmRoot"/>
+      </p:par>
+    </p:tnLst>
+  </p:timing>
+</p:sld>
+</file>
+
+<file path=ppt/slides/slide2.xml><?xml version="1.0" encoding="utf-8"?>
+<p:sld xmlns:a="http://schemas.openxmlformats.org/drawingml/2006/main" xmlns:r="http://schemas.openxmlformats.org/officeDocument/2006/relationships" xmlns:p="http://schemas.openxmlformats.org/presentationml/2006/main">
+  <p:cSld>
+    <p:spTree>
+      <p:nvGrpSpPr>
+        <p:cNvPr id="1" name=""/>
+        <p:cNvGrpSpPr/>
+        <p:nvPr/>
+      </p:nvGrpSpPr>
+      <p:grpSpPr>
+        <a:xfrm>
+          <a:off x="0" y="0"/>
+          <a:ext cx="0" cy="0"/>
+          <a:chOff x="0" y="0"/>
+          <a:chExt cx="0" cy="0"/>
+        </a:xfrm>
+      </p:grpSpPr>
+      <p:pic>
+        <p:nvPicPr>
+          <p:cNvPr id="4" name="Picture 3" descr="The-Lord-of-the-Rings-The-Fellowship-of-the-Ring-400x300.jpg"/>
+          <p:cNvPicPr>
+            <a:picLocks noChangeAspect="1"/>
+          </p:cNvPicPr>
+          <p:nvPr/>
+        </p:nvPicPr>
+        <p:blipFill>
+          <a:blip r:embed="rId3">
+            <a:extLst>
+              <a:ext uri="{28A0092B-C50C-407E-A947-70E740481C1C}">
+                <a14:useLocalDpi xmlns:a14="http://schemas.microsoft.com/office/drawing/2010/main" val="0"/>
+              </a:ext>
+            </a:extLst>
+          </a:blip>
+          <a:stretch>
+            <a:fillRect/>
+          </a:stretch>
+        </p:blipFill>
+        <p:spPr>
+          <a:xfrm>
+            <a:off x="0" y="0"/>
+            <a:ext cx="9144000" cy="6858000"/>
+          </a:xfrm>
+          <a:prstGeom prst="rect">
+            <a:avLst/>
+          </a:prstGeom>
+        </p:spPr>
+      </p:pic>
+      <p:sp>
+        <p:nvSpPr>
+          <p:cNvPr id="3" name="Content Placeholder 2"/>
+          <p:cNvSpPr>
+            <a:spLocks noGrp="1"/>
+          </p:cNvSpPr>
+          <p:nvPr>
+            <p:ph idx="1"/>
+          </p:nvPr>
+        </p:nvSpPr>
+        <p:spPr>
+          <a:xfrm>
+            <a:off x="-1" y="6093296"/>
+            <a:ext cx="9146125" cy="720080"/>
+          </a:xfrm>
+          <a:solidFill>
+            <a:srgbClr val="000000"/>
+          </a:solidFill>
+        </p:spPr>
+        <p:txBody>
+          <a:bodyPr>
+            <a:normAutofit fontScale="85000" lnSpcReduction="10000"/>
+          </a:bodyPr>
+          <a:lstStyle/>
+          <a:p>
+            <a:pPr marL="0" indent="0" algn="ctr">
+              <a:buNone/>
+            </a:pPr>
+            <a:r>
+              <a:rPr lang="en-GB" dirty="0" smtClean="0">
+                <a:solidFill>
+                  <a:schemeClr val="bg1"/>
+                </a:solidFill>
+              </a:rPr>
+              <a:t>Which character do you most identify with and why?</a:t>
+            </a:r>
+          </a:p>
+        </p:txBody>
+      </p:sp>
+    </p:spTree>
+    <p:extLst>
+      <p:ext uri="{BB962C8B-B14F-4D97-AF65-F5344CB8AC3E}">
+        <p14:creationId xmlns:p14="http://schemas.microsoft.com/office/powerpoint/2010/main" val="2469945073"/>
+      </p:ext>
+    </p:extLst>
+  </p:cSld>
+  <p:clrMapOvr>
+    <a:masterClrMapping/>
+  </p:clrMapOvr>
+  <p:timing>
+    <p:tnLst>
+      <p:par>
+        <p:cTn xmlns:p14="http://schemas.microsoft.com/office/powerpoint/2010/main" id="1" dur="indefinite" restart="never" nodeType="tmRoot"/>
+      </p:par>
+    </p:tnLst>
+  </p:timing>
+</p:sld>
+</file>
+
+<file path=ppt/slides/slide20.xml><?xml version="1.0" encoding="utf-8"?>
+<p:sld xmlns:a="http://schemas.openxmlformats.org/drawingml/2006/main" xmlns:r="http://schemas.openxmlformats.org/officeDocument/2006/relationships" xmlns:p="http://schemas.openxmlformats.org/presentationml/2006/main">
+  <p:cSld>
+    <p:spTree>
+      <p:nvGrpSpPr>
+        <p:cNvPr id="1" name=""/>
+        <p:cNvGrpSpPr/>
+        <p:nvPr/>
+      </p:nvGrpSpPr>
+      <p:grpSpPr>
+        <a:xfrm>
+          <a:off x="0" y="0"/>
+          <a:ext cx="0" cy="0"/>
+          <a:chOff x="0" y="0"/>
+          <a:chExt cx="0" cy="0"/>
+        </a:xfrm>
+      </p:grpSpPr>
+      <p:sp>
+        <p:nvSpPr>
+          <p:cNvPr id="4" name="Title 3"/>
+          <p:cNvSpPr>
+            <a:spLocks noGrp="1"/>
+          </p:cNvSpPr>
+          <p:nvPr>
+            <p:ph type="ctrTitle"/>
+          </p:nvPr>
+        </p:nvSpPr>
+        <p:spPr/>
+        <p:txBody>
+          <a:bodyPr/>
+          <a:lstStyle/>
+          <a:p>
+            <a:r>
+              <a:rPr lang="en-GB" dirty="0" smtClean="0"/>
+              <a:t>Appendix</a:t>
+            </a:r>
+            <a:endParaRPr lang="en-GB" dirty="0"/>
+          </a:p>
+        </p:txBody>
+      </p:sp>
+      <p:sp>
+        <p:nvSpPr>
+          <p:cNvPr id="5" name="Subtitle 4"/>
+          <p:cNvSpPr>
+            <a:spLocks noGrp="1"/>
+          </p:cNvSpPr>
+          <p:nvPr>
+            <p:ph type="subTitle" idx="1"/>
+          </p:nvPr>
+        </p:nvSpPr>
+        <p:spPr/>
+        <p:txBody>
+          <a:bodyPr/>
+          <a:lstStyle/>
+          <a:p>
+            <a:r>
+              <a:rPr lang="en-GB" dirty="0" smtClean="0"/>
+              <a:t>Props for running this session</a:t>
+            </a:r>
+            <a:endParaRPr lang="en-GB" dirty="0"/>
+          </a:p>
+        </p:txBody>
+      </p:sp>
+    </p:spTree>
+    <p:extLst>
+      <p:ext uri="{BB962C8B-B14F-4D97-AF65-F5344CB8AC3E}">
+        <p14:creationId xmlns:p14="http://schemas.microsoft.com/office/powerpoint/2010/main" val="3652905024"/>
+      </p:ext>
+    </p:extLst>
+  </p:cSld>
+  <p:clrMapOvr>
+    <a:masterClrMapping/>
+  </p:clrMapOvr>
+  <p:timing>
+    <p:tnLst>
+      <p:par>
+        <p:cTn xmlns:p14="http://schemas.microsoft.com/office/powerpoint/2010/main" id="1" dur="indefinite" restart="never" nodeType="tmRoot"/>
       </p:par>
     </p:tnLst>
   </p:timing>
@@ -11515,12 +13238,12 @@
       </p:grpSpPr>
       <p:sp>
         <p:nvSpPr>
-          <p:cNvPr id="4" name="Title 3"/>
+          <p:cNvPr id="2" name="Title 1"/>
           <p:cNvSpPr>
             <a:spLocks noGrp="1"/>
           </p:cNvSpPr>
           <p:nvPr>
-            <p:ph type="ctrTitle"/>
+            <p:ph type="title"/>
           </p:nvPr>
         </p:nvSpPr>
         <p:spPr/>
@@ -11530,7 +13253,7 @@
           <a:p>
             <a:r>
               <a:rPr lang="en-GB" dirty="0" smtClean="0"/>
-              <a:t>Appendix</a:t>
+              <a:t>Product Owner Role</a:t>
             </a:r>
             <a:endParaRPr lang="en-GB" dirty="0"/>
           </a:p>
@@ -11538,12 +13261,12 @@
       </p:sp>
       <p:sp>
         <p:nvSpPr>
-          <p:cNvPr id="5" name="Subtitle 4"/>
+          <p:cNvPr id="3" name="Content Placeholder 2"/>
           <p:cNvSpPr>
             <a:spLocks noGrp="1"/>
           </p:cNvSpPr>
           <p:nvPr>
-            <p:ph type="subTitle" idx="1"/>
+            <p:ph idx="1"/>
           </p:nvPr>
         </p:nvSpPr>
         <p:spPr/>
@@ -11551,14 +13274,135 @@
           <a:bodyPr/>
           <a:lstStyle/>
           <a:p>
-            <a:endParaRPr lang="en-GB"/>
-          </a:p>
-        </p:txBody>
-      </p:sp>
+            <a:pPr marL="0" indent="0" algn="just">
+              <a:buNone/>
+            </a:pPr>
+            <a:r>
+              <a:rPr lang="en-GB" dirty="0" smtClean="0"/>
+              <a:t>You told the development team a release must be ready for the trade show.</a:t>
+            </a:r>
+          </a:p>
+          <a:p>
+            <a:pPr marL="0" indent="0" algn="just">
+              <a:buNone/>
+            </a:pPr>
+            <a:endParaRPr lang="en-GB" dirty="0" smtClean="0"/>
+          </a:p>
+          <a:p>
+            <a:pPr marL="0" indent="0" algn="just">
+              <a:buNone/>
+            </a:pPr>
+            <a:r>
+              <a:rPr lang="en-GB" dirty="0" smtClean="0"/>
+              <a:t>You want to win the best product award in 2016.</a:t>
+            </a:r>
+          </a:p>
+          <a:p>
+            <a:pPr marL="0" indent="0" algn="just">
+              <a:buNone/>
+            </a:pPr>
+            <a:endParaRPr lang="en-GB" dirty="0" smtClean="0"/>
+          </a:p>
+          <a:p>
+            <a:pPr marL="0" indent="0" algn="just">
+              <a:buNone/>
+            </a:pPr>
+            <a:r>
+              <a:rPr lang="en-GB" dirty="0" smtClean="0"/>
+              <a:t>You have shares in the company.</a:t>
+            </a:r>
+          </a:p>
+          <a:p>
+            <a:pPr marL="0" indent="0" algn="just">
+              <a:buNone/>
+            </a:pPr>
+            <a:endParaRPr lang="en-GB" dirty="0"/>
+          </a:p>
+        </p:txBody>
+      </p:sp>
+      <p:sp>
+        <p:nvSpPr>
+          <p:cNvPr id="4" name="Rectangle 3"/>
+          <p:cNvSpPr/>
+          <p:nvPr/>
+        </p:nvSpPr>
+        <p:spPr>
+          <a:xfrm>
+            <a:off x="323528" y="332656"/>
+            <a:ext cx="8496944" cy="6264696"/>
+          </a:xfrm>
+          <a:prstGeom prst="rect">
+            <a:avLst/>
+          </a:prstGeom>
+          <a:noFill/>
+          <a:ln w="38100" cmpd="sng">
+            <a:solidFill>
+              <a:schemeClr val="tx1"/>
+            </a:solidFill>
+          </a:ln>
+        </p:spPr>
+        <p:style>
+          <a:lnRef idx="1">
+            <a:schemeClr val="accent1"/>
+          </a:lnRef>
+          <a:fillRef idx="3">
+            <a:schemeClr val="accent1"/>
+          </a:fillRef>
+          <a:effectRef idx="2">
+            <a:schemeClr val="accent1"/>
+          </a:effectRef>
+          <a:fontRef idx="minor">
+            <a:schemeClr val="lt1"/>
+          </a:fontRef>
+        </p:style>
+        <p:txBody>
+          <a:bodyPr rtlCol="0" anchor="ctr"/>
+          <a:lstStyle/>
+          <a:p>
+            <a:pPr algn="ctr"/>
+            <a:endParaRPr lang="en-US"/>
+          </a:p>
+        </p:txBody>
+      </p:sp>
+      <p:cxnSp>
+        <p:nvCxnSpPr>
+          <p:cNvPr id="6" name="Straight Connector 5"/>
+          <p:cNvCxnSpPr/>
+          <p:nvPr/>
+        </p:nvCxnSpPr>
+        <p:spPr>
+          <a:xfrm>
+            <a:off x="323528" y="1340768"/>
+            <a:ext cx="8496944" cy="0"/>
+          </a:xfrm>
+          <a:prstGeom prst="line">
+            <a:avLst/>
+          </a:prstGeom>
+          <a:ln>
+            <a:solidFill>
+              <a:srgbClr val="000000"/>
+            </a:solidFill>
+          </a:ln>
+        </p:spPr>
+        <p:style>
+          <a:lnRef idx="2">
+            <a:schemeClr val="accent1"/>
+          </a:lnRef>
+          <a:fillRef idx="0">
+            <a:schemeClr val="accent1"/>
+          </a:fillRef>
+          <a:effectRef idx="1">
+            <a:schemeClr val="accent1"/>
+          </a:effectRef>
+          <a:fontRef idx="minor">
+            <a:schemeClr val="tx1"/>
+          </a:fontRef>
+        </p:style>
+      </p:cxnSp>
     </p:spTree>
     <p:extLst>
       <p:ext uri="{BB962C8B-B14F-4D97-AF65-F5344CB8AC3E}">
-        <p14:creationId xmlns:p14="http://schemas.microsoft.com/office/powerpoint/2010/main" val="3652905024"/>
+        <p14:creationId xmlns:p14="http://schemas.microsoft.com/office/powerpoint/2010/main" val="4123147888"/>
       </p:ext>
     </p:extLst>
   </p:cSld>
@@ -11568,7 +13412,7 @@
   <p:timing>
     <p:tnLst>
       <p:par>
-        <p:cTn id="1" dur="indefinite" restart="never" nodeType="tmRoot"/>
+        <p:cTn xmlns:p14="http://schemas.microsoft.com/office/powerpoint/2010/main" id="1" dur="indefinite" restart="never" nodeType="tmRoot"/>
       </p:par>
     </p:tnLst>
   </p:timing>
@@ -11609,7 +13453,7 @@
           <a:p>
             <a:r>
               <a:rPr lang="en-GB" dirty="0" smtClean="0"/>
-              <a:t>You are the Product Owner</a:t>
+              <a:t>Project Manager Role</a:t>
             </a:r>
             <a:endParaRPr lang="en-GB" dirty="0"/>
           </a:p>
@@ -11630,56 +13474,129 @@
           <a:bodyPr/>
           <a:lstStyle/>
           <a:p>
-            <a:pPr marL="0" indent="0">
+            <a:pPr marL="0" indent="0" algn="just">
               <a:buNone/>
             </a:pPr>
             <a:r>
               <a:rPr lang="en-GB" dirty="0" smtClean="0"/>
-              <a:t>You told the development team a release must be ready for the trade show.</a:t>
-            </a:r>
-          </a:p>
-          <a:p>
-            <a:pPr marL="0" indent="0">
+              <a:t>You expect the release to be ready for next week.</a:t>
+            </a:r>
+          </a:p>
+          <a:p>
+            <a:pPr marL="0" indent="0" algn="just">
               <a:buNone/>
             </a:pPr>
             <a:endParaRPr lang="en-GB" dirty="0" smtClean="0"/>
           </a:p>
           <a:p>
-            <a:pPr marL="0" indent="0">
+            <a:pPr marL="0" indent="0" algn="just">
               <a:buNone/>
             </a:pPr>
             <a:r>
               <a:rPr lang="en-GB" dirty="0" smtClean="0"/>
-              <a:t>You want to win the best product award in 2016.</a:t>
-            </a:r>
-          </a:p>
-          <a:p>
-            <a:pPr marL="0" indent="0">
+              <a:t>You're always right.</a:t>
+            </a:r>
+          </a:p>
+          <a:p>
+            <a:pPr marL="0" indent="0" algn="just">
               <a:buNone/>
             </a:pPr>
             <a:endParaRPr lang="en-GB" dirty="0" smtClean="0"/>
           </a:p>
           <a:p>
-            <a:pPr marL="0" indent="0">
+            <a:pPr marL="0" indent="0" algn="just">
               <a:buNone/>
             </a:pPr>
             <a:r>
               <a:rPr lang="en-GB" dirty="0" smtClean="0"/>
-              <a:t>You have shares in the company.</a:t>
-            </a:r>
-          </a:p>
-          <a:p>
-            <a:pPr marL="0" indent="0">
-              <a:buNone/>
-            </a:pPr>
-            <a:endParaRPr lang="en-GB" dirty="0"/>
-          </a:p>
-        </p:txBody>
-      </p:sp>
+              <a:t>You're looking forward to positive recognition for this project.</a:t>
+            </a:r>
+          </a:p>
+        </p:txBody>
+      </p:sp>
+      <p:sp>
+        <p:nvSpPr>
+          <p:cNvPr id="8" name="Rectangle 7"/>
+          <p:cNvSpPr/>
+          <p:nvPr/>
+        </p:nvSpPr>
+        <p:spPr>
+          <a:xfrm>
+            <a:off x="323528" y="332656"/>
+            <a:ext cx="8496944" cy="6264696"/>
+          </a:xfrm>
+          <a:prstGeom prst="rect">
+            <a:avLst/>
+          </a:prstGeom>
+          <a:noFill/>
+          <a:ln w="38100" cmpd="sng">
+            <a:solidFill>
+              <a:schemeClr val="tx1"/>
+            </a:solidFill>
+          </a:ln>
+        </p:spPr>
+        <p:style>
+          <a:lnRef idx="1">
+            <a:schemeClr val="accent1"/>
+          </a:lnRef>
+          <a:fillRef idx="3">
+            <a:schemeClr val="accent1"/>
+          </a:fillRef>
+          <a:effectRef idx="2">
+            <a:schemeClr val="accent1"/>
+          </a:effectRef>
+          <a:fontRef idx="minor">
+            <a:schemeClr val="lt1"/>
+          </a:fontRef>
+        </p:style>
+        <p:txBody>
+          <a:bodyPr rtlCol="0" anchor="ctr"/>
+          <a:lstStyle/>
+          <a:p>
+            <a:pPr algn="ctr"/>
+            <a:endParaRPr lang="en-US"/>
+          </a:p>
+        </p:txBody>
+      </p:sp>
+      <p:cxnSp>
+        <p:nvCxnSpPr>
+          <p:cNvPr id="9" name="Straight Connector 8"/>
+          <p:cNvCxnSpPr/>
+          <p:nvPr/>
+        </p:nvCxnSpPr>
+        <p:spPr>
+          <a:xfrm>
+            <a:off x="323528" y="1340768"/>
+            <a:ext cx="8496944" cy="0"/>
+          </a:xfrm>
+          <a:prstGeom prst="line">
+            <a:avLst/>
+          </a:prstGeom>
+          <a:ln>
+            <a:solidFill>
+              <a:srgbClr val="000000"/>
+            </a:solidFill>
+          </a:ln>
+        </p:spPr>
+        <p:style>
+          <a:lnRef idx="2">
+            <a:schemeClr val="accent1"/>
+          </a:lnRef>
+          <a:fillRef idx="0">
+            <a:schemeClr val="accent1"/>
+          </a:fillRef>
+          <a:effectRef idx="1">
+            <a:schemeClr val="accent1"/>
+          </a:effectRef>
+          <a:fontRef idx="minor">
+            <a:schemeClr val="tx1"/>
+          </a:fontRef>
+        </p:style>
+      </p:cxnSp>
     </p:spTree>
     <p:extLst>
       <p:ext uri="{BB962C8B-B14F-4D97-AF65-F5344CB8AC3E}">
-        <p14:creationId xmlns:p14="http://schemas.microsoft.com/office/powerpoint/2010/main" val="4123147888"/>
+        <p14:creationId xmlns:p14="http://schemas.microsoft.com/office/powerpoint/2010/main" val="2504354268"/>
       </p:ext>
     </p:extLst>
   </p:cSld>
@@ -11689,7 +13606,7 @@
   <p:timing>
     <p:tnLst>
       <p:par>
-        <p:cTn id="1" dur="indefinite" restart="never" nodeType="tmRoot"/>
+        <p:cTn xmlns:p14="http://schemas.microsoft.com/office/powerpoint/2010/main" id="1" dur="indefinite" restart="never" nodeType="tmRoot"/>
       </p:par>
     </p:tnLst>
   </p:timing>
@@ -11730,7 +13647,7 @@
           <a:p>
             <a:r>
               <a:rPr lang="en-GB" dirty="0" smtClean="0"/>
-              <a:t>You are the Project Manager</a:t>
+              <a:t>Team Lead Role</a:t>
             </a:r>
             <a:endParaRPr lang="en-GB" dirty="0"/>
           </a:p>
@@ -11751,56 +13668,143 @@
           <a:bodyPr/>
           <a:lstStyle/>
           <a:p>
-            <a:pPr marL="0" indent="0">
+            <a:pPr marL="0" indent="0" algn="just">
               <a:buNone/>
             </a:pPr>
             <a:r>
               <a:rPr lang="en-GB" dirty="0" smtClean="0"/>
-              <a:t>You expect the release to be ready for next week.</a:t>
-            </a:r>
-          </a:p>
-          <a:p>
-            <a:pPr marL="0" indent="0">
+              <a:t>The </a:t>
+            </a:r>
+            <a:r>
+              <a:rPr lang="en-GB" dirty="0" smtClean="0"/>
+              <a:t>team </a:t>
+            </a:r>
+            <a:r>
+              <a:rPr lang="en-GB" dirty="0" smtClean="0"/>
+              <a:t>haven't made much progress.</a:t>
+            </a:r>
+          </a:p>
+          <a:p>
+            <a:pPr marL="0" indent="0" algn="just">
               <a:buNone/>
             </a:pPr>
             <a:endParaRPr lang="en-GB" dirty="0" smtClean="0"/>
           </a:p>
           <a:p>
-            <a:pPr marL="0" indent="0">
+            <a:pPr marL="0" indent="0" algn="just">
               <a:buNone/>
             </a:pPr>
             <a:r>
               <a:rPr lang="en-GB" dirty="0" smtClean="0"/>
-              <a:t>You're always right.</a:t>
-            </a:r>
-          </a:p>
-          <a:p>
-            <a:pPr marL="0" indent="0">
-              <a:buNone/>
-            </a:pPr>
-            <a:endParaRPr lang="en-GB" dirty="0" smtClean="0"/>
-          </a:p>
-          <a:p>
-            <a:pPr marL="0" indent="0">
-              <a:buNone/>
-            </a:pPr>
+              <a:t>You don't want to tell people you're going to miss the </a:t>
+            </a:r>
             <a:r>
               <a:rPr lang="en-GB" dirty="0" smtClean="0"/>
-              <a:t>You're looking forward to positive recognition for this project.</a:t>
-            </a:r>
-          </a:p>
-        </p:txBody>
-      </p:sp>
+              <a:t>agreed deadline </a:t>
+            </a:r>
+            <a:r>
+              <a:rPr lang="en-GB" dirty="0" smtClean="0"/>
+              <a:t>because you want to avoid confrontation.</a:t>
+            </a:r>
+          </a:p>
+        </p:txBody>
+      </p:sp>
+      <p:sp>
+        <p:nvSpPr>
+          <p:cNvPr id="4" name="Rectangle 3"/>
+          <p:cNvSpPr/>
+          <p:nvPr/>
+        </p:nvSpPr>
+        <p:spPr>
+          <a:xfrm>
+            <a:off x="323528" y="332656"/>
+            <a:ext cx="8496944" cy="6264696"/>
+          </a:xfrm>
+          <a:prstGeom prst="rect">
+            <a:avLst/>
+          </a:prstGeom>
+          <a:noFill/>
+          <a:ln w="38100" cmpd="sng">
+            <a:solidFill>
+              <a:schemeClr val="tx1"/>
+            </a:solidFill>
+          </a:ln>
+        </p:spPr>
+        <p:style>
+          <a:lnRef idx="1">
+            <a:schemeClr val="accent1"/>
+          </a:lnRef>
+          <a:fillRef idx="3">
+            <a:schemeClr val="accent1"/>
+          </a:fillRef>
+          <a:effectRef idx="2">
+            <a:schemeClr val="accent1"/>
+          </a:effectRef>
+          <a:fontRef idx="minor">
+            <a:schemeClr val="lt1"/>
+          </a:fontRef>
+        </p:style>
+        <p:txBody>
+          <a:bodyPr rtlCol="0" anchor="ctr"/>
+          <a:lstStyle/>
+          <a:p>
+            <a:pPr algn="ctr"/>
+            <a:endParaRPr lang="en-US"/>
+          </a:p>
+        </p:txBody>
+      </p:sp>
+      <p:cxnSp>
+        <p:nvCxnSpPr>
+          <p:cNvPr id="5" name="Straight Connector 4"/>
+          <p:cNvCxnSpPr/>
+          <p:nvPr/>
+        </p:nvCxnSpPr>
+        <p:spPr>
+          <a:xfrm>
+            <a:off x="323528" y="1340768"/>
+            <a:ext cx="8496944" cy="0"/>
+          </a:xfrm>
+          <a:prstGeom prst="line">
+            <a:avLst/>
+          </a:prstGeom>
+          <a:ln>
+            <a:solidFill>
+              <a:srgbClr val="000000"/>
+            </a:solidFill>
+          </a:ln>
+        </p:spPr>
+        <p:style>
+          <a:lnRef idx="2">
+            <a:schemeClr val="accent1"/>
+          </a:lnRef>
+          <a:fillRef idx="0">
+            <a:schemeClr val="accent1"/>
+          </a:fillRef>
+          <a:effectRef idx="1">
+            <a:schemeClr val="accent1"/>
+          </a:effectRef>
+          <a:fontRef idx="minor">
+            <a:schemeClr val="tx1"/>
+          </a:fontRef>
+        </p:style>
+      </p:cxnSp>
     </p:spTree>
     <p:extLst>
       <p:ext uri="{BB962C8B-B14F-4D97-AF65-F5344CB8AC3E}">
-        <p14:creationId xmlns:p14="http://schemas.microsoft.com/office/powerpoint/2010/main" val="2504354268"/>
+        <p14:creationId xmlns:p14="http://schemas.microsoft.com/office/powerpoint/2010/main" val="793224887"/>
       </p:ext>
     </p:extLst>
   </p:cSld>
   <p:clrMapOvr>
     <a:masterClrMapping/>
   </p:clrMapOvr>
+  <p:timing>
+    <p:tnLst>
+      <p:par>
+        <p:cTn xmlns:p14="http://schemas.microsoft.com/office/powerpoint/2010/main" id="1" dur="indefinite" restart="never" nodeType="tmRoot"/>
+      </p:par>
+    </p:tnLst>
+  </p:timing>
 </p:sld>
 </file>
 
@@ -11831,78 +13835,254 @@
             <p:ph type="title"/>
           </p:nvPr>
         </p:nvSpPr>
-        <p:spPr/>
-        <p:txBody>
-          <a:bodyPr/>
+        <p:spPr>
+          <a:xfrm>
+            <a:off x="467544" y="845840"/>
+            <a:ext cx="8229600" cy="1143000"/>
+          </a:xfrm>
+        </p:spPr>
+        <p:txBody>
+          <a:bodyPr>
+            <a:noAutofit/>
+          </a:bodyPr>
           <a:lstStyle/>
           <a:p>
             <a:r>
-              <a:rPr lang="en-GB" dirty="0" smtClean="0"/>
-              <a:t>You are the Team Lead</a:t>
-            </a:r>
-            <a:endParaRPr lang="en-GB" dirty="0"/>
-          </a:p>
-        </p:txBody>
-      </p:sp>
-      <p:sp>
-        <p:nvSpPr>
-          <p:cNvPr id="3" name="Content Placeholder 2"/>
-          <p:cNvSpPr>
-            <a:spLocks noGrp="1"/>
+              <a:rPr lang="en-GB" sz="8800" dirty="0" smtClean="0"/>
+              <a:t>Product Owner</a:t>
+            </a:r>
+            <a:endParaRPr lang="en-GB" sz="8800" dirty="0"/>
+          </a:p>
+        </p:txBody>
+      </p:sp>
+      <p:sp>
+        <p:nvSpPr>
+          <p:cNvPr id="5" name="Title 1"/>
+          <p:cNvSpPr txBox="1">
+            <a:spLocks/>
           </p:cNvSpPr>
-          <p:nvPr>
-            <p:ph idx="1"/>
-          </p:nvPr>
-        </p:nvSpPr>
-        <p:spPr/>
-        <p:txBody>
-          <a:bodyPr/>
+          <p:nvPr/>
+        </p:nvSpPr>
+        <p:spPr>
+          <a:xfrm>
+            <a:off x="467544" y="2780928"/>
+            <a:ext cx="8229600" cy="1143000"/>
+          </a:xfrm>
+          <a:prstGeom prst="rect">
+            <a:avLst/>
+          </a:prstGeom>
+        </p:spPr>
+        <p:txBody>
+          <a:bodyPr vert="horz" lIns="91440" tIns="45720" rIns="91440" bIns="45720" rtlCol="0" anchor="ctr">
+            <a:noAutofit/>
+          </a:bodyPr>
+          <a:lstStyle>
+            <a:lvl1pPr algn="ctr" defTabSz="914400" rtl="0" eaLnBrk="1" latinLnBrk="0" hangingPunct="1">
+              <a:spcBef>
+                <a:spcPct val="0"/>
+              </a:spcBef>
+              <a:buNone/>
+              <a:defRPr sz="4400" kern="1200">
+                <a:solidFill>
+                  <a:schemeClr val="tx1"/>
+                </a:solidFill>
+                <a:latin typeface="+mj-lt"/>
+                <a:ea typeface="+mj-ea"/>
+                <a:cs typeface="+mj-cs"/>
+              </a:defRPr>
+            </a:lvl1pPr>
+          </a:lstStyle>
+          <a:p>
+            <a:r>
+              <a:rPr lang="en-GB" sz="8800" dirty="0" smtClean="0"/>
+              <a:t>Project Manager</a:t>
+            </a:r>
+            <a:endParaRPr lang="en-GB" sz="8800" dirty="0"/>
+          </a:p>
+        </p:txBody>
+      </p:sp>
+      <p:sp>
+        <p:nvSpPr>
+          <p:cNvPr id="6" name="Title 1"/>
+          <p:cNvSpPr txBox="1">
+            <a:spLocks/>
+          </p:cNvSpPr>
+          <p:nvPr/>
+        </p:nvSpPr>
+        <p:spPr>
+          <a:xfrm>
+            <a:off x="467544" y="4797152"/>
+            <a:ext cx="8229600" cy="1143000"/>
+          </a:xfrm>
+          <a:prstGeom prst="rect">
+            <a:avLst/>
+          </a:prstGeom>
+        </p:spPr>
+        <p:txBody>
+          <a:bodyPr vert="horz" lIns="91440" tIns="45720" rIns="91440" bIns="45720" rtlCol="0" anchor="ctr">
+            <a:noAutofit/>
+          </a:bodyPr>
+          <a:lstStyle>
+            <a:lvl1pPr algn="ctr" defTabSz="914400" rtl="0" eaLnBrk="1" latinLnBrk="0" hangingPunct="1">
+              <a:spcBef>
+                <a:spcPct val="0"/>
+              </a:spcBef>
+              <a:buNone/>
+              <a:defRPr sz="4400" kern="1200">
+                <a:solidFill>
+                  <a:schemeClr val="tx1"/>
+                </a:solidFill>
+                <a:latin typeface="+mj-lt"/>
+                <a:ea typeface="+mj-ea"/>
+                <a:cs typeface="+mj-cs"/>
+              </a:defRPr>
+            </a:lvl1pPr>
+          </a:lstStyle>
+          <a:p>
+            <a:r>
+              <a:rPr lang="en-GB" sz="8800" dirty="0" smtClean="0"/>
+              <a:t>Team Lead</a:t>
+            </a:r>
+            <a:endParaRPr lang="en-GB" sz="8800" dirty="0"/>
+          </a:p>
+        </p:txBody>
+      </p:sp>
+      <p:sp>
+        <p:nvSpPr>
+          <p:cNvPr id="7" name="Rectangle 6"/>
+          <p:cNvSpPr/>
+          <p:nvPr/>
+        </p:nvSpPr>
+        <p:spPr>
+          <a:xfrm>
+            <a:off x="323528" y="404664"/>
+            <a:ext cx="8496944" cy="2016224"/>
+          </a:xfrm>
+          <a:prstGeom prst="rect">
+            <a:avLst/>
+          </a:prstGeom>
+          <a:noFill/>
+          <a:ln w="38100" cmpd="sng">
+            <a:solidFill>
+              <a:schemeClr val="tx1"/>
+            </a:solidFill>
+          </a:ln>
+        </p:spPr>
+        <p:style>
+          <a:lnRef idx="1">
+            <a:schemeClr val="accent1"/>
+          </a:lnRef>
+          <a:fillRef idx="3">
+            <a:schemeClr val="accent1"/>
+          </a:fillRef>
+          <a:effectRef idx="2">
+            <a:schemeClr val="accent1"/>
+          </a:effectRef>
+          <a:fontRef idx="minor">
+            <a:schemeClr val="lt1"/>
+          </a:fontRef>
+        </p:style>
+        <p:txBody>
+          <a:bodyPr rtlCol="0" anchor="ctr"/>
           <a:lstStyle/>
           <a:p>
-            <a:pPr marL="0" indent="0">
-              <a:buNone/>
-            </a:pPr>
-            <a:r>
-              <a:rPr lang="en-GB" dirty="0" smtClean="0"/>
-              <a:t>The development team haven't made much progress.</a:t>
-            </a:r>
-          </a:p>
-          <a:p>
-            <a:pPr marL="0" indent="0">
-              <a:buNone/>
-            </a:pPr>
-            <a:endParaRPr lang="en-GB" dirty="0" smtClean="0"/>
-          </a:p>
-          <a:p>
-            <a:pPr marL="0" indent="0">
-              <a:buNone/>
-            </a:pPr>
-            <a:r>
-              <a:rPr lang="en-GB" dirty="0" smtClean="0"/>
-              <a:t>You're going to miss the agreed deadline.</a:t>
-            </a:r>
-          </a:p>
-          <a:p>
-            <a:pPr marL="0" indent="0">
-              <a:buNone/>
-            </a:pPr>
-            <a:endParaRPr lang="en-GB" dirty="0" smtClean="0"/>
-          </a:p>
-          <a:p>
-            <a:pPr marL="0" indent="0">
-              <a:buNone/>
-            </a:pPr>
-            <a:r>
-              <a:rPr lang="en-GB" dirty="0" smtClean="0"/>
-              <a:t>You don't want to tell people you're going to miss the deadline because you want to avoid confrontation.</a:t>
-            </a:r>
+            <a:pPr algn="ctr"/>
+            <a:endParaRPr lang="en-US"/>
+          </a:p>
+        </p:txBody>
+      </p:sp>
+      <p:sp>
+        <p:nvSpPr>
+          <p:cNvPr id="8" name="Rectangle 7"/>
+          <p:cNvSpPr/>
+          <p:nvPr/>
+        </p:nvSpPr>
+        <p:spPr>
+          <a:xfrm>
+            <a:off x="323528" y="2420888"/>
+            <a:ext cx="8496944" cy="2016224"/>
+          </a:xfrm>
+          <a:prstGeom prst="rect">
+            <a:avLst/>
+          </a:prstGeom>
+          <a:noFill/>
+          <a:ln w="38100" cmpd="sng">
+            <a:solidFill>
+              <a:schemeClr val="tx1"/>
+            </a:solidFill>
+          </a:ln>
+        </p:spPr>
+        <p:style>
+          <a:lnRef idx="1">
+            <a:schemeClr val="accent1"/>
+          </a:lnRef>
+          <a:fillRef idx="3">
+            <a:schemeClr val="accent1"/>
+          </a:fillRef>
+          <a:effectRef idx="2">
+            <a:schemeClr val="accent1"/>
+          </a:effectRef>
+          <a:fontRef idx="minor">
+            <a:schemeClr val="lt1"/>
+          </a:fontRef>
+        </p:style>
+        <p:txBody>
+          <a:bodyPr rtlCol="0" anchor="ctr"/>
+          <a:lstStyle/>
+          <a:p>
+            <a:pPr algn="ctr"/>
+            <a:endParaRPr lang="en-US"/>
+          </a:p>
+        </p:txBody>
+      </p:sp>
+      <p:sp>
+        <p:nvSpPr>
+          <p:cNvPr id="9" name="Rectangle 8"/>
+          <p:cNvSpPr/>
+          <p:nvPr/>
+        </p:nvSpPr>
+        <p:spPr>
+          <a:xfrm>
+            <a:off x="323528" y="4437112"/>
+            <a:ext cx="8496944" cy="2016224"/>
+          </a:xfrm>
+          <a:prstGeom prst="rect">
+            <a:avLst/>
+          </a:prstGeom>
+          <a:noFill/>
+          <a:ln w="38100" cmpd="sng">
+            <a:solidFill>
+              <a:schemeClr val="tx1"/>
+            </a:solidFill>
+          </a:ln>
+        </p:spPr>
+        <p:style>
+          <a:lnRef idx="1">
+            <a:schemeClr val="accent1"/>
+          </a:lnRef>
+          <a:fillRef idx="3">
+            <a:schemeClr val="accent1"/>
+          </a:fillRef>
+          <a:effectRef idx="2">
+            <a:schemeClr val="accent1"/>
+          </a:effectRef>
+          <a:fontRef idx="minor">
+            <a:schemeClr val="lt1"/>
+          </a:fontRef>
+        </p:style>
+        <p:txBody>
+          <a:bodyPr rtlCol="0" anchor="ctr"/>
+          <a:lstStyle/>
+          <a:p>
+            <a:pPr algn="ctr"/>
+            <a:endParaRPr lang="en-US"/>
           </a:p>
         </p:txBody>
       </p:sp>
     </p:spTree>
     <p:extLst>
       <p:ext uri="{BB962C8B-B14F-4D97-AF65-F5344CB8AC3E}">
-        <p14:creationId xmlns:p14="http://schemas.microsoft.com/office/powerpoint/2010/main" val="793224887"/>
+        <p14:creationId xmlns:p14="http://schemas.microsoft.com/office/powerpoint/2010/main" val="735368489"/>
       </p:ext>
     </p:extLst>
   </p:cSld>
@@ -11912,7 +14092,7 @@
   <p:timing>
     <p:tnLst>
       <p:par>
-        <p:cTn id="1" dur="indefinite" restart="never" nodeType="tmRoot"/>
+        <p:cTn xmlns:p14="http://schemas.microsoft.com/office/powerpoint/2010/main" id="1" dur="indefinite" restart="never" nodeType="tmRoot"/>
       </p:par>
     </p:tnLst>
   </p:timing>
@@ -11946,122 +14126,192 @@
             <p:ph type="title"/>
           </p:nvPr>
         </p:nvSpPr>
+        <p:spPr/>
+        <p:txBody>
+          <a:bodyPr/>
+          <a:lstStyle/>
+          <a:p>
+            <a:r>
+              <a:rPr lang="en-US" dirty="0" smtClean="0"/>
+              <a:t>Act I Scene I</a:t>
+            </a:r>
+            <a:endParaRPr lang="en-US" dirty="0"/>
+          </a:p>
+        </p:txBody>
+      </p:sp>
+      <p:sp>
+        <p:nvSpPr>
+          <p:cNvPr id="3" name="Content Placeholder 2"/>
+          <p:cNvSpPr>
+            <a:spLocks noGrp="1"/>
+          </p:cNvSpPr>
+          <p:nvPr>
+            <p:ph idx="1"/>
+          </p:nvPr>
+        </p:nvSpPr>
+        <p:spPr/>
+        <p:txBody>
+          <a:bodyPr>
+            <a:normAutofit fontScale="85000" lnSpcReduction="10000"/>
+          </a:bodyPr>
+          <a:lstStyle/>
+          <a:p>
+            <a:pPr marL="0" indent="0" algn="just">
+              <a:buNone/>
+            </a:pPr>
+            <a:r>
+              <a:rPr lang="en-US" sz="2400" dirty="0" smtClean="0"/>
+              <a:t>Add a tick next to the corresponding </a:t>
+            </a:r>
+            <a:r>
+              <a:rPr lang="en-US" sz="2400" dirty="0" err="1" smtClean="0"/>
+              <a:t>behaviour</a:t>
+            </a:r>
+            <a:r>
+              <a:rPr lang="en-US" sz="2400" dirty="0" smtClean="0"/>
+              <a:t> each time you see it.</a:t>
+            </a:r>
+          </a:p>
+          <a:p>
+            <a:pPr marL="0" indent="0" algn="just">
+              <a:buNone/>
+            </a:pPr>
+            <a:endParaRPr lang="en-US" sz="2400" dirty="0" smtClean="0"/>
+          </a:p>
+          <a:p>
+            <a:pPr marL="514350" indent="-514350" algn="just">
+              <a:buFont typeface="+mj-lt"/>
+              <a:buAutoNum type="romanLcPeriod"/>
+            </a:pPr>
+            <a:r>
+              <a:rPr lang="en-US" sz="2400" dirty="0" smtClean="0"/>
+              <a:t>State my views without asking for others’ views and vice versa</a:t>
+            </a:r>
+          </a:p>
+          <a:p>
+            <a:pPr marL="514350" indent="-514350" algn="just">
+              <a:buFont typeface="+mj-lt"/>
+              <a:buAutoNum type="romanLcPeriod"/>
+            </a:pPr>
+            <a:r>
+              <a:rPr lang="en-US" sz="2400" dirty="0" err="1" smtClean="0"/>
+              <a:t>Withold</a:t>
+            </a:r>
+            <a:r>
+              <a:rPr lang="en-US" sz="2400" dirty="0" smtClean="0"/>
+              <a:t> relevant information</a:t>
+            </a:r>
+          </a:p>
+          <a:p>
+            <a:pPr marL="514350" indent="-514350" algn="just">
+              <a:buFont typeface="+mj-lt"/>
+              <a:buAutoNum type="romanLcPeriod"/>
+            </a:pPr>
+            <a:r>
+              <a:rPr lang="en-US" sz="2400" dirty="0" smtClean="0"/>
+              <a:t>Speak in general terms and don’t agree on what important words mean</a:t>
+            </a:r>
+          </a:p>
+          <a:p>
+            <a:pPr marL="514350" indent="-514350" algn="just">
+              <a:buFont typeface="+mj-lt"/>
+              <a:buAutoNum type="romanLcPeriod"/>
+            </a:pPr>
+            <a:r>
+              <a:rPr lang="en-US" sz="2400" dirty="0" smtClean="0"/>
+              <a:t>Keep my reasoning private; don’t ask others about their reasoning</a:t>
+            </a:r>
+          </a:p>
+          <a:p>
+            <a:pPr marL="514350" indent="-514350" algn="just">
+              <a:buFont typeface="+mj-lt"/>
+              <a:buAutoNum type="romanLcPeriod"/>
+            </a:pPr>
+            <a:r>
+              <a:rPr lang="en-US" sz="2400" dirty="0" smtClean="0"/>
+              <a:t>Focus on positions, not interests</a:t>
+            </a:r>
+          </a:p>
+          <a:p>
+            <a:pPr marL="514350" indent="-514350" algn="just">
+              <a:buFont typeface="+mj-lt"/>
+              <a:buAutoNum type="romanLcPeriod"/>
+            </a:pPr>
+            <a:r>
+              <a:rPr lang="en-US" sz="2400" dirty="0" smtClean="0"/>
+              <a:t>Act on untested assumptions and inference as if they were true</a:t>
+            </a:r>
+          </a:p>
+          <a:p>
+            <a:pPr marL="514350" indent="-514350" algn="just">
+              <a:buFont typeface="+mj-lt"/>
+              <a:buAutoNum type="romanLcPeriod"/>
+            </a:pPr>
+            <a:r>
+              <a:rPr lang="en-US" sz="2400" dirty="0" smtClean="0"/>
+              <a:t>Control the conversation</a:t>
+            </a:r>
+          </a:p>
+          <a:p>
+            <a:pPr marL="514350" indent="-514350" algn="just">
+              <a:buFont typeface="+mj-lt"/>
+              <a:buAutoNum type="romanLcPeriod"/>
+            </a:pPr>
+            <a:r>
+              <a:rPr lang="en-US" sz="2400" dirty="0" smtClean="0"/>
+              <a:t>Avoid, ease into, or save face on difficult issues</a:t>
+            </a:r>
+            <a:endParaRPr lang="en-US" sz="2400" dirty="0"/>
+          </a:p>
+        </p:txBody>
+      </p:sp>
+      <p:sp>
+        <p:nvSpPr>
+          <p:cNvPr id="4" name="TextBox 3"/>
+          <p:cNvSpPr txBox="1"/>
+          <p:nvPr/>
+        </p:nvSpPr>
         <p:spPr>
           <a:xfrm>
-            <a:off x="467544" y="548680"/>
-            <a:ext cx="8229600" cy="1143000"/>
-          </a:xfrm>
-        </p:spPr>
-        <p:txBody>
-          <a:bodyPr>
-            <a:noAutofit/>
-          </a:bodyPr>
-          <a:lstStyle/>
-          <a:p>
-            <a:r>
-              <a:rPr lang="en-GB" sz="8800" dirty="0" smtClean="0"/>
-              <a:t>Product Owner</a:t>
-            </a:r>
-            <a:endParaRPr lang="en-GB" sz="8800" dirty="0"/>
-          </a:p>
-        </p:txBody>
-      </p:sp>
-      <p:sp>
-        <p:nvSpPr>
-          <p:cNvPr id="5" name="Title 1"/>
-          <p:cNvSpPr txBox="1">
-            <a:spLocks/>
-          </p:cNvSpPr>
-          <p:nvPr/>
-        </p:nvSpPr>
-        <p:spPr>
-          <a:xfrm>
-            <a:off x="467544" y="2862064"/>
-            <a:ext cx="8229600" cy="1143000"/>
+            <a:off x="3925676" y="6392640"/>
+            <a:ext cx="5039590" cy="276999"/>
           </a:xfrm>
           <a:prstGeom prst="rect">
             <a:avLst/>
           </a:prstGeom>
+          <a:noFill/>
         </p:spPr>
         <p:txBody>
-          <a:bodyPr vert="horz" lIns="91440" tIns="45720" rIns="91440" bIns="45720" rtlCol="0" anchor="ctr">
-            <a:noAutofit/>
+          <a:bodyPr wrap="square" rtlCol="0">
+            <a:spAutoFit/>
           </a:bodyPr>
-          <a:lstStyle>
-            <a:lvl1pPr algn="ctr" defTabSz="914400" rtl="0" eaLnBrk="1" latinLnBrk="0" hangingPunct="1">
-              <a:spcBef>
-                <a:spcPct val="0"/>
-              </a:spcBef>
-              <a:buNone/>
-              <a:defRPr sz="4400" kern="1200">
-                <a:solidFill>
-                  <a:schemeClr val="tx1"/>
-                </a:solidFill>
-                <a:latin typeface="+mj-lt"/>
-                <a:ea typeface="+mj-ea"/>
-                <a:cs typeface="+mj-cs"/>
-              </a:defRPr>
-            </a:lvl1pPr>
-          </a:lstStyle>
-          <a:p>
-            <a:r>
-              <a:rPr lang="en-GB" sz="8800" dirty="0" smtClean="0"/>
-              <a:t>Project Manager</a:t>
-            </a:r>
-            <a:endParaRPr lang="en-GB" sz="8800" dirty="0"/>
-          </a:p>
-        </p:txBody>
-      </p:sp>
-      <p:sp>
-        <p:nvSpPr>
-          <p:cNvPr id="6" name="Title 1"/>
-          <p:cNvSpPr txBox="1">
-            <a:spLocks/>
-          </p:cNvSpPr>
-          <p:nvPr/>
-        </p:nvSpPr>
-        <p:spPr>
-          <a:xfrm>
-            <a:off x="590802" y="5085184"/>
-            <a:ext cx="8229600" cy="1143000"/>
-          </a:xfrm>
-          <a:prstGeom prst="rect">
-            <a:avLst/>
-          </a:prstGeom>
-        </p:spPr>
-        <p:txBody>
-          <a:bodyPr vert="horz" lIns="91440" tIns="45720" rIns="91440" bIns="45720" rtlCol="0" anchor="ctr">
-            <a:noAutofit/>
-          </a:bodyPr>
-          <a:lstStyle>
-            <a:lvl1pPr algn="ctr" defTabSz="914400" rtl="0" eaLnBrk="1" latinLnBrk="0" hangingPunct="1">
-              <a:spcBef>
-                <a:spcPct val="0"/>
-              </a:spcBef>
-              <a:buNone/>
-              <a:defRPr sz="4400" kern="1200">
-                <a:solidFill>
-                  <a:schemeClr val="tx1"/>
-                </a:solidFill>
-                <a:latin typeface="+mj-lt"/>
-                <a:ea typeface="+mj-ea"/>
-                <a:cs typeface="+mj-cs"/>
-              </a:defRPr>
-            </a:lvl1pPr>
-          </a:lstStyle>
-          <a:p>
-            <a:r>
-              <a:rPr lang="en-GB" sz="8800" dirty="0" smtClean="0"/>
-              <a:t>Team Lead</a:t>
-            </a:r>
-            <a:endParaRPr lang="en-GB" sz="8800" dirty="0"/>
+          <a:lstStyle/>
+          <a:p>
+            <a:pPr algn="r"/>
+            <a:r>
+              <a:rPr lang="en-US" sz="1200" i="1" dirty="0" smtClean="0"/>
+              <a:t>8 </a:t>
+            </a:r>
+            <a:r>
+              <a:rPr lang="en-US" sz="1200" i="1" dirty="0" err="1" smtClean="0"/>
+              <a:t>Behaviours</a:t>
+            </a:r>
+            <a:r>
+              <a:rPr lang="en-US" sz="1200" i="1" dirty="0" smtClean="0"/>
+              <a:t> from The Vicious Cycle of Unilateral Control by Roge</a:t>
+            </a:r>
+            <a:r>
+              <a:rPr lang="en-US" sz="1200" i="1" dirty="0" smtClean="0"/>
+              <a:t>r Schwarz</a:t>
+            </a:r>
+            <a:endParaRPr lang="en-US" sz="1200" i="1" dirty="0"/>
           </a:p>
         </p:txBody>
       </p:sp>
     </p:spTree>
     <p:extLst>
       <p:ext uri="{BB962C8B-B14F-4D97-AF65-F5344CB8AC3E}">
-        <p14:creationId xmlns:p14="http://schemas.microsoft.com/office/powerpoint/2010/main" val="735368489"/>
+        <p14:creationId xmlns:p14="http://schemas.microsoft.com/office/powerpoint/2010/main" val="4049947202"/>
       </p:ext>
     </p:extLst>
   </p:cSld>
@@ -12071,7 +14321,251 @@
   <p:timing>
     <p:tnLst>
       <p:par>
-        <p:cTn id="1" dur="indefinite" restart="never" nodeType="tmRoot"/>
+        <p:cTn xmlns:p14="http://schemas.microsoft.com/office/powerpoint/2010/main" id="1" dur="indefinite" restart="never" nodeType="tmRoot"/>
+      </p:par>
+    </p:tnLst>
+  </p:timing>
+</p:sld>
+</file>
+
+<file path=ppt/slides/slide26.xml><?xml version="1.0" encoding="utf-8"?>
+<p:sld xmlns:a="http://schemas.openxmlformats.org/drawingml/2006/main" xmlns:r="http://schemas.openxmlformats.org/officeDocument/2006/relationships" xmlns:p="http://schemas.openxmlformats.org/presentationml/2006/main">
+  <p:cSld>
+    <p:spTree>
+      <p:nvGrpSpPr>
+        <p:cNvPr id="1" name=""/>
+        <p:cNvGrpSpPr/>
+        <p:nvPr/>
+      </p:nvGrpSpPr>
+      <p:grpSpPr>
+        <a:xfrm>
+          <a:off x="0" y="0"/>
+          <a:ext cx="0" cy="0"/>
+          <a:chOff x="0" y="0"/>
+          <a:chExt cx="0" cy="0"/>
+        </a:xfrm>
+      </p:grpSpPr>
+      <p:sp>
+        <p:nvSpPr>
+          <p:cNvPr id="2" name="Title 1"/>
+          <p:cNvSpPr>
+            <a:spLocks noGrp="1"/>
+          </p:cNvSpPr>
+          <p:nvPr>
+            <p:ph type="title"/>
+          </p:nvPr>
+        </p:nvSpPr>
+        <p:spPr/>
+        <p:txBody>
+          <a:bodyPr/>
+          <a:lstStyle/>
+          <a:p>
+            <a:r>
+              <a:rPr lang="en-US" dirty="0" smtClean="0"/>
+              <a:t>Act II Scene II</a:t>
+            </a:r>
+            <a:endParaRPr lang="en-US" dirty="0"/>
+          </a:p>
+        </p:txBody>
+      </p:sp>
+      <p:sp>
+        <p:nvSpPr>
+          <p:cNvPr id="3" name="Content Placeholder 2"/>
+          <p:cNvSpPr>
+            <a:spLocks noGrp="1"/>
+          </p:cNvSpPr>
+          <p:nvPr>
+            <p:ph idx="1"/>
+          </p:nvPr>
+        </p:nvSpPr>
+        <p:spPr/>
+        <p:txBody>
+          <a:bodyPr>
+            <a:normAutofit fontScale="92500" lnSpcReduction="10000"/>
+          </a:bodyPr>
+          <a:lstStyle/>
+          <a:p>
+            <a:pPr marL="0" indent="0" algn="just">
+              <a:buNone/>
+            </a:pPr>
+            <a:r>
+              <a:rPr lang="en-US" sz="2400" dirty="0" smtClean="0"/>
+              <a:t>Add a tick next to the corresponding </a:t>
+            </a:r>
+            <a:r>
+              <a:rPr lang="en-US" sz="2400" dirty="0" err="1" smtClean="0"/>
+              <a:t>behaviour</a:t>
+            </a:r>
+            <a:r>
+              <a:rPr lang="en-US" sz="2400" dirty="0" smtClean="0"/>
+              <a:t> each time you see it.</a:t>
+            </a:r>
+          </a:p>
+          <a:p>
+            <a:pPr marL="0" indent="0" algn="just">
+              <a:buNone/>
+            </a:pPr>
+            <a:endParaRPr lang="en-US" sz="2400" dirty="0"/>
+          </a:p>
+          <a:p>
+            <a:pPr marL="514350" indent="-514350" algn="just">
+              <a:buFont typeface="+mj-lt"/>
+              <a:buAutoNum type="romanLcPeriod"/>
+            </a:pPr>
+            <a:r>
+              <a:rPr lang="en-US" sz="2400" dirty="0" smtClean="0"/>
+              <a:t>State views and ask genuine questions</a:t>
+            </a:r>
+          </a:p>
+          <a:p>
+            <a:pPr marL="514350" indent="-514350" algn="just">
+              <a:buFont typeface="+mj-lt"/>
+              <a:buAutoNum type="romanLcPeriod"/>
+            </a:pPr>
+            <a:r>
+              <a:rPr lang="en-US" sz="2400" dirty="0" smtClean="0"/>
+              <a:t>Share all relevant information</a:t>
+            </a:r>
+          </a:p>
+          <a:p>
+            <a:pPr marL="514350" indent="-514350" algn="just">
+              <a:buFont typeface="+mj-lt"/>
+              <a:buAutoNum type="romanLcPeriod"/>
+            </a:pPr>
+            <a:r>
+              <a:rPr lang="en-US" sz="2400" dirty="0" smtClean="0"/>
+              <a:t>Use specific examples and agree on what important words mean</a:t>
+            </a:r>
+          </a:p>
+          <a:p>
+            <a:pPr marL="514350" indent="-514350" algn="just">
+              <a:buFont typeface="+mj-lt"/>
+              <a:buAutoNum type="romanLcPeriod"/>
+            </a:pPr>
+            <a:r>
+              <a:rPr lang="en-US" sz="2400" dirty="0" smtClean="0"/>
+              <a:t>Explain reasoning and intent</a:t>
+            </a:r>
+          </a:p>
+          <a:p>
+            <a:pPr marL="514350" indent="-514350" algn="just">
+              <a:buFont typeface="+mj-lt"/>
+              <a:buAutoNum type="romanLcPeriod"/>
+            </a:pPr>
+            <a:r>
+              <a:rPr lang="en-US" sz="2400" dirty="0" smtClean="0"/>
+              <a:t>Focus on interests, not positions</a:t>
+            </a:r>
+          </a:p>
+          <a:p>
+            <a:pPr marL="514350" indent="-514350" algn="just">
+              <a:buFont typeface="+mj-lt"/>
+              <a:buAutoNum type="romanLcPeriod"/>
+            </a:pPr>
+            <a:r>
+              <a:rPr lang="en-US" sz="2400" dirty="0" smtClean="0"/>
+              <a:t>Test assumptions and inferences</a:t>
+            </a:r>
+          </a:p>
+          <a:p>
+            <a:pPr marL="514350" indent="-514350" algn="just">
+              <a:buFont typeface="+mj-lt"/>
+              <a:buAutoNum type="romanLcPeriod"/>
+            </a:pPr>
+            <a:r>
+              <a:rPr lang="en-US" sz="2400" dirty="0" smtClean="0"/>
+              <a:t>Jointly design next steps</a:t>
+            </a:r>
+          </a:p>
+          <a:p>
+            <a:pPr marL="514350" indent="-514350" algn="just">
+              <a:buFont typeface="+mj-lt"/>
+              <a:buAutoNum type="romanLcPeriod"/>
+            </a:pPr>
+            <a:r>
+              <a:rPr lang="en-US" sz="2400" dirty="0" smtClean="0"/>
+              <a:t>Discuss </a:t>
+            </a:r>
+            <a:r>
+              <a:rPr lang="en-US" sz="2400" dirty="0" err="1" smtClean="0"/>
+              <a:t>undiscussable</a:t>
+            </a:r>
+            <a:r>
+              <a:rPr lang="en-US" sz="2400" dirty="0" smtClean="0"/>
+              <a:t> issues</a:t>
+            </a:r>
+          </a:p>
+          <a:p>
+            <a:pPr marL="0" indent="0" algn="just">
+              <a:buNone/>
+            </a:pPr>
+            <a:endParaRPr lang="en-US" sz="2400" dirty="0"/>
+          </a:p>
+          <a:p>
+            <a:pPr marL="0" indent="0" algn="just">
+              <a:buNone/>
+            </a:pPr>
+            <a:endParaRPr lang="en-US" sz="2400" dirty="0"/>
+          </a:p>
+        </p:txBody>
+      </p:sp>
+      <p:sp>
+        <p:nvSpPr>
+          <p:cNvPr id="4" name="TextBox 3"/>
+          <p:cNvSpPr txBox="1"/>
+          <p:nvPr/>
+        </p:nvSpPr>
+        <p:spPr>
+          <a:xfrm>
+            <a:off x="3925676" y="6392640"/>
+            <a:ext cx="5039590" cy="276999"/>
+          </a:xfrm>
+          <a:prstGeom prst="rect">
+            <a:avLst/>
+          </a:prstGeom>
+          <a:noFill/>
+        </p:spPr>
+        <p:txBody>
+          <a:bodyPr wrap="square" rtlCol="0">
+            <a:spAutoFit/>
+          </a:bodyPr>
+          <a:lstStyle/>
+          <a:p>
+            <a:pPr algn="r"/>
+            <a:r>
+              <a:rPr lang="en-US" sz="1200" i="1" dirty="0" smtClean="0"/>
+              <a:t>8 </a:t>
+            </a:r>
+            <a:r>
+              <a:rPr lang="en-US" sz="1200" i="1" dirty="0" err="1" smtClean="0"/>
+              <a:t>Behaviours</a:t>
+            </a:r>
+            <a:r>
+              <a:rPr lang="en-US" sz="1200" i="1" dirty="0" smtClean="0"/>
+              <a:t> from The Virtuous Cycle of Mutual Learning by Roge</a:t>
+            </a:r>
+            <a:r>
+              <a:rPr lang="en-US" sz="1200" i="1" dirty="0" smtClean="0"/>
+              <a:t>r Schwarz</a:t>
+            </a:r>
+            <a:endParaRPr lang="en-US" sz="1200" i="1" dirty="0"/>
+          </a:p>
+        </p:txBody>
+      </p:sp>
+    </p:spTree>
+    <p:extLst>
+      <p:ext uri="{BB962C8B-B14F-4D97-AF65-F5344CB8AC3E}">
+        <p14:creationId xmlns:p14="http://schemas.microsoft.com/office/powerpoint/2010/main" val="679613805"/>
+      </p:ext>
+    </p:extLst>
+  </p:cSld>
+  <p:clrMapOvr>
+    <a:masterClrMapping/>
+  </p:clrMapOvr>
+  <p:timing>
+    <p:tnLst>
+      <p:par>
+        <p:cTn xmlns:p14="http://schemas.microsoft.com/office/powerpoint/2010/main" id="1" dur="indefinite" restart="never" nodeType="tmRoot"/>
       </p:par>
     </p:tnLst>
   </p:timing>
@@ -12095,32 +14589,9 @@
           <a:chExt cx="0" cy="0"/>
         </a:xfrm>
       </p:grpSpPr>
-      <p:sp>
-        <p:nvSpPr>
-          <p:cNvPr id="2" name="Title 1"/>
-          <p:cNvSpPr>
-            <a:spLocks noGrp="1"/>
-          </p:cNvSpPr>
-          <p:nvPr>
-            <p:ph type="title"/>
-          </p:nvPr>
-        </p:nvSpPr>
-        <p:spPr/>
-        <p:txBody>
-          <a:bodyPr/>
-          <a:lstStyle/>
-          <a:p>
-            <a:r>
-              <a:rPr lang="en-US" dirty="0" smtClean="0"/>
-              <a:t>About Us</a:t>
-            </a:r>
-            <a:endParaRPr lang="en-US" dirty="0"/>
-          </a:p>
-        </p:txBody>
-      </p:sp>
       <p:pic>
         <p:nvPicPr>
-          <p:cNvPr id="6" name="Picture 5" descr="Chantal-Danseur.jpg"/>
+          <p:cNvPr id="4" name="Picture 3" descr="Joe-Schmetzer-Twitter-Pic.jpg"/>
           <p:cNvPicPr>
             <a:picLocks noChangeAspect="1"/>
           </p:cNvPicPr>
@@ -12140,14 +14611,67 @@
         </p:blipFill>
         <p:spPr>
           <a:xfrm>
-            <a:off x="913462" y="1851293"/>
-            <a:ext cx="3040728" cy="3040728"/>
+            <a:off x="971600" y="1916832"/>
+            <a:ext cx="2880319" cy="2880319"/>
           </a:xfrm>
           <a:prstGeom prst="rect">
             <a:avLst/>
           </a:prstGeom>
+          <a:solidFill>
+            <a:srgbClr val="FFFFFF">
+              <a:shade val="85000"/>
+            </a:srgbClr>
+          </a:solidFill>
+          <a:ln w="88900" cap="sq">
+            <a:solidFill>
+              <a:srgbClr val="FFFFFF"/>
+            </a:solidFill>
+            <a:miter lim="800000"/>
+          </a:ln>
+          <a:effectLst>
+            <a:outerShdw blurRad="55000" dist="18000" dir="5400000" algn="tl" rotWithShape="0">
+              <a:srgbClr val="000000">
+                <a:alpha val="40000"/>
+              </a:srgbClr>
+            </a:outerShdw>
+          </a:effectLst>
+          <a:scene3d>
+            <a:camera prst="orthographicFront"/>
+            <a:lightRig rig="twoPt" dir="t">
+              <a:rot lat="0" lon="0" rev="7200000"/>
+            </a:lightRig>
+          </a:scene3d>
+          <a:sp3d>
+            <a:bevelT w="25400" h="19050"/>
+            <a:contourClr>
+              <a:srgbClr val="FFFFFF"/>
+            </a:contourClr>
+          </a:sp3d>
         </p:spPr>
       </p:pic>
+      <p:sp>
+        <p:nvSpPr>
+          <p:cNvPr id="2" name="Title 1"/>
+          <p:cNvSpPr>
+            <a:spLocks noGrp="1"/>
+          </p:cNvSpPr>
+          <p:nvPr>
+            <p:ph type="title"/>
+          </p:nvPr>
+        </p:nvSpPr>
+        <p:spPr/>
+        <p:txBody>
+          <a:bodyPr/>
+          <a:lstStyle/>
+          <a:p>
+            <a:r>
+              <a:rPr lang="en-US" dirty="0" smtClean="0"/>
+              <a:t>About Us</a:t>
+            </a:r>
+            <a:endParaRPr lang="en-US" dirty="0"/>
+          </a:p>
+        </p:txBody>
+      </p:sp>
       <p:sp>
         <p:nvSpPr>
           <p:cNvPr id="7" name="Text Box 19"/>
@@ -12170,14 +14694,14 @@
           </a:ln>
           <a:effectLst/>
           <a:extLst>
-            <a:ext uri="{909E8E84-426E-40DD-AFC4-6F175D3DCCD1}">
+            <a:ext uri="{909E8E84-426E-40dd-AFC4-6F175D3DCCD1}">
               <a14:hiddenFill xmlns:a14="http://schemas.microsoft.com/office/drawing/2010/main">
                 <a:solidFill>
                   <a:schemeClr val="accent1"/>
                 </a:solidFill>
               </a14:hiddenFill>
             </a:ext>
-            <a:ext uri="{91240B29-F687-4F45-9708-019B960494DF}">
+            <a:ext uri="{91240B29-F687-4f45-9708-019B960494DF}">
               <a14:hiddenLine xmlns:a14="http://schemas.microsoft.com/office/drawing/2010/main" w="9525">
                 <a:solidFill>
                   <a:schemeClr val="tx1"/>
@@ -12187,7 +14711,7 @@
                 <a:tailEnd/>
               </a14:hiddenLine>
             </a:ext>
-            <a:ext uri="{AF507438-7753-43E0-B8FC-AC1667EBCBE1}">
+            <a:ext uri="{AF507438-7753-43e0-B8FC-AC1667EBCBE1}">
               <a14:hiddenEffects xmlns:a14="http://schemas.microsoft.com/office/drawing/2010/main">
                 <a:effectLst>
                   <a:outerShdw blurRad="63500" dist="38099" dir="2700000" algn="ctr" rotWithShape="0">
@@ -12247,14 +14771,14 @@
           </a:ln>
           <a:effectLst/>
           <a:extLst>
-            <a:ext uri="{909E8E84-426E-40DD-AFC4-6F175D3DCCD1}">
+            <a:ext uri="{909E8E84-426E-40dd-AFC4-6F175D3DCCD1}">
               <a14:hiddenFill xmlns:a14="http://schemas.microsoft.com/office/drawing/2010/main">
                 <a:solidFill>
                   <a:schemeClr val="accent1"/>
                 </a:solidFill>
               </a14:hiddenFill>
             </a:ext>
-            <a:ext uri="{91240B29-F687-4F45-9708-019B960494DF}">
+            <a:ext uri="{91240B29-F687-4f45-9708-019B960494DF}">
               <a14:hiddenLine xmlns:a14="http://schemas.microsoft.com/office/drawing/2010/main" w="9525">
                 <a:solidFill>
                   <a:schemeClr val="tx1"/>
@@ -12264,7 +14788,7 @@
                 <a:tailEnd/>
               </a14:hiddenLine>
             </a:ext>
-            <a:ext uri="{AF507438-7753-43E0-B8FC-AC1667EBCBE1}">
+            <a:ext uri="{AF507438-7753-43e0-B8FC-AC1667EBCBE1}">
               <a14:hiddenEffects xmlns:a14="http://schemas.microsoft.com/office/drawing/2010/main">
                 <a:effectLst>
                   <a:outerShdw blurRad="63500" dist="38099" dir="2700000" algn="ctr" rotWithShape="0">
@@ -12393,14 +14917,14 @@
           </a:ln>
           <a:effectLst/>
           <a:extLst>
-            <a:ext uri="{909E8E84-426E-40DD-AFC4-6F175D3DCCD1}">
+            <a:ext uri="{909E8E84-426E-40dd-AFC4-6F175D3DCCD1}">
               <a14:hiddenFill xmlns:a14="http://schemas.microsoft.com/office/drawing/2010/main">
                 <a:solidFill>
                   <a:schemeClr val="accent1"/>
                 </a:solidFill>
               </a14:hiddenFill>
             </a:ext>
-            <a:ext uri="{91240B29-F687-4F45-9708-019B960494DF}">
+            <a:ext uri="{91240B29-F687-4f45-9708-019B960494DF}">
               <a14:hiddenLine xmlns:a14="http://schemas.microsoft.com/office/drawing/2010/main" w="9525">
                 <a:solidFill>
                   <a:schemeClr val="tx1"/>
@@ -12410,7 +14934,7 @@
                 <a:tailEnd/>
               </a14:hiddenLine>
             </a:ext>
-            <a:ext uri="{AF507438-7753-43E0-B8FC-AC1667EBCBE1}">
+            <a:ext uri="{AF507438-7753-43e0-B8FC-AC1667EBCBE1}">
               <a14:hiddenEffects xmlns:a14="http://schemas.microsoft.com/office/drawing/2010/main">
                 <a:effectLst>
                   <a:outerShdw blurRad="63500" dist="38099" dir="2700000" algn="ctr" rotWithShape="0">
@@ -12522,17 +15046,14 @@
         </p:nvSpPr>
         <p:spPr bwMode="auto">
           <a:xfrm>
-            <a:off x="1040691" y="4320759"/>
-            <a:ext cx="2790475" cy="369332"/>
+            <a:off x="1009700" y="4290938"/>
+            <a:ext cx="2823170" cy="369332"/>
           </a:xfrm>
           <a:prstGeom prst="rect">
             <a:avLst/>
           </a:prstGeom>
           <a:solidFill>
-            <a:schemeClr val="accent6">
-              <a:lumMod val="60000"/>
-              <a:lumOff val="40000"/>
-            </a:schemeClr>
+            <a:srgbClr val="FFFFFF"/>
           </a:solidFill>
           <a:ln>
             <a:noFill/>
@@ -12557,18 +15078,12 @@
             </a:pPr>
             <a:r>
               <a:rPr lang="en-GB" sz="1800" dirty="0" smtClean="0">
-                <a:solidFill>
-                  <a:schemeClr val="bg1"/>
-                </a:solidFill>
                 <a:latin typeface="+mn-lt"/>
                 <a:cs typeface="Arial Unicode MS" charset="0"/>
               </a:rPr>
               <a:t>Joe Schmetzer</a:t>
             </a:r>
             <a:endParaRPr lang="en-GB" sz="1800" dirty="0">
-              <a:solidFill>
-                <a:schemeClr val="bg1"/>
-              </a:solidFill>
               <a:latin typeface="+mn-lt"/>
               <a:cs typeface="Arial Unicode MS" charset="0"/>
             </a:endParaRPr>
@@ -12592,7 +15107,10 @@
             <a:avLst/>
           </a:prstGeom>
           <a:solidFill>
-            <a:schemeClr val="accent1"/>
+            <a:schemeClr val="tx1">
+              <a:lumMod val="50000"/>
+              <a:lumOff val="50000"/>
+            </a:schemeClr>
           </a:solidFill>
           <a:ln>
             <a:noFill/>
@@ -12674,7 +15192,7 @@
             <a:tailEnd/>
           </a:ln>
           <a:extLst>
-            <a:ext uri="{909E8E84-426E-40DD-AFC4-6F175D3DCCD1}">
+            <a:ext uri="{909E8E84-426E-40dd-AFC4-6F175D3DCCD1}">
               <a14:hiddenFill xmlns:a14="http://schemas.microsoft.com/office/drawing/2010/main">
                 <a:solidFill>
                   <a:srgbClr val="FFFFFF"/>
@@ -12706,14 +15224,14 @@
           </a:ln>
           <a:effectLst/>
           <a:extLst>
-            <a:ext uri="{909E8E84-426E-40DD-AFC4-6F175D3DCCD1}">
+            <a:ext uri="{909E8E84-426E-40dd-AFC4-6F175D3DCCD1}">
               <a14:hiddenFill xmlns:a14="http://schemas.microsoft.com/office/drawing/2010/main">
                 <a:solidFill>
                   <a:schemeClr val="accent1"/>
                 </a:solidFill>
               </a14:hiddenFill>
             </a:ext>
-            <a:ext uri="{91240B29-F687-4F45-9708-019B960494DF}">
+            <a:ext uri="{91240B29-F687-4f45-9708-019B960494DF}">
               <a14:hiddenLine xmlns:a14="http://schemas.microsoft.com/office/drawing/2010/main" w="9525">
                 <a:solidFill>
                   <a:schemeClr val="tx1"/>
@@ -12723,7 +15241,7 @@
                 <a:tailEnd/>
               </a14:hiddenLine>
             </a:ext>
-            <a:ext uri="{AF507438-7753-43E0-B8FC-AC1667EBCBE1}">
+            <a:ext uri="{AF507438-7753-43e0-B8FC-AC1667EBCBE1}">
               <a14:hiddenEffects xmlns:a14="http://schemas.microsoft.com/office/drawing/2010/main">
                 <a:effectLst>
                   <a:outerShdw blurRad="63500" dist="38099" dir="2700000" algn="ctr" rotWithShape="0">
@@ -12813,14 +15331,14 @@
           </a:ln>
           <a:effectLst/>
           <a:extLst>
-            <a:ext uri="{909E8E84-426E-40DD-AFC4-6F175D3DCCD1}">
+            <a:ext uri="{909E8E84-426E-40dd-AFC4-6F175D3DCCD1}">
               <a14:hiddenFill xmlns:a14="http://schemas.microsoft.com/office/drawing/2010/main">
                 <a:solidFill>
                   <a:schemeClr val="accent1"/>
                 </a:solidFill>
               </a14:hiddenFill>
             </a:ext>
-            <a:ext uri="{91240B29-F687-4F45-9708-019B960494DF}">
+            <a:ext uri="{91240B29-F687-4f45-9708-019B960494DF}">
               <a14:hiddenLine xmlns:a14="http://schemas.microsoft.com/office/drawing/2010/main" w="9525">
                 <a:solidFill>
                   <a:schemeClr val="tx1"/>
@@ -12830,7 +15348,7 @@
                 <a:tailEnd/>
               </a14:hiddenLine>
             </a:ext>
-            <a:ext uri="{AF507438-7753-43E0-B8FC-AC1667EBCBE1}">
+            <a:ext uri="{AF507438-7753-43e0-B8FC-AC1667EBCBE1}">
               <a14:hiddenEffects xmlns:a14="http://schemas.microsoft.com/office/drawing/2010/main">
                 <a:effectLst>
                   <a:outerShdw blurRad="63500" dist="38099" dir="2700000" algn="ctr" rotWithShape="0">
@@ -12863,14 +15381,7 @@
                 <a:latin typeface="+mn-lt"/>
                 <a:cs typeface="Arial Unicode MS" charset="0"/>
               </a:rPr>
-              <a:t>Enterprise </a:t>
-            </a:r>
-            <a:r>
-              <a:rPr lang="en-GB" dirty="0" smtClean="0">
-                <a:latin typeface="+mn-lt"/>
-                <a:cs typeface="Arial Unicode MS" charset="0"/>
-              </a:rPr>
-              <a:t>Gardener</a:t>
+              <a:t>Enterprise Gardener</a:t>
             </a:r>
             <a:endParaRPr lang="en-GB" dirty="0">
               <a:latin typeface="+mn-lt"/>
@@ -12892,7 +15403,7 @@
   <p:timing>
     <p:tnLst>
       <p:par>
-        <p:cTn id="1" dur="indefinite" restart="never" nodeType="tmRoot"/>
+        <p:cTn xmlns:p14="http://schemas.microsoft.com/office/powerpoint/2010/main" id="1" dur="indefinite" restart="never" nodeType="tmRoot"/>
       </p:par>
     </p:tnLst>
   </p:timing>
@@ -12933,7 +15444,7 @@
           <a:p>
             <a:r>
               <a:rPr lang="en-GB" dirty="0" smtClean="0"/>
-              <a:t>In search of joyful work</a:t>
+              <a:t>Joyful Work</a:t>
             </a:r>
             <a:endParaRPr lang="en-GB" dirty="0"/>
           </a:p>
@@ -12961,8 +15472,13 @@
             </a:pPr>
             <a:r>
               <a:rPr lang="en-GB" sz="2400" dirty="0" smtClean="0"/>
-              <a:t>To do joyful work</a:t>
-            </a:r>
+              <a:t>To </a:t>
+            </a:r>
+            <a:r>
+              <a:rPr lang="en-GB" sz="2400" dirty="0" smtClean="0"/>
+              <a:t>make work joyful</a:t>
+            </a:r>
+            <a:endParaRPr lang="en-GB" sz="2400" dirty="0" smtClean="0"/>
           </a:p>
           <a:p>
             <a:pPr marL="0" indent="0">
@@ -12970,13 +15486,8 @@
             </a:pPr>
             <a:r>
               <a:rPr lang="en-GB" sz="2400" dirty="0" smtClean="0"/>
-              <a:t>As </a:t>
-            </a:r>
-            <a:r>
-              <a:rPr lang="en-GB" sz="2400" dirty="0" smtClean="0"/>
-              <a:t>aspiring leaders</a:t>
-            </a:r>
-            <a:endParaRPr lang="en-GB" sz="2400" dirty="0" smtClean="0"/>
+              <a:t>As aspiring leaders</a:t>
+            </a:r>
           </a:p>
           <a:p>
             <a:pPr marL="0" indent="0">
@@ -13063,7 +15574,7 @@
   <p:timing>
     <p:tnLst>
       <p:par>
-        <p:cTn id="1" dur="indefinite" restart="never" nodeType="tmRoot"/>
+        <p:cTn xmlns:p14="http://schemas.microsoft.com/office/powerpoint/2010/main" id="1" dur="indefinite" restart="never" nodeType="tmRoot"/>
       </p:par>
     </p:tnLst>
   </p:timing>
@@ -13437,7 +15948,23 @@
                   <a:srgbClr val="000000"/>
                 </a:solidFill>
               </a:rPr>
-              <a:t> Mutual Learning Model and “Smart Leaders Smarter Teams” by Roger Schwarz</a:t>
+              <a:t> Mutual Learning Model </a:t>
+            </a:r>
+            <a:r>
+              <a:rPr lang="en-US" sz="1200" i="1" dirty="0" smtClean="0">
+                <a:solidFill>
+                  <a:srgbClr val="000000"/>
+                </a:solidFill>
+              </a:rPr>
+              <a:t>and “</a:t>
+            </a:r>
+            <a:r>
+              <a:rPr lang="en-US" sz="1200" i="1" dirty="0" smtClean="0">
+                <a:solidFill>
+                  <a:srgbClr val="000000"/>
+                </a:solidFill>
+              </a:rPr>
+              <a:t>Smart Leaders Smarter Teams” by Roger Schwarz</a:t>
             </a:r>
             <a:endParaRPr lang="en-US" sz="1200" i="1" dirty="0">
               <a:solidFill>
@@ -13460,7 +15987,7 @@
   <p:timing>
     <p:tnLst>
       <p:par>
-        <p:cTn id="1" dur="indefinite" restart="never" nodeType="tmRoot"/>
+        <p:cTn xmlns:p14="http://schemas.microsoft.com/office/powerpoint/2010/main" id="1" dur="indefinite" restart="never" nodeType="tmRoot"/>
       </p:par>
     </p:tnLst>
   </p:timing>
@@ -13524,7 +16051,7 @@
           </a:bodyPr>
           <a:lstStyle/>
           <a:p>
-            <a:pPr marL="0" indent="0">
+            <a:pPr marL="0" indent="0" algn="just">
               <a:buNone/>
             </a:pPr>
             <a:r>
@@ -13533,13 +16060,13 @@
             </a:r>
           </a:p>
           <a:p>
-            <a:pPr marL="0" indent="0">
+            <a:pPr marL="0" indent="0" algn="just">
               <a:buNone/>
             </a:pPr>
             <a:endParaRPr lang="en-GB" sz="2800" dirty="0" smtClean="0"/>
           </a:p>
           <a:p>
-            <a:pPr marL="0" indent="0">
+            <a:pPr marL="0" indent="0" algn="just">
               <a:buNone/>
             </a:pPr>
             <a:r>
@@ -13548,7 +16075,7 @@
             </a:r>
           </a:p>
           <a:p>
-            <a:pPr marL="0" indent="0">
+            <a:pPr marL="0" indent="0" algn="just">
               <a:buNone/>
             </a:pPr>
             <a:endParaRPr lang="en-GB" sz="2800" dirty="0"/>
@@ -13568,7 +16095,7 @@
   <p:timing>
     <p:tnLst>
       <p:par>
-        <p:cTn id="1" dur="indefinite" restart="never" nodeType="tmRoot"/>
+        <p:cTn xmlns:p14="http://schemas.microsoft.com/office/powerpoint/2010/main" id="1" dur="indefinite" restart="never" nodeType="tmRoot"/>
       </p:par>
     </p:tnLst>
   </p:timing>
@@ -13617,7 +16144,15 @@
             </a:r>
             <a:r>
               <a:rPr lang="en-GB" dirty="0" smtClean="0"/>
-              <a:t> Scene I</a:t>
+              <a:t> </a:t>
+            </a:r>
+            <a:r>
+              <a:rPr lang="en-GB" dirty="0" smtClean="0"/>
+              <a:t>Scene </a:t>
+            </a:r>
+            <a:r>
+              <a:rPr lang="en-GB" dirty="0" smtClean="0"/>
+              <a:t>I</a:t>
             </a:r>
             <a:endParaRPr lang="en-GB" dirty="0"/>
           </a:p>
@@ -13638,7 +16173,7 @@
           <a:bodyPr/>
           <a:lstStyle/>
           <a:p>
-            <a:pPr marL="0" indent="0">
+            <a:pPr marL="0" indent="0" algn="just">
               <a:buNone/>
             </a:pPr>
             <a:r>
@@ -13647,13 +16182,13 @@
             </a:r>
           </a:p>
           <a:p>
-            <a:pPr marL="0" indent="0">
+            <a:pPr marL="0" indent="0" algn="just">
               <a:buNone/>
             </a:pPr>
             <a:endParaRPr lang="en-GB" dirty="0"/>
           </a:p>
           <a:p>
-            <a:pPr marL="0" indent="0">
+            <a:pPr marL="0" indent="0" algn="just">
               <a:buNone/>
             </a:pPr>
             <a:r>
@@ -13685,7 +16220,7 @@
   <p:timing>
     <p:tnLst>
       <p:par>
-        <p:cTn id="1" dur="indefinite" restart="never" nodeType="tmRoot"/>
+        <p:cTn xmlns:p14="http://schemas.microsoft.com/office/powerpoint/2010/main" id="1" dur="indefinite" restart="never" nodeType="tmRoot"/>
       </p:par>
     </p:tnLst>
   </p:timing>
@@ -13761,8 +16296,13 @@
           <a:p>
             <a:r>
               <a:rPr lang="en-GB" dirty="0" smtClean="0"/>
-              <a:t>Who has been to a meeting like this?</a:t>
-            </a:r>
+              <a:t>Who has </a:t>
+            </a:r>
+            <a:r>
+              <a:rPr lang="en-GB" dirty="0" smtClean="0"/>
+              <a:t>meetings mostly like this one?</a:t>
+            </a:r>
+            <a:endParaRPr lang="en-GB" dirty="0" smtClean="0"/>
           </a:p>
         </p:txBody>
       </p:sp>
@@ -13779,7 +16319,7 @@
   <p:timing>
     <p:tnLst>
       <p:par>
-        <p:cTn id="1" dur="indefinite" restart="never" nodeType="tmRoot"/>
+        <p:cTn xmlns:p14="http://schemas.microsoft.com/office/powerpoint/2010/main" id="1" dur="indefinite" restart="never" nodeType="tmRoot"/>
       </p:par>
     </p:tnLst>
   </p:timing>
@@ -13815,13 +16355,19 @@
         </p:nvSpPr>
         <p:spPr/>
         <p:txBody>
-          <a:bodyPr/>
+          <a:bodyPr>
+            <a:normAutofit fontScale="90000"/>
+          </a:bodyPr>
           <a:lstStyle/>
           <a:p>
+            <a:pPr algn="r"/>
             <a:r>
               <a:rPr lang="en-GB" dirty="0" smtClean="0"/>
-              <a:t>Theory</a:t>
-            </a:r>
+              <a:t>Model I</a:t>
+            </a:r>
+            <a:br>
+              <a:rPr lang="en-GB" dirty="0" smtClean="0"/>
+            </a:br>
             <a:endParaRPr lang="en-GB" dirty="0"/>
           </a:p>
         </p:txBody>
@@ -13836,56 +16382,1000 @@
             <p:ph idx="1"/>
           </p:nvPr>
         </p:nvSpPr>
-        <p:spPr/>
+        <p:spPr>
+          <a:xfrm>
+            <a:off x="323528" y="938187"/>
+            <a:ext cx="2818656" cy="676672"/>
+          </a:xfrm>
+        </p:spPr>
         <p:txBody>
           <a:bodyPr/>
           <a:lstStyle/>
           <a:p>
-            <a:r>
-              <a:rPr lang="en-GB" dirty="0" smtClean="0"/>
-              <a:t>Introduce Model 1:</a:t>
-            </a:r>
-          </a:p>
-          <a:p>
-            <a:pPr lvl="1"/>
-            <a:r>
-              <a:rPr lang="en-GB" dirty="0" smtClean="0"/>
-              <a:t>Reveal Values &amp; Assumptions</a:t>
-            </a:r>
-          </a:p>
-          <a:p>
-            <a:pPr lvl="1"/>
-            <a:r>
-              <a:rPr lang="en-GB" dirty="0" smtClean="0"/>
-              <a:t>Reveal Behaviours</a:t>
-            </a:r>
-          </a:p>
-          <a:p>
-            <a:pPr lvl="1"/>
-            <a:r>
-              <a:rPr lang="en-GB" dirty="0" smtClean="0"/>
-              <a:t>Recap on Results</a:t>
-            </a:r>
-          </a:p>
-          <a:p>
-            <a:pPr lvl="1"/>
-            <a:endParaRPr lang="en-GB" dirty="0"/>
-          </a:p>
-          <a:p>
             <a:pPr marL="0" indent="0">
               <a:buNone/>
             </a:pPr>
-            <a:endParaRPr lang="en-GB" dirty="0" smtClean="0"/>
-          </a:p>
-          <a:p>
-            <a:pPr lvl="1"/>
+            <a:r>
+              <a:rPr lang="en-GB" dirty="0" err="1" smtClean="0"/>
+              <a:t>Mindset</a:t>
+            </a:r>
             <a:endParaRPr lang="en-GB" dirty="0"/>
           </a:p>
+        </p:txBody>
+      </p:sp>
+      <p:sp>
+        <p:nvSpPr>
+          <p:cNvPr id="4" name="TextBox 3"/>
+          <p:cNvSpPr txBox="1"/>
+          <p:nvPr/>
+        </p:nvSpPr>
+        <p:spPr>
+          <a:xfrm>
+            <a:off x="323528" y="1524842"/>
+            <a:ext cx="2880320" cy="4770537"/>
+          </a:xfrm>
+          <a:prstGeom prst="rect">
+            <a:avLst/>
+          </a:prstGeom>
+          <a:noFill/>
+        </p:spPr>
+        <p:txBody>
+          <a:bodyPr wrap="square" rtlCol="0">
+            <a:spAutoFit/>
+          </a:bodyPr>
+          <a:lstStyle/>
+          <a:p>
+            <a:r>
+              <a:rPr lang="en-US" sz="1600" b="1" dirty="0" smtClean="0"/>
+              <a:t>Values</a:t>
+            </a:r>
+          </a:p>
+          <a:p>
+            <a:pPr marL="285750" indent="-285750">
+              <a:buFont typeface="Arial"/>
+              <a:buChar char="•"/>
+            </a:pPr>
+            <a:r>
+              <a:rPr lang="en-US" sz="1600" dirty="0" smtClean="0"/>
+              <a:t>Win, don’t lose</a:t>
+            </a:r>
+          </a:p>
+          <a:p>
+            <a:pPr marL="285750" indent="-285750">
+              <a:buFont typeface="Arial"/>
+              <a:buChar char="•"/>
+            </a:pPr>
+            <a:r>
+              <a:rPr lang="en-US" sz="1600" dirty="0" smtClean="0"/>
+              <a:t>Be right</a:t>
+            </a:r>
+          </a:p>
+          <a:p>
+            <a:pPr marL="285750" indent="-285750">
+              <a:buFont typeface="Arial"/>
+              <a:buChar char="•"/>
+            </a:pPr>
+            <a:r>
+              <a:rPr lang="en-US" sz="1600" dirty="0" err="1" smtClean="0"/>
+              <a:t>Minimise</a:t>
+            </a:r>
+            <a:r>
+              <a:rPr lang="en-US" sz="1600" dirty="0" smtClean="0"/>
+              <a:t> expressions of negative feelings</a:t>
+            </a:r>
+          </a:p>
+          <a:p>
+            <a:pPr marL="285750" indent="-285750">
+              <a:buFont typeface="Arial"/>
+              <a:buChar char="•"/>
+            </a:pPr>
+            <a:r>
+              <a:rPr lang="en-US" sz="1600" dirty="0" smtClean="0"/>
+              <a:t>Act rational</a:t>
+            </a:r>
+          </a:p>
+          <a:p>
+            <a:endParaRPr lang="en-US" sz="1600" dirty="0"/>
+          </a:p>
+          <a:p>
+            <a:r>
+              <a:rPr lang="en-US" sz="1600" b="1" dirty="0" smtClean="0"/>
+              <a:t>Assumptions</a:t>
+            </a:r>
+          </a:p>
+          <a:p>
+            <a:pPr marL="285750" indent="-285750">
+              <a:buFont typeface="Arial"/>
+              <a:buChar char="•"/>
+            </a:pPr>
+            <a:r>
+              <a:rPr lang="en-US" sz="1600" dirty="0" smtClean="0"/>
+              <a:t>I understand the situation; those who disagree don’t</a:t>
+            </a:r>
+          </a:p>
+          <a:p>
+            <a:pPr marL="285750" indent="-285750">
+              <a:buFont typeface="Arial"/>
+              <a:buChar char="•"/>
+            </a:pPr>
+            <a:r>
+              <a:rPr lang="en-US" sz="1600" dirty="0" smtClean="0"/>
+              <a:t>I am right; those who disagree are wrong</a:t>
+            </a:r>
+          </a:p>
+          <a:p>
+            <a:pPr marL="285750" indent="-285750">
+              <a:buFont typeface="Arial"/>
+              <a:buChar char="•"/>
+            </a:pPr>
+            <a:r>
+              <a:rPr lang="en-US" sz="1600" dirty="0" smtClean="0"/>
+              <a:t>I have pure motives; those who disagree have questionable motives</a:t>
+            </a:r>
+          </a:p>
+          <a:p>
+            <a:pPr marL="285750" indent="-285750">
+              <a:buFont typeface="Arial"/>
+              <a:buChar char="•"/>
+            </a:pPr>
+            <a:r>
+              <a:rPr lang="en-US" sz="1600" dirty="0" smtClean="0"/>
+              <a:t>My feelings and </a:t>
+            </a:r>
+            <a:r>
+              <a:rPr lang="en-US" sz="1600" dirty="0" err="1" smtClean="0"/>
+              <a:t>behaviour</a:t>
+            </a:r>
+            <a:r>
+              <a:rPr lang="en-US" sz="1600" dirty="0" smtClean="0"/>
+              <a:t> are justified</a:t>
+            </a:r>
+          </a:p>
+          <a:p>
+            <a:pPr marL="285750" indent="-285750">
+              <a:buFont typeface="Arial"/>
+              <a:buChar char="•"/>
+            </a:pPr>
+            <a:r>
+              <a:rPr lang="en-US" sz="1600" dirty="0" smtClean="0"/>
+              <a:t>I am not contributing to the problem</a:t>
+            </a:r>
+          </a:p>
+        </p:txBody>
+      </p:sp>
+      <p:sp>
+        <p:nvSpPr>
+          <p:cNvPr id="6" name="TextBox 5"/>
+          <p:cNvSpPr txBox="1"/>
+          <p:nvPr/>
+        </p:nvSpPr>
+        <p:spPr>
+          <a:xfrm>
+            <a:off x="3393704" y="1455161"/>
+            <a:ext cx="6120680" cy="1815882"/>
+          </a:xfrm>
+          <a:prstGeom prst="rect">
+            <a:avLst/>
+          </a:prstGeom>
+          <a:noFill/>
+        </p:spPr>
+        <p:txBody>
+          <a:bodyPr wrap="square" rtlCol="0">
+            <a:spAutoFit/>
+          </a:bodyPr>
+          <a:lstStyle/>
+          <a:p>
+            <a:pPr marL="342900" indent="-342900" algn="just">
+              <a:buFont typeface="+mj-lt"/>
+              <a:buAutoNum type="arabicPeriod"/>
+            </a:pPr>
+            <a:r>
+              <a:rPr lang="en-US" sz="1400" dirty="0" smtClean="0"/>
+              <a:t>State </a:t>
+            </a:r>
+            <a:r>
+              <a:rPr lang="en-US" sz="1400" dirty="0"/>
+              <a:t>my views without asking for others’ views and vice </a:t>
+            </a:r>
+            <a:r>
+              <a:rPr lang="en-US" sz="1400" dirty="0" smtClean="0"/>
+              <a:t>versa</a:t>
+            </a:r>
+          </a:p>
+          <a:p>
+            <a:pPr marL="342900" indent="-342900" algn="just">
+              <a:buFont typeface="+mj-lt"/>
+              <a:buAutoNum type="arabicPeriod"/>
+            </a:pPr>
+            <a:r>
+              <a:rPr lang="en-US" sz="1400" dirty="0" err="1" smtClean="0"/>
+              <a:t>Withold</a:t>
+            </a:r>
+            <a:r>
+              <a:rPr lang="en-US" sz="1400" dirty="0" smtClean="0"/>
+              <a:t> </a:t>
+            </a:r>
+            <a:r>
+              <a:rPr lang="en-US" sz="1400" dirty="0"/>
+              <a:t>relevant </a:t>
+            </a:r>
+            <a:r>
+              <a:rPr lang="en-US" sz="1400" dirty="0" smtClean="0"/>
+              <a:t>information</a:t>
+            </a:r>
+          </a:p>
+          <a:p>
+            <a:pPr marL="342900" indent="-342900" algn="just">
+              <a:buFont typeface="+mj-lt"/>
+              <a:buAutoNum type="arabicPeriod"/>
+            </a:pPr>
+            <a:r>
+              <a:rPr lang="en-US" sz="1400" dirty="0" smtClean="0"/>
+              <a:t>Speak </a:t>
+            </a:r>
+            <a:r>
+              <a:rPr lang="en-US" sz="1400" dirty="0"/>
+              <a:t>in general terms and don’t agree on what important words </a:t>
+            </a:r>
+            <a:r>
+              <a:rPr lang="en-US" sz="1400" dirty="0" smtClean="0"/>
+              <a:t>mean</a:t>
+            </a:r>
+          </a:p>
+          <a:p>
+            <a:pPr marL="342900" indent="-342900" algn="just">
+              <a:buFont typeface="+mj-lt"/>
+              <a:buAutoNum type="arabicPeriod"/>
+            </a:pPr>
+            <a:r>
+              <a:rPr lang="en-US" sz="1400" dirty="0" smtClean="0"/>
+              <a:t>Keep </a:t>
+            </a:r>
+            <a:r>
+              <a:rPr lang="en-US" sz="1400" dirty="0"/>
+              <a:t>my reasoning private; don’t ask others about their </a:t>
+            </a:r>
+            <a:r>
+              <a:rPr lang="en-US" sz="1400" dirty="0" smtClean="0"/>
+              <a:t>reasoning</a:t>
+            </a:r>
+          </a:p>
+          <a:p>
+            <a:pPr marL="342900" indent="-342900" algn="just">
+              <a:buFont typeface="+mj-lt"/>
+              <a:buAutoNum type="arabicPeriod"/>
+            </a:pPr>
+            <a:r>
+              <a:rPr lang="en-US" sz="1400" dirty="0" smtClean="0"/>
+              <a:t>Focus </a:t>
+            </a:r>
+            <a:r>
+              <a:rPr lang="en-US" sz="1400" dirty="0"/>
+              <a:t>on positions, not </a:t>
+            </a:r>
+            <a:r>
+              <a:rPr lang="en-US" sz="1400" dirty="0" smtClean="0"/>
+              <a:t>interests</a:t>
+            </a:r>
+          </a:p>
+          <a:p>
+            <a:pPr marL="342900" indent="-342900" algn="just">
+              <a:buFont typeface="+mj-lt"/>
+              <a:buAutoNum type="arabicPeriod"/>
+            </a:pPr>
+            <a:r>
+              <a:rPr lang="en-US" sz="1400" dirty="0" smtClean="0"/>
+              <a:t>Act </a:t>
+            </a:r>
+            <a:r>
+              <a:rPr lang="en-US" sz="1400" dirty="0"/>
+              <a:t>on untested assumptions and inference as if they were </a:t>
+            </a:r>
+            <a:r>
+              <a:rPr lang="en-US" sz="1400" dirty="0" smtClean="0"/>
+              <a:t>true</a:t>
+            </a:r>
+          </a:p>
+          <a:p>
+            <a:pPr marL="342900" indent="-342900" algn="just">
+              <a:buFont typeface="+mj-lt"/>
+              <a:buAutoNum type="arabicPeriod"/>
+            </a:pPr>
+            <a:r>
+              <a:rPr lang="en-US" sz="1400" dirty="0" smtClean="0"/>
+              <a:t>Control </a:t>
+            </a:r>
+            <a:r>
+              <a:rPr lang="en-US" sz="1400" dirty="0"/>
+              <a:t>the </a:t>
+            </a:r>
+            <a:r>
+              <a:rPr lang="en-US" sz="1400" dirty="0" smtClean="0"/>
+              <a:t>conversation</a:t>
+            </a:r>
+          </a:p>
+          <a:p>
+            <a:pPr marL="342900" indent="-342900" algn="just">
+              <a:buFont typeface="+mj-lt"/>
+              <a:buAutoNum type="arabicPeriod"/>
+            </a:pPr>
+            <a:r>
+              <a:rPr lang="en-US" sz="1400" dirty="0" smtClean="0"/>
+              <a:t>Avoid</a:t>
+            </a:r>
+            <a:r>
+              <a:rPr lang="en-US" sz="1400" dirty="0"/>
+              <a:t>, ease into, or save face on difficult issues</a:t>
+            </a:r>
+            <a:endParaRPr lang="en-US" sz="1400" dirty="0"/>
+          </a:p>
+        </p:txBody>
+      </p:sp>
+      <p:sp>
+        <p:nvSpPr>
+          <p:cNvPr id="7" name="Content Placeholder 2"/>
+          <p:cNvSpPr txBox="1">
+            <a:spLocks/>
+          </p:cNvSpPr>
+          <p:nvPr/>
+        </p:nvSpPr>
+        <p:spPr>
+          <a:xfrm>
+            <a:off x="3347864" y="938187"/>
+            <a:ext cx="2818656" cy="676672"/>
+          </a:xfrm>
+          <a:prstGeom prst="rect">
+            <a:avLst/>
+          </a:prstGeom>
+        </p:spPr>
+        <p:txBody>
+          <a:bodyPr vert="horz" lIns="91440" tIns="45720" rIns="91440" bIns="45720" rtlCol="0">
+            <a:normAutofit/>
+          </a:bodyPr>
+          <a:lstStyle>
+            <a:lvl1pPr marL="342900" indent="-342900" algn="l" defTabSz="914400" rtl="0" eaLnBrk="1" latinLnBrk="0" hangingPunct="1">
+              <a:spcBef>
+                <a:spcPct val="20000"/>
+              </a:spcBef>
+              <a:buFont typeface="Arial" panose="020B0604020202020204" pitchFamily="34" charset="0"/>
+              <a:buChar char="•"/>
+              <a:defRPr sz="3200" kern="1200">
+                <a:solidFill>
+                  <a:schemeClr val="tx1"/>
+                </a:solidFill>
+                <a:latin typeface="Book Antiqua"/>
+                <a:ea typeface="+mn-ea"/>
+                <a:cs typeface="Book Antiqua"/>
+              </a:defRPr>
+            </a:lvl1pPr>
+            <a:lvl2pPr marL="742950" indent="-285750" algn="l" defTabSz="914400" rtl="0" eaLnBrk="1" latinLnBrk="0" hangingPunct="1">
+              <a:spcBef>
+                <a:spcPct val="20000"/>
+              </a:spcBef>
+              <a:buFont typeface="Arial" panose="020B0604020202020204" pitchFamily="34" charset="0"/>
+              <a:buChar char="–"/>
+              <a:defRPr sz="2800" kern="1200">
+                <a:solidFill>
+                  <a:schemeClr val="tx1"/>
+                </a:solidFill>
+                <a:latin typeface="Book Antiqua"/>
+                <a:ea typeface="+mn-ea"/>
+                <a:cs typeface="Book Antiqua"/>
+              </a:defRPr>
+            </a:lvl2pPr>
+            <a:lvl3pPr marL="1143000" indent="-228600" algn="l" defTabSz="914400" rtl="0" eaLnBrk="1" latinLnBrk="0" hangingPunct="1">
+              <a:spcBef>
+                <a:spcPct val="20000"/>
+              </a:spcBef>
+              <a:buFont typeface="Arial" panose="020B0604020202020204" pitchFamily="34" charset="0"/>
+              <a:buChar char="•"/>
+              <a:defRPr sz="2400" kern="1200">
+                <a:solidFill>
+                  <a:schemeClr val="tx1"/>
+                </a:solidFill>
+                <a:latin typeface="Book Antiqua"/>
+                <a:ea typeface="+mn-ea"/>
+                <a:cs typeface="Book Antiqua"/>
+              </a:defRPr>
+            </a:lvl3pPr>
+            <a:lvl4pPr marL="1600200" indent="-228600" algn="l" defTabSz="914400" rtl="0" eaLnBrk="1" latinLnBrk="0" hangingPunct="1">
+              <a:spcBef>
+                <a:spcPct val="20000"/>
+              </a:spcBef>
+              <a:buFont typeface="Arial" panose="020B0604020202020204" pitchFamily="34" charset="0"/>
+              <a:buChar char="–"/>
+              <a:defRPr sz="2000" kern="1200">
+                <a:solidFill>
+                  <a:schemeClr val="tx1"/>
+                </a:solidFill>
+                <a:latin typeface="Book Antiqua"/>
+                <a:ea typeface="+mn-ea"/>
+                <a:cs typeface="Book Antiqua"/>
+              </a:defRPr>
+            </a:lvl4pPr>
+            <a:lvl5pPr marL="2057400" indent="-228600" algn="l" defTabSz="914400" rtl="0" eaLnBrk="1" latinLnBrk="0" hangingPunct="1">
+              <a:spcBef>
+                <a:spcPct val="20000"/>
+              </a:spcBef>
+              <a:buFont typeface="Arial" panose="020B0604020202020204" pitchFamily="34" charset="0"/>
+              <a:buChar char="»"/>
+              <a:defRPr sz="2000" kern="1200">
+                <a:solidFill>
+                  <a:schemeClr val="tx1"/>
+                </a:solidFill>
+                <a:latin typeface="Book Antiqua"/>
+                <a:ea typeface="+mn-ea"/>
+                <a:cs typeface="Book Antiqua"/>
+              </a:defRPr>
+            </a:lvl5pPr>
+            <a:lvl6pPr marL="2514600" indent="-228600" algn="l" defTabSz="914400" rtl="0" eaLnBrk="1" latinLnBrk="0" hangingPunct="1">
+              <a:spcBef>
+                <a:spcPct val="20000"/>
+              </a:spcBef>
+              <a:buFont typeface="Arial" panose="020B0604020202020204" pitchFamily="34" charset="0"/>
+              <a:buChar char="•"/>
+              <a:defRPr sz="2000" kern="1200">
+                <a:solidFill>
+                  <a:schemeClr val="tx1"/>
+                </a:solidFill>
+                <a:latin typeface="+mn-lt"/>
+                <a:ea typeface="+mn-ea"/>
+                <a:cs typeface="+mn-cs"/>
+              </a:defRPr>
+            </a:lvl6pPr>
+            <a:lvl7pPr marL="2971800" indent="-228600" algn="l" defTabSz="914400" rtl="0" eaLnBrk="1" latinLnBrk="0" hangingPunct="1">
+              <a:spcBef>
+                <a:spcPct val="20000"/>
+              </a:spcBef>
+              <a:buFont typeface="Arial" panose="020B0604020202020204" pitchFamily="34" charset="0"/>
+              <a:buChar char="•"/>
+              <a:defRPr sz="2000" kern="1200">
+                <a:solidFill>
+                  <a:schemeClr val="tx1"/>
+                </a:solidFill>
+                <a:latin typeface="+mn-lt"/>
+                <a:ea typeface="+mn-ea"/>
+                <a:cs typeface="+mn-cs"/>
+              </a:defRPr>
+            </a:lvl7pPr>
+            <a:lvl8pPr marL="3429000" indent="-228600" algn="l" defTabSz="914400" rtl="0" eaLnBrk="1" latinLnBrk="0" hangingPunct="1">
+              <a:spcBef>
+                <a:spcPct val="20000"/>
+              </a:spcBef>
+              <a:buFont typeface="Arial" panose="020B0604020202020204" pitchFamily="34" charset="0"/>
+              <a:buChar char="•"/>
+              <a:defRPr sz="2000" kern="1200">
+                <a:solidFill>
+                  <a:schemeClr val="tx1"/>
+                </a:solidFill>
+                <a:latin typeface="+mn-lt"/>
+                <a:ea typeface="+mn-ea"/>
+                <a:cs typeface="+mn-cs"/>
+              </a:defRPr>
+            </a:lvl8pPr>
+            <a:lvl9pPr marL="3886200" indent="-228600" algn="l" defTabSz="914400" rtl="0" eaLnBrk="1" latinLnBrk="0" hangingPunct="1">
+              <a:spcBef>
+                <a:spcPct val="20000"/>
+              </a:spcBef>
+              <a:buFont typeface="Arial" panose="020B0604020202020204" pitchFamily="34" charset="0"/>
+              <a:buChar char="•"/>
+              <a:defRPr sz="2000" kern="1200">
+                <a:solidFill>
+                  <a:schemeClr val="tx1"/>
+                </a:solidFill>
+                <a:latin typeface="+mn-lt"/>
+                <a:ea typeface="+mn-ea"/>
+                <a:cs typeface="+mn-cs"/>
+              </a:defRPr>
+            </a:lvl9pPr>
+          </a:lstStyle>
           <a:p>
             <a:pPr marL="0" indent="0">
+              <a:buFont typeface="Arial" panose="020B0604020202020204" pitchFamily="34" charset="0"/>
               <a:buNone/>
             </a:pPr>
+            <a:r>
+              <a:rPr lang="en-GB" dirty="0" smtClean="0"/>
+              <a:t>Behaviours</a:t>
+            </a:r>
             <a:endParaRPr lang="en-GB" dirty="0"/>
+          </a:p>
+        </p:txBody>
+      </p:sp>
+      <p:sp>
+        <p:nvSpPr>
+          <p:cNvPr id="8" name="Content Placeholder 2"/>
+          <p:cNvSpPr txBox="1">
+            <a:spLocks/>
+          </p:cNvSpPr>
+          <p:nvPr/>
+        </p:nvSpPr>
+        <p:spPr>
+          <a:xfrm>
+            <a:off x="3347864" y="3415059"/>
+            <a:ext cx="2818656" cy="676672"/>
+          </a:xfrm>
+          <a:prstGeom prst="rect">
+            <a:avLst/>
+          </a:prstGeom>
+        </p:spPr>
+        <p:txBody>
+          <a:bodyPr vert="horz" lIns="91440" tIns="45720" rIns="91440" bIns="45720" rtlCol="0">
+            <a:normAutofit/>
+          </a:bodyPr>
+          <a:lstStyle>
+            <a:lvl1pPr marL="342900" indent="-342900" algn="l" defTabSz="914400" rtl="0" eaLnBrk="1" latinLnBrk="0" hangingPunct="1">
+              <a:spcBef>
+                <a:spcPct val="20000"/>
+              </a:spcBef>
+              <a:buFont typeface="Arial" panose="020B0604020202020204" pitchFamily="34" charset="0"/>
+              <a:buChar char="•"/>
+              <a:defRPr sz="3200" kern="1200">
+                <a:solidFill>
+                  <a:schemeClr val="tx1"/>
+                </a:solidFill>
+                <a:latin typeface="Book Antiqua"/>
+                <a:ea typeface="+mn-ea"/>
+                <a:cs typeface="Book Antiqua"/>
+              </a:defRPr>
+            </a:lvl1pPr>
+            <a:lvl2pPr marL="742950" indent="-285750" algn="l" defTabSz="914400" rtl="0" eaLnBrk="1" latinLnBrk="0" hangingPunct="1">
+              <a:spcBef>
+                <a:spcPct val="20000"/>
+              </a:spcBef>
+              <a:buFont typeface="Arial" panose="020B0604020202020204" pitchFamily="34" charset="0"/>
+              <a:buChar char="–"/>
+              <a:defRPr sz="2800" kern="1200">
+                <a:solidFill>
+                  <a:schemeClr val="tx1"/>
+                </a:solidFill>
+                <a:latin typeface="Book Antiqua"/>
+                <a:ea typeface="+mn-ea"/>
+                <a:cs typeface="Book Antiqua"/>
+              </a:defRPr>
+            </a:lvl2pPr>
+            <a:lvl3pPr marL="1143000" indent="-228600" algn="l" defTabSz="914400" rtl="0" eaLnBrk="1" latinLnBrk="0" hangingPunct="1">
+              <a:spcBef>
+                <a:spcPct val="20000"/>
+              </a:spcBef>
+              <a:buFont typeface="Arial" panose="020B0604020202020204" pitchFamily="34" charset="0"/>
+              <a:buChar char="•"/>
+              <a:defRPr sz="2400" kern="1200">
+                <a:solidFill>
+                  <a:schemeClr val="tx1"/>
+                </a:solidFill>
+                <a:latin typeface="Book Antiqua"/>
+                <a:ea typeface="+mn-ea"/>
+                <a:cs typeface="Book Antiqua"/>
+              </a:defRPr>
+            </a:lvl3pPr>
+            <a:lvl4pPr marL="1600200" indent="-228600" algn="l" defTabSz="914400" rtl="0" eaLnBrk="1" latinLnBrk="0" hangingPunct="1">
+              <a:spcBef>
+                <a:spcPct val="20000"/>
+              </a:spcBef>
+              <a:buFont typeface="Arial" panose="020B0604020202020204" pitchFamily="34" charset="0"/>
+              <a:buChar char="–"/>
+              <a:defRPr sz="2000" kern="1200">
+                <a:solidFill>
+                  <a:schemeClr val="tx1"/>
+                </a:solidFill>
+                <a:latin typeface="Book Antiqua"/>
+                <a:ea typeface="+mn-ea"/>
+                <a:cs typeface="Book Antiqua"/>
+              </a:defRPr>
+            </a:lvl4pPr>
+            <a:lvl5pPr marL="2057400" indent="-228600" algn="l" defTabSz="914400" rtl="0" eaLnBrk="1" latinLnBrk="0" hangingPunct="1">
+              <a:spcBef>
+                <a:spcPct val="20000"/>
+              </a:spcBef>
+              <a:buFont typeface="Arial" panose="020B0604020202020204" pitchFamily="34" charset="0"/>
+              <a:buChar char="»"/>
+              <a:defRPr sz="2000" kern="1200">
+                <a:solidFill>
+                  <a:schemeClr val="tx1"/>
+                </a:solidFill>
+                <a:latin typeface="Book Antiqua"/>
+                <a:ea typeface="+mn-ea"/>
+                <a:cs typeface="Book Antiqua"/>
+              </a:defRPr>
+            </a:lvl5pPr>
+            <a:lvl6pPr marL="2514600" indent="-228600" algn="l" defTabSz="914400" rtl="0" eaLnBrk="1" latinLnBrk="0" hangingPunct="1">
+              <a:spcBef>
+                <a:spcPct val="20000"/>
+              </a:spcBef>
+              <a:buFont typeface="Arial" panose="020B0604020202020204" pitchFamily="34" charset="0"/>
+              <a:buChar char="•"/>
+              <a:defRPr sz="2000" kern="1200">
+                <a:solidFill>
+                  <a:schemeClr val="tx1"/>
+                </a:solidFill>
+                <a:latin typeface="+mn-lt"/>
+                <a:ea typeface="+mn-ea"/>
+                <a:cs typeface="+mn-cs"/>
+              </a:defRPr>
+            </a:lvl6pPr>
+            <a:lvl7pPr marL="2971800" indent="-228600" algn="l" defTabSz="914400" rtl="0" eaLnBrk="1" latinLnBrk="0" hangingPunct="1">
+              <a:spcBef>
+                <a:spcPct val="20000"/>
+              </a:spcBef>
+              <a:buFont typeface="Arial" panose="020B0604020202020204" pitchFamily="34" charset="0"/>
+              <a:buChar char="•"/>
+              <a:defRPr sz="2000" kern="1200">
+                <a:solidFill>
+                  <a:schemeClr val="tx1"/>
+                </a:solidFill>
+                <a:latin typeface="+mn-lt"/>
+                <a:ea typeface="+mn-ea"/>
+                <a:cs typeface="+mn-cs"/>
+              </a:defRPr>
+            </a:lvl7pPr>
+            <a:lvl8pPr marL="3429000" indent="-228600" algn="l" defTabSz="914400" rtl="0" eaLnBrk="1" latinLnBrk="0" hangingPunct="1">
+              <a:spcBef>
+                <a:spcPct val="20000"/>
+              </a:spcBef>
+              <a:buFont typeface="Arial" panose="020B0604020202020204" pitchFamily="34" charset="0"/>
+              <a:buChar char="•"/>
+              <a:defRPr sz="2000" kern="1200">
+                <a:solidFill>
+                  <a:schemeClr val="tx1"/>
+                </a:solidFill>
+                <a:latin typeface="+mn-lt"/>
+                <a:ea typeface="+mn-ea"/>
+                <a:cs typeface="+mn-cs"/>
+              </a:defRPr>
+            </a:lvl8pPr>
+            <a:lvl9pPr marL="3886200" indent="-228600" algn="l" defTabSz="914400" rtl="0" eaLnBrk="1" latinLnBrk="0" hangingPunct="1">
+              <a:spcBef>
+                <a:spcPct val="20000"/>
+              </a:spcBef>
+              <a:buFont typeface="Arial" panose="020B0604020202020204" pitchFamily="34" charset="0"/>
+              <a:buChar char="•"/>
+              <a:defRPr sz="2000" kern="1200">
+                <a:solidFill>
+                  <a:schemeClr val="tx1"/>
+                </a:solidFill>
+                <a:latin typeface="+mn-lt"/>
+                <a:ea typeface="+mn-ea"/>
+                <a:cs typeface="+mn-cs"/>
+              </a:defRPr>
+            </a:lvl9pPr>
+          </a:lstStyle>
+          <a:p>
+            <a:pPr marL="0" indent="0">
+              <a:buFont typeface="Arial" panose="020B0604020202020204" pitchFamily="34" charset="0"/>
+              <a:buNone/>
+            </a:pPr>
+            <a:r>
+              <a:rPr lang="en-GB" dirty="0" smtClean="0"/>
+              <a:t>Results</a:t>
+            </a:r>
+            <a:endParaRPr lang="en-GB" dirty="0"/>
+          </a:p>
+        </p:txBody>
+      </p:sp>
+      <p:sp>
+        <p:nvSpPr>
+          <p:cNvPr id="10" name="TextBox 9"/>
+          <p:cNvSpPr txBox="1"/>
+          <p:nvPr/>
+        </p:nvSpPr>
+        <p:spPr>
+          <a:xfrm>
+            <a:off x="3419872" y="3991123"/>
+            <a:ext cx="3888432" cy="2462213"/>
+          </a:xfrm>
+          <a:prstGeom prst="rect">
+            <a:avLst/>
+          </a:prstGeom>
+          <a:noFill/>
+        </p:spPr>
+        <p:txBody>
+          <a:bodyPr wrap="square" rtlCol="0">
+            <a:spAutoFit/>
+          </a:bodyPr>
+          <a:lstStyle/>
+          <a:p>
+            <a:pPr algn="just"/>
+            <a:r>
+              <a:rPr lang="en-US" sz="1400" b="1" dirty="0" smtClean="0"/>
+              <a:t>Performance</a:t>
+            </a:r>
+          </a:p>
+          <a:p>
+            <a:pPr marL="285750" indent="-285750" algn="just">
+              <a:buFont typeface="Arial"/>
+              <a:buChar char="•"/>
+            </a:pPr>
+            <a:r>
+              <a:rPr lang="en-US" sz="1400" dirty="0" smtClean="0"/>
+              <a:t>Lower-quality decisions</a:t>
+            </a:r>
+          </a:p>
+          <a:p>
+            <a:pPr marL="285750" indent="-285750" algn="just">
+              <a:buFont typeface="Arial"/>
+              <a:buChar char="•"/>
+            </a:pPr>
+            <a:r>
+              <a:rPr lang="en-US" sz="1400" dirty="0" smtClean="0"/>
+              <a:t>Less innovation</a:t>
+            </a:r>
+          </a:p>
+          <a:p>
+            <a:pPr marL="285750" indent="-285750" algn="just">
+              <a:buFont typeface="Arial"/>
+              <a:buChar char="•"/>
+            </a:pPr>
+            <a:r>
+              <a:rPr lang="en-US" sz="1400" dirty="0" smtClean="0"/>
+              <a:t>Longer implementation time</a:t>
+            </a:r>
+          </a:p>
+          <a:p>
+            <a:pPr marL="285750" indent="-285750" algn="just">
+              <a:buFont typeface="Arial"/>
+              <a:buChar char="•"/>
+            </a:pPr>
+            <a:r>
+              <a:rPr lang="en-US" sz="1400" dirty="0" smtClean="0"/>
+              <a:t>Increased costs</a:t>
+            </a:r>
+          </a:p>
+          <a:p>
+            <a:pPr algn="just"/>
+            <a:endParaRPr lang="en-US" sz="1400" b="1" dirty="0"/>
+          </a:p>
+          <a:p>
+            <a:pPr algn="just"/>
+            <a:r>
+              <a:rPr lang="en-US" sz="1400" b="1" dirty="0" smtClean="0"/>
+              <a:t>Individual Well-Being</a:t>
+            </a:r>
+          </a:p>
+          <a:p>
+            <a:pPr marL="285750" indent="-285750" algn="just">
+              <a:buFont typeface="Arial"/>
+              <a:buChar char="•"/>
+            </a:pPr>
+            <a:r>
+              <a:rPr lang="en-US" sz="1400" dirty="0" smtClean="0"/>
+              <a:t>Reduced motivation</a:t>
+            </a:r>
+          </a:p>
+          <a:p>
+            <a:pPr marL="285750" indent="-285750" algn="just">
+              <a:buFont typeface="Arial"/>
+              <a:buChar char="•"/>
+            </a:pPr>
+            <a:r>
+              <a:rPr lang="en-US" sz="1400" dirty="0" smtClean="0"/>
+              <a:t>Decreased satisfaction</a:t>
+            </a:r>
+          </a:p>
+          <a:p>
+            <a:pPr marL="285750" indent="-285750" algn="just">
+              <a:buFont typeface="Arial"/>
+              <a:buChar char="•"/>
+            </a:pPr>
+            <a:r>
+              <a:rPr lang="en-US" sz="1400" dirty="0" smtClean="0"/>
+              <a:t>Limited development opportunities</a:t>
+            </a:r>
+          </a:p>
+          <a:p>
+            <a:pPr marL="285750" indent="-285750" algn="just">
+              <a:buFont typeface="Arial"/>
+              <a:buChar char="•"/>
+            </a:pPr>
+            <a:r>
+              <a:rPr lang="en-US" sz="1400" dirty="0" smtClean="0"/>
+              <a:t>Increased stress</a:t>
+            </a:r>
+            <a:endParaRPr lang="en-US" sz="1400" dirty="0"/>
+          </a:p>
+        </p:txBody>
+      </p:sp>
+      <p:sp>
+        <p:nvSpPr>
+          <p:cNvPr id="11" name="TextBox 10"/>
+          <p:cNvSpPr txBox="1"/>
+          <p:nvPr/>
+        </p:nvSpPr>
+        <p:spPr>
+          <a:xfrm>
+            <a:off x="5940152" y="3991123"/>
+            <a:ext cx="3312368" cy="1815882"/>
+          </a:xfrm>
+          <a:prstGeom prst="rect">
+            <a:avLst/>
+          </a:prstGeom>
+          <a:noFill/>
+        </p:spPr>
+        <p:txBody>
+          <a:bodyPr wrap="square" rtlCol="0">
+            <a:spAutoFit/>
+          </a:bodyPr>
+          <a:lstStyle/>
+          <a:p>
+            <a:pPr algn="just"/>
+            <a:r>
+              <a:rPr lang="en-US" sz="1400" b="1" dirty="0" smtClean="0"/>
+              <a:t>Working Relationships</a:t>
+            </a:r>
+          </a:p>
+          <a:p>
+            <a:pPr marL="285750" indent="-285750" algn="just">
+              <a:buFont typeface="Arial"/>
+              <a:buChar char="•"/>
+            </a:pPr>
+            <a:r>
+              <a:rPr lang="en-US" sz="1400" dirty="0" smtClean="0"/>
+              <a:t>Lower commitment</a:t>
+            </a:r>
+          </a:p>
+          <a:p>
+            <a:pPr marL="285750" indent="-285750" algn="just">
+              <a:buFont typeface="Arial"/>
+              <a:buChar char="•"/>
+            </a:pPr>
+            <a:r>
+              <a:rPr lang="en-US" sz="1400" dirty="0" smtClean="0"/>
+              <a:t>Decreased trust</a:t>
+            </a:r>
+          </a:p>
+          <a:p>
+            <a:pPr marL="285750" indent="-285750" algn="just">
+              <a:buFont typeface="Arial"/>
+              <a:buChar char="•"/>
+            </a:pPr>
+            <a:r>
+              <a:rPr lang="en-US" sz="1400" dirty="0" smtClean="0"/>
+              <a:t>Reduced learning</a:t>
+            </a:r>
+          </a:p>
+          <a:p>
+            <a:pPr marL="285750" indent="-285750" algn="just">
+              <a:buFont typeface="Arial"/>
+              <a:buChar char="•"/>
+            </a:pPr>
+            <a:r>
+              <a:rPr lang="en-US" sz="1400" dirty="0" smtClean="0"/>
+              <a:t>Greater defensiveness</a:t>
+            </a:r>
+          </a:p>
+          <a:p>
+            <a:pPr marL="285750" indent="-285750" algn="just">
+              <a:buFont typeface="Arial"/>
+              <a:buChar char="•"/>
+            </a:pPr>
+            <a:r>
+              <a:rPr lang="en-US" sz="1400" dirty="0" smtClean="0"/>
+              <a:t>Unproductive conflict</a:t>
+            </a:r>
+          </a:p>
+          <a:p>
+            <a:pPr marL="285750" indent="-285750" algn="just">
+              <a:buFont typeface="Arial"/>
+              <a:buChar char="•"/>
+            </a:pPr>
+            <a:r>
+              <a:rPr lang="en-US" sz="1400" dirty="0" smtClean="0"/>
+              <a:t>Inappropriate dependence on others</a:t>
+            </a:r>
+          </a:p>
+          <a:p>
+            <a:pPr marL="285750" indent="-285750" algn="just">
+              <a:buFont typeface="Arial"/>
+              <a:buChar char="•"/>
+            </a:pPr>
+            <a:endParaRPr lang="en-US" sz="1400" dirty="0"/>
+          </a:p>
+        </p:txBody>
+      </p:sp>
+      <p:cxnSp>
+        <p:nvCxnSpPr>
+          <p:cNvPr id="13" name="Straight Connector 12"/>
+          <p:cNvCxnSpPr/>
+          <p:nvPr/>
+        </p:nvCxnSpPr>
+        <p:spPr>
+          <a:xfrm>
+            <a:off x="3131840" y="966787"/>
+            <a:ext cx="0" cy="5445224"/>
+          </a:xfrm>
+          <a:prstGeom prst="line">
+            <a:avLst/>
+          </a:prstGeom>
+          <a:ln w="12700" cmpd="sng">
+            <a:solidFill>
+              <a:srgbClr val="000000"/>
+            </a:solidFill>
+            <a:prstDash val="solid"/>
+          </a:ln>
+        </p:spPr>
+        <p:style>
+          <a:lnRef idx="2">
+            <a:schemeClr val="accent1"/>
+          </a:lnRef>
+          <a:fillRef idx="0">
+            <a:schemeClr val="accent1"/>
+          </a:fillRef>
+          <a:effectRef idx="1">
+            <a:schemeClr val="accent1"/>
+          </a:effectRef>
+          <a:fontRef idx="minor">
+            <a:schemeClr val="tx1"/>
+          </a:fontRef>
+        </p:style>
+      </p:cxnSp>
+      <p:cxnSp>
+        <p:nvCxnSpPr>
+          <p:cNvPr id="14" name="Straight Connector 13"/>
+          <p:cNvCxnSpPr/>
+          <p:nvPr/>
+        </p:nvCxnSpPr>
+        <p:spPr>
+          <a:xfrm flipH="1" flipV="1">
+            <a:off x="3131840" y="3415059"/>
+            <a:ext cx="5760640" cy="13941"/>
+          </a:xfrm>
+          <a:prstGeom prst="line">
+            <a:avLst/>
+          </a:prstGeom>
+          <a:ln w="12700" cmpd="sng">
+            <a:solidFill>
+              <a:srgbClr val="000000"/>
+            </a:solidFill>
+            <a:prstDash val="solid"/>
+          </a:ln>
+        </p:spPr>
+        <p:style>
+          <a:lnRef idx="2">
+            <a:schemeClr val="accent1"/>
+          </a:lnRef>
+          <a:fillRef idx="0">
+            <a:schemeClr val="accent1"/>
+          </a:fillRef>
+          <a:effectRef idx="1">
+            <a:schemeClr val="accent1"/>
+          </a:effectRef>
+          <a:fontRef idx="minor">
+            <a:schemeClr val="tx1"/>
+          </a:fontRef>
+        </p:style>
+      </p:cxnSp>
+      <p:sp>
+        <p:nvSpPr>
+          <p:cNvPr id="18" name="TextBox 17"/>
+          <p:cNvSpPr txBox="1"/>
+          <p:nvPr/>
+        </p:nvSpPr>
+        <p:spPr>
+          <a:xfrm>
+            <a:off x="4068914" y="6453336"/>
+            <a:ext cx="5039590" cy="276999"/>
+          </a:xfrm>
+          <a:prstGeom prst="rect">
+            <a:avLst/>
+          </a:prstGeom>
+          <a:noFill/>
+        </p:spPr>
+        <p:txBody>
+          <a:bodyPr wrap="square" rtlCol="0">
+            <a:spAutoFit/>
+          </a:bodyPr>
+          <a:lstStyle/>
+          <a:p>
+            <a:pPr algn="r"/>
+            <a:r>
+              <a:rPr lang="en-US" sz="1200" i="1" dirty="0" smtClean="0"/>
+              <a:t>The Vicious Cycle of Unilateral Control by Roge</a:t>
+            </a:r>
+            <a:r>
+              <a:rPr lang="en-US" sz="1200" i="1" dirty="0" smtClean="0"/>
+              <a:t>r Schwarz</a:t>
+            </a:r>
+            <a:endParaRPr lang="en-US" sz="1200" i="1" dirty="0"/>
           </a:p>
         </p:txBody>
       </p:sp>
@@ -13902,9 +17392,342 @@
   <p:timing>
     <p:tnLst>
       <p:par>
-        <p:cTn id="1" dur="indefinite" restart="never" nodeType="tmRoot"/>
+        <p:cTn xmlns:p14="http://schemas.microsoft.com/office/powerpoint/2010/main" id="1" dur="indefinite" restart="never" nodeType="tmRoot">
+          <p:childTnLst>
+            <p:seq concurrent="1" nextAc="seek">
+              <p:cTn id="2" dur="indefinite" nodeType="mainSeq">
+                <p:childTnLst>
+                  <p:par>
+                    <p:cTn id="3" fill="hold">
+                      <p:stCondLst>
+                        <p:cond delay="indefinite"/>
+                      </p:stCondLst>
+                      <p:childTnLst>
+                        <p:par>
+                          <p:cTn id="4" fill="hold">
+                            <p:stCondLst>
+                              <p:cond delay="0"/>
+                            </p:stCondLst>
+                            <p:childTnLst>
+                              <p:par>
+                                <p:cTn id="5" presetID="1" presetClass="entr" presetSubtype="0" fill="hold" grpId="0" nodeType="clickEffect">
+                                  <p:stCondLst>
+                                    <p:cond delay="0"/>
+                                  </p:stCondLst>
+                                  <p:childTnLst>
+                                    <p:set>
+                                      <p:cBhvr>
+                                        <p:cTn id="6" dur="1" fill="hold">
+                                          <p:stCondLst>
+                                            <p:cond delay="0"/>
+                                          </p:stCondLst>
+                                        </p:cTn>
+                                        <p:tgtEl>
+                                          <p:spTgt spid="10"/>
+                                        </p:tgtEl>
+                                        <p:attrNameLst>
+                                          <p:attrName>style.visibility</p:attrName>
+                                        </p:attrNameLst>
+                                      </p:cBhvr>
+                                      <p:to>
+                                        <p:strVal val="visible"/>
+                                      </p:to>
+                                    </p:set>
+                                  </p:childTnLst>
+                                </p:cTn>
+                              </p:par>
+                              <p:par>
+                                <p:cTn id="7" presetID="1" presetClass="entr" presetSubtype="0" fill="hold" grpId="0" nodeType="withEffect">
+                                  <p:stCondLst>
+                                    <p:cond delay="0"/>
+                                  </p:stCondLst>
+                                  <p:childTnLst>
+                                    <p:set>
+                                      <p:cBhvr>
+                                        <p:cTn id="8" dur="1" fill="hold">
+                                          <p:stCondLst>
+                                            <p:cond delay="0"/>
+                                          </p:stCondLst>
+                                        </p:cTn>
+                                        <p:tgtEl>
+                                          <p:spTgt spid="11"/>
+                                        </p:tgtEl>
+                                        <p:attrNameLst>
+                                          <p:attrName>style.visibility</p:attrName>
+                                        </p:attrNameLst>
+                                      </p:cBhvr>
+                                      <p:to>
+                                        <p:strVal val="visible"/>
+                                      </p:to>
+                                    </p:set>
+                                  </p:childTnLst>
+                                </p:cTn>
+                              </p:par>
+                              <p:par>
+                                <p:cTn id="9" presetID="1" presetClass="entr" presetSubtype="0" fill="hold" grpId="1" nodeType="withEffect">
+                                  <p:stCondLst>
+                                    <p:cond delay="0"/>
+                                  </p:stCondLst>
+                                  <p:childTnLst>
+                                    <p:set>
+                                      <p:cBhvr>
+                                        <p:cTn id="10" dur="1" fill="hold">
+                                          <p:stCondLst>
+                                            <p:cond delay="0"/>
+                                          </p:stCondLst>
+                                        </p:cTn>
+                                        <p:tgtEl>
+                                          <p:spTgt spid="8"/>
+                                        </p:tgtEl>
+                                        <p:attrNameLst>
+                                          <p:attrName>style.visibility</p:attrName>
+                                        </p:attrNameLst>
+                                      </p:cBhvr>
+                                      <p:to>
+                                        <p:strVal val="visible"/>
+                                      </p:to>
+                                    </p:set>
+                                  </p:childTnLst>
+                                </p:cTn>
+                              </p:par>
+                            </p:childTnLst>
+                          </p:cTn>
+                        </p:par>
+                      </p:childTnLst>
+                    </p:cTn>
+                  </p:par>
+                  <p:par>
+                    <p:cTn id="11" fill="hold">
+                      <p:stCondLst>
+                        <p:cond delay="indefinite"/>
+                      </p:stCondLst>
+                      <p:childTnLst>
+                        <p:par>
+                          <p:cTn id="12" fill="hold">
+                            <p:stCondLst>
+                              <p:cond delay="0"/>
+                            </p:stCondLst>
+                            <p:childTnLst>
+                              <p:par>
+                                <p:cTn id="13" presetID="1" presetClass="entr" presetSubtype="0" fill="hold" grpId="0" nodeType="clickEffect">
+                                  <p:stCondLst>
+                                    <p:cond delay="0"/>
+                                  </p:stCondLst>
+                                  <p:childTnLst>
+                                    <p:set>
+                                      <p:cBhvr>
+                                        <p:cTn id="14" dur="1" fill="hold">
+                                          <p:stCondLst>
+                                            <p:cond delay="0"/>
+                                          </p:stCondLst>
+                                        </p:cTn>
+                                        <p:tgtEl>
+                                          <p:spTgt spid="6"/>
+                                        </p:tgtEl>
+                                        <p:attrNameLst>
+                                          <p:attrName>style.visibility</p:attrName>
+                                        </p:attrNameLst>
+                                      </p:cBhvr>
+                                      <p:to>
+                                        <p:strVal val="visible"/>
+                                      </p:to>
+                                    </p:set>
+                                  </p:childTnLst>
+                                </p:cTn>
+                              </p:par>
+                              <p:par>
+                                <p:cTn id="15" presetID="1" presetClass="entr" presetSubtype="0" fill="hold" grpId="0" nodeType="withEffect">
+                                  <p:stCondLst>
+                                    <p:cond delay="0"/>
+                                  </p:stCondLst>
+                                  <p:childTnLst>
+                                    <p:set>
+                                      <p:cBhvr>
+                                        <p:cTn id="16" dur="1" fill="hold">
+                                          <p:stCondLst>
+                                            <p:cond delay="0"/>
+                                          </p:stCondLst>
+                                        </p:cTn>
+                                        <p:tgtEl>
+                                          <p:spTgt spid="7"/>
+                                        </p:tgtEl>
+                                        <p:attrNameLst>
+                                          <p:attrName>style.visibility</p:attrName>
+                                        </p:attrNameLst>
+                                      </p:cBhvr>
+                                      <p:to>
+                                        <p:strVal val="visible"/>
+                                      </p:to>
+                                    </p:set>
+                                  </p:childTnLst>
+                                </p:cTn>
+                              </p:par>
+                              <p:par>
+                                <p:cTn id="17" presetID="1" presetClass="entr" presetSubtype="0" fill="hold" nodeType="withEffect">
+                                  <p:stCondLst>
+                                    <p:cond delay="0"/>
+                                  </p:stCondLst>
+                                  <p:childTnLst>
+                                    <p:set>
+                                      <p:cBhvr>
+                                        <p:cTn id="18" dur="1" fill="hold">
+                                          <p:stCondLst>
+                                            <p:cond delay="0"/>
+                                          </p:stCondLst>
+                                        </p:cTn>
+                                        <p:tgtEl>
+                                          <p:spTgt spid="14"/>
+                                        </p:tgtEl>
+                                        <p:attrNameLst>
+                                          <p:attrName>style.visibility</p:attrName>
+                                        </p:attrNameLst>
+                                      </p:cBhvr>
+                                      <p:to>
+                                        <p:strVal val="visible"/>
+                                      </p:to>
+                                    </p:set>
+                                  </p:childTnLst>
+                                </p:cTn>
+                              </p:par>
+                            </p:childTnLst>
+                          </p:cTn>
+                        </p:par>
+                      </p:childTnLst>
+                    </p:cTn>
+                  </p:par>
+                  <p:par>
+                    <p:cTn id="19" fill="hold">
+                      <p:stCondLst>
+                        <p:cond delay="indefinite"/>
+                      </p:stCondLst>
+                      <p:childTnLst>
+                        <p:par>
+                          <p:cTn id="20" fill="hold">
+                            <p:stCondLst>
+                              <p:cond delay="0"/>
+                            </p:stCondLst>
+                            <p:childTnLst>
+                              <p:par>
+                                <p:cTn id="21" presetID="1" presetClass="entr" presetSubtype="0" fill="hold" nodeType="clickEffect">
+                                  <p:stCondLst>
+                                    <p:cond delay="0"/>
+                                  </p:stCondLst>
+                                  <p:childTnLst>
+                                    <p:set>
+                                      <p:cBhvr>
+                                        <p:cTn id="22" dur="1" fill="hold">
+                                          <p:stCondLst>
+                                            <p:cond delay="0"/>
+                                          </p:stCondLst>
+                                        </p:cTn>
+                                        <p:tgtEl>
+                                          <p:spTgt spid="13"/>
+                                        </p:tgtEl>
+                                        <p:attrNameLst>
+                                          <p:attrName>style.visibility</p:attrName>
+                                        </p:attrNameLst>
+                                      </p:cBhvr>
+                                      <p:to>
+                                        <p:strVal val="visible"/>
+                                      </p:to>
+                                    </p:set>
+                                  </p:childTnLst>
+                                </p:cTn>
+                              </p:par>
+                              <p:par>
+                                <p:cTn id="23" presetID="1" presetClass="entr" presetSubtype="0" fill="hold" grpId="0" nodeType="withEffect">
+                                  <p:stCondLst>
+                                    <p:cond delay="0"/>
+                                  </p:stCondLst>
+                                  <p:childTnLst>
+                                    <p:set>
+                                      <p:cBhvr>
+                                        <p:cTn id="24" dur="1" fill="hold">
+                                          <p:stCondLst>
+                                            <p:cond delay="0"/>
+                                          </p:stCondLst>
+                                        </p:cTn>
+                                        <p:tgtEl>
+                                          <p:spTgt spid="3">
+                                            <p:txEl>
+                                              <p:pRg st="0" end="0"/>
+                                            </p:txEl>
+                                          </p:spTgt>
+                                        </p:tgtEl>
+                                        <p:attrNameLst>
+                                          <p:attrName>style.visibility</p:attrName>
+                                        </p:attrNameLst>
+                                      </p:cBhvr>
+                                      <p:to>
+                                        <p:strVal val="visible"/>
+                                      </p:to>
+                                    </p:set>
+                                  </p:childTnLst>
+                                </p:cTn>
+                              </p:par>
+                              <p:par>
+                                <p:cTn id="25" presetID="1" presetClass="entr" presetSubtype="0" fill="hold" grpId="0" nodeType="withEffect">
+                                  <p:stCondLst>
+                                    <p:cond delay="0"/>
+                                  </p:stCondLst>
+                                  <p:childTnLst>
+                                    <p:set>
+                                      <p:cBhvr>
+                                        <p:cTn id="26" dur="1" fill="hold">
+                                          <p:stCondLst>
+                                            <p:cond delay="0"/>
+                                          </p:stCondLst>
+                                        </p:cTn>
+                                        <p:tgtEl>
+                                          <p:spTgt spid="4"/>
+                                        </p:tgtEl>
+                                        <p:attrNameLst>
+                                          <p:attrName>style.visibility</p:attrName>
+                                        </p:attrNameLst>
+                                      </p:cBhvr>
+                                      <p:to>
+                                        <p:strVal val="visible"/>
+                                      </p:to>
+                                    </p:set>
+                                  </p:childTnLst>
+                                </p:cTn>
+                              </p:par>
+                            </p:childTnLst>
+                          </p:cTn>
+                        </p:par>
+                      </p:childTnLst>
+                    </p:cTn>
+                  </p:par>
+                </p:childTnLst>
+              </p:cTn>
+              <p:prevCondLst>
+                <p:cond evt="onPrev" delay="0">
+                  <p:tgtEl>
+                    <p:sldTgt/>
+                  </p:tgtEl>
+                </p:cond>
+              </p:prevCondLst>
+              <p:nextCondLst>
+                <p:cond evt="onNext" delay="0">
+                  <p:tgtEl>
+                    <p:sldTgt/>
+                  </p:tgtEl>
+                </p:cond>
+              </p:nextCondLst>
+            </p:seq>
+          </p:childTnLst>
+        </p:cTn>
       </p:par>
     </p:tnLst>
+    <p:bldLst>
+      <p:bldP spid="3" grpId="0" build="p"/>
+      <p:bldP spid="4" grpId="0"/>
+      <p:bldP spid="6" grpId="0"/>
+      <p:bldP spid="7" grpId="0"/>
+      <p:bldP spid="8" grpId="1"/>
+      <p:bldP spid="10" grpId="0"/>
+      <p:bldP spid="11" grpId="0"/>
+    </p:bldLst>
   </p:timing>
 </p:sld>
 </file>

--- a/The Fellowship of the Ring.pptx
+++ b/The Fellowship of the Ring.pptx
@@ -43,7 +43,7 @@
     <p:sldId id="286" r:id="rId34"/>
   </p:sldIdLst>
   <p:sldSz cx="9144000" cy="6858000" type="screen4x3"/>
-  <p:notesSz cx="6858000" cy="9144000"/>
+  <p:notesSz cx="6819900" cy="9918700"/>
   <p:defaultTextStyle>
     <a:defPPr>
       <a:defRPr lang="en-US"/>
@@ -176,8 +176,8 @@
         </p:nvSpPr>
         <p:spPr>
           <a:xfrm>
-            <a:off x="0" y="0"/>
-            <a:ext cx="2971800" cy="457200"/>
+            <a:off x="0" y="1"/>
+            <a:ext cx="2955290" cy="495935"/>
           </a:xfrm>
           <a:prstGeom prst="rect">
             <a:avLst/>
@@ -191,7 +191,7 @@
             </a:lvl1pPr>
           </a:lstStyle>
           <a:p>
-            <a:endParaRPr lang="en-GB"/>
+            <a:endParaRPr lang="en-GB" dirty="0"/>
           </a:p>
         </p:txBody>
       </p:sp>
@@ -207,8 +207,8 @@
         </p:nvSpPr>
         <p:spPr>
           <a:xfrm>
-            <a:off x="3884613" y="0"/>
-            <a:ext cx="2971800" cy="457200"/>
+            <a:off x="3863032" y="1"/>
+            <a:ext cx="2955290" cy="495935"/>
           </a:xfrm>
           <a:prstGeom prst="rect">
             <a:avLst/>
@@ -226,7 +226,7 @@
               <a:rPr lang="en-GB" smtClean="0"/>
               <a:t>22/09/2015</a:t>
             </a:fld>
-            <a:endParaRPr lang="en-GB"/>
+            <a:endParaRPr lang="en-GB" dirty="0"/>
           </a:p>
         </p:txBody>
       </p:sp>
@@ -242,8 +242,8 @@
         </p:nvSpPr>
         <p:spPr>
           <a:xfrm>
-            <a:off x="1143000" y="685800"/>
-            <a:ext cx="4572000" cy="3429000"/>
+            <a:off x="931863" y="742950"/>
+            <a:ext cx="4957762" cy="3719513"/>
           </a:xfrm>
           <a:prstGeom prst="rect">
             <a:avLst/>
@@ -259,7 +259,7 @@
           <a:bodyPr vert="horz" lIns="91440" tIns="45720" rIns="91440" bIns="45720" rtlCol="0" anchor="ctr"/>
           <a:lstStyle/>
           <a:p>
-            <a:endParaRPr lang="en-GB"/>
+            <a:endParaRPr lang="en-GB" dirty="0"/>
           </a:p>
         </p:txBody>
       </p:sp>
@@ -275,8 +275,8 @@
         </p:nvSpPr>
         <p:spPr>
           <a:xfrm>
-            <a:off x="685800" y="4343400"/>
-            <a:ext cx="5486400" cy="4114800"/>
+            <a:off x="681990" y="4711383"/>
+            <a:ext cx="5455920" cy="4463415"/>
           </a:xfrm>
           <a:prstGeom prst="rect">
             <a:avLst/>
@@ -335,8 +335,8 @@
         </p:nvSpPr>
         <p:spPr>
           <a:xfrm>
-            <a:off x="0" y="8685213"/>
-            <a:ext cx="2971800" cy="457200"/>
+            <a:off x="0" y="9421045"/>
+            <a:ext cx="2955290" cy="495935"/>
           </a:xfrm>
           <a:prstGeom prst="rect">
             <a:avLst/>
@@ -350,7 +350,7 @@
             </a:lvl1pPr>
           </a:lstStyle>
           <a:p>
-            <a:endParaRPr lang="en-GB"/>
+            <a:endParaRPr lang="en-GB" dirty="0"/>
           </a:p>
         </p:txBody>
       </p:sp>
@@ -366,8 +366,8 @@
         </p:nvSpPr>
         <p:spPr>
           <a:xfrm>
-            <a:off x="3884613" y="8685213"/>
-            <a:ext cx="2971800" cy="457200"/>
+            <a:off x="3863032" y="9421045"/>
+            <a:ext cx="2955290" cy="495935"/>
           </a:xfrm>
           <a:prstGeom prst="rect">
             <a:avLst/>
@@ -385,7 +385,7 @@
               <a:rPr lang="en-GB" smtClean="0"/>
               <a:t>‹#›</a:t>
             </a:fld>
-            <a:endParaRPr lang="en-GB"/>
+            <a:endParaRPr lang="en-GB" dirty="0"/>
           </a:p>
         </p:txBody>
       </p:sp>
@@ -536,7 +536,7 @@
           <a:bodyPr/>
           <a:lstStyle/>
           <a:p>
-            <a:endParaRPr lang="en-US"/>
+            <a:endParaRPr lang="en-US" dirty="0"/>
           </a:p>
         </p:txBody>
       </p:sp>
@@ -559,7 +559,7 @@
               <a:rPr lang="en-GB" smtClean="0"/>
               <a:t>1</a:t>
             </a:fld>
-            <a:endParaRPr lang="en-GB"/>
+            <a:endParaRPr lang="en-GB" dirty="0"/>
           </a:p>
         </p:txBody>
       </p:sp>
@@ -643,7 +643,7 @@
               <a:rPr lang="en-GB" smtClean="0"/>
               <a:t>10</a:t>
             </a:fld>
-            <a:endParaRPr lang="en-GB"/>
+            <a:endParaRPr lang="en-GB" dirty="0"/>
           </a:p>
         </p:txBody>
       </p:sp>
@@ -750,7 +750,7 @@
               <a:rPr lang="en-GB" smtClean="0"/>
               <a:t>11</a:t>
             </a:fld>
-            <a:endParaRPr lang="en-GB"/>
+            <a:endParaRPr lang="en-GB" dirty="0"/>
           </a:p>
         </p:txBody>
       </p:sp>
@@ -811,7 +811,7 @@
           <a:bodyPr/>
           <a:lstStyle/>
           <a:p>
-            <a:endParaRPr lang="en-US"/>
+            <a:endParaRPr lang="en-US" dirty="0"/>
           </a:p>
         </p:txBody>
       </p:sp>
@@ -834,7 +834,7 @@
               <a:rPr lang="en-GB" smtClean="0"/>
               <a:t>12</a:t>
             </a:fld>
-            <a:endParaRPr lang="en-GB"/>
+            <a:endParaRPr lang="en-GB" dirty="0"/>
           </a:p>
         </p:txBody>
       </p:sp>
@@ -914,23 +914,7 @@
             </a:pPr>
             <a:r>
               <a:rPr lang="en-US" i="0" dirty="0" smtClean="0"/>
-              <a:t>The Mutual Learning approach draws from Chris </a:t>
-            </a:r>
-            <a:r>
-              <a:rPr lang="en-US" i="0" dirty="0" err="1" smtClean="0"/>
-              <a:t>Argyris</a:t>
-            </a:r>
-            <a:r>
-              <a:rPr lang="en-US" i="0" dirty="0" smtClean="0"/>
-              <a:t> and Don </a:t>
-            </a:r>
-            <a:r>
-              <a:rPr lang="en-US" i="0" dirty="0" err="1" smtClean="0"/>
-              <a:t>Schön’s</a:t>
-            </a:r>
-            <a:r>
-              <a:rPr lang="en-US" i="0" dirty="0" smtClean="0"/>
-              <a:t> Model II work, as well as the work of Bob Putnam, Diana Smith and Phil MacArthur at Action Design, who originally used the term Mutual Learning Model.</a:t>
+              <a:t>The Mutual Learning approach draws from Chris Argyris and Don Schön’s Model II work, as well as the work of Bob Putnam, Diana Smith and Phil MacArthur at Action Design, who originally used the term Mutual Learning Model.</a:t>
             </a:r>
           </a:p>
           <a:p>
@@ -939,23 +923,11 @@
           <a:p>
             <a:r>
               <a:rPr lang="en-GB" dirty="0" smtClean="0"/>
-              <a:t>Combine Chris </a:t>
-            </a:r>
-            <a:r>
-              <a:rPr lang="en-GB" dirty="0" err="1" smtClean="0"/>
-              <a:t>Argyris's</a:t>
+              <a:t>Combine Chris Argyris's</a:t>
             </a:r>
             <a:r>
               <a:rPr lang="en-GB" baseline="0" dirty="0" smtClean="0"/>
-              <a:t> Model 1: Unilateral Control </a:t>
-            </a:r>
-            <a:r>
-              <a:rPr lang="en-GB" baseline="0" dirty="0" err="1" smtClean="0"/>
-              <a:t>vs</a:t>
-            </a:r>
-            <a:r>
-              <a:rPr lang="en-GB" baseline="0" dirty="0" smtClean="0"/>
-              <a:t> Model 2: Mutual Learning Model</a:t>
+              <a:t> Model 1: Unilateral Control vs Model 2: Mutual Learning Model</a:t>
             </a:r>
           </a:p>
           <a:p>
@@ -1012,15 +984,7 @@
           <a:p>
             <a:r>
               <a:rPr lang="en-GB" baseline="0" dirty="0" smtClean="0"/>
-              <a:t>- Fundamentally, it's important to change your </a:t>
-            </a:r>
-            <a:r>
-              <a:rPr lang="en-GB" baseline="0" dirty="0" err="1" smtClean="0"/>
-              <a:t>mindset</a:t>
-            </a:r>
-            <a:r>
-              <a:rPr lang="en-GB" baseline="0" dirty="0" smtClean="0"/>
-              <a:t> in order to change behaviour to have long-term results.</a:t>
+              <a:t>- Fundamentally, it's important to change your mindset in order to change behaviour to have long-term results.</a:t>
             </a:r>
           </a:p>
           <a:p>
@@ -1035,29 +999,13 @@
           <a:p>
             <a:r>
               <a:rPr lang="en-GB" baseline="0" dirty="0" smtClean="0"/>
-              <a:t>Your </a:t>
-            </a:r>
-            <a:r>
-              <a:rPr lang="en-GB" baseline="0" dirty="0" err="1" smtClean="0"/>
-              <a:t>mindset</a:t>
-            </a:r>
+              <a:t>Your mindset = Operating system (Windows)</a:t>
+            </a:r>
+          </a:p>
+          <a:p>
             <a:r>
               <a:rPr lang="en-GB" baseline="0" dirty="0" smtClean="0"/>
-              <a:t> = Operating system (Windows)</a:t>
-            </a:r>
-          </a:p>
-          <a:p>
-            <a:r>
-              <a:rPr lang="en-GB" baseline="0" dirty="0" smtClean="0"/>
-              <a:t>Your behaviours = Application software (</a:t>
-            </a:r>
-            <a:r>
-              <a:rPr lang="en-GB" baseline="0" dirty="0" err="1" smtClean="0"/>
-              <a:t>eg</a:t>
-            </a:r>
-            <a:r>
-              <a:rPr lang="en-GB" baseline="0" dirty="0" smtClean="0"/>
-              <a:t> Word)</a:t>
+              <a:t>Your behaviours = Application software (eg Word)</a:t>
             </a:r>
           </a:p>
           <a:p>
@@ -1087,7 +1035,7 @@
               <a:rPr lang="en-GB" smtClean="0"/>
               <a:t>13</a:t>
             </a:fld>
-            <a:endParaRPr lang="en-GB"/>
+            <a:endParaRPr lang="en-GB" dirty="0"/>
           </a:p>
         </p:txBody>
       </p:sp>
@@ -1212,7 +1160,7 @@
               <a:rPr lang="en-GB" smtClean="0"/>
               <a:t>14</a:t>
             </a:fld>
-            <a:endParaRPr lang="en-GB"/>
+            <a:endParaRPr lang="en-GB" dirty="0"/>
           </a:p>
         </p:txBody>
       </p:sp>
@@ -1273,884 +1221,7 @@
           <a:bodyPr/>
           <a:lstStyle/>
           <a:p>
-            <a:pPr marL="0" marR="0" indent="0" algn="l" defTabSz="457200" rtl="0" eaLnBrk="1" fontAlgn="auto" latinLnBrk="0" hangingPunct="1">
-              <a:lnSpc>
-                <a:spcPct val="100000"/>
-              </a:lnSpc>
-              <a:spcBef>
-                <a:spcPts val="0"/>
-              </a:spcBef>
-              <a:spcAft>
-                <a:spcPts val="0"/>
-              </a:spcAft>
-              <a:buClrTx/>
-              <a:buSzTx/>
-              <a:buFontTx/>
-              <a:buNone/>
-              <a:tabLst/>
-              <a:defRPr/>
-            </a:pPr>
-            <a:r>
-              <a:rPr lang="en-US" sz="1000" i="0" baseline="0" dirty="0" smtClean="0"/>
-              <a:t>Hypothesis can be proven by comparing expected results from Virtual Cycle of Mutual Learning.</a:t>
-            </a:r>
-          </a:p>
-          <a:p>
-            <a:pPr marL="0" marR="0" indent="0" algn="l" defTabSz="457200" rtl="0" eaLnBrk="1" fontAlgn="auto" latinLnBrk="0" hangingPunct="1">
-              <a:lnSpc>
-                <a:spcPct val="100000"/>
-              </a:lnSpc>
-              <a:spcBef>
-                <a:spcPts val="0"/>
-              </a:spcBef>
-              <a:spcAft>
-                <a:spcPts val="0"/>
-              </a:spcAft>
-              <a:buClrTx/>
-              <a:buSzTx/>
-              <a:buFontTx/>
-              <a:buNone/>
-              <a:tabLst/>
-              <a:defRPr/>
-            </a:pPr>
-            <a:endParaRPr lang="en-US" sz="1000" i="0" baseline="0" dirty="0" smtClean="0"/>
-          </a:p>
-          <a:p>
-            <a:r>
-              <a:rPr lang="en-US" sz="1000" baseline="0" dirty="0" smtClean="0"/>
-              <a:t>About the Mutual Learning Scale:</a:t>
-            </a:r>
-          </a:p>
-          <a:p>
-            <a:pPr marL="171450" indent="-171450">
-              <a:buFont typeface="Arial"/>
-              <a:buChar char="•"/>
-            </a:pPr>
-            <a:r>
-              <a:rPr lang="en-US" sz="1000" baseline="0" dirty="0" smtClean="0"/>
-              <a:t>The first 5 statements are the assumptions from Chris </a:t>
-            </a:r>
-            <a:r>
-              <a:rPr lang="en-US" sz="1000" baseline="0" dirty="0" err="1" smtClean="0"/>
-              <a:t>Argyris’s</a:t>
-            </a:r>
-            <a:r>
-              <a:rPr lang="en-US" sz="1000" baseline="0" dirty="0" smtClean="0"/>
-              <a:t> Mutual Learning Mindset</a:t>
-            </a:r>
-          </a:p>
-          <a:p>
-            <a:pPr marL="171450" indent="-171450">
-              <a:buFont typeface="Arial"/>
-              <a:buChar char="•"/>
-            </a:pPr>
-            <a:r>
-              <a:rPr lang="en-US" sz="1000" baseline="0" dirty="0" smtClean="0"/>
-              <a:t>The next 8 statements are the </a:t>
-            </a:r>
-            <a:r>
-              <a:rPr lang="en-US" sz="1000" baseline="0" dirty="0" err="1" smtClean="0"/>
-              <a:t>behaviours</a:t>
-            </a:r>
-            <a:r>
-              <a:rPr lang="en-US" sz="1000" baseline="0" dirty="0" smtClean="0"/>
-              <a:t> from Schwarz.</a:t>
-            </a:r>
-          </a:p>
-          <a:p>
-            <a:pPr marL="171450" indent="-171450">
-              <a:buFont typeface="Arial"/>
-              <a:buChar char="•"/>
-            </a:pPr>
-            <a:endParaRPr lang="en-US" sz="1000" baseline="0" dirty="0" smtClean="0"/>
-          </a:p>
-          <a:p>
-            <a:pPr marL="0" indent="0">
-              <a:buFont typeface="Arial"/>
-              <a:buNone/>
-            </a:pPr>
-            <a:r>
-              <a:rPr lang="en-US" sz="1000" baseline="0" dirty="0" smtClean="0"/>
-              <a:t>How does the scoring work?</a:t>
-            </a:r>
-          </a:p>
-          <a:p>
-            <a:pPr marL="0" indent="0">
-              <a:buFont typeface="Arial"/>
-              <a:buNone/>
-            </a:pPr>
-            <a:endParaRPr lang="en-US" sz="1000" baseline="0" dirty="0" smtClean="0"/>
-          </a:p>
-          <a:p>
-            <a:pPr marL="0" indent="0">
-              <a:buFont typeface="Arial"/>
-              <a:buNone/>
-            </a:pPr>
-            <a:r>
-              <a:rPr lang="en-US" sz="1000" baseline="0" dirty="0" smtClean="0"/>
-              <a:t>Score for mindset range from:</a:t>
-            </a:r>
-          </a:p>
-          <a:p>
-            <a:pPr marL="171450" indent="-171450">
-              <a:buFont typeface="Arial"/>
-              <a:buChar char="•"/>
-            </a:pPr>
-            <a:r>
-              <a:rPr lang="en-US" sz="1000" baseline="0" dirty="0" smtClean="0"/>
-              <a:t>5 = Don’t apply values</a:t>
-            </a:r>
-          </a:p>
-          <a:p>
-            <a:pPr marL="171450" indent="-171450">
-              <a:buFont typeface="Arial"/>
-              <a:buChar char="•"/>
-            </a:pPr>
-            <a:r>
-              <a:rPr lang="en-US" sz="1000" baseline="0" dirty="0" smtClean="0"/>
-              <a:t>10 = Rarely apply values</a:t>
-            </a:r>
-          </a:p>
-          <a:p>
-            <a:pPr marL="171450" indent="-171450">
-              <a:buFont typeface="Arial"/>
-              <a:buChar char="•"/>
-            </a:pPr>
-            <a:r>
-              <a:rPr lang="en-US" sz="1000" baseline="0" dirty="0" smtClean="0"/>
-              <a:t>15 = Mostly apply values</a:t>
-            </a:r>
-          </a:p>
-          <a:p>
-            <a:pPr marL="171450" indent="-171450">
-              <a:buFont typeface="Arial"/>
-              <a:buChar char="•"/>
-            </a:pPr>
-            <a:r>
-              <a:rPr lang="en-US" sz="1000" baseline="0" dirty="0" smtClean="0"/>
-              <a:t>20 = Always apply values</a:t>
-            </a:r>
-          </a:p>
-          <a:p>
-            <a:pPr marL="0" indent="0">
-              <a:buFont typeface="Arial"/>
-              <a:buNone/>
-            </a:pPr>
-            <a:endParaRPr lang="en-US" sz="1000" baseline="0" dirty="0" smtClean="0"/>
-          </a:p>
-          <a:p>
-            <a:pPr marL="0" indent="0">
-              <a:buFont typeface="Arial"/>
-              <a:buNone/>
-            </a:pPr>
-            <a:r>
-              <a:rPr lang="en-US" sz="1000" baseline="0" dirty="0" smtClean="0"/>
-              <a:t>Score for </a:t>
-            </a:r>
-            <a:r>
-              <a:rPr lang="en-US" sz="1000" baseline="0" dirty="0" err="1" smtClean="0"/>
-              <a:t>behaviours</a:t>
-            </a:r>
-            <a:r>
-              <a:rPr lang="en-US" sz="1000" baseline="0" dirty="0" smtClean="0"/>
-              <a:t> range from:</a:t>
-            </a:r>
-          </a:p>
-          <a:p>
-            <a:pPr marL="0" indent="0">
-              <a:buFont typeface="Arial"/>
-              <a:buNone/>
-            </a:pPr>
-            <a:r>
-              <a:rPr lang="en-US" sz="1000" baseline="0" dirty="0" smtClean="0"/>
-              <a:t>8 = Don’t apply </a:t>
-            </a:r>
-            <a:r>
-              <a:rPr lang="en-US" sz="1000" baseline="0" dirty="0" err="1" smtClean="0"/>
-              <a:t>behaviours</a:t>
-            </a:r>
-            <a:endParaRPr lang="en-US" sz="1000" baseline="0" dirty="0" smtClean="0"/>
-          </a:p>
-          <a:p>
-            <a:pPr marL="0" indent="0">
-              <a:buFont typeface="Arial"/>
-              <a:buNone/>
-            </a:pPr>
-            <a:r>
-              <a:rPr lang="en-US" sz="1000" baseline="0" dirty="0" smtClean="0"/>
-              <a:t>16 = Rarely apply </a:t>
-            </a:r>
-            <a:r>
-              <a:rPr lang="en-US" sz="1000" baseline="0" dirty="0" err="1" smtClean="0"/>
-              <a:t>behaviours</a:t>
-            </a:r>
-            <a:endParaRPr lang="en-US" sz="1000" baseline="0" dirty="0" smtClean="0"/>
-          </a:p>
-          <a:p>
-            <a:pPr marL="0" indent="0">
-              <a:buFont typeface="Arial"/>
-              <a:buNone/>
-            </a:pPr>
-            <a:r>
-              <a:rPr lang="en-US" sz="1000" baseline="0" dirty="0" smtClean="0"/>
-              <a:t>24 = Mostly apply </a:t>
-            </a:r>
-            <a:r>
-              <a:rPr lang="en-US" sz="1000" baseline="0" dirty="0" err="1" smtClean="0"/>
-              <a:t>behaviours</a:t>
-            </a:r>
-            <a:endParaRPr lang="en-US" sz="1000" baseline="0" dirty="0" smtClean="0"/>
-          </a:p>
-          <a:p>
-            <a:pPr marL="0" indent="0">
-              <a:buFont typeface="Arial"/>
-              <a:buNone/>
-            </a:pPr>
-            <a:r>
-              <a:rPr lang="en-US" sz="1000" baseline="0" dirty="0" smtClean="0"/>
-              <a:t>32 = Always apply </a:t>
-            </a:r>
-            <a:r>
-              <a:rPr lang="en-US" sz="1000" baseline="0" dirty="0" err="1" smtClean="0"/>
-              <a:t>behaviours</a:t>
-            </a:r>
-            <a:endParaRPr lang="en-US" sz="1000" baseline="0" dirty="0" smtClean="0"/>
-          </a:p>
-          <a:p>
-            <a:pPr marL="0" indent="0">
-              <a:buFont typeface="Arial"/>
-              <a:buNone/>
-            </a:pPr>
-            <a:r>
-              <a:rPr lang="en-US" sz="1000" baseline="0" dirty="0" smtClean="0"/>
-              <a:t> </a:t>
-            </a:r>
-          </a:p>
-          <a:p>
-            <a:pPr marL="0" indent="0">
-              <a:buFont typeface="Arial"/>
-              <a:buNone/>
-            </a:pPr>
-            <a:r>
-              <a:rPr lang="en-US" sz="1000" baseline="0" dirty="0" smtClean="0"/>
-              <a:t>Maximum congruence scores:</a:t>
-            </a:r>
-          </a:p>
-          <a:p>
-            <a:pPr marL="0" indent="0">
-              <a:buFont typeface="Arial"/>
-              <a:buNone/>
-            </a:pPr>
-            <a:r>
-              <a:rPr lang="en-US" sz="1000" baseline="0" dirty="0" smtClean="0"/>
-              <a:t>13 = 100% UC</a:t>
-            </a:r>
-          </a:p>
-          <a:p>
-            <a:pPr marL="0" indent="0">
-              <a:buFont typeface="Arial"/>
-              <a:buNone/>
-            </a:pPr>
-            <a:r>
-              <a:rPr lang="en-US" sz="1000" baseline="0" dirty="0" smtClean="0"/>
-              <a:t>26 = Mostly UC</a:t>
-            </a:r>
-          </a:p>
-          <a:p>
-            <a:pPr marL="0" indent="0">
-              <a:buFont typeface="Arial"/>
-              <a:buNone/>
-            </a:pPr>
-            <a:r>
-              <a:rPr lang="en-US" sz="1000" baseline="0" dirty="0" smtClean="0"/>
-              <a:t>39 = Mostly ML</a:t>
-            </a:r>
-          </a:p>
-          <a:p>
-            <a:pPr marL="0" indent="0">
-              <a:buFont typeface="Arial"/>
-              <a:buNone/>
-            </a:pPr>
-            <a:r>
-              <a:rPr lang="en-US" sz="1000" baseline="0" dirty="0" smtClean="0"/>
-              <a:t>52 = 100% ML</a:t>
-            </a:r>
-          </a:p>
-          <a:p>
-            <a:pPr marL="0" marR="0" indent="0" algn="l" defTabSz="457200" rtl="0" eaLnBrk="1" fontAlgn="auto" latinLnBrk="0" hangingPunct="1">
-              <a:lnSpc>
-                <a:spcPct val="100000"/>
-              </a:lnSpc>
-              <a:spcBef>
-                <a:spcPts val="0"/>
-              </a:spcBef>
-              <a:spcAft>
-                <a:spcPts val="0"/>
-              </a:spcAft>
-              <a:buClrTx/>
-              <a:buSzTx/>
-              <a:buFontTx/>
-              <a:buNone/>
-              <a:tabLst/>
-              <a:defRPr/>
-            </a:pPr>
-            <a:endParaRPr lang="en-US" sz="1000" i="0" baseline="0" dirty="0" smtClean="0"/>
-          </a:p>
-          <a:p>
-            <a:pPr marL="0" marR="0" indent="0" algn="l" defTabSz="457200" rtl="0" eaLnBrk="1" fontAlgn="auto" latinLnBrk="0" hangingPunct="1">
-              <a:lnSpc>
-                <a:spcPct val="100000"/>
-              </a:lnSpc>
-              <a:spcBef>
-                <a:spcPts val="0"/>
-              </a:spcBef>
-              <a:spcAft>
-                <a:spcPts val="0"/>
-              </a:spcAft>
-              <a:buClrTx/>
-              <a:buSzTx/>
-              <a:buFontTx/>
-              <a:buNone/>
-              <a:tabLst/>
-              <a:defRPr/>
-            </a:pPr>
-            <a:r>
-              <a:rPr lang="en-US" sz="1000" i="0" baseline="0" dirty="0" smtClean="0"/>
-              <a:t>So how did you score on the Mutual Learning Scale?</a:t>
-            </a:r>
-          </a:p>
-          <a:p>
-            <a:endParaRPr lang="en-US" sz="1000" i="0" dirty="0" smtClean="0"/>
-          </a:p>
-          <a:p>
-            <a:r>
-              <a:rPr lang="en-US" sz="1000" i="0" dirty="0" smtClean="0"/>
-              <a:t>If you scored a total of 52 points, stand up. This is</a:t>
-            </a:r>
-            <a:r>
-              <a:rPr lang="en-US" sz="1000" i="0" baseline="0" dirty="0" smtClean="0"/>
-              <a:t> the highest possible score on the scale and means you’re congruent in your espoused theory and theory in practice.</a:t>
-            </a:r>
-          </a:p>
-          <a:p>
-            <a:pPr marL="0" marR="0" indent="0" algn="l" defTabSz="457200" rtl="0" eaLnBrk="1" fontAlgn="auto" latinLnBrk="0" hangingPunct="1">
-              <a:lnSpc>
-                <a:spcPct val="100000"/>
-              </a:lnSpc>
-              <a:spcBef>
-                <a:spcPts val="0"/>
-              </a:spcBef>
-              <a:spcAft>
-                <a:spcPts val="0"/>
-              </a:spcAft>
-              <a:buClrTx/>
-              <a:buSzTx/>
-              <a:buFontTx/>
-              <a:buNone/>
-              <a:tabLst/>
-              <a:defRPr/>
-            </a:pPr>
-            <a:r>
-              <a:rPr lang="en-US" sz="1000" i="0" baseline="0" dirty="0" smtClean="0"/>
-              <a:t>You believe in your ML talk AND you talk the talk and walk the walk all the time.</a:t>
-            </a:r>
-          </a:p>
-          <a:p>
-            <a:pPr marL="0" marR="0" indent="0" algn="l" defTabSz="457200" rtl="0" eaLnBrk="1" fontAlgn="auto" latinLnBrk="0" hangingPunct="1">
-              <a:lnSpc>
-                <a:spcPct val="100000"/>
-              </a:lnSpc>
-              <a:spcBef>
-                <a:spcPts val="0"/>
-              </a:spcBef>
-              <a:spcAft>
-                <a:spcPts val="0"/>
-              </a:spcAft>
-              <a:buClrTx/>
-              <a:buSzTx/>
-              <a:buFontTx/>
-              <a:buNone/>
-              <a:tabLst/>
-              <a:defRPr/>
-            </a:pPr>
-            <a:endParaRPr lang="en-US" sz="1000" i="0" baseline="0" dirty="0" smtClean="0"/>
-          </a:p>
-          <a:p>
-            <a:pPr marL="0" marR="0" indent="0" algn="l" defTabSz="457200" rtl="0" eaLnBrk="1" fontAlgn="auto" latinLnBrk="0" hangingPunct="1">
-              <a:lnSpc>
-                <a:spcPct val="100000"/>
-              </a:lnSpc>
-              <a:spcBef>
-                <a:spcPts val="0"/>
-              </a:spcBef>
-              <a:spcAft>
-                <a:spcPts val="0"/>
-              </a:spcAft>
-              <a:buClrTx/>
-              <a:buSzTx/>
-              <a:buFontTx/>
-              <a:buNone/>
-              <a:tabLst/>
-              <a:defRPr/>
-            </a:pPr>
-            <a:r>
-              <a:rPr lang="en-US" sz="1000" i="0" baseline="0" dirty="0" smtClean="0"/>
-              <a:t>Let’s drill down into the significance of more results by looking at time in pairs: mindset and </a:t>
-            </a:r>
-            <a:r>
-              <a:rPr lang="en-US" sz="1000" i="0" baseline="0" dirty="0" err="1" smtClean="0"/>
-              <a:t>behaviours</a:t>
-            </a:r>
-            <a:r>
-              <a:rPr lang="en-US" sz="1000" i="0" baseline="0" dirty="0" smtClean="0"/>
-              <a:t>.</a:t>
-            </a:r>
-          </a:p>
-          <a:p>
-            <a:pPr marL="0" marR="0" indent="0" algn="l" defTabSz="457200" rtl="0" eaLnBrk="1" fontAlgn="auto" latinLnBrk="0" hangingPunct="1">
-              <a:lnSpc>
-                <a:spcPct val="100000"/>
-              </a:lnSpc>
-              <a:spcBef>
-                <a:spcPts val="0"/>
-              </a:spcBef>
-              <a:spcAft>
-                <a:spcPts val="0"/>
-              </a:spcAft>
-              <a:buClrTx/>
-              <a:buSzTx/>
-              <a:buFontTx/>
-              <a:buNone/>
-              <a:tabLst/>
-              <a:defRPr/>
-            </a:pPr>
-            <a:r>
-              <a:rPr lang="en-US" sz="1000" i="0" baseline="0" dirty="0" smtClean="0"/>
-              <a:t>On the one hand, if you scored 20 points for questions 1-5, you score yourself maximum on ML mindset and:</a:t>
-            </a:r>
-          </a:p>
-          <a:p>
-            <a:pPr marL="171450" marR="0" indent="-171450" algn="l" defTabSz="457200" rtl="0" eaLnBrk="1" fontAlgn="auto" latinLnBrk="0" hangingPunct="1">
-              <a:lnSpc>
-                <a:spcPct val="100000"/>
-              </a:lnSpc>
-              <a:spcBef>
-                <a:spcPts val="0"/>
-              </a:spcBef>
-              <a:spcAft>
-                <a:spcPts val="0"/>
-              </a:spcAft>
-              <a:buClrTx/>
-              <a:buSzTx/>
-              <a:buFont typeface="Arial"/>
-              <a:buChar char="•"/>
-              <a:tabLst/>
-              <a:defRPr/>
-            </a:pPr>
-            <a:r>
-              <a:rPr lang="en-US" sz="1000" i="0" baseline="0" dirty="0" smtClean="0"/>
-              <a:t>For questions 6-13:</a:t>
-            </a:r>
-          </a:p>
-          <a:p>
-            <a:pPr marL="628650" marR="0" lvl="1" indent="-171450" algn="l" defTabSz="457200" rtl="0" eaLnBrk="1" fontAlgn="auto" latinLnBrk="0" hangingPunct="1">
-              <a:lnSpc>
-                <a:spcPct val="100000"/>
-              </a:lnSpc>
-              <a:spcBef>
-                <a:spcPts val="0"/>
-              </a:spcBef>
-              <a:spcAft>
-                <a:spcPts val="0"/>
-              </a:spcAft>
-              <a:buClrTx/>
-              <a:buSzTx/>
-              <a:buFont typeface="Arial"/>
-              <a:buChar char="•"/>
-              <a:tabLst/>
-              <a:defRPr/>
-            </a:pPr>
-            <a:r>
-              <a:rPr lang="en-US" sz="1000" i="0" baseline="0" dirty="0" smtClean="0"/>
-              <a:t>If you scored 24 or higher, this means your preference is mostly ML. You believe in your ML talk AND you can talk the talk and do walk the walk most of the time.</a:t>
-            </a:r>
-          </a:p>
-          <a:p>
-            <a:pPr marL="628650" marR="0" lvl="1" indent="-171450" algn="l" defTabSz="457200" rtl="0" eaLnBrk="1" fontAlgn="auto" latinLnBrk="0" hangingPunct="1">
-              <a:lnSpc>
-                <a:spcPct val="100000"/>
-              </a:lnSpc>
-              <a:spcBef>
-                <a:spcPts val="0"/>
-              </a:spcBef>
-              <a:spcAft>
-                <a:spcPts val="0"/>
-              </a:spcAft>
-              <a:buClrTx/>
-              <a:buSzTx/>
-              <a:buFont typeface="Arial"/>
-              <a:buChar char="•"/>
-              <a:tabLst/>
-              <a:defRPr/>
-            </a:pPr>
-            <a:r>
-              <a:rPr lang="en-US" sz="1000" i="0" baseline="0" dirty="0" smtClean="0"/>
-              <a:t>If you scored 16-23, your </a:t>
-            </a:r>
-            <a:r>
-              <a:rPr lang="en-US" sz="1000" i="0" baseline="0" dirty="0" err="1" smtClean="0"/>
-              <a:t>behaviour</a:t>
-            </a:r>
-            <a:r>
-              <a:rPr lang="en-US" sz="1000" i="0" baseline="0" dirty="0" smtClean="0"/>
-              <a:t> straddles between UC and ML. You believe in your ML talk AND you fluctuate between UC and ML in </a:t>
-            </a:r>
-            <a:r>
-              <a:rPr lang="en-US" sz="1000" i="0" baseline="0" dirty="0" err="1" smtClean="0"/>
-              <a:t>behaviour</a:t>
-            </a:r>
-            <a:r>
-              <a:rPr lang="en-US" sz="1000" i="0" baseline="0" dirty="0" smtClean="0"/>
-              <a:t>. </a:t>
-            </a:r>
-          </a:p>
-          <a:p>
-            <a:pPr marL="628650" marR="0" lvl="1" indent="-171450" algn="l" defTabSz="457200" rtl="0" eaLnBrk="1" fontAlgn="auto" latinLnBrk="0" hangingPunct="1">
-              <a:lnSpc>
-                <a:spcPct val="100000"/>
-              </a:lnSpc>
-              <a:spcBef>
-                <a:spcPts val="0"/>
-              </a:spcBef>
-              <a:spcAft>
-                <a:spcPts val="0"/>
-              </a:spcAft>
-              <a:buClrTx/>
-              <a:buSzTx/>
-              <a:buFont typeface="Arial"/>
-              <a:buChar char="•"/>
-              <a:tabLst/>
-              <a:defRPr/>
-            </a:pPr>
-            <a:r>
-              <a:rPr lang="en-US" sz="1000" i="0" baseline="0" dirty="0" smtClean="0"/>
-              <a:t>If you scored 8-15, your belief in ML is in strong contradiction with your predominantly UC </a:t>
-            </a:r>
-            <a:r>
-              <a:rPr lang="en-US" sz="1000" i="0" baseline="0" dirty="0" err="1" smtClean="0"/>
-              <a:t>behaviour</a:t>
-            </a:r>
-            <a:r>
-              <a:rPr lang="en-US" sz="1000" i="0" baseline="0" dirty="0" smtClean="0"/>
-              <a:t>.</a:t>
-            </a:r>
-          </a:p>
-          <a:p>
-            <a:pPr marL="0" marR="0" lvl="0" indent="0" algn="l" defTabSz="457200" rtl="0" eaLnBrk="1" fontAlgn="auto" latinLnBrk="0" hangingPunct="1">
-              <a:lnSpc>
-                <a:spcPct val="100000"/>
-              </a:lnSpc>
-              <a:spcBef>
-                <a:spcPts val="0"/>
-              </a:spcBef>
-              <a:spcAft>
-                <a:spcPts val="0"/>
-              </a:spcAft>
-              <a:buClrTx/>
-              <a:buSzTx/>
-              <a:buFont typeface="Arial"/>
-              <a:buNone/>
-              <a:tabLst/>
-              <a:defRPr/>
-            </a:pPr>
-            <a:endParaRPr lang="en-US" sz="1000" i="0" baseline="0" dirty="0" smtClean="0"/>
-          </a:p>
-          <a:p>
-            <a:pPr marL="0" marR="0" lvl="0" indent="0" algn="l" defTabSz="457200" rtl="0" eaLnBrk="1" fontAlgn="auto" latinLnBrk="0" hangingPunct="1">
-              <a:lnSpc>
-                <a:spcPct val="100000"/>
-              </a:lnSpc>
-              <a:spcBef>
-                <a:spcPts val="0"/>
-              </a:spcBef>
-              <a:spcAft>
-                <a:spcPts val="0"/>
-              </a:spcAft>
-              <a:buClrTx/>
-              <a:buSzTx/>
-              <a:buFont typeface="Arial"/>
-              <a:buNone/>
-              <a:tabLst/>
-              <a:defRPr/>
-            </a:pPr>
-            <a:r>
-              <a:rPr lang="en-US" sz="1000" i="0" baseline="0" dirty="0" smtClean="0"/>
-              <a:t>On the other hand, if you scored between 5 and 10 for questions 1-5, you believe in UC AND you talk the talk and walk the walk all the time.</a:t>
-            </a:r>
-          </a:p>
-          <a:p>
-            <a:endParaRPr lang="en-US" sz="1000" i="0" baseline="0" dirty="0" smtClean="0"/>
-          </a:p>
-          <a:p>
-            <a:r>
-              <a:rPr lang="en-US" sz="1000" i="0" baseline="0" dirty="0" smtClean="0"/>
-              <a:t>So – why did I ask you to share your score?</a:t>
-            </a:r>
-          </a:p>
-          <a:p>
-            <a:endParaRPr lang="en-US" sz="1000" i="0" baseline="0" dirty="0" smtClean="0"/>
-          </a:p>
-          <a:p>
-            <a:r>
-              <a:rPr lang="en-US" sz="1000" i="0" baseline="0" dirty="0" smtClean="0"/>
-              <a:t>The main reason is to create the option for you to find the practitioners of ML during the break and get tips on how to live and breathe the Mutual Learning Model and 8 </a:t>
-            </a:r>
-            <a:r>
-              <a:rPr lang="en-US" sz="1000" i="0" baseline="0" dirty="0" err="1" smtClean="0"/>
-              <a:t>behaviours</a:t>
-            </a:r>
-            <a:r>
-              <a:rPr lang="en-US" sz="1000" i="0" baseline="0" dirty="0" smtClean="0"/>
-              <a:t>, even under stress.</a:t>
-            </a:r>
-          </a:p>
-          <a:p>
-            <a:endParaRPr lang="en-US" sz="1000" i="0" baseline="0" dirty="0" smtClean="0"/>
-          </a:p>
-          <a:p>
-            <a:r>
-              <a:rPr lang="en-US" sz="1000" i="0" baseline="0" dirty="0" smtClean="0"/>
-              <a:t>Thank you. Everyone take a sit.</a:t>
-            </a:r>
-          </a:p>
-          <a:p>
-            <a:endParaRPr lang="en-US" sz="1000" i="0" baseline="0" dirty="0" smtClean="0"/>
-          </a:p>
-          <a:p>
-            <a:r>
-              <a:rPr lang="en-US" sz="1000" i="0" baseline="0" dirty="0" smtClean="0"/>
-              <a:t>Let’s look at the findings in greater detail. If you scored 15 for mindset and 24 for </a:t>
-            </a:r>
-            <a:r>
-              <a:rPr lang="en-US" sz="1000" i="0" baseline="0" dirty="0" err="1" smtClean="0"/>
-              <a:t>behaviour</a:t>
-            </a:r>
-            <a:r>
-              <a:rPr lang="en-US" sz="1000" i="0" baseline="0" dirty="0" smtClean="0"/>
-              <a:t>, it means you are congruent in applying Mutual learning most of the time. The results you get from your efforts should reflect this.</a:t>
-            </a:r>
-          </a:p>
-          <a:p>
-            <a:endParaRPr lang="en-US" sz="1000" i="0" baseline="0" dirty="0" smtClean="0"/>
-          </a:p>
-          <a:p>
-            <a:pPr marL="0" marR="0" indent="0" algn="l" defTabSz="457200" rtl="0" eaLnBrk="1" fontAlgn="auto" latinLnBrk="0" hangingPunct="1">
-              <a:lnSpc>
-                <a:spcPct val="100000"/>
-              </a:lnSpc>
-              <a:spcBef>
-                <a:spcPts val="0"/>
-              </a:spcBef>
-              <a:spcAft>
-                <a:spcPts val="0"/>
-              </a:spcAft>
-              <a:buClrTx/>
-              <a:buSzTx/>
-              <a:buFontTx/>
-              <a:buNone/>
-              <a:tabLst/>
-              <a:defRPr/>
-            </a:pPr>
-            <a:r>
-              <a:rPr lang="en-US" sz="1000" i="0" baseline="0" dirty="0" smtClean="0"/>
-              <a:t>If you scored higher in </a:t>
-            </a:r>
-            <a:r>
-              <a:rPr lang="en-US" sz="1000" i="0" baseline="0" dirty="0" err="1" smtClean="0"/>
-              <a:t>behaviour</a:t>
-            </a:r>
-            <a:r>
-              <a:rPr lang="en-US" sz="1000" i="0" baseline="0" dirty="0" smtClean="0"/>
-              <a:t> than mindset, it means you actively apply the Mutual Learning </a:t>
-            </a:r>
-            <a:r>
-              <a:rPr lang="en-US" sz="1000" i="0" baseline="0" dirty="0" err="1" smtClean="0"/>
-              <a:t>behaviours</a:t>
-            </a:r>
-            <a:r>
-              <a:rPr lang="en-US" sz="1000" i="0" baseline="0" dirty="0" smtClean="0"/>
-              <a:t> without really applying the mindset. You talk the talk and walk the walk but you don’t quite believe in the ML mindset. Nonetheless, starting to change your </a:t>
-            </a:r>
-            <a:r>
-              <a:rPr lang="en-US" sz="1000" i="0" baseline="0" dirty="0" err="1" smtClean="0"/>
-              <a:t>behaviour</a:t>
-            </a:r>
-            <a:r>
-              <a:rPr lang="en-US" sz="1000" i="0" baseline="0" dirty="0" smtClean="0"/>
-              <a:t> can be an easier way to changing your mindset. As Amy </a:t>
-            </a:r>
-            <a:r>
-              <a:rPr lang="en-US" sz="1000" i="0" baseline="0" dirty="0" err="1" smtClean="0"/>
-              <a:t>Cuddy</a:t>
-            </a:r>
-            <a:r>
-              <a:rPr lang="en-US" sz="1000" i="0" baseline="0" dirty="0" smtClean="0"/>
-              <a:t>, psychologist famous for her Ted talk on the Power Pose and the body influencing the mind, it’s about "Fake it until you become it."</a:t>
-            </a:r>
-          </a:p>
-          <a:p>
-            <a:endParaRPr lang="en-US" sz="1000" i="0" baseline="0" dirty="0" smtClean="0"/>
-          </a:p>
-          <a:p>
-            <a:r>
-              <a:rPr lang="en-US" sz="1000" i="0" baseline="0" dirty="0" smtClean="0"/>
-              <a:t>If you scored higher in mindset than </a:t>
-            </a:r>
-            <a:r>
-              <a:rPr lang="en-US" sz="1000" i="0" baseline="0" dirty="0" err="1" smtClean="0"/>
-              <a:t>behaviour</a:t>
-            </a:r>
-            <a:r>
-              <a:rPr lang="en-US" sz="1000" i="0" baseline="0" dirty="0" smtClean="0"/>
-              <a:t>, it means that you believe strongly in the Mutual Learning mindset yet don’t apply the </a:t>
-            </a:r>
-            <a:r>
-              <a:rPr lang="en-US" sz="1000" i="0" baseline="0" dirty="0" err="1" smtClean="0"/>
-              <a:t>behaviours</a:t>
-            </a:r>
-            <a:r>
-              <a:rPr lang="en-US" sz="1000" i="0" baseline="0" dirty="0" smtClean="0"/>
-              <a:t> fully in practice all of the time. This is a strong position to be in, however, belief needs to result in corresponding </a:t>
-            </a:r>
-            <a:r>
-              <a:rPr lang="en-US" sz="1000" i="0" baseline="0" dirty="0" err="1" smtClean="0"/>
-              <a:t>behaviour</a:t>
-            </a:r>
-            <a:r>
-              <a:rPr lang="en-US" sz="1000" i="0" baseline="0" dirty="0" smtClean="0"/>
-              <a:t> to be effective. Monitor your theory in practice for discrepancies to your ML mindset to increase your practice of ML </a:t>
-            </a:r>
-            <a:r>
-              <a:rPr lang="en-US" sz="1000" i="0" baseline="0" dirty="0" err="1" smtClean="0"/>
-              <a:t>behaviour</a:t>
-            </a:r>
-            <a:r>
-              <a:rPr lang="en-US" sz="1000" i="0" baseline="0" dirty="0" smtClean="0"/>
-              <a:t> more often, especially when under stress.</a:t>
-            </a:r>
-          </a:p>
-          <a:p>
-            <a:endParaRPr lang="en-US" sz="1000" i="0" baseline="0" dirty="0" smtClean="0"/>
-          </a:p>
-          <a:p>
-            <a:r>
-              <a:rPr lang="en-US" sz="1000" b="1" i="0" baseline="0" dirty="0" smtClean="0"/>
-              <a:t>How accurate is the Mutual Learning Scale?</a:t>
-            </a:r>
-            <a:endParaRPr lang="en-US" sz="1000" b="0" i="0" baseline="0" dirty="0" smtClean="0"/>
-          </a:p>
-          <a:p>
-            <a:r>
-              <a:rPr lang="en-US" sz="1000" b="0" i="0" baseline="0" dirty="0" smtClean="0"/>
-              <a:t>It depends. We suggest taking your two scores and multiplying them by 3/5 each to </a:t>
-            </a:r>
-            <a:r>
-              <a:rPr lang="en-US" sz="1000" b="0" i="0" baseline="0" dirty="0" err="1" smtClean="0"/>
-              <a:t>calbrate</a:t>
-            </a:r>
-            <a:r>
-              <a:rPr lang="en-US" sz="1000" b="0" i="0" baseline="0" dirty="0" smtClean="0"/>
-              <a:t> it for how you think and act under stress.</a:t>
-            </a:r>
-          </a:p>
-          <a:p>
-            <a:endParaRPr lang="en-US" sz="1000" b="0" i="0" baseline="0" dirty="0" smtClean="0"/>
-          </a:p>
-          <a:p>
-            <a:r>
-              <a:rPr lang="en-US" sz="1000" b="0" i="0" baseline="0" dirty="0" smtClean="0"/>
-              <a:t>For instance, if Annie scores 20/20 for mindset on a sunny day, under stress, she would more likely score 15/20.</a:t>
-            </a:r>
-          </a:p>
-          <a:p>
-            <a:pPr marL="0" marR="0" indent="0" algn="l" defTabSz="914400" rtl="0" eaLnBrk="1" fontAlgn="auto" latinLnBrk="0" hangingPunct="1">
-              <a:lnSpc>
-                <a:spcPct val="100000"/>
-              </a:lnSpc>
-              <a:spcBef>
-                <a:spcPts val="0"/>
-              </a:spcBef>
-              <a:spcAft>
-                <a:spcPts val="0"/>
-              </a:spcAft>
-              <a:buClrTx/>
-              <a:buSzTx/>
-              <a:buFontTx/>
-              <a:buNone/>
-              <a:tabLst/>
-              <a:defRPr/>
-            </a:pPr>
-            <a:r>
-              <a:rPr lang="en-US" sz="1000" b="0" i="0" baseline="0" dirty="0" smtClean="0"/>
-              <a:t>For instance, if Annie scores 25/32 for mindset on a sunny day, under stress, she would more likely score 15/32.</a:t>
-            </a:r>
-          </a:p>
-          <a:p>
-            <a:pPr marL="0" marR="0" indent="0" algn="l" defTabSz="914400" rtl="0" eaLnBrk="1" fontAlgn="auto" latinLnBrk="0" hangingPunct="1">
-              <a:lnSpc>
-                <a:spcPct val="100000"/>
-              </a:lnSpc>
-              <a:spcBef>
-                <a:spcPts val="0"/>
-              </a:spcBef>
-              <a:spcAft>
-                <a:spcPts val="0"/>
-              </a:spcAft>
-              <a:buClrTx/>
-              <a:buSzTx/>
-              <a:buFontTx/>
-              <a:buNone/>
-              <a:tabLst/>
-              <a:defRPr/>
-            </a:pPr>
-            <a:endParaRPr lang="en-US" sz="1000" b="0" i="0" baseline="0" dirty="0" smtClean="0"/>
-          </a:p>
-          <a:p>
-            <a:pPr marL="0" marR="0" indent="0" algn="l" defTabSz="914400" rtl="0" eaLnBrk="1" fontAlgn="auto" latinLnBrk="0" hangingPunct="1">
-              <a:lnSpc>
-                <a:spcPct val="100000"/>
-              </a:lnSpc>
-              <a:spcBef>
-                <a:spcPts val="0"/>
-              </a:spcBef>
-              <a:spcAft>
-                <a:spcPts val="0"/>
-              </a:spcAft>
-              <a:buClrTx/>
-              <a:buSzTx/>
-              <a:buFontTx/>
-              <a:buNone/>
-              <a:tabLst/>
-              <a:defRPr/>
-            </a:pPr>
-            <a:r>
-              <a:rPr lang="en-US" sz="1000" b="0" i="0" baseline="0" dirty="0" smtClean="0"/>
-              <a:t>What we expect to see is a reduction by one level down, from “competent” to “advanced beginner” when Annie is under stress. Embedding Mutual Learning as a mindset is vital to ensure your best chances of congruent </a:t>
-            </a:r>
-            <a:r>
-              <a:rPr lang="en-US" sz="1000" b="0" i="0" baseline="0" dirty="0" err="1" smtClean="0"/>
-              <a:t>behaviour</a:t>
-            </a:r>
-            <a:r>
-              <a:rPr lang="en-US" sz="1000" b="0" i="0" baseline="0" dirty="0" smtClean="0"/>
-              <a:t> to get the desired results.</a:t>
-            </a:r>
-          </a:p>
-          <a:p>
-            <a:endParaRPr lang="en-US" sz="1000" b="0" i="0" baseline="0" dirty="0" smtClean="0"/>
-          </a:p>
-          <a:p>
-            <a:endParaRPr lang="en-US" sz="1000" b="1" i="0" baseline="0" dirty="0" smtClean="0"/>
+            <a:endParaRPr lang="en-GB" dirty="0"/>
           </a:p>
         </p:txBody>
       </p:sp>
@@ -2169,18 +1240,18 @@
           <a:bodyPr/>
           <a:lstStyle/>
           <a:p>
-            <a:fld id="{7E75E9DD-8B2C-E440-9B98-CB5FAE3BBE40}" type="slidenum">
-              <a:rPr lang="en-US" smtClean="0"/>
-              <a:t>16</a:t>
+            <a:fld id="{828D5D84-2C57-426A-A11C-619C0D2652D3}" type="slidenum">
+              <a:rPr lang="en-GB" smtClean="0"/>
+              <a:t>15</a:t>
             </a:fld>
-            <a:endParaRPr lang="en-US"/>
+            <a:endParaRPr lang="en-GB" dirty="0"/>
           </a:p>
         </p:txBody>
       </p:sp>
     </p:spTree>
     <p:extLst>
       <p:ext uri="{BB962C8B-B14F-4D97-AF65-F5344CB8AC3E}">
-        <p14:creationId xmlns:p14="http://schemas.microsoft.com/office/powerpoint/2010/main" val="4046996353"/>
+        <p14:creationId xmlns:p14="http://schemas.microsoft.com/office/powerpoint/2010/main" val="466785638"/>
       </p:ext>
     </p:extLst>
   </p:cSld>
@@ -2234,7 +1305,712 @@
           <a:bodyPr/>
           <a:lstStyle/>
           <a:p>
-            <a:endParaRPr lang="en-US"/>
+            <a:pPr marL="0" marR="0" indent="0" algn="l" defTabSz="457200" rtl="0" eaLnBrk="1" fontAlgn="auto" latinLnBrk="0" hangingPunct="1">
+              <a:lnSpc>
+                <a:spcPct val="100000"/>
+              </a:lnSpc>
+              <a:spcBef>
+                <a:spcPts val="0"/>
+              </a:spcBef>
+              <a:spcAft>
+                <a:spcPts val="0"/>
+              </a:spcAft>
+              <a:buClrTx/>
+              <a:buSzTx/>
+              <a:buFontTx/>
+              <a:buNone/>
+              <a:tabLst/>
+              <a:defRPr/>
+            </a:pPr>
+            <a:r>
+              <a:rPr lang="en-US" sz="1000" i="0" baseline="0" dirty="0" smtClean="0"/>
+              <a:t>Hypothesis can be proven by comparing expected results from Virtual Cycle of Mutual Learning.</a:t>
+            </a:r>
+          </a:p>
+          <a:p>
+            <a:pPr marL="0" marR="0" indent="0" algn="l" defTabSz="457200" rtl="0" eaLnBrk="1" fontAlgn="auto" latinLnBrk="0" hangingPunct="1">
+              <a:lnSpc>
+                <a:spcPct val="100000"/>
+              </a:lnSpc>
+              <a:spcBef>
+                <a:spcPts val="0"/>
+              </a:spcBef>
+              <a:spcAft>
+                <a:spcPts val="0"/>
+              </a:spcAft>
+              <a:buClrTx/>
+              <a:buSzTx/>
+              <a:buFontTx/>
+              <a:buNone/>
+              <a:tabLst/>
+              <a:defRPr/>
+            </a:pPr>
+            <a:endParaRPr lang="en-US" sz="1000" i="0" baseline="0" dirty="0" smtClean="0"/>
+          </a:p>
+          <a:p>
+            <a:r>
+              <a:rPr lang="en-US" sz="1000" baseline="0" dirty="0" smtClean="0"/>
+              <a:t>About the Mutual Learning Scale:</a:t>
+            </a:r>
+          </a:p>
+          <a:p>
+            <a:pPr marL="171450" indent="-171450">
+              <a:buFont typeface="Arial"/>
+              <a:buChar char="•"/>
+            </a:pPr>
+            <a:r>
+              <a:rPr lang="en-US" sz="1000" baseline="0" dirty="0" smtClean="0"/>
+              <a:t>The first 5 statements are the assumptions from Chris Argyris’s Mutual Learning Mindset</a:t>
+            </a:r>
+          </a:p>
+          <a:p>
+            <a:pPr marL="171450" indent="-171450">
+              <a:buFont typeface="Arial"/>
+              <a:buChar char="•"/>
+            </a:pPr>
+            <a:r>
+              <a:rPr lang="en-US" sz="1000" baseline="0" dirty="0" smtClean="0"/>
+              <a:t>The next 8 statements are the behaviours from Schwarz.</a:t>
+            </a:r>
+          </a:p>
+          <a:p>
+            <a:pPr marL="171450" indent="-171450">
+              <a:buFont typeface="Arial"/>
+              <a:buChar char="•"/>
+            </a:pPr>
+            <a:endParaRPr lang="en-US" sz="1000" baseline="0" dirty="0" smtClean="0"/>
+          </a:p>
+          <a:p>
+            <a:pPr marL="0" indent="0">
+              <a:buFont typeface="Arial"/>
+              <a:buNone/>
+            </a:pPr>
+            <a:r>
+              <a:rPr lang="en-US" sz="1000" baseline="0" dirty="0" smtClean="0"/>
+              <a:t>How does the scoring work?</a:t>
+            </a:r>
+          </a:p>
+          <a:p>
+            <a:pPr marL="0" indent="0">
+              <a:buFont typeface="Arial"/>
+              <a:buNone/>
+            </a:pPr>
+            <a:endParaRPr lang="en-US" sz="1000" baseline="0" dirty="0" smtClean="0"/>
+          </a:p>
+          <a:p>
+            <a:pPr marL="0" indent="0">
+              <a:buFont typeface="Arial"/>
+              <a:buNone/>
+            </a:pPr>
+            <a:r>
+              <a:rPr lang="en-US" sz="1000" baseline="0" dirty="0" smtClean="0"/>
+              <a:t>Score for mindset range from:</a:t>
+            </a:r>
+          </a:p>
+          <a:p>
+            <a:pPr marL="171450" indent="-171450">
+              <a:buFont typeface="Arial"/>
+              <a:buChar char="•"/>
+            </a:pPr>
+            <a:r>
+              <a:rPr lang="en-US" sz="1000" baseline="0" dirty="0" smtClean="0"/>
+              <a:t>5 = Don’t apply values</a:t>
+            </a:r>
+          </a:p>
+          <a:p>
+            <a:pPr marL="171450" indent="-171450">
+              <a:buFont typeface="Arial"/>
+              <a:buChar char="•"/>
+            </a:pPr>
+            <a:r>
+              <a:rPr lang="en-US" sz="1000" baseline="0" dirty="0" smtClean="0"/>
+              <a:t>10 = Rarely apply values</a:t>
+            </a:r>
+          </a:p>
+          <a:p>
+            <a:pPr marL="171450" indent="-171450">
+              <a:buFont typeface="Arial"/>
+              <a:buChar char="•"/>
+            </a:pPr>
+            <a:r>
+              <a:rPr lang="en-US" sz="1000" baseline="0" dirty="0" smtClean="0"/>
+              <a:t>15 = Mostly apply values</a:t>
+            </a:r>
+          </a:p>
+          <a:p>
+            <a:pPr marL="171450" indent="-171450">
+              <a:buFont typeface="Arial"/>
+              <a:buChar char="•"/>
+            </a:pPr>
+            <a:r>
+              <a:rPr lang="en-US" sz="1000" baseline="0" dirty="0" smtClean="0"/>
+              <a:t>20 = Always apply values</a:t>
+            </a:r>
+          </a:p>
+          <a:p>
+            <a:pPr marL="0" indent="0">
+              <a:buFont typeface="Arial"/>
+              <a:buNone/>
+            </a:pPr>
+            <a:endParaRPr lang="en-US" sz="1000" baseline="0" dirty="0" smtClean="0"/>
+          </a:p>
+          <a:p>
+            <a:pPr marL="0" indent="0">
+              <a:buFont typeface="Arial"/>
+              <a:buNone/>
+            </a:pPr>
+            <a:r>
+              <a:rPr lang="en-US" sz="1000" baseline="0" dirty="0" smtClean="0"/>
+              <a:t>Score for behaviours range from:</a:t>
+            </a:r>
+          </a:p>
+          <a:p>
+            <a:pPr marL="0" indent="0">
+              <a:buFont typeface="Arial"/>
+              <a:buNone/>
+            </a:pPr>
+            <a:r>
+              <a:rPr lang="en-US" sz="1000" baseline="0" dirty="0" smtClean="0"/>
+              <a:t>8 = Don’t apply behaviours</a:t>
+            </a:r>
+          </a:p>
+          <a:p>
+            <a:pPr marL="0" indent="0">
+              <a:buFont typeface="Arial"/>
+              <a:buNone/>
+            </a:pPr>
+            <a:r>
+              <a:rPr lang="en-US" sz="1000" baseline="0" dirty="0" smtClean="0"/>
+              <a:t>16 = Rarely apply behaviours</a:t>
+            </a:r>
+          </a:p>
+          <a:p>
+            <a:pPr marL="0" indent="0">
+              <a:buFont typeface="Arial"/>
+              <a:buNone/>
+            </a:pPr>
+            <a:r>
+              <a:rPr lang="en-US" sz="1000" baseline="0" dirty="0" smtClean="0"/>
+              <a:t>24 = Mostly apply behaviours</a:t>
+            </a:r>
+          </a:p>
+          <a:p>
+            <a:pPr marL="0" indent="0">
+              <a:buFont typeface="Arial"/>
+              <a:buNone/>
+            </a:pPr>
+            <a:r>
+              <a:rPr lang="en-US" sz="1000" baseline="0" dirty="0" smtClean="0"/>
+              <a:t>32 = Always apply behaviours</a:t>
+            </a:r>
+          </a:p>
+          <a:p>
+            <a:pPr marL="0" indent="0">
+              <a:buFont typeface="Arial"/>
+              <a:buNone/>
+            </a:pPr>
+            <a:r>
+              <a:rPr lang="en-US" sz="1000" baseline="0" dirty="0" smtClean="0"/>
+              <a:t> </a:t>
+            </a:r>
+          </a:p>
+          <a:p>
+            <a:pPr marL="0" indent="0">
+              <a:buFont typeface="Arial"/>
+              <a:buNone/>
+            </a:pPr>
+            <a:r>
+              <a:rPr lang="en-US" sz="1000" baseline="0" dirty="0" smtClean="0"/>
+              <a:t>Maximum congruence scores:</a:t>
+            </a:r>
+          </a:p>
+          <a:p>
+            <a:pPr marL="0" indent="0">
+              <a:buFont typeface="Arial"/>
+              <a:buNone/>
+            </a:pPr>
+            <a:r>
+              <a:rPr lang="en-US" sz="1000" baseline="0" dirty="0" smtClean="0"/>
+              <a:t>13 = 100% UC</a:t>
+            </a:r>
+          </a:p>
+          <a:p>
+            <a:pPr marL="0" indent="0">
+              <a:buFont typeface="Arial"/>
+              <a:buNone/>
+            </a:pPr>
+            <a:r>
+              <a:rPr lang="en-US" sz="1000" baseline="0" dirty="0" smtClean="0"/>
+              <a:t>26 = Mostly UC</a:t>
+            </a:r>
+          </a:p>
+          <a:p>
+            <a:pPr marL="0" indent="0">
+              <a:buFont typeface="Arial"/>
+              <a:buNone/>
+            </a:pPr>
+            <a:r>
+              <a:rPr lang="en-US" sz="1000" baseline="0" dirty="0" smtClean="0"/>
+              <a:t>39 = Mostly ML</a:t>
+            </a:r>
+          </a:p>
+          <a:p>
+            <a:pPr marL="0" indent="0">
+              <a:buFont typeface="Arial"/>
+              <a:buNone/>
+            </a:pPr>
+            <a:r>
+              <a:rPr lang="en-US" sz="1000" baseline="0" dirty="0" smtClean="0"/>
+              <a:t>52 = 100% ML</a:t>
+            </a:r>
+          </a:p>
+          <a:p>
+            <a:pPr marL="0" marR="0" indent="0" algn="l" defTabSz="457200" rtl="0" eaLnBrk="1" fontAlgn="auto" latinLnBrk="0" hangingPunct="1">
+              <a:lnSpc>
+                <a:spcPct val="100000"/>
+              </a:lnSpc>
+              <a:spcBef>
+                <a:spcPts val="0"/>
+              </a:spcBef>
+              <a:spcAft>
+                <a:spcPts val="0"/>
+              </a:spcAft>
+              <a:buClrTx/>
+              <a:buSzTx/>
+              <a:buFontTx/>
+              <a:buNone/>
+              <a:tabLst/>
+              <a:defRPr/>
+            </a:pPr>
+            <a:endParaRPr lang="en-US" sz="1000" i="0" baseline="0" dirty="0" smtClean="0"/>
+          </a:p>
+          <a:p>
+            <a:pPr marL="0" marR="0" indent="0" algn="l" defTabSz="457200" rtl="0" eaLnBrk="1" fontAlgn="auto" latinLnBrk="0" hangingPunct="1">
+              <a:lnSpc>
+                <a:spcPct val="100000"/>
+              </a:lnSpc>
+              <a:spcBef>
+                <a:spcPts val="0"/>
+              </a:spcBef>
+              <a:spcAft>
+                <a:spcPts val="0"/>
+              </a:spcAft>
+              <a:buClrTx/>
+              <a:buSzTx/>
+              <a:buFontTx/>
+              <a:buNone/>
+              <a:tabLst/>
+              <a:defRPr/>
+            </a:pPr>
+            <a:r>
+              <a:rPr lang="en-US" sz="1000" i="0" baseline="0" dirty="0" smtClean="0"/>
+              <a:t>So how did you score on the Mutual Learning Scale?</a:t>
+            </a:r>
+          </a:p>
+          <a:p>
+            <a:endParaRPr lang="en-US" sz="1000" i="0" dirty="0" smtClean="0"/>
+          </a:p>
+          <a:p>
+            <a:r>
+              <a:rPr lang="en-US" sz="1000" i="0" dirty="0" smtClean="0"/>
+              <a:t>If you scored a total of 52 points, stand up. This is</a:t>
+            </a:r>
+            <a:r>
+              <a:rPr lang="en-US" sz="1000" i="0" baseline="0" dirty="0" smtClean="0"/>
+              <a:t> the highest possible score on the scale and means you’re congruent in your espoused theory and theory in practice.</a:t>
+            </a:r>
+          </a:p>
+          <a:p>
+            <a:pPr marL="0" marR="0" indent="0" algn="l" defTabSz="457200" rtl="0" eaLnBrk="1" fontAlgn="auto" latinLnBrk="0" hangingPunct="1">
+              <a:lnSpc>
+                <a:spcPct val="100000"/>
+              </a:lnSpc>
+              <a:spcBef>
+                <a:spcPts val="0"/>
+              </a:spcBef>
+              <a:spcAft>
+                <a:spcPts val="0"/>
+              </a:spcAft>
+              <a:buClrTx/>
+              <a:buSzTx/>
+              <a:buFontTx/>
+              <a:buNone/>
+              <a:tabLst/>
+              <a:defRPr/>
+            </a:pPr>
+            <a:r>
+              <a:rPr lang="en-US" sz="1000" i="0" baseline="0" dirty="0" smtClean="0"/>
+              <a:t>You believe in your ML talk AND you talk the talk and walk the walk all the time.</a:t>
+            </a:r>
+          </a:p>
+          <a:p>
+            <a:pPr marL="0" marR="0" indent="0" algn="l" defTabSz="457200" rtl="0" eaLnBrk="1" fontAlgn="auto" latinLnBrk="0" hangingPunct="1">
+              <a:lnSpc>
+                <a:spcPct val="100000"/>
+              </a:lnSpc>
+              <a:spcBef>
+                <a:spcPts val="0"/>
+              </a:spcBef>
+              <a:spcAft>
+                <a:spcPts val="0"/>
+              </a:spcAft>
+              <a:buClrTx/>
+              <a:buSzTx/>
+              <a:buFontTx/>
+              <a:buNone/>
+              <a:tabLst/>
+              <a:defRPr/>
+            </a:pPr>
+            <a:endParaRPr lang="en-US" sz="1000" i="0" baseline="0" dirty="0" smtClean="0"/>
+          </a:p>
+          <a:p>
+            <a:pPr marL="0" marR="0" indent="0" algn="l" defTabSz="457200" rtl="0" eaLnBrk="1" fontAlgn="auto" latinLnBrk="0" hangingPunct="1">
+              <a:lnSpc>
+                <a:spcPct val="100000"/>
+              </a:lnSpc>
+              <a:spcBef>
+                <a:spcPts val="0"/>
+              </a:spcBef>
+              <a:spcAft>
+                <a:spcPts val="0"/>
+              </a:spcAft>
+              <a:buClrTx/>
+              <a:buSzTx/>
+              <a:buFontTx/>
+              <a:buNone/>
+              <a:tabLst/>
+              <a:defRPr/>
+            </a:pPr>
+            <a:r>
+              <a:rPr lang="en-US" sz="1000" i="0" baseline="0" dirty="0" smtClean="0"/>
+              <a:t>Let’s drill down into the significance of more results by looking at time in pairs: mindset and behaviours.</a:t>
+            </a:r>
+          </a:p>
+          <a:p>
+            <a:pPr marL="0" marR="0" indent="0" algn="l" defTabSz="457200" rtl="0" eaLnBrk="1" fontAlgn="auto" latinLnBrk="0" hangingPunct="1">
+              <a:lnSpc>
+                <a:spcPct val="100000"/>
+              </a:lnSpc>
+              <a:spcBef>
+                <a:spcPts val="0"/>
+              </a:spcBef>
+              <a:spcAft>
+                <a:spcPts val="0"/>
+              </a:spcAft>
+              <a:buClrTx/>
+              <a:buSzTx/>
+              <a:buFontTx/>
+              <a:buNone/>
+              <a:tabLst/>
+              <a:defRPr/>
+            </a:pPr>
+            <a:r>
+              <a:rPr lang="en-US" sz="1000" i="0" baseline="0" dirty="0" smtClean="0"/>
+              <a:t>On the one hand, if you scored 20 points for questions 1-5, you score yourself maximum on ML mindset and:</a:t>
+            </a:r>
+          </a:p>
+          <a:p>
+            <a:pPr marL="171450" marR="0" indent="-171450" algn="l" defTabSz="457200" rtl="0" eaLnBrk="1" fontAlgn="auto" latinLnBrk="0" hangingPunct="1">
+              <a:lnSpc>
+                <a:spcPct val="100000"/>
+              </a:lnSpc>
+              <a:spcBef>
+                <a:spcPts val="0"/>
+              </a:spcBef>
+              <a:spcAft>
+                <a:spcPts val="0"/>
+              </a:spcAft>
+              <a:buClrTx/>
+              <a:buSzTx/>
+              <a:buFont typeface="Arial"/>
+              <a:buChar char="•"/>
+              <a:tabLst/>
+              <a:defRPr/>
+            </a:pPr>
+            <a:r>
+              <a:rPr lang="en-US" sz="1000" i="0" baseline="0" dirty="0" smtClean="0"/>
+              <a:t>For questions 6-13:</a:t>
+            </a:r>
+          </a:p>
+          <a:p>
+            <a:pPr marL="628650" marR="0" lvl="1" indent="-171450" algn="l" defTabSz="457200" rtl="0" eaLnBrk="1" fontAlgn="auto" latinLnBrk="0" hangingPunct="1">
+              <a:lnSpc>
+                <a:spcPct val="100000"/>
+              </a:lnSpc>
+              <a:spcBef>
+                <a:spcPts val="0"/>
+              </a:spcBef>
+              <a:spcAft>
+                <a:spcPts val="0"/>
+              </a:spcAft>
+              <a:buClrTx/>
+              <a:buSzTx/>
+              <a:buFont typeface="Arial"/>
+              <a:buChar char="•"/>
+              <a:tabLst/>
+              <a:defRPr/>
+            </a:pPr>
+            <a:r>
+              <a:rPr lang="en-US" sz="1000" i="0" baseline="0" dirty="0" smtClean="0"/>
+              <a:t>If you scored 24 or higher, this means your preference is mostly ML. You believe in your ML talk AND you can talk the talk and do walk the walk most of the time.</a:t>
+            </a:r>
+          </a:p>
+          <a:p>
+            <a:pPr marL="628650" marR="0" lvl="1" indent="-171450" algn="l" defTabSz="457200" rtl="0" eaLnBrk="1" fontAlgn="auto" latinLnBrk="0" hangingPunct="1">
+              <a:lnSpc>
+                <a:spcPct val="100000"/>
+              </a:lnSpc>
+              <a:spcBef>
+                <a:spcPts val="0"/>
+              </a:spcBef>
+              <a:spcAft>
+                <a:spcPts val="0"/>
+              </a:spcAft>
+              <a:buClrTx/>
+              <a:buSzTx/>
+              <a:buFont typeface="Arial"/>
+              <a:buChar char="•"/>
+              <a:tabLst/>
+              <a:defRPr/>
+            </a:pPr>
+            <a:r>
+              <a:rPr lang="en-US" sz="1000" i="0" baseline="0" dirty="0" smtClean="0"/>
+              <a:t>If you scored 16-23, your behaviour straddles between UC and ML. You believe in your ML talk AND you fluctuate between UC and ML in behaviour. </a:t>
+            </a:r>
+          </a:p>
+          <a:p>
+            <a:pPr marL="628650" marR="0" lvl="1" indent="-171450" algn="l" defTabSz="457200" rtl="0" eaLnBrk="1" fontAlgn="auto" latinLnBrk="0" hangingPunct="1">
+              <a:lnSpc>
+                <a:spcPct val="100000"/>
+              </a:lnSpc>
+              <a:spcBef>
+                <a:spcPts val="0"/>
+              </a:spcBef>
+              <a:spcAft>
+                <a:spcPts val="0"/>
+              </a:spcAft>
+              <a:buClrTx/>
+              <a:buSzTx/>
+              <a:buFont typeface="Arial"/>
+              <a:buChar char="•"/>
+              <a:tabLst/>
+              <a:defRPr/>
+            </a:pPr>
+            <a:r>
+              <a:rPr lang="en-US" sz="1000" i="0" baseline="0" dirty="0" smtClean="0"/>
+              <a:t>If you scored 8-15, your belief in ML is in strong contradiction with your predominantly UC behaviour.</a:t>
+            </a:r>
+          </a:p>
+          <a:p>
+            <a:pPr marL="0" marR="0" lvl="0" indent="0" algn="l" defTabSz="457200" rtl="0" eaLnBrk="1" fontAlgn="auto" latinLnBrk="0" hangingPunct="1">
+              <a:lnSpc>
+                <a:spcPct val="100000"/>
+              </a:lnSpc>
+              <a:spcBef>
+                <a:spcPts val="0"/>
+              </a:spcBef>
+              <a:spcAft>
+                <a:spcPts val="0"/>
+              </a:spcAft>
+              <a:buClrTx/>
+              <a:buSzTx/>
+              <a:buFont typeface="Arial"/>
+              <a:buNone/>
+              <a:tabLst/>
+              <a:defRPr/>
+            </a:pPr>
+            <a:endParaRPr lang="en-US" sz="1000" i="0" baseline="0" dirty="0" smtClean="0"/>
+          </a:p>
+          <a:p>
+            <a:pPr marL="0" marR="0" lvl="0" indent="0" algn="l" defTabSz="457200" rtl="0" eaLnBrk="1" fontAlgn="auto" latinLnBrk="0" hangingPunct="1">
+              <a:lnSpc>
+                <a:spcPct val="100000"/>
+              </a:lnSpc>
+              <a:spcBef>
+                <a:spcPts val="0"/>
+              </a:spcBef>
+              <a:spcAft>
+                <a:spcPts val="0"/>
+              </a:spcAft>
+              <a:buClrTx/>
+              <a:buSzTx/>
+              <a:buFont typeface="Arial"/>
+              <a:buNone/>
+              <a:tabLst/>
+              <a:defRPr/>
+            </a:pPr>
+            <a:r>
+              <a:rPr lang="en-US" sz="1000" i="0" baseline="0" dirty="0" smtClean="0"/>
+              <a:t>On the other hand, if you scored between 5 and 10 for questions 1-5, you believe in UC AND you talk the talk and walk the walk all the time.</a:t>
+            </a:r>
+          </a:p>
+          <a:p>
+            <a:endParaRPr lang="en-US" sz="1000" i="0" baseline="0" dirty="0" smtClean="0"/>
+          </a:p>
+          <a:p>
+            <a:r>
+              <a:rPr lang="en-US" sz="1000" i="0" baseline="0" dirty="0" smtClean="0"/>
+              <a:t>So – why did I ask you to share your score?</a:t>
+            </a:r>
+          </a:p>
+          <a:p>
+            <a:endParaRPr lang="en-US" sz="1000" i="0" baseline="0" dirty="0" smtClean="0"/>
+          </a:p>
+          <a:p>
+            <a:r>
+              <a:rPr lang="en-US" sz="1000" i="0" baseline="0" dirty="0" smtClean="0"/>
+              <a:t>The main reason is to create the option for you to find the practitioners of ML during the break and get tips on how to live and breathe the Mutual Learning Model and 8 behaviours, even under stress.</a:t>
+            </a:r>
+          </a:p>
+          <a:p>
+            <a:endParaRPr lang="en-US" sz="1000" i="0" baseline="0" dirty="0" smtClean="0"/>
+          </a:p>
+          <a:p>
+            <a:r>
+              <a:rPr lang="en-US" sz="1000" i="0" baseline="0" dirty="0" smtClean="0"/>
+              <a:t>Thank you. Everyone take a sit.</a:t>
+            </a:r>
+          </a:p>
+          <a:p>
+            <a:endParaRPr lang="en-US" sz="1000" i="0" baseline="0" dirty="0" smtClean="0"/>
+          </a:p>
+          <a:p>
+            <a:r>
+              <a:rPr lang="en-US" sz="1000" i="0" baseline="0" dirty="0" smtClean="0"/>
+              <a:t>Let’s look at the findings in greater detail. If you scored 15 for mindset and 24 for behaviour, it means you are congruent in applying Mutual learning most of the time. The results you get from your efforts should reflect this.</a:t>
+            </a:r>
+          </a:p>
+          <a:p>
+            <a:endParaRPr lang="en-US" sz="1000" i="0" baseline="0" dirty="0" smtClean="0"/>
+          </a:p>
+          <a:p>
+            <a:pPr marL="0" marR="0" indent="0" algn="l" defTabSz="457200" rtl="0" eaLnBrk="1" fontAlgn="auto" latinLnBrk="0" hangingPunct="1">
+              <a:lnSpc>
+                <a:spcPct val="100000"/>
+              </a:lnSpc>
+              <a:spcBef>
+                <a:spcPts val="0"/>
+              </a:spcBef>
+              <a:spcAft>
+                <a:spcPts val="0"/>
+              </a:spcAft>
+              <a:buClrTx/>
+              <a:buSzTx/>
+              <a:buFontTx/>
+              <a:buNone/>
+              <a:tabLst/>
+              <a:defRPr/>
+            </a:pPr>
+            <a:r>
+              <a:rPr lang="en-US" sz="1000" i="0" baseline="0" dirty="0" smtClean="0"/>
+              <a:t>If you scored higher in behaviour than mindset, it means you actively apply the Mutual Learning behaviours without really applying the mindset. You talk the talk and walk the walk but you don’t quite believe in the ML mindset. Nonetheless, starting to change your behaviour can be an easier way to changing your mindset. As Amy Cuddy, psychologist famous for her Ted talk on the Power Pose and the body influencing the mind, it’s about "Fake it until you become it."</a:t>
+            </a:r>
+          </a:p>
+          <a:p>
+            <a:endParaRPr lang="en-US" sz="1000" i="0" baseline="0" dirty="0" smtClean="0"/>
+          </a:p>
+          <a:p>
+            <a:r>
+              <a:rPr lang="en-US" sz="1000" i="0" baseline="0" dirty="0" smtClean="0"/>
+              <a:t>If you scored higher in mindset than behaviour, it means that you believe strongly in the Mutual Learning mindset yet don’t apply the behaviours fully in practice all of the time. This is a strong position to be in, however, belief needs to result in corresponding behaviour to be effective. Monitor your theory in practice for discrepancies to your ML mindset to increase your practice of ML behaviour more often, especially when under stress.</a:t>
+            </a:r>
+          </a:p>
+          <a:p>
+            <a:endParaRPr lang="en-US" sz="1000" i="0" baseline="0" dirty="0" smtClean="0"/>
+          </a:p>
+          <a:p>
+            <a:r>
+              <a:rPr lang="en-US" sz="1000" b="1" i="0" baseline="0" dirty="0" smtClean="0"/>
+              <a:t>How accurate is the Mutual Learning Scale?</a:t>
+            </a:r>
+            <a:endParaRPr lang="en-US" sz="1000" b="0" i="0" baseline="0" dirty="0" smtClean="0"/>
+          </a:p>
+          <a:p>
+            <a:r>
+              <a:rPr lang="en-US" sz="1000" b="0" i="0" baseline="0" dirty="0" smtClean="0"/>
+              <a:t>It depends. We suggest taking your two scores and multiplying them by 3/5 each to calbrate it for how you think and act under stress.</a:t>
+            </a:r>
+          </a:p>
+          <a:p>
+            <a:endParaRPr lang="en-US" sz="1000" b="0" i="0" baseline="0" dirty="0" smtClean="0"/>
+          </a:p>
+          <a:p>
+            <a:r>
+              <a:rPr lang="en-US" sz="1000" b="0" i="0" baseline="0" dirty="0" smtClean="0"/>
+              <a:t>For instance, if Annie scores 20/20 for mindset on a sunny day, under stress, she would more likely score 15/20.</a:t>
+            </a:r>
+          </a:p>
+          <a:p>
+            <a:pPr marL="0" marR="0" indent="0" algn="l" defTabSz="914400" rtl="0" eaLnBrk="1" fontAlgn="auto" latinLnBrk="0" hangingPunct="1">
+              <a:lnSpc>
+                <a:spcPct val="100000"/>
+              </a:lnSpc>
+              <a:spcBef>
+                <a:spcPts val="0"/>
+              </a:spcBef>
+              <a:spcAft>
+                <a:spcPts val="0"/>
+              </a:spcAft>
+              <a:buClrTx/>
+              <a:buSzTx/>
+              <a:buFontTx/>
+              <a:buNone/>
+              <a:tabLst/>
+              <a:defRPr/>
+            </a:pPr>
+            <a:r>
+              <a:rPr lang="en-US" sz="1000" b="0" i="0" baseline="0" dirty="0" smtClean="0"/>
+              <a:t>For instance, if Annie scores 25/32 for mindset on a sunny day, under stress, she would more likely score 15/32.</a:t>
+            </a:r>
+          </a:p>
+          <a:p>
+            <a:pPr marL="0" marR="0" indent="0" algn="l" defTabSz="914400" rtl="0" eaLnBrk="1" fontAlgn="auto" latinLnBrk="0" hangingPunct="1">
+              <a:lnSpc>
+                <a:spcPct val="100000"/>
+              </a:lnSpc>
+              <a:spcBef>
+                <a:spcPts val="0"/>
+              </a:spcBef>
+              <a:spcAft>
+                <a:spcPts val="0"/>
+              </a:spcAft>
+              <a:buClrTx/>
+              <a:buSzTx/>
+              <a:buFontTx/>
+              <a:buNone/>
+              <a:tabLst/>
+              <a:defRPr/>
+            </a:pPr>
+            <a:endParaRPr lang="en-US" sz="1000" b="0" i="0" baseline="0" dirty="0" smtClean="0"/>
+          </a:p>
+          <a:p>
+            <a:pPr marL="0" marR="0" indent="0" algn="l" defTabSz="914400" rtl="0" eaLnBrk="1" fontAlgn="auto" latinLnBrk="0" hangingPunct="1">
+              <a:lnSpc>
+                <a:spcPct val="100000"/>
+              </a:lnSpc>
+              <a:spcBef>
+                <a:spcPts val="0"/>
+              </a:spcBef>
+              <a:spcAft>
+                <a:spcPts val="0"/>
+              </a:spcAft>
+              <a:buClrTx/>
+              <a:buSzTx/>
+              <a:buFontTx/>
+              <a:buNone/>
+              <a:tabLst/>
+              <a:defRPr/>
+            </a:pPr>
+            <a:r>
+              <a:rPr lang="en-US" sz="1000" b="0" i="0" baseline="0" dirty="0" smtClean="0"/>
+              <a:t>What we expect to see is a reduction by one level down, from “competent” to “advanced beginner” when Annie is under stress. Embedding Mutual Learning as a mindset is vital to ensure your best chances of congruent behaviour to get the desired results.</a:t>
+            </a:r>
+          </a:p>
+          <a:p>
+            <a:endParaRPr lang="en-US" sz="1000" b="0" i="0" baseline="0" dirty="0" smtClean="0"/>
+          </a:p>
+          <a:p>
+            <a:endParaRPr lang="en-US" sz="1000" b="1" i="0" baseline="0" dirty="0" smtClean="0"/>
           </a:p>
         </p:txBody>
       </p:sp>
@@ -2253,18 +2029,18 @@
           <a:bodyPr/>
           <a:lstStyle/>
           <a:p>
-            <a:fld id="{828D5D84-2C57-426A-A11C-619C0D2652D3}" type="slidenum">
-              <a:rPr lang="en-GB" smtClean="0"/>
-              <a:t>17</a:t>
+            <a:fld id="{7E75E9DD-8B2C-E440-9B98-CB5FAE3BBE40}" type="slidenum">
+              <a:rPr lang="en-US" smtClean="0"/>
+              <a:t>16</a:t>
             </a:fld>
-            <a:endParaRPr lang="en-GB"/>
+            <a:endParaRPr lang="en-US" dirty="0"/>
           </a:p>
         </p:txBody>
       </p:sp>
     </p:spTree>
     <p:extLst>
       <p:ext uri="{BB962C8B-B14F-4D97-AF65-F5344CB8AC3E}">
-        <p14:creationId xmlns:p14="http://schemas.microsoft.com/office/powerpoint/2010/main" val="1014187728"/>
+        <p14:creationId xmlns:p14="http://schemas.microsoft.com/office/powerpoint/2010/main" val="4046996353"/>
       </p:ext>
     </p:extLst>
   </p:cSld>
@@ -2318,7 +2094,7 @@
           <a:bodyPr/>
           <a:lstStyle/>
           <a:p>
-            <a:endParaRPr lang="en-US"/>
+            <a:endParaRPr lang="en-US" dirty="0"/>
           </a:p>
         </p:txBody>
       </p:sp>
@@ -2339,16 +2115,16 @@
           <a:p>
             <a:fld id="{828D5D84-2C57-426A-A11C-619C0D2652D3}" type="slidenum">
               <a:rPr lang="en-GB" smtClean="0"/>
-              <a:t>18</a:t>
+              <a:t>17</a:t>
             </a:fld>
-            <a:endParaRPr lang="en-GB"/>
+            <a:endParaRPr lang="en-GB" dirty="0"/>
           </a:p>
         </p:txBody>
       </p:sp>
     </p:spTree>
     <p:extLst>
       <p:ext uri="{BB962C8B-B14F-4D97-AF65-F5344CB8AC3E}">
-        <p14:creationId xmlns:p14="http://schemas.microsoft.com/office/powerpoint/2010/main" val="550325011"/>
+        <p14:creationId xmlns:p14="http://schemas.microsoft.com/office/powerpoint/2010/main" val="1014187728"/>
       </p:ext>
     </p:extLst>
   </p:cSld>
@@ -2402,7 +2178,7 @@
           <a:bodyPr/>
           <a:lstStyle/>
           <a:p>
-            <a:endParaRPr lang="en-US"/>
+            <a:endParaRPr lang="en-US" dirty="0"/>
           </a:p>
         </p:txBody>
       </p:sp>
@@ -2423,16 +2199,16 @@
           <a:p>
             <a:fld id="{828D5D84-2C57-426A-A11C-619C0D2652D3}" type="slidenum">
               <a:rPr lang="en-GB" smtClean="0"/>
-              <a:t>19</a:t>
+              <a:t>18</a:t>
             </a:fld>
-            <a:endParaRPr lang="en-GB"/>
+            <a:endParaRPr lang="en-GB" dirty="0"/>
           </a:p>
         </p:txBody>
       </p:sp>
     </p:spTree>
     <p:extLst>
       <p:ext uri="{BB962C8B-B14F-4D97-AF65-F5344CB8AC3E}">
-        <p14:creationId xmlns:p14="http://schemas.microsoft.com/office/powerpoint/2010/main" val="1405886462"/>
+        <p14:creationId xmlns:p14="http://schemas.microsoft.com/office/powerpoint/2010/main" val="550325011"/>
       </p:ext>
     </p:extLst>
   </p:cSld>
@@ -2486,7 +2262,7 @@
           <a:bodyPr/>
           <a:lstStyle/>
           <a:p>
-            <a:endParaRPr lang="en-US"/>
+            <a:endParaRPr lang="en-US" dirty="0"/>
           </a:p>
         </p:txBody>
       </p:sp>
@@ -2507,16 +2283,16 @@
           <a:p>
             <a:fld id="{828D5D84-2C57-426A-A11C-619C0D2652D3}" type="slidenum">
               <a:rPr lang="en-GB" smtClean="0"/>
-              <a:t>20</a:t>
+              <a:t>19</a:t>
             </a:fld>
-            <a:endParaRPr lang="en-GB"/>
+            <a:endParaRPr lang="en-GB" dirty="0"/>
           </a:p>
         </p:txBody>
       </p:sp>
     </p:spTree>
     <p:extLst>
       <p:ext uri="{BB962C8B-B14F-4D97-AF65-F5344CB8AC3E}">
-        <p14:creationId xmlns:p14="http://schemas.microsoft.com/office/powerpoint/2010/main" val="989732010"/>
+        <p14:creationId xmlns:p14="http://schemas.microsoft.com/office/powerpoint/2010/main" val="1405886462"/>
       </p:ext>
     </p:extLst>
   </p:cSld>
@@ -2607,7 +2383,7 @@
               <a:rPr lang="en-GB" smtClean="0"/>
               <a:t>2</a:t>
             </a:fld>
-            <a:endParaRPr lang="en-GB"/>
+            <a:endParaRPr lang="en-GB" dirty="0"/>
           </a:p>
         </p:txBody>
       </p:sp>
@@ -2651,10 +2427,94 @@
             <p:ph type="sldImg"/>
           </p:nvPr>
         </p:nvSpPr>
+        <p:spPr/>
+      </p:sp>
+      <p:sp>
+        <p:nvSpPr>
+          <p:cNvPr id="3" name="Notes Placeholder 2"/>
+          <p:cNvSpPr>
+            <a:spLocks noGrp="1"/>
+          </p:cNvSpPr>
+          <p:nvPr>
+            <p:ph type="body" idx="1"/>
+          </p:nvPr>
+        </p:nvSpPr>
+        <p:spPr/>
+        <p:txBody>
+          <a:bodyPr/>
+          <a:lstStyle/>
+          <a:p>
+            <a:endParaRPr lang="en-US" dirty="0"/>
+          </a:p>
+        </p:txBody>
+      </p:sp>
+      <p:sp>
+        <p:nvSpPr>
+          <p:cNvPr id="4" name="Slide Number Placeholder 3"/>
+          <p:cNvSpPr>
+            <a:spLocks noGrp="1"/>
+          </p:cNvSpPr>
+          <p:nvPr>
+            <p:ph type="sldNum" sz="quarter" idx="10"/>
+          </p:nvPr>
+        </p:nvSpPr>
+        <p:spPr/>
+        <p:txBody>
+          <a:bodyPr/>
+          <a:lstStyle/>
+          <a:p>
+            <a:fld id="{828D5D84-2C57-426A-A11C-619C0D2652D3}" type="slidenum">
+              <a:rPr lang="en-GB" smtClean="0"/>
+              <a:t>20</a:t>
+            </a:fld>
+            <a:endParaRPr lang="en-GB" dirty="0"/>
+          </a:p>
+        </p:txBody>
+      </p:sp>
+    </p:spTree>
+    <p:extLst>
+      <p:ext uri="{BB962C8B-B14F-4D97-AF65-F5344CB8AC3E}">
+        <p14:creationId xmlns:p14="http://schemas.microsoft.com/office/powerpoint/2010/main" val="989732010"/>
+      </p:ext>
+    </p:extLst>
+  </p:cSld>
+  <p:clrMapOvr>
+    <a:masterClrMapping/>
+  </p:clrMapOvr>
+</p:notes>
+</file>
+
+<file path=ppt/notesSlides/notesSlide21.xml><?xml version="1.0" encoding="utf-8"?>
+<p:notes xmlns:a="http://schemas.openxmlformats.org/drawingml/2006/main" xmlns:r="http://schemas.openxmlformats.org/officeDocument/2006/relationships" xmlns:p="http://schemas.openxmlformats.org/presentationml/2006/main">
+  <p:cSld>
+    <p:spTree>
+      <p:nvGrpSpPr>
+        <p:cNvPr id="1" name=""/>
+        <p:cNvGrpSpPr/>
+        <p:nvPr/>
+      </p:nvGrpSpPr>
+      <p:grpSpPr>
+        <a:xfrm>
+          <a:off x="0" y="0"/>
+          <a:ext cx="0" cy="0"/>
+          <a:chOff x="0" y="0"/>
+          <a:chExt cx="0" cy="0"/>
+        </a:xfrm>
+      </p:grpSpPr>
+      <p:sp>
+        <p:nvSpPr>
+          <p:cNvPr id="2" name="Slide Image Placeholder 1"/>
+          <p:cNvSpPr>
+            <a:spLocks noGrp="1" noRot="1" noChangeAspect="1"/>
+          </p:cNvSpPr>
+          <p:nvPr>
+            <p:ph type="sldImg"/>
+          </p:nvPr>
+        </p:nvSpPr>
         <p:spPr>
           <a:xfrm>
-            <a:off x="1143000" y="685800"/>
-            <a:ext cx="4572000" cy="3429000"/>
+            <a:off x="931863" y="742950"/>
+            <a:ext cx="4957762" cy="3719513"/>
           </a:xfrm>
         </p:spPr>
       </p:sp>
@@ -2690,7 +2550,7 @@
 </p:notes>
 </file>
 
-<file path=ppt/notesSlides/notesSlide21.xml><?xml version="1.0" encoding="utf-8"?>
+<file path=ppt/notesSlides/notesSlide22.xml><?xml version="1.0" encoding="utf-8"?>
 <p:notes xmlns:a="http://schemas.openxmlformats.org/drawingml/2006/main" xmlns:r="http://schemas.openxmlformats.org/officeDocument/2006/relationships" xmlns:p="http://schemas.openxmlformats.org/presentationml/2006/main" showMasterSp="0" showMasterPhAnim="0">
   <p:cSld>
     <p:spTree>
@@ -2719,8 +2579,8 @@
         </p:nvSpPr>
         <p:spPr>
           <a:xfrm>
-            <a:off x="1143000" y="685800"/>
-            <a:ext cx="4572000" cy="3429000"/>
+            <a:off x="931863" y="742950"/>
+            <a:ext cx="4957762" cy="3719513"/>
           </a:xfrm>
           <a:custGeom>
             <a:avLst/>
@@ -2770,8 +2630,8 @@
         </p:nvSpPr>
         <p:spPr>
           <a:xfrm>
-            <a:off x="685800" y="4343400"/>
-            <a:ext cx="5486399" cy="4114800"/>
+            <a:off x="681992" y="4711383"/>
+            <a:ext cx="5455919" cy="4463415"/>
           </a:xfrm>
           <a:prstGeom prst="rect">
             <a:avLst/>
@@ -2789,95 +2649,11 @@
               </a:spcBef>
               <a:buNone/>
             </a:pPr>
-            <a:endParaRPr/>
+            <a:endParaRPr dirty="0"/>
           </a:p>
         </p:txBody>
       </p:sp>
     </p:spTree>
-  </p:cSld>
-  <p:clrMapOvr>
-    <a:masterClrMapping/>
-  </p:clrMapOvr>
-</p:notes>
-</file>
-
-<file path=ppt/notesSlides/notesSlide22.xml><?xml version="1.0" encoding="utf-8"?>
-<p:notes xmlns:a="http://schemas.openxmlformats.org/drawingml/2006/main" xmlns:r="http://schemas.openxmlformats.org/officeDocument/2006/relationships" xmlns:p="http://schemas.openxmlformats.org/presentationml/2006/main">
-  <p:cSld>
-    <p:spTree>
-      <p:nvGrpSpPr>
-        <p:cNvPr id="1" name=""/>
-        <p:cNvGrpSpPr/>
-        <p:nvPr/>
-      </p:nvGrpSpPr>
-      <p:grpSpPr>
-        <a:xfrm>
-          <a:off x="0" y="0"/>
-          <a:ext cx="0" cy="0"/>
-          <a:chOff x="0" y="0"/>
-          <a:chExt cx="0" cy="0"/>
-        </a:xfrm>
-      </p:grpSpPr>
-      <p:sp>
-        <p:nvSpPr>
-          <p:cNvPr id="2" name="Slide Image Placeholder 1"/>
-          <p:cNvSpPr>
-            <a:spLocks noGrp="1" noRot="1" noChangeAspect="1"/>
-          </p:cNvSpPr>
-          <p:nvPr>
-            <p:ph type="sldImg"/>
-          </p:nvPr>
-        </p:nvSpPr>
-        <p:spPr/>
-      </p:sp>
-      <p:sp>
-        <p:nvSpPr>
-          <p:cNvPr id="3" name="Notes Placeholder 2"/>
-          <p:cNvSpPr>
-            <a:spLocks noGrp="1"/>
-          </p:cNvSpPr>
-          <p:nvPr>
-            <p:ph type="body" idx="1"/>
-          </p:nvPr>
-        </p:nvSpPr>
-        <p:spPr/>
-        <p:txBody>
-          <a:bodyPr/>
-          <a:lstStyle/>
-          <a:p>
-            <a:endParaRPr lang="en-US"/>
-          </a:p>
-        </p:txBody>
-      </p:sp>
-      <p:sp>
-        <p:nvSpPr>
-          <p:cNvPr id="4" name="Slide Number Placeholder 3"/>
-          <p:cNvSpPr>
-            <a:spLocks noGrp="1"/>
-          </p:cNvSpPr>
-          <p:nvPr>
-            <p:ph type="sldNum" sz="quarter" idx="10"/>
-          </p:nvPr>
-        </p:nvSpPr>
-        <p:spPr/>
-        <p:txBody>
-          <a:bodyPr/>
-          <a:lstStyle/>
-          <a:p>
-            <a:fld id="{828D5D84-2C57-426A-A11C-619C0D2652D3}" type="slidenum">
-              <a:rPr lang="en-GB" smtClean="0"/>
-              <a:t>23</a:t>
-            </a:fld>
-            <a:endParaRPr lang="en-GB"/>
-          </a:p>
-        </p:txBody>
-      </p:sp>
-    </p:spTree>
-    <p:extLst>
-      <p:ext uri="{BB962C8B-B14F-4D97-AF65-F5344CB8AC3E}">
-        <p14:creationId xmlns:p14="http://schemas.microsoft.com/office/powerpoint/2010/main" val="865842807"/>
-      </p:ext>
-    </p:extLst>
   </p:cSld>
   <p:clrMapOvr>
     <a:masterClrMapping/>
@@ -2929,7 +2705,7 @@
           <a:bodyPr/>
           <a:lstStyle/>
           <a:p>
-            <a:endParaRPr lang="en-GB" dirty="0"/>
+            <a:endParaRPr lang="en-US" dirty="0"/>
           </a:p>
         </p:txBody>
       </p:sp>
@@ -2950,16 +2726,16 @@
           <a:p>
             <a:fld id="{828D5D84-2C57-426A-A11C-619C0D2652D3}" type="slidenum">
               <a:rPr lang="en-GB" smtClean="0"/>
-              <a:t>25</a:t>
+              <a:t>23</a:t>
             </a:fld>
-            <a:endParaRPr lang="en-GB"/>
+            <a:endParaRPr lang="en-GB" dirty="0"/>
           </a:p>
         </p:txBody>
       </p:sp>
     </p:spTree>
     <p:extLst>
       <p:ext uri="{BB962C8B-B14F-4D97-AF65-F5344CB8AC3E}">
-        <p14:creationId xmlns:p14="http://schemas.microsoft.com/office/powerpoint/2010/main" val="3481473580"/>
+        <p14:creationId xmlns:p14="http://schemas.microsoft.com/office/powerpoint/2010/main" val="865842807"/>
       </p:ext>
     </p:extLst>
   </p:cSld>
@@ -3015,36 +2791,6 @@
           <a:p>
             <a:r>
               <a:rPr lang="en-GB" dirty="0" smtClean="0"/>
-              <a:t>Team Lead:</a:t>
-            </a:r>
-          </a:p>
-          <a:p>
-            <a:r>
-              <a:rPr lang="en-GB" dirty="0" smtClean="0"/>
-              <a:t>The development team haven't made much progress.</a:t>
-            </a:r>
-          </a:p>
-          <a:p>
-            <a:r>
-              <a:rPr lang="en-GB" dirty="0" smtClean="0"/>
-              <a:t>You're going to miss the agreed deadline.</a:t>
-            </a:r>
-          </a:p>
-          <a:p>
-            <a:r>
-              <a:rPr lang="en-GB" dirty="0" smtClean="0"/>
-              <a:t>You don't want to tell people you're going to miss the deadline because you want to avoid confrontation.</a:t>
-            </a:r>
-          </a:p>
-          <a:p>
-            <a:r>
-              <a:rPr lang="en-GB" dirty="0" smtClean="0"/>
-              <a:t>   </a:t>
-            </a:r>
-          </a:p>
-          <a:p>
-            <a:r>
-              <a:rPr lang="en-GB" dirty="0" smtClean="0"/>
               <a:t>Make large wearable nameplates for actors.</a:t>
             </a:r>
           </a:p>
@@ -3065,7 +2811,6 @@
               <a:rPr lang="en-GB" dirty="0" smtClean="0"/>
               <a:t>Get observations on results from audience members.</a:t>
             </a:r>
-            <a:endParaRPr lang="en-GB" dirty="0"/>
           </a:p>
         </p:txBody>
       </p:sp>
@@ -3086,16 +2831,16 @@
           <a:p>
             <a:fld id="{828D5D84-2C57-426A-A11C-619C0D2652D3}" type="slidenum">
               <a:rPr lang="en-GB" smtClean="0"/>
-              <a:t>26</a:t>
+              <a:t>24</a:t>
             </a:fld>
-            <a:endParaRPr lang="en-GB"/>
+            <a:endParaRPr lang="en-GB" dirty="0"/>
           </a:p>
         </p:txBody>
       </p:sp>
     </p:spTree>
     <p:extLst>
       <p:ext uri="{BB962C8B-B14F-4D97-AF65-F5344CB8AC3E}">
-        <p14:creationId xmlns:p14="http://schemas.microsoft.com/office/powerpoint/2010/main" val="3481473580"/>
+        <p14:creationId xmlns:p14="http://schemas.microsoft.com/office/powerpoint/2010/main" val="2340353388"/>
       </p:ext>
     </p:extLst>
   </p:cSld>
@@ -3170,9 +2915,9 @@
           <a:p>
             <a:fld id="{828D5D84-2C57-426A-A11C-619C0D2652D3}" type="slidenum">
               <a:rPr lang="en-GB" smtClean="0"/>
-              <a:t>27</a:t>
+              <a:t>25</a:t>
             </a:fld>
-            <a:endParaRPr lang="en-GB"/>
+            <a:endParaRPr lang="en-GB" dirty="0"/>
           </a:p>
         </p:txBody>
       </p:sp>
@@ -3233,21 +2978,7 @@
           <a:bodyPr/>
           <a:lstStyle/>
           <a:p>
-            <a:r>
-              <a:rPr lang="en-GB" dirty="0" smtClean="0"/>
-              <a:t>Wearable</a:t>
-            </a:r>
-            <a:r>
-              <a:rPr lang="en-GB" baseline="0" dirty="0" smtClean="0"/>
-              <a:t> nameplates to make and give to actors.</a:t>
-            </a:r>
-          </a:p>
-          <a:p>
-            <a:r>
-              <a:rPr lang="en-GB" baseline="0" dirty="0" smtClean="0"/>
-              <a:t>Why not go hands-free? Just add string so they can put it around their necks.</a:t>
-            </a:r>
-            <a:endParaRPr lang="en-GB" dirty="0"/>
+            <a:endParaRPr lang="en-GB" dirty="0" smtClean="0"/>
           </a:p>
         </p:txBody>
       </p:sp>
@@ -3268,16 +2999,16 @@
           <a:p>
             <a:fld id="{828D5D84-2C57-426A-A11C-619C0D2652D3}" type="slidenum">
               <a:rPr lang="en-GB" smtClean="0"/>
-              <a:t>28</a:t>
+              <a:t>26</a:t>
             </a:fld>
-            <a:endParaRPr lang="en-GB"/>
+            <a:endParaRPr lang="en-GB" dirty="0"/>
           </a:p>
         </p:txBody>
       </p:sp>
     </p:spTree>
     <p:extLst>
       <p:ext uri="{BB962C8B-B14F-4D97-AF65-F5344CB8AC3E}">
-        <p14:creationId xmlns:p14="http://schemas.microsoft.com/office/powerpoint/2010/main" val="926470723"/>
+        <p14:creationId xmlns:p14="http://schemas.microsoft.com/office/powerpoint/2010/main" val="3481473580"/>
       </p:ext>
     </p:extLst>
   </p:cSld>
@@ -3331,7 +3062,7 @@
           <a:bodyPr/>
           <a:lstStyle/>
           <a:p>
-            <a:endParaRPr lang="en-US"/>
+            <a:endParaRPr lang="en-GB" dirty="0"/>
           </a:p>
         </p:txBody>
       </p:sp>
@@ -3352,16 +3083,16 @@
           <a:p>
             <a:fld id="{828D5D84-2C57-426A-A11C-619C0D2652D3}" type="slidenum">
               <a:rPr lang="en-GB" smtClean="0"/>
-              <a:t>29</a:t>
+              <a:t>27</a:t>
             </a:fld>
-            <a:endParaRPr lang="en-GB"/>
+            <a:endParaRPr lang="en-GB" dirty="0"/>
           </a:p>
         </p:txBody>
       </p:sp>
     </p:spTree>
     <p:extLst>
       <p:ext uri="{BB962C8B-B14F-4D97-AF65-F5344CB8AC3E}">
-        <p14:creationId xmlns:p14="http://schemas.microsoft.com/office/powerpoint/2010/main" val="4102631718"/>
+        <p14:creationId xmlns:p14="http://schemas.microsoft.com/office/powerpoint/2010/main" val="3481473580"/>
       </p:ext>
     </p:extLst>
   </p:cSld>
@@ -3415,7 +3146,21 @@
           <a:bodyPr/>
           <a:lstStyle/>
           <a:p>
-            <a:endParaRPr lang="en-US"/>
+            <a:r>
+              <a:rPr lang="en-GB" dirty="0" smtClean="0"/>
+              <a:t>Wearable</a:t>
+            </a:r>
+            <a:r>
+              <a:rPr lang="en-GB" baseline="0" dirty="0" smtClean="0"/>
+              <a:t> nameplates to make and give to actors.</a:t>
+            </a:r>
+          </a:p>
+          <a:p>
+            <a:r>
+              <a:rPr lang="en-GB" baseline="0" dirty="0" smtClean="0"/>
+              <a:t>Why not go hands-free? Just add string so they can put it around their necks.</a:t>
+            </a:r>
+            <a:endParaRPr lang="en-GB" dirty="0"/>
           </a:p>
         </p:txBody>
       </p:sp>
@@ -3436,16 +3181,16 @@
           <a:p>
             <a:fld id="{828D5D84-2C57-426A-A11C-619C0D2652D3}" type="slidenum">
               <a:rPr lang="en-GB" smtClean="0"/>
-              <a:t>30</a:t>
+              <a:t>28</a:t>
             </a:fld>
-            <a:endParaRPr lang="en-GB"/>
+            <a:endParaRPr lang="en-GB" dirty="0"/>
           </a:p>
         </p:txBody>
       </p:sp>
     </p:spTree>
     <p:extLst>
       <p:ext uri="{BB962C8B-B14F-4D97-AF65-F5344CB8AC3E}">
-        <p14:creationId xmlns:p14="http://schemas.microsoft.com/office/powerpoint/2010/main" val="4102631718"/>
+        <p14:creationId xmlns:p14="http://schemas.microsoft.com/office/powerpoint/2010/main" val="926470723"/>
       </p:ext>
     </p:extLst>
   </p:cSld>
@@ -3499,7 +3244,7 @@
           <a:bodyPr/>
           <a:lstStyle/>
           <a:p>
-            <a:endParaRPr lang="en-US"/>
+            <a:endParaRPr lang="en-US" dirty="0"/>
           </a:p>
         </p:txBody>
       </p:sp>
@@ -3520,16 +3265,16 @@
           <a:p>
             <a:fld id="{828D5D84-2C57-426A-A11C-619C0D2652D3}" type="slidenum">
               <a:rPr lang="en-GB" smtClean="0"/>
-              <a:t>32</a:t>
+              <a:t>29</a:t>
             </a:fld>
-            <a:endParaRPr lang="en-GB"/>
+            <a:endParaRPr lang="en-GB" dirty="0"/>
           </a:p>
         </p:txBody>
       </p:sp>
     </p:spTree>
     <p:extLst>
       <p:ext uri="{BB962C8B-B14F-4D97-AF65-F5344CB8AC3E}">
-        <p14:creationId xmlns:p14="http://schemas.microsoft.com/office/powerpoint/2010/main" val="952339343"/>
+        <p14:creationId xmlns:p14="http://schemas.microsoft.com/office/powerpoint/2010/main" val="4102631718"/>
       </p:ext>
     </p:extLst>
   </p:cSld>
@@ -3568,8 +3313,8 @@
         </p:nvSpPr>
         <p:spPr>
           <a:xfrm>
-            <a:off x="1143000" y="685800"/>
-            <a:ext cx="4572000" cy="3429000"/>
+            <a:off x="931863" y="742950"/>
+            <a:ext cx="4957762" cy="3719513"/>
           </a:xfrm>
         </p:spPr>
       </p:sp>
@@ -3649,7 +3394,259 @@
           <a:bodyPr/>
           <a:lstStyle/>
           <a:p>
-            <a:endParaRPr lang="en-US"/>
+            <a:endParaRPr lang="en-US" dirty="0"/>
+          </a:p>
+        </p:txBody>
+      </p:sp>
+      <p:sp>
+        <p:nvSpPr>
+          <p:cNvPr id="4" name="Slide Number Placeholder 3"/>
+          <p:cNvSpPr>
+            <a:spLocks noGrp="1"/>
+          </p:cNvSpPr>
+          <p:nvPr>
+            <p:ph type="sldNum" sz="quarter" idx="10"/>
+          </p:nvPr>
+        </p:nvSpPr>
+        <p:spPr/>
+        <p:txBody>
+          <a:bodyPr/>
+          <a:lstStyle/>
+          <a:p>
+            <a:fld id="{828D5D84-2C57-426A-A11C-619C0D2652D3}" type="slidenum">
+              <a:rPr lang="en-GB" smtClean="0"/>
+              <a:t>30</a:t>
+            </a:fld>
+            <a:endParaRPr lang="en-GB" dirty="0"/>
+          </a:p>
+        </p:txBody>
+      </p:sp>
+    </p:spTree>
+    <p:extLst>
+      <p:ext uri="{BB962C8B-B14F-4D97-AF65-F5344CB8AC3E}">
+        <p14:creationId xmlns:p14="http://schemas.microsoft.com/office/powerpoint/2010/main" val="4102631718"/>
+      </p:ext>
+    </p:extLst>
+  </p:cSld>
+  <p:clrMapOvr>
+    <a:masterClrMapping/>
+  </p:clrMapOvr>
+</p:notes>
+</file>
+
+<file path=ppt/notesSlides/notesSlide31.xml><?xml version="1.0" encoding="utf-8"?>
+<p:notes xmlns:a="http://schemas.openxmlformats.org/drawingml/2006/main" xmlns:r="http://schemas.openxmlformats.org/officeDocument/2006/relationships" xmlns:p="http://schemas.openxmlformats.org/presentationml/2006/main">
+  <p:cSld>
+    <p:spTree>
+      <p:nvGrpSpPr>
+        <p:cNvPr id="1" name=""/>
+        <p:cNvGrpSpPr/>
+        <p:nvPr/>
+      </p:nvGrpSpPr>
+      <p:grpSpPr>
+        <a:xfrm>
+          <a:off x="0" y="0"/>
+          <a:ext cx="0" cy="0"/>
+          <a:chOff x="0" y="0"/>
+          <a:chExt cx="0" cy="0"/>
+        </a:xfrm>
+      </p:grpSpPr>
+      <p:sp>
+        <p:nvSpPr>
+          <p:cNvPr id="2" name="Slide Image Placeholder 1"/>
+          <p:cNvSpPr>
+            <a:spLocks noGrp="1" noRot="1" noChangeAspect="1"/>
+          </p:cNvSpPr>
+          <p:nvPr>
+            <p:ph type="sldImg"/>
+          </p:nvPr>
+        </p:nvSpPr>
+        <p:spPr/>
+      </p:sp>
+      <p:sp>
+        <p:nvSpPr>
+          <p:cNvPr id="3" name="Notes Placeholder 2"/>
+          <p:cNvSpPr>
+            <a:spLocks noGrp="1"/>
+          </p:cNvSpPr>
+          <p:nvPr>
+            <p:ph type="body" idx="1"/>
+          </p:nvPr>
+        </p:nvSpPr>
+        <p:spPr/>
+        <p:txBody>
+          <a:bodyPr/>
+          <a:lstStyle/>
+          <a:p>
+            <a:endParaRPr lang="en-GB" dirty="0"/>
+          </a:p>
+        </p:txBody>
+      </p:sp>
+      <p:sp>
+        <p:nvSpPr>
+          <p:cNvPr id="4" name="Slide Number Placeholder 3"/>
+          <p:cNvSpPr>
+            <a:spLocks noGrp="1"/>
+          </p:cNvSpPr>
+          <p:nvPr>
+            <p:ph type="sldNum" sz="quarter" idx="10"/>
+          </p:nvPr>
+        </p:nvSpPr>
+        <p:spPr/>
+        <p:txBody>
+          <a:bodyPr/>
+          <a:lstStyle/>
+          <a:p>
+            <a:fld id="{828D5D84-2C57-426A-A11C-619C0D2652D3}" type="slidenum">
+              <a:rPr lang="en-GB" smtClean="0"/>
+              <a:t>31</a:t>
+            </a:fld>
+            <a:endParaRPr lang="en-GB" dirty="0"/>
+          </a:p>
+        </p:txBody>
+      </p:sp>
+    </p:spTree>
+    <p:extLst>
+      <p:ext uri="{BB962C8B-B14F-4D97-AF65-F5344CB8AC3E}">
+        <p14:creationId xmlns:p14="http://schemas.microsoft.com/office/powerpoint/2010/main" val="3921019743"/>
+      </p:ext>
+    </p:extLst>
+  </p:cSld>
+  <p:clrMapOvr>
+    <a:masterClrMapping/>
+  </p:clrMapOvr>
+</p:notes>
+</file>
+
+<file path=ppt/notesSlides/notesSlide32.xml><?xml version="1.0" encoding="utf-8"?>
+<p:notes xmlns:a="http://schemas.openxmlformats.org/drawingml/2006/main" xmlns:r="http://schemas.openxmlformats.org/officeDocument/2006/relationships" xmlns:p="http://schemas.openxmlformats.org/presentationml/2006/main">
+  <p:cSld>
+    <p:spTree>
+      <p:nvGrpSpPr>
+        <p:cNvPr id="1" name=""/>
+        <p:cNvGrpSpPr/>
+        <p:nvPr/>
+      </p:nvGrpSpPr>
+      <p:grpSpPr>
+        <a:xfrm>
+          <a:off x="0" y="0"/>
+          <a:ext cx="0" cy="0"/>
+          <a:chOff x="0" y="0"/>
+          <a:chExt cx="0" cy="0"/>
+        </a:xfrm>
+      </p:grpSpPr>
+      <p:sp>
+        <p:nvSpPr>
+          <p:cNvPr id="2" name="Slide Image Placeholder 1"/>
+          <p:cNvSpPr>
+            <a:spLocks noGrp="1" noRot="1" noChangeAspect="1"/>
+          </p:cNvSpPr>
+          <p:nvPr>
+            <p:ph type="sldImg"/>
+          </p:nvPr>
+        </p:nvSpPr>
+        <p:spPr/>
+      </p:sp>
+      <p:sp>
+        <p:nvSpPr>
+          <p:cNvPr id="3" name="Notes Placeholder 2"/>
+          <p:cNvSpPr>
+            <a:spLocks noGrp="1"/>
+          </p:cNvSpPr>
+          <p:nvPr>
+            <p:ph type="body" idx="1"/>
+          </p:nvPr>
+        </p:nvSpPr>
+        <p:spPr/>
+        <p:txBody>
+          <a:bodyPr/>
+          <a:lstStyle/>
+          <a:p>
+            <a:endParaRPr lang="en-US" dirty="0"/>
+          </a:p>
+        </p:txBody>
+      </p:sp>
+      <p:sp>
+        <p:nvSpPr>
+          <p:cNvPr id="4" name="Slide Number Placeholder 3"/>
+          <p:cNvSpPr>
+            <a:spLocks noGrp="1"/>
+          </p:cNvSpPr>
+          <p:nvPr>
+            <p:ph type="sldNum" sz="quarter" idx="10"/>
+          </p:nvPr>
+        </p:nvSpPr>
+        <p:spPr/>
+        <p:txBody>
+          <a:bodyPr/>
+          <a:lstStyle/>
+          <a:p>
+            <a:fld id="{828D5D84-2C57-426A-A11C-619C0D2652D3}" type="slidenum">
+              <a:rPr lang="en-GB" smtClean="0"/>
+              <a:t>32</a:t>
+            </a:fld>
+            <a:endParaRPr lang="en-GB" dirty="0"/>
+          </a:p>
+        </p:txBody>
+      </p:sp>
+    </p:spTree>
+    <p:extLst>
+      <p:ext uri="{BB962C8B-B14F-4D97-AF65-F5344CB8AC3E}">
+        <p14:creationId xmlns:p14="http://schemas.microsoft.com/office/powerpoint/2010/main" val="952339343"/>
+      </p:ext>
+    </p:extLst>
+  </p:cSld>
+  <p:clrMapOvr>
+    <a:masterClrMapping/>
+  </p:clrMapOvr>
+</p:notes>
+</file>
+
+<file path=ppt/notesSlides/notesSlide33.xml><?xml version="1.0" encoding="utf-8"?>
+<p:notes xmlns:a="http://schemas.openxmlformats.org/drawingml/2006/main" xmlns:r="http://schemas.openxmlformats.org/officeDocument/2006/relationships" xmlns:p="http://schemas.openxmlformats.org/presentationml/2006/main">
+  <p:cSld>
+    <p:spTree>
+      <p:nvGrpSpPr>
+        <p:cNvPr id="1" name=""/>
+        <p:cNvGrpSpPr/>
+        <p:nvPr/>
+      </p:nvGrpSpPr>
+      <p:grpSpPr>
+        <a:xfrm>
+          <a:off x="0" y="0"/>
+          <a:ext cx="0" cy="0"/>
+          <a:chOff x="0" y="0"/>
+          <a:chExt cx="0" cy="0"/>
+        </a:xfrm>
+      </p:grpSpPr>
+      <p:sp>
+        <p:nvSpPr>
+          <p:cNvPr id="2" name="Slide Image Placeholder 1"/>
+          <p:cNvSpPr>
+            <a:spLocks noGrp="1" noRot="1" noChangeAspect="1"/>
+          </p:cNvSpPr>
+          <p:nvPr>
+            <p:ph type="sldImg"/>
+          </p:nvPr>
+        </p:nvSpPr>
+        <p:spPr/>
+      </p:sp>
+      <p:sp>
+        <p:nvSpPr>
+          <p:cNvPr id="3" name="Notes Placeholder 2"/>
+          <p:cNvSpPr>
+            <a:spLocks noGrp="1"/>
+          </p:cNvSpPr>
+          <p:nvPr>
+            <p:ph type="body" idx="1"/>
+          </p:nvPr>
+        </p:nvSpPr>
+        <p:spPr/>
+        <p:txBody>
+          <a:bodyPr/>
+          <a:lstStyle/>
+          <a:p>
+            <a:endParaRPr lang="en-US" dirty="0"/>
           </a:p>
         </p:txBody>
       </p:sp>
@@ -3672,7 +3669,7 @@
               <a:rPr lang="en-GB" smtClean="0"/>
               <a:t>33</a:t>
             </a:fld>
-            <a:endParaRPr lang="en-GB"/>
+            <a:endParaRPr lang="en-GB" dirty="0"/>
           </a:p>
         </p:txBody>
       </p:sp>
@@ -3733,7 +3730,7 @@
           <a:bodyPr/>
           <a:lstStyle/>
           <a:p>
-            <a:endParaRPr lang="en-US"/>
+            <a:endParaRPr lang="en-US" dirty="0"/>
           </a:p>
         </p:txBody>
       </p:sp>
@@ -3756,7 +3753,7 @@
               <a:rPr lang="en-GB" smtClean="0"/>
               <a:t>4</a:t>
             </a:fld>
-            <a:endParaRPr lang="en-GB"/>
+            <a:endParaRPr lang="en-GB" dirty="0"/>
           </a:p>
         </p:txBody>
       </p:sp>
@@ -3857,7 +3854,7 @@
               <a:rPr lang="en-GB" smtClean="0"/>
               <a:t>5</a:t>
             </a:fld>
-            <a:endParaRPr lang="en-GB"/>
+            <a:endParaRPr lang="en-GB" dirty="0"/>
           </a:p>
         </p:txBody>
       </p:sp>
@@ -4026,7 +4023,7 @@
               <a:rPr lang="en-US" smtClean="0"/>
               <a:t>6</a:t>
             </a:fld>
-            <a:endParaRPr lang="en-US"/>
+            <a:endParaRPr lang="en-US" dirty="0"/>
           </a:p>
         </p:txBody>
       </p:sp>
@@ -4122,12 +4119,12 @@
           </a:p>
           <a:p>
             <a:r>
-              <a:rPr lang="en-GB" smtClean="0"/>
+              <a:rPr lang="en-GB" dirty="0" smtClean="0"/>
               <a:t>Get observations on results from audience members.</a:t>
             </a:r>
           </a:p>
           <a:p>
-            <a:endParaRPr lang="en-GB"/>
+            <a:endParaRPr lang="en-GB" dirty="0"/>
           </a:p>
         </p:txBody>
       </p:sp>
@@ -4150,7 +4147,7 @@
               <a:rPr lang="en-GB" smtClean="0"/>
               <a:t>7</a:t>
             </a:fld>
-            <a:endParaRPr lang="en-GB"/>
+            <a:endParaRPr lang="en-GB" dirty="0"/>
           </a:p>
         </p:txBody>
       </p:sp>
@@ -4257,7 +4254,7 @@
               <a:rPr lang="en-GB" smtClean="0"/>
               <a:t>8</a:t>
             </a:fld>
-            <a:endParaRPr lang="en-GB"/>
+            <a:endParaRPr lang="en-GB" dirty="0"/>
           </a:p>
         </p:txBody>
       </p:sp>
@@ -4318,7 +4315,7 @@
           <a:bodyPr/>
           <a:lstStyle/>
           <a:p>
-            <a:endParaRPr lang="en-US"/>
+            <a:endParaRPr lang="en-US" dirty="0"/>
           </a:p>
         </p:txBody>
       </p:sp>
@@ -4341,7 +4338,7 @@
               <a:rPr lang="en-GB" smtClean="0"/>
               <a:t>9</a:t>
             </a:fld>
-            <a:endParaRPr lang="en-GB"/>
+            <a:endParaRPr lang="en-GB" dirty="0"/>
           </a:p>
         </p:txBody>
       </p:sp>
@@ -4541,7 +4538,7 @@
               <a:rPr lang="en-GB" smtClean="0"/>
               <a:t>22/09/2015</a:t>
             </a:fld>
-            <a:endParaRPr lang="en-GB"/>
+            <a:endParaRPr lang="en-GB" dirty="0"/>
           </a:p>
         </p:txBody>
       </p:sp>
@@ -4560,7 +4557,7 @@
           <a:bodyPr/>
           <a:lstStyle/>
           <a:p>
-            <a:endParaRPr lang="en-GB"/>
+            <a:endParaRPr lang="en-GB" dirty="0"/>
           </a:p>
         </p:txBody>
       </p:sp>
@@ -4583,7 +4580,7 @@
               <a:rPr lang="en-GB" smtClean="0"/>
               <a:t>‹#›</a:t>
             </a:fld>
-            <a:endParaRPr lang="en-GB"/>
+            <a:endParaRPr lang="en-GB" dirty="0"/>
           </a:p>
         </p:txBody>
       </p:sp>
@@ -4711,7 +4708,7 @@
               <a:rPr lang="en-GB" smtClean="0"/>
               <a:t>22/09/2015</a:t>
             </a:fld>
-            <a:endParaRPr lang="en-GB"/>
+            <a:endParaRPr lang="en-GB" dirty="0"/>
           </a:p>
         </p:txBody>
       </p:sp>
@@ -4730,7 +4727,7 @@
           <a:bodyPr/>
           <a:lstStyle/>
           <a:p>
-            <a:endParaRPr lang="en-GB"/>
+            <a:endParaRPr lang="en-GB" dirty="0"/>
           </a:p>
         </p:txBody>
       </p:sp>
@@ -4753,7 +4750,7 @@
               <a:rPr lang="en-GB" smtClean="0"/>
               <a:t>‹#›</a:t>
             </a:fld>
-            <a:endParaRPr lang="en-GB"/>
+            <a:endParaRPr lang="en-GB" dirty="0"/>
           </a:p>
         </p:txBody>
       </p:sp>
@@ -4891,7 +4888,7 @@
               <a:rPr lang="en-GB" smtClean="0"/>
               <a:t>22/09/2015</a:t>
             </a:fld>
-            <a:endParaRPr lang="en-GB"/>
+            <a:endParaRPr lang="en-GB" dirty="0"/>
           </a:p>
         </p:txBody>
       </p:sp>
@@ -4910,7 +4907,7 @@
           <a:bodyPr/>
           <a:lstStyle/>
           <a:p>
-            <a:endParaRPr lang="en-GB"/>
+            <a:endParaRPr lang="en-GB" dirty="0"/>
           </a:p>
         </p:txBody>
       </p:sp>
@@ -4933,7 +4930,7 @@
               <a:rPr lang="en-GB" smtClean="0"/>
               <a:t>‹#›</a:t>
             </a:fld>
-            <a:endParaRPr lang="en-GB"/>
+            <a:endParaRPr lang="en-GB" dirty="0"/>
           </a:p>
         </p:txBody>
       </p:sp>
@@ -5302,7 +5299,7 @@
               <a:rPr lang="en-GB" smtClean="0"/>
               <a:t>22/09/2015</a:t>
             </a:fld>
-            <a:endParaRPr lang="en-GB"/>
+            <a:endParaRPr lang="en-GB" dirty="0"/>
           </a:p>
         </p:txBody>
       </p:sp>
@@ -5321,7 +5318,7 @@
           <a:bodyPr/>
           <a:lstStyle/>
           <a:p>
-            <a:endParaRPr lang="en-GB"/>
+            <a:endParaRPr lang="en-GB" dirty="0"/>
           </a:p>
         </p:txBody>
       </p:sp>
@@ -5344,7 +5341,7 @@
               <a:rPr lang="en-GB" smtClean="0"/>
               <a:t>‹#›</a:t>
             </a:fld>
-            <a:endParaRPr lang="en-GB"/>
+            <a:endParaRPr lang="en-GB" dirty="0"/>
           </a:p>
         </p:txBody>
       </p:sp>
@@ -5548,7 +5545,7 @@
               <a:rPr lang="en-GB" smtClean="0"/>
               <a:t>22/09/2015</a:t>
             </a:fld>
-            <a:endParaRPr lang="en-GB"/>
+            <a:endParaRPr lang="en-GB" dirty="0"/>
           </a:p>
         </p:txBody>
       </p:sp>
@@ -5567,7 +5564,7 @@
           <a:bodyPr/>
           <a:lstStyle/>
           <a:p>
-            <a:endParaRPr lang="en-GB"/>
+            <a:endParaRPr lang="en-GB" dirty="0"/>
           </a:p>
         </p:txBody>
       </p:sp>
@@ -5590,7 +5587,7 @@
               <a:rPr lang="en-GB" smtClean="0"/>
               <a:t>‹#›</a:t>
             </a:fld>
-            <a:endParaRPr lang="en-GB"/>
+            <a:endParaRPr lang="en-GB" dirty="0"/>
           </a:p>
         </p:txBody>
       </p:sp>
@@ -5836,7 +5833,7 @@
               <a:rPr lang="en-GB" smtClean="0"/>
               <a:t>22/09/2015</a:t>
             </a:fld>
-            <a:endParaRPr lang="en-GB"/>
+            <a:endParaRPr lang="en-GB" dirty="0"/>
           </a:p>
         </p:txBody>
       </p:sp>
@@ -5855,7 +5852,7 @@
           <a:bodyPr/>
           <a:lstStyle/>
           <a:p>
-            <a:endParaRPr lang="en-GB"/>
+            <a:endParaRPr lang="en-GB" dirty="0"/>
           </a:p>
         </p:txBody>
       </p:sp>
@@ -5878,7 +5875,7 @@
               <a:rPr lang="en-GB" smtClean="0"/>
               <a:t>‹#›</a:t>
             </a:fld>
-            <a:endParaRPr lang="en-GB"/>
+            <a:endParaRPr lang="en-GB" dirty="0"/>
           </a:p>
         </p:txBody>
       </p:sp>
@@ -6258,7 +6255,7 @@
               <a:rPr lang="en-GB" smtClean="0"/>
               <a:t>22/09/2015</a:t>
             </a:fld>
-            <a:endParaRPr lang="en-GB"/>
+            <a:endParaRPr lang="en-GB" dirty="0"/>
           </a:p>
         </p:txBody>
       </p:sp>
@@ -6277,7 +6274,7 @@
           <a:bodyPr/>
           <a:lstStyle/>
           <a:p>
-            <a:endParaRPr lang="en-GB"/>
+            <a:endParaRPr lang="en-GB" dirty="0"/>
           </a:p>
         </p:txBody>
       </p:sp>
@@ -6300,7 +6297,7 @@
               <a:rPr lang="en-GB" smtClean="0"/>
               <a:t>‹#›</a:t>
             </a:fld>
-            <a:endParaRPr lang="en-GB"/>
+            <a:endParaRPr lang="en-GB" dirty="0"/>
           </a:p>
         </p:txBody>
       </p:sp>
@@ -6376,7 +6373,7 @@
               <a:rPr lang="en-GB" smtClean="0"/>
               <a:t>22/09/2015</a:t>
             </a:fld>
-            <a:endParaRPr lang="en-GB"/>
+            <a:endParaRPr lang="en-GB" dirty="0"/>
           </a:p>
         </p:txBody>
       </p:sp>
@@ -6395,7 +6392,7 @@
           <a:bodyPr/>
           <a:lstStyle/>
           <a:p>
-            <a:endParaRPr lang="en-GB"/>
+            <a:endParaRPr lang="en-GB" dirty="0"/>
           </a:p>
         </p:txBody>
       </p:sp>
@@ -6418,7 +6415,7 @@
               <a:rPr lang="en-GB" smtClean="0"/>
               <a:t>‹#›</a:t>
             </a:fld>
-            <a:endParaRPr lang="en-GB"/>
+            <a:endParaRPr lang="en-GB" dirty="0"/>
           </a:p>
         </p:txBody>
       </p:sp>
@@ -6471,7 +6468,7 @@
               <a:rPr lang="en-GB" smtClean="0"/>
               <a:t>22/09/2015</a:t>
             </a:fld>
-            <a:endParaRPr lang="en-GB"/>
+            <a:endParaRPr lang="en-GB" dirty="0"/>
           </a:p>
         </p:txBody>
       </p:sp>
@@ -6490,7 +6487,7 @@
           <a:bodyPr/>
           <a:lstStyle/>
           <a:p>
-            <a:endParaRPr lang="en-GB"/>
+            <a:endParaRPr lang="en-GB" dirty="0"/>
           </a:p>
         </p:txBody>
       </p:sp>
@@ -6513,7 +6510,7 @@
               <a:rPr lang="en-GB" smtClean="0"/>
               <a:t>‹#›</a:t>
             </a:fld>
-            <a:endParaRPr lang="en-GB"/>
+            <a:endParaRPr lang="en-GB" dirty="0"/>
           </a:p>
         </p:txBody>
       </p:sp>
@@ -6748,7 +6745,7 @@
               <a:rPr lang="en-GB" smtClean="0"/>
               <a:t>22/09/2015</a:t>
             </a:fld>
-            <a:endParaRPr lang="en-GB"/>
+            <a:endParaRPr lang="en-GB" dirty="0"/>
           </a:p>
         </p:txBody>
       </p:sp>
@@ -6767,7 +6764,7 @@
           <a:bodyPr/>
           <a:lstStyle/>
           <a:p>
-            <a:endParaRPr lang="en-GB"/>
+            <a:endParaRPr lang="en-GB" dirty="0"/>
           </a:p>
         </p:txBody>
       </p:sp>
@@ -6790,7 +6787,7 @@
               <a:rPr lang="en-GB" smtClean="0"/>
               <a:t>‹#›</a:t>
             </a:fld>
-            <a:endParaRPr lang="en-GB"/>
+            <a:endParaRPr lang="en-GB" dirty="0"/>
           </a:p>
         </p:txBody>
       </p:sp>
@@ -6913,7 +6910,7 @@
             </a:lvl9pPr>
           </a:lstStyle>
           <a:p>
-            <a:endParaRPr lang="en-GB"/>
+            <a:endParaRPr lang="en-GB" dirty="0"/>
           </a:p>
         </p:txBody>
       </p:sp>
@@ -7001,7 +6998,7 @@
               <a:rPr lang="en-GB" smtClean="0"/>
               <a:t>22/09/2015</a:t>
             </a:fld>
-            <a:endParaRPr lang="en-GB"/>
+            <a:endParaRPr lang="en-GB" dirty="0"/>
           </a:p>
         </p:txBody>
       </p:sp>
@@ -7020,7 +7017,7 @@
           <a:bodyPr/>
           <a:lstStyle/>
           <a:p>
-            <a:endParaRPr lang="en-GB"/>
+            <a:endParaRPr lang="en-GB" dirty="0"/>
           </a:p>
         </p:txBody>
       </p:sp>
@@ -7043,7 +7040,7 @@
               <a:rPr lang="en-GB" smtClean="0"/>
               <a:t>‹#›</a:t>
             </a:fld>
-            <a:endParaRPr lang="en-GB"/>
+            <a:endParaRPr lang="en-GB" dirty="0"/>
           </a:p>
         </p:txBody>
       </p:sp>
@@ -7214,7 +7211,7 @@
               <a:rPr lang="en-GB" smtClean="0"/>
               <a:t>22/09/2015</a:t>
             </a:fld>
-            <a:endParaRPr lang="en-GB"/>
+            <a:endParaRPr lang="en-GB" dirty="0"/>
           </a:p>
         </p:txBody>
       </p:sp>
@@ -7251,7 +7248,7 @@
             </a:lvl1pPr>
           </a:lstStyle>
           <a:p>
-            <a:endParaRPr lang="en-GB"/>
+            <a:endParaRPr lang="en-GB" dirty="0"/>
           </a:p>
         </p:txBody>
       </p:sp>
@@ -7292,7 +7289,7 @@
               <a:rPr lang="en-GB" smtClean="0"/>
               <a:t>‹#›</a:t>
             </a:fld>
-            <a:endParaRPr lang="en-GB"/>
+            <a:endParaRPr lang="en-GB" dirty="0"/>
           </a:p>
         </p:txBody>
       </p:sp>
@@ -7762,7 +7759,7 @@
             <a:noFill/>
           </a:ln>
           <a:extLst>
-            <a:ext uri="{91240B29-F687-4f45-9708-019B960494DF}">
+            <a:ext uri="{91240B29-F687-4F45-9708-019B960494DF}">
               <a14:hiddenLine xmlns:a14="http://schemas.microsoft.com/office/drawing/2010/main" w="9525">
                 <a:solidFill>
                   <a:srgbClr val="000000"/>
@@ -7788,7 +7785,7 @@
   <p:timing>
     <p:tnLst>
       <p:par>
-        <p:cTn xmlns:p14="http://schemas.microsoft.com/office/powerpoint/2010/main" id="1" dur="indefinite" restart="never" nodeType="tmRoot"/>
+        <p:cTn id="1" dur="indefinite" restart="never" nodeType="tmRoot"/>
       </p:par>
     </p:tnLst>
   </p:timing>
@@ -7865,7 +7862,7 @@
               <a:buNone/>
             </a:pPr>
             <a:r>
-              <a:rPr lang="en-GB" dirty="0" err="1" smtClean="0"/>
+              <a:rPr lang="en-GB" dirty="0" smtClean="0"/>
               <a:t>Mindset</a:t>
             </a:r>
             <a:endParaRPr lang="en-GB" dirty="0"/>
@@ -7925,12 +7922,8 @@
               <a:buChar char="•"/>
             </a:pPr>
             <a:r>
-              <a:rPr lang="en-US" sz="1600" dirty="0" err="1" smtClean="0"/>
-              <a:t>Minimise</a:t>
-            </a:r>
-            <a:r>
               <a:rPr lang="en-US" sz="1600" dirty="0" smtClean="0"/>
-              <a:t> expressions of negative feelings</a:t>
+              <a:t>Minimise expressions of negative feelings</a:t>
             </a:r>
           </a:p>
           <a:p>
@@ -7989,15 +7982,7 @@
             </a:pPr>
             <a:r>
               <a:rPr lang="en-US" sz="1600" dirty="0" smtClean="0"/>
-              <a:t>My feelings and </a:t>
-            </a:r>
-            <a:r>
-              <a:rPr lang="en-US" sz="1600" dirty="0" err="1" smtClean="0"/>
-              <a:t>behaviour</a:t>
-            </a:r>
-            <a:r>
-              <a:rPr lang="en-US" sz="1600" dirty="0" smtClean="0"/>
-              <a:t> are justified</a:t>
+              <a:t>My feelings and behaviour are justified</a:t>
             </a:r>
           </a:p>
           <a:p>
@@ -8057,12 +8042,8 @@
               <a:buAutoNum type="arabicPeriod"/>
             </a:pPr>
             <a:r>
-              <a:rPr lang="en-US" sz="1400" dirty="0" err="1" smtClean="0"/>
-              <a:t>Withold</a:t>
-            </a:r>
-            <a:r>
               <a:rPr lang="en-US" sz="1400" dirty="0" smtClean="0"/>
-              <a:t> </a:t>
+              <a:t>Withhold </a:t>
             </a:r>
             <a:r>
               <a:rPr lang="en-US" sz="1400" dirty="0"/>
@@ -8856,7 +8837,7 @@
   <p:timing>
     <p:tnLst>
       <p:par>
-        <p:cTn xmlns:p14="http://schemas.microsoft.com/office/powerpoint/2010/main" id="1" dur="indefinite" restart="never" nodeType="tmRoot">
+        <p:cTn id="1" dur="indefinite" restart="never" nodeType="tmRoot">
           <p:childTnLst>
             <p:seq concurrent="1" nextAc="seek">
               <p:cTn id="2" dur="indefinite" nodeType="mainSeq">
@@ -9298,7 +9279,7 @@
   <p:timing>
     <p:tnLst>
       <p:par>
-        <p:cTn xmlns:p14="http://schemas.microsoft.com/office/powerpoint/2010/main" id="1" dur="indefinite" restart="never" nodeType="tmRoot"/>
+        <p:cTn id="1" dur="indefinite" restart="never" nodeType="tmRoot"/>
       </p:par>
     </p:tnLst>
   </p:timing>
@@ -9398,7 +9379,7 @@
   <p:timing>
     <p:tnLst>
       <p:par>
-        <p:cTn xmlns:p14="http://schemas.microsoft.com/office/powerpoint/2010/main" id="1" dur="indefinite" restart="never" nodeType="tmRoot"/>
+        <p:cTn id="1" dur="indefinite" restart="never" nodeType="tmRoot"/>
       </p:par>
     </p:tnLst>
   </p:timing>
@@ -9475,7 +9456,7 @@
               <a:buNone/>
             </a:pPr>
             <a:r>
-              <a:rPr lang="en-GB" dirty="0" err="1" smtClean="0"/>
+              <a:rPr lang="en-GB" dirty="0" smtClean="0"/>
               <a:t>Mindset</a:t>
             </a:r>
             <a:endParaRPr lang="en-GB" dirty="0"/>
@@ -9718,15 +9699,7 @@
             </a:pPr>
             <a:r>
               <a:rPr lang="en-US" sz="1400" dirty="0"/>
-              <a:t>Discuss </a:t>
-            </a:r>
-            <a:r>
-              <a:rPr lang="en-US" sz="1400" dirty="0" err="1"/>
-              <a:t>undiscussable</a:t>
-            </a:r>
-            <a:r>
-              <a:rPr lang="en-US" sz="1400" dirty="0"/>
-              <a:t> </a:t>
+              <a:t>Discuss undiscussable </a:t>
             </a:r>
             <a:r>
               <a:rPr lang="en-US" sz="1400" dirty="0" smtClean="0"/>
@@ -10417,7 +10390,7 @@
   <p:timing>
     <p:tnLst>
       <p:par>
-        <p:cTn xmlns:p14="http://schemas.microsoft.com/office/powerpoint/2010/main" id="1" dur="indefinite" restart="never" nodeType="tmRoot">
+        <p:cTn id="1" dur="indefinite" restart="never" nodeType="tmRoot">
           <p:childTnLst>
             <p:seq concurrent="1" nextAc="seek">
               <p:cTn id="2" dur="indefinite" nodeType="mainSeq">
@@ -10957,7 +10930,7 @@
                     <a:lstStyle/>
                     <a:p>
                       <a:pPr algn="l"/>
-                      <a:endParaRPr lang="en-US" sz="1600"/>
+                      <a:endParaRPr lang="en-US" sz="1600" dirty="0"/>
                     </a:p>
                   </a:txBody>
                   <a:tcPr/>
@@ -10990,7 +10963,7 @@
                     <a:lstStyle/>
                     <a:p>
                       <a:pPr algn="l"/>
-                      <a:endParaRPr lang="en-US" sz="1600"/>
+                      <a:endParaRPr lang="en-US" sz="1600" dirty="0"/>
                     </a:p>
                   </a:txBody>
                   <a:tcPr/>
@@ -11033,18 +11006,7 @@
                     <a:lstStyle/>
                     <a:p>
                       <a:pPr algn="l"/>
-                      <a:endParaRPr lang="en-US" sz="1600"/>
-                    </a:p>
-                  </a:txBody>
-                  <a:tcPr/>
-                </a:tc>
-                <a:tc>
-                  <a:txBody>
-                    <a:bodyPr/>
-                    <a:lstStyle/>
-                    <a:p>
-                      <a:pPr algn="l"/>
-                      <a:endParaRPr lang="en-US" sz="1600"/>
+                      <a:endParaRPr lang="en-US" sz="1600" dirty="0"/>
                     </a:p>
                   </a:txBody>
                   <a:tcPr/>
@@ -11066,7 +11028,18 @@
                     <a:lstStyle/>
                     <a:p>
                       <a:pPr algn="l"/>
-                      <a:endParaRPr lang="en-US" sz="1600"/>
+                      <a:endParaRPr lang="en-US" sz="1600" dirty="0"/>
+                    </a:p>
+                  </a:txBody>
+                  <a:tcPr/>
+                </a:tc>
+                <a:tc>
+                  <a:txBody>
+                    <a:bodyPr/>
+                    <a:lstStyle/>
+                    <a:p>
+                      <a:pPr algn="l"/>
+                      <a:endParaRPr lang="en-US" sz="1600" dirty="0"/>
                     </a:p>
                   </a:txBody>
                   <a:tcPr/>
@@ -11109,7 +11082,7 @@
                     <a:lstStyle/>
                     <a:p>
                       <a:pPr algn="l"/>
-                      <a:endParaRPr lang="en-US" sz="1600"/>
+                      <a:endParaRPr lang="en-US" sz="1600" dirty="0"/>
                     </a:p>
                   </a:txBody>
                   <a:tcPr/>
@@ -11120,7 +11093,7 @@
                     <a:lstStyle/>
                     <a:p>
                       <a:pPr algn="l"/>
-                      <a:endParaRPr lang="en-US" sz="1600"/>
+                      <a:endParaRPr lang="en-US" sz="1600" dirty="0"/>
                     </a:p>
                   </a:txBody>
                   <a:tcPr/>
@@ -11131,7 +11104,7 @@
                     <a:lstStyle/>
                     <a:p>
                       <a:pPr algn="l"/>
-                      <a:endParaRPr lang="en-US" sz="1600"/>
+                      <a:endParaRPr lang="en-US" sz="1600" dirty="0"/>
                     </a:p>
                   </a:txBody>
                   <a:tcPr/>
@@ -11142,7 +11115,7 @@
                     <a:lstStyle/>
                     <a:p>
                       <a:pPr algn="l"/>
-                      <a:endParaRPr lang="en-US" sz="1600"/>
+                      <a:endParaRPr lang="en-US" sz="1600" dirty="0"/>
                     </a:p>
                   </a:txBody>
                   <a:tcPr/>
@@ -11155,11 +11128,7 @@
                       <a:pPr algn="l"/>
                       <a:r>
                         <a:rPr lang="en-US" sz="1600" dirty="0" smtClean="0"/>
-                        <a:t>3) Other </a:t>
-                      </a:r>
-                      <a:r>
-                        <a:rPr lang="en-US" sz="1600" dirty="0" smtClean="0"/>
-                        <a:t>can teach me much</a:t>
+                        <a:t>3) Other can teach me much</a:t>
                       </a:r>
                       <a:endParaRPr lang="en-US" sz="1600" dirty="0"/>
                     </a:p>
@@ -11193,7 +11162,7 @@
                     <a:lstStyle/>
                     <a:p>
                       <a:pPr algn="l"/>
-                      <a:endParaRPr lang="en-US" sz="1600"/>
+                      <a:endParaRPr lang="en-US" sz="1600" dirty="0"/>
                     </a:p>
                   </a:txBody>
                   <a:tcPr/>
@@ -11204,7 +11173,7 @@
                     <a:lstStyle/>
                     <a:p>
                       <a:pPr algn="l"/>
-                      <a:endParaRPr lang="en-US" sz="1600"/>
+                      <a:endParaRPr lang="en-US" sz="1600" dirty="0"/>
                     </a:p>
                   </a:txBody>
                   <a:tcPr/>
@@ -11215,7 +11184,7 @@
                     <a:lstStyle/>
                     <a:p>
                       <a:pPr algn="l"/>
-                      <a:endParaRPr lang="en-US" sz="1600"/>
+                      <a:endParaRPr lang="en-US" sz="1600" dirty="0"/>
                     </a:p>
                   </a:txBody>
                   <a:tcPr/>
@@ -11226,7 +11195,7 @@
                     <a:lstStyle/>
                     <a:p>
                       <a:pPr algn="l"/>
-                      <a:endParaRPr lang="en-US" sz="1600"/>
+                      <a:endParaRPr lang="en-US" sz="1600" dirty="0"/>
                     </a:p>
                   </a:txBody>
                   <a:tcPr/>
@@ -11239,11 +11208,7 @@
                       <a:pPr algn="l"/>
                       <a:r>
                         <a:rPr lang="en-US" sz="1600" dirty="0" smtClean="0"/>
-                        <a:t>4) I </a:t>
-                      </a:r>
-                      <a:r>
-                        <a:rPr lang="en-US" sz="1600" dirty="0" smtClean="0"/>
-                        <a:t>can learn from</a:t>
+                        <a:t>4) I can learn from</a:t>
                       </a:r>
                       <a:r>
                         <a:rPr lang="en-US" sz="1600" baseline="0" dirty="0" smtClean="0"/>
@@ -11277,7 +11242,7 @@
                     <a:lstStyle/>
                     <a:p>
                       <a:pPr algn="l"/>
-                      <a:endParaRPr lang="en-US" sz="1600"/>
+                      <a:endParaRPr lang="en-US" sz="1600" dirty="0"/>
                     </a:p>
                   </a:txBody>
                   <a:tcPr/>
@@ -11288,7 +11253,7 @@
                     <a:lstStyle/>
                     <a:p>
                       <a:pPr algn="l"/>
-                      <a:endParaRPr lang="en-US" sz="1600"/>
+                      <a:endParaRPr lang="en-US" sz="1600" dirty="0"/>
                     </a:p>
                   </a:txBody>
                   <a:tcPr/>
@@ -11299,7 +11264,7 @@
                     <a:lstStyle/>
                     <a:p>
                       <a:pPr algn="l"/>
-                      <a:endParaRPr lang="en-US" sz="1600"/>
+                      <a:endParaRPr lang="en-US" sz="1600" dirty="0"/>
                     </a:p>
                   </a:txBody>
                   <a:tcPr/>
@@ -11310,7 +11275,7 @@
                     <a:lstStyle/>
                     <a:p>
                       <a:pPr algn="l"/>
-                      <a:endParaRPr lang="en-US" sz="1600"/>
+                      <a:endParaRPr lang="en-US" sz="1600" dirty="0"/>
                     </a:p>
                   </a:txBody>
                   <a:tcPr/>
@@ -11331,11 +11296,7 @@
                       </a:r>
                       <a:r>
                         <a:rPr lang="en-US" sz="1600" dirty="0" smtClean="0"/>
-                        <a:t>My </a:t>
-                      </a:r>
-                      <a:r>
-                        <a:rPr lang="en-US" sz="1600" dirty="0" smtClean="0"/>
-                        <a:t>feelings are hidden</a:t>
+                        <a:t>My feelings are hidden</a:t>
                       </a:r>
                       <a:r>
                         <a:rPr lang="en-US" sz="1600" baseline="0" dirty="0" smtClean="0"/>
@@ -11369,7 +11330,7 @@
                     <a:lstStyle/>
                     <a:p>
                       <a:pPr algn="l"/>
-                      <a:endParaRPr lang="en-US" sz="1600"/>
+                      <a:endParaRPr lang="en-US" sz="1600" dirty="0"/>
                     </a:p>
                   </a:txBody>
                   <a:tcPr/>
@@ -11380,7 +11341,7 @@
                     <a:lstStyle/>
                     <a:p>
                       <a:pPr algn="l"/>
-                      <a:endParaRPr lang="en-US" sz="1600"/>
+                      <a:endParaRPr lang="en-US" sz="1600" dirty="0"/>
                     </a:p>
                   </a:txBody>
                   <a:tcPr/>
@@ -11391,7 +11352,7 @@
                     <a:lstStyle/>
                     <a:p>
                       <a:pPr algn="l"/>
-                      <a:endParaRPr lang="en-US" sz="1600"/>
+                      <a:endParaRPr lang="en-US" sz="1600" dirty="0"/>
                     </a:p>
                   </a:txBody>
                   <a:tcPr/>
@@ -11402,7 +11363,7 @@
                     <a:lstStyle/>
                     <a:p>
                       <a:pPr algn="l"/>
-                      <a:endParaRPr lang="en-US" sz="1600"/>
+                      <a:endParaRPr lang="en-US" sz="1600" dirty="0"/>
                     </a:p>
                   </a:txBody>
                   <a:tcPr/>
@@ -12410,79 +12371,18 @@
                   <a:srgbClr val="000000"/>
                 </a:solidFill>
               </a:rPr>
-              <a:t>Questionnaire designed </a:t>
-            </a:r>
+              <a:t>Questionnaire designed by Joe Schmetzer &amp; Portia Tung</a:t>
+            </a:r>
+          </a:p>
+          <a:p>
+            <a:pPr algn="r"/>
             <a:r>
               <a:rPr lang="en-US" sz="1200" i="1" dirty="0" smtClean="0">
                 <a:solidFill>
                   <a:srgbClr val="000000"/>
                 </a:solidFill>
               </a:rPr>
-              <a:t>by </a:t>
-            </a:r>
-            <a:r>
-              <a:rPr lang="en-US" sz="1200" i="1" dirty="0" smtClean="0">
-                <a:solidFill>
-                  <a:srgbClr val="000000"/>
-                </a:solidFill>
-              </a:rPr>
-              <a:t>Joe </a:t>
-            </a:r>
-            <a:r>
-              <a:rPr lang="en-US" sz="1200" i="1" dirty="0" err="1" smtClean="0">
-                <a:solidFill>
-                  <a:srgbClr val="000000"/>
-                </a:solidFill>
-              </a:rPr>
-              <a:t>Schmetzer</a:t>
-            </a:r>
-            <a:r>
-              <a:rPr lang="en-US" sz="1200" i="1" dirty="0" smtClean="0">
-                <a:solidFill>
-                  <a:srgbClr val="000000"/>
-                </a:solidFill>
-              </a:rPr>
-              <a:t> &amp; Portia Tung</a:t>
-            </a:r>
-            <a:endParaRPr lang="en-US" sz="1200" i="1" dirty="0" smtClean="0">
-              <a:solidFill>
-                <a:srgbClr val="000000"/>
-              </a:solidFill>
-            </a:endParaRPr>
-          </a:p>
-          <a:p>
-            <a:pPr algn="r"/>
-            <a:r>
-              <a:rPr lang="en-US" sz="1200" i="1" dirty="0" smtClean="0">
-                <a:solidFill>
-                  <a:srgbClr val="000000"/>
-                </a:solidFill>
-              </a:rPr>
-              <a:t>Derived from Chris </a:t>
-            </a:r>
-            <a:r>
-              <a:rPr lang="en-US" sz="1200" i="1" dirty="0" err="1" smtClean="0">
-                <a:solidFill>
-                  <a:srgbClr val="000000"/>
-                </a:solidFill>
-              </a:rPr>
-              <a:t>Argyris’s</a:t>
-            </a:r>
-            <a:r>
-              <a:rPr lang="en-US" sz="1200" i="1" dirty="0" smtClean="0">
-                <a:solidFill>
-                  <a:srgbClr val="000000"/>
-                </a:solidFill>
-              </a:rPr>
-              <a:t> Mutual Learning </a:t>
-            </a:r>
-            <a:r>
-              <a:rPr lang="en-US" sz="1200" i="1" dirty="0" smtClean="0">
-                <a:solidFill>
-                  <a:srgbClr val="000000"/>
-                </a:solidFill>
-              </a:rPr>
-              <a:t>Model</a:t>
+              <a:t>Derived from Chris Argyris’s Mutual Learning Model</a:t>
             </a:r>
             <a:endParaRPr lang="en-US" sz="1200" i="1" dirty="0">
               <a:solidFill>
@@ -12505,7 +12405,7 @@
   <p:timing>
     <p:tnLst>
       <p:par>
-        <p:cTn xmlns:p14="http://schemas.microsoft.com/office/powerpoint/2010/main" id="1" dur="indefinite" restart="never" nodeType="tmRoot">
+        <p:cTn id="1" dur="indefinite" restart="never" nodeType="tmRoot">
           <p:childTnLst>
             <p:seq concurrent="1" nextAc="seek">
               <p:cTn id="2" dur="indefinite" nodeType="mainSeq">
@@ -12803,21 +12703,8 @@
                   <a:schemeClr val="bg1"/>
                 </a:solidFill>
               </a:rPr>
-              <a:t>Model II </a:t>
-            </a:r>
-            <a:r>
-              <a:rPr lang="en-US" sz="1200" dirty="0" err="1" smtClean="0">
-                <a:solidFill>
-                  <a:schemeClr val="bg1"/>
-                </a:solidFill>
-              </a:rPr>
-              <a:t>Behaviour</a:t>
-            </a:r>
-            <a:endParaRPr lang="en-US" sz="1200" dirty="0" smtClean="0">
-              <a:solidFill>
-                <a:schemeClr val="bg1"/>
-              </a:solidFill>
-            </a:endParaRPr>
+              <a:t>Model II Behaviour</a:t>
+            </a:r>
           </a:p>
           <a:p>
             <a:pPr algn="ctr">
@@ -12947,21 +12834,8 @@
                   <a:schemeClr val="bg1"/>
                 </a:solidFill>
               </a:rPr>
-              <a:t>Model I </a:t>
-            </a:r>
-            <a:r>
-              <a:rPr lang="en-US" sz="1200" dirty="0" err="1" smtClean="0">
-                <a:solidFill>
-                  <a:schemeClr val="bg1"/>
-                </a:solidFill>
-              </a:rPr>
-              <a:t>Behaviour</a:t>
-            </a:r>
-            <a:endParaRPr lang="en-US" sz="1200" dirty="0" smtClean="0">
-              <a:solidFill>
-                <a:schemeClr val="bg1"/>
-              </a:solidFill>
-            </a:endParaRPr>
+              <a:t>Model I Behaviour</a:t>
+            </a:r>
           </a:p>
           <a:p>
             <a:pPr algn="ctr">
@@ -13092,21 +12966,8 @@
                   <a:schemeClr val="bg1"/>
                 </a:solidFill>
               </a:rPr>
-              <a:t>Model II </a:t>
-            </a:r>
-            <a:r>
-              <a:rPr lang="en-US" sz="1200" dirty="0" err="1" smtClean="0">
-                <a:solidFill>
-                  <a:schemeClr val="bg1"/>
-                </a:solidFill>
-              </a:rPr>
-              <a:t>Behaviour</a:t>
-            </a:r>
-            <a:endParaRPr lang="en-US" sz="1200" dirty="0" smtClean="0">
-              <a:solidFill>
-                <a:schemeClr val="bg1"/>
-              </a:solidFill>
-            </a:endParaRPr>
+              <a:t>Model II Behaviour</a:t>
+            </a:r>
           </a:p>
           <a:p>
             <a:pPr algn="ctr">
@@ -13237,21 +13098,8 @@
                   <a:schemeClr val="bg1"/>
                 </a:solidFill>
               </a:rPr>
-              <a:t>Model I </a:t>
-            </a:r>
-            <a:r>
-              <a:rPr lang="en-US" sz="1200" dirty="0" err="1" smtClean="0">
-                <a:solidFill>
-                  <a:schemeClr val="bg1"/>
-                </a:solidFill>
-              </a:rPr>
-              <a:t>Behaviour</a:t>
-            </a:r>
-            <a:endParaRPr lang="en-US" sz="1200" dirty="0" smtClean="0">
-              <a:solidFill>
-                <a:schemeClr val="bg1"/>
-              </a:solidFill>
-            </a:endParaRPr>
+              <a:t>Model I Behaviour</a:t>
+            </a:r>
           </a:p>
           <a:p>
             <a:pPr algn="ctr">
@@ -13402,9 +13250,7 @@
                 <a:solidFill>
                   <a:srgbClr val="000000"/>
                 </a:solidFill>
-                <a:latin typeface="+mn-lt"/>
-                <a:ea typeface="+mn-ea"/>
-                <a:cs typeface="+mn-cs"/>
+                <a:latin typeface="Book Antiqua" panose="02040602050305030304" pitchFamily="18" charset="0"/>
               </a:rPr>
               <a:t>Model I</a:t>
             </a:r>
@@ -13412,9 +13258,7 @@
               <a:solidFill>
                 <a:srgbClr val="000000"/>
               </a:solidFill>
-              <a:latin typeface="+mn-lt"/>
-              <a:ea typeface="+mn-ea"/>
-              <a:cs typeface="+mn-cs"/>
+              <a:latin typeface="Book Antiqua" panose="02040602050305030304" pitchFamily="18" charset="0"/>
             </a:endParaRPr>
           </a:p>
         </p:txBody>
@@ -13455,9 +13299,7 @@
                 <a:solidFill>
                   <a:srgbClr val="000000"/>
                 </a:solidFill>
-                <a:latin typeface="+mn-lt"/>
-                <a:ea typeface="+mn-ea"/>
-                <a:cs typeface="+mn-cs"/>
+                <a:latin typeface="Book Antiqua" panose="02040602050305030304" pitchFamily="18" charset="0"/>
               </a:rPr>
               <a:t>Model I</a:t>
             </a:r>
@@ -13465,9 +13307,7 @@
               <a:solidFill>
                 <a:srgbClr val="000000"/>
               </a:solidFill>
-              <a:latin typeface="+mn-lt"/>
-              <a:ea typeface="+mn-ea"/>
-              <a:cs typeface="+mn-cs"/>
+              <a:latin typeface="Book Antiqua" panose="02040602050305030304" pitchFamily="18" charset="0"/>
             </a:endParaRPr>
           </a:p>
         </p:txBody>
@@ -13508,9 +13348,7 @@
                 <a:solidFill>
                   <a:srgbClr val="000000"/>
                 </a:solidFill>
-                <a:latin typeface="+mn-lt"/>
-                <a:ea typeface="+mn-ea"/>
-                <a:cs typeface="+mn-cs"/>
+                <a:latin typeface="Book Antiqua" panose="02040602050305030304" pitchFamily="18" charset="0"/>
               </a:rPr>
               <a:t>Model II</a:t>
             </a:r>
@@ -13518,9 +13356,7 @@
               <a:solidFill>
                 <a:srgbClr val="000000"/>
               </a:solidFill>
-              <a:latin typeface="+mn-lt"/>
-              <a:ea typeface="+mn-ea"/>
-              <a:cs typeface="+mn-cs"/>
+              <a:latin typeface="Book Antiqua" panose="02040602050305030304" pitchFamily="18" charset="0"/>
             </a:endParaRPr>
           </a:p>
         </p:txBody>
@@ -13568,21 +13404,7 @@
                 <a:ea typeface="+mn-ea"/>
                 <a:cs typeface="+mn-cs"/>
               </a:rPr>
-              <a:t>Observed </a:t>
-            </a:r>
-            <a:r>
-              <a:rPr lang="en-US" sz="2000" cap="small" dirty="0" err="1" smtClean="0">
-                <a:solidFill>
-                  <a:schemeClr val="tx1">
-                    <a:lumMod val="50000"/>
-                    <a:lumOff val="50000"/>
-                  </a:schemeClr>
-                </a:solidFill>
-                <a:latin typeface="+mn-lt"/>
-                <a:ea typeface="+mn-ea"/>
-                <a:cs typeface="+mn-cs"/>
-              </a:rPr>
-              <a:t>Behaviours</a:t>
+              <a:t>Observed Behaviours</a:t>
             </a:r>
             <a:endParaRPr lang="en-US" sz="2000" cap="small" dirty="0">
               <a:solidFill>
@@ -13693,9 +13515,7 @@
                 <a:solidFill>
                   <a:srgbClr val="000000"/>
                 </a:solidFill>
-                <a:latin typeface="+mn-lt"/>
-                <a:ea typeface="+mn-ea"/>
-                <a:cs typeface="+mn-cs"/>
+                <a:latin typeface="Book Antiqua" panose="02040602050305030304" pitchFamily="18" charset="0"/>
               </a:rPr>
               <a:t>Model II</a:t>
             </a:r>
@@ -13703,9 +13523,7 @@
               <a:solidFill>
                 <a:srgbClr val="000000"/>
               </a:solidFill>
-              <a:latin typeface="+mn-lt"/>
-              <a:ea typeface="+mn-ea"/>
-              <a:cs typeface="+mn-cs"/>
+              <a:latin typeface="Book Antiqua" panose="02040602050305030304" pitchFamily="18" charset="0"/>
             </a:endParaRPr>
           </a:p>
         </p:txBody>
@@ -13739,119 +13557,18 @@
                   <a:srgbClr val="000000"/>
                 </a:solidFill>
               </a:rPr>
-              <a:t>Quadrant designed </a:t>
-            </a:r>
+              <a:t>Quadrant designed by Joe Schmetzer &amp; Portia Tung</a:t>
+            </a:r>
+          </a:p>
+          <a:p>
+            <a:pPr algn="r"/>
             <a:r>
               <a:rPr lang="en-US" sz="1200" i="1" dirty="0" smtClean="0">
                 <a:solidFill>
                   <a:srgbClr val="000000"/>
                 </a:solidFill>
               </a:rPr>
-              <a:t>by </a:t>
-            </a:r>
-            <a:r>
-              <a:rPr lang="en-US" sz="1200" i="1" dirty="0" smtClean="0">
-                <a:solidFill>
-                  <a:srgbClr val="000000"/>
-                </a:solidFill>
-              </a:rPr>
-              <a:t>Joe </a:t>
-            </a:r>
-            <a:r>
-              <a:rPr lang="en-US" sz="1200" i="1" dirty="0" err="1" smtClean="0">
-                <a:solidFill>
-                  <a:srgbClr val="000000"/>
-                </a:solidFill>
-              </a:rPr>
-              <a:t>Schmetzer</a:t>
-            </a:r>
-            <a:r>
-              <a:rPr lang="en-US" sz="1200" i="1" dirty="0" smtClean="0">
-                <a:solidFill>
-                  <a:srgbClr val="000000"/>
-                </a:solidFill>
-              </a:rPr>
-              <a:t> &amp; Portia Tung</a:t>
-            </a:r>
-            <a:endParaRPr lang="en-US" sz="1200" i="1" dirty="0" smtClean="0">
-              <a:solidFill>
-                <a:srgbClr val="000000"/>
-              </a:solidFill>
-            </a:endParaRPr>
-          </a:p>
-          <a:p>
-            <a:pPr algn="r"/>
-            <a:r>
-              <a:rPr lang="en-US" sz="1200" i="1" dirty="0" smtClean="0">
-                <a:solidFill>
-                  <a:srgbClr val="000000"/>
-                </a:solidFill>
-              </a:rPr>
-              <a:t>Partly-d</a:t>
-            </a:r>
-            <a:r>
-              <a:rPr lang="en-US" sz="1200" i="1" dirty="0" smtClean="0">
-                <a:solidFill>
-                  <a:srgbClr val="000000"/>
-                </a:solidFill>
-              </a:rPr>
-              <a:t>erived </a:t>
-            </a:r>
-            <a:r>
-              <a:rPr lang="en-US" sz="1200" i="1" dirty="0" smtClean="0">
-                <a:solidFill>
-                  <a:srgbClr val="000000"/>
-                </a:solidFill>
-              </a:rPr>
-              <a:t>from </a:t>
-            </a:r>
-            <a:r>
-              <a:rPr lang="en-US" sz="1200" i="1" dirty="0" smtClean="0">
-                <a:solidFill>
-                  <a:srgbClr val="000000"/>
-                </a:solidFill>
-              </a:rPr>
-              <a:t>and </a:t>
-            </a:r>
-            <a:r>
-              <a:rPr lang="en-US" sz="1200" i="1" dirty="0" smtClean="0">
-                <a:solidFill>
-                  <a:srgbClr val="000000"/>
-                </a:solidFill>
-              </a:rPr>
-              <a:t>inspired by </a:t>
-            </a:r>
-            <a:r>
-              <a:rPr lang="en-US" sz="1200" i="1" dirty="0" smtClean="0">
-                <a:solidFill>
-                  <a:srgbClr val="000000"/>
-                </a:solidFill>
-              </a:rPr>
-              <a:t>Chris </a:t>
-            </a:r>
-            <a:r>
-              <a:rPr lang="en-US" sz="1200" i="1" dirty="0" err="1" smtClean="0">
-                <a:solidFill>
-                  <a:srgbClr val="000000"/>
-                </a:solidFill>
-              </a:rPr>
-              <a:t>Argyris’s</a:t>
-            </a:r>
-            <a:r>
-              <a:rPr lang="en-US" sz="1200" i="1" dirty="0" smtClean="0">
-                <a:solidFill>
-                  <a:srgbClr val="000000"/>
-                </a:solidFill>
-              </a:rPr>
-              <a:t> Mutual Learning </a:t>
-            </a:r>
-            <a:r>
-              <a:rPr lang="en-US" sz="1200" i="1" dirty="0" smtClean="0">
-                <a:solidFill>
-                  <a:srgbClr val="000000"/>
-                </a:solidFill>
-              </a:rPr>
-              <a:t>Model</a:t>
+              <a:t>Partly-derived from and inspired by Chris Argyris’s Mutual Learning Model</a:t>
             </a:r>
             <a:endParaRPr lang="en-US" sz="1200" i="1" dirty="0">
               <a:solidFill>
@@ -13874,7 +13591,7 @@
   <p:timing>
     <p:tnLst>
       <p:par>
-        <p:cTn xmlns:p14="http://schemas.microsoft.com/office/powerpoint/2010/main" id="1" dur="indefinite" restart="never" nodeType="tmRoot">
+        <p:cTn id="1" dur="indefinite" restart="never" nodeType="tmRoot">
           <p:childTnLst>
             <p:seq concurrent="1" nextAc="seek">
               <p:cTn id="2" dur="indefinite" nodeType="mainSeq">
@@ -14150,7 +13867,7 @@
           <a:lstStyle/>
           <a:p>
             <a:pPr algn="ctr"/>
-            <a:endParaRPr lang="en-US"/>
+            <a:endParaRPr lang="en-US" dirty="0"/>
           </a:p>
         </p:txBody>
       </p:sp>
@@ -14216,23 +13933,7 @@
                   <a:srgbClr val="000000"/>
                 </a:solidFill>
               </a:rPr>
-              <a:t>B e h a v </a:t>
-            </a:r>
-            <a:r>
-              <a:rPr lang="en-US" dirty="0" err="1" smtClean="0">
-                <a:solidFill>
-                  <a:srgbClr val="000000"/>
-                </a:solidFill>
-              </a:rPr>
-              <a:t>i</a:t>
-            </a:r>
-            <a:r>
-              <a:rPr lang="en-US" dirty="0" smtClean="0">
-                <a:solidFill>
-                  <a:srgbClr val="000000"/>
-                </a:solidFill>
-              </a:rPr>
-              <a:t> o u r</a:t>
+              <a:t>B e h a v i o u r</a:t>
             </a:r>
             <a:endParaRPr lang="en-US" dirty="0">
               <a:solidFill>
@@ -14271,23 +13972,7 @@
                   <a:srgbClr val="000000"/>
                 </a:solidFill>
               </a:rPr>
-              <a:t>M </a:t>
-            </a:r>
-            <a:r>
-              <a:rPr lang="en-US" dirty="0" err="1" smtClean="0">
-                <a:solidFill>
-                  <a:srgbClr val="000000"/>
-                </a:solidFill>
-              </a:rPr>
-              <a:t>i</a:t>
-            </a:r>
-            <a:r>
-              <a:rPr lang="en-US" dirty="0" smtClean="0">
-                <a:solidFill>
-                  <a:srgbClr val="000000"/>
-                </a:solidFill>
-              </a:rPr>
-              <a:t> n d s e t</a:t>
+              <a:t>M i n d s e t</a:t>
             </a:r>
             <a:endParaRPr lang="en-US" dirty="0">
               <a:solidFill>
@@ -15196,11 +14881,7 @@
             <a:pPr algn="r"/>
             <a:r>
               <a:rPr lang="en-US" sz="1200" i="1" dirty="0" smtClean="0"/>
-              <a:t>Hypothetical results mapping by Portia Tung &amp; Joe </a:t>
-            </a:r>
-            <a:r>
-              <a:rPr lang="en-US" sz="1200" i="1" dirty="0" err="1" smtClean="0"/>
-              <a:t>Schmetzer</a:t>
+              <a:t>Hypothetical results mapping by Portia Tung &amp; Joe Schmetzer</a:t>
             </a:r>
             <a:endParaRPr lang="en-US" sz="1200" i="1" dirty="0"/>
           </a:p>
@@ -15311,7 +14992,7 @@
           <a:lstStyle/>
           <a:p>
             <a:pPr algn="ctr"/>
-            <a:endParaRPr lang="en-US"/>
+            <a:endParaRPr lang="en-US" dirty="0"/>
           </a:p>
         </p:txBody>
       </p:sp>
@@ -15358,7 +15039,7 @@
           <a:lstStyle/>
           <a:p>
             <a:pPr algn="ctr"/>
-            <a:endParaRPr lang="en-US"/>
+            <a:endParaRPr lang="en-US" dirty="0"/>
           </a:p>
         </p:txBody>
       </p:sp>
@@ -15411,7 +15092,7 @@
           <a:lstStyle/>
           <a:p>
             <a:pPr algn="ctr"/>
-            <a:endParaRPr lang="en-US"/>
+            <a:endParaRPr lang="en-US" dirty="0"/>
           </a:p>
         </p:txBody>
       </p:sp>
@@ -15424,7 +15105,7 @@
         <p:spPr>
           <a:xfrm>
             <a:off x="3807293" y="2383984"/>
-            <a:ext cx="935199" cy="276999"/>
+            <a:ext cx="935199" cy="461665"/>
           </a:xfrm>
           <a:prstGeom prst="rect">
             <a:avLst/>
@@ -15446,7 +15127,7 @@
                   </a:schemeClr>
                 </a:solidFill>
               </a:rPr>
-              <a:t>competent</a:t>
+              <a:t>Mutual learning</a:t>
             </a:r>
             <a:endParaRPr lang="en-US" sz="1200" b="1" dirty="0">
               <a:solidFill>
@@ -15467,7 +15148,7 @@
         <p:spPr>
           <a:xfrm>
             <a:off x="2559537" y="3630318"/>
-            <a:ext cx="935199" cy="276999"/>
+            <a:ext cx="935199" cy="646331"/>
           </a:xfrm>
           <a:prstGeom prst="rect">
             <a:avLst/>
@@ -15489,7 +15170,7 @@
                   </a:schemeClr>
                 </a:solidFill>
               </a:rPr>
-              <a:t>novice</a:t>
+              <a:t>Unilateral Control bias</a:t>
             </a:r>
             <a:endParaRPr lang="en-US" sz="1200" b="1" dirty="0">
               <a:solidFill>
@@ -15510,7 +15191,7 @@
         <p:spPr>
           <a:xfrm>
             <a:off x="2278185" y="4230919"/>
-            <a:ext cx="614626" cy="215444"/>
+            <a:ext cx="614626" cy="338554"/>
           </a:xfrm>
           <a:prstGeom prst="rect">
             <a:avLst/>
@@ -15524,16 +15205,6 @@
           <a:lstStyle/>
           <a:p>
             <a:pPr algn="ctr"/>
-            <a:r>
-              <a:rPr lang="en-US" sz="800" b="1" dirty="0">
-                <a:solidFill>
-                  <a:schemeClr val="bg2">
-                    <a:lumMod val="25000"/>
-                  </a:schemeClr>
-                </a:solidFill>
-              </a:rPr>
-              <a:t>n</a:t>
-            </a:r>
             <a:r>
               <a:rPr lang="en-US" sz="800" b="1" dirty="0" smtClean="0">
                 <a:solidFill>
@@ -15542,7 +15213,7 @@
                   </a:schemeClr>
                 </a:solidFill>
               </a:rPr>
-              <a:t>ot yet</a:t>
+              <a:t>Unilateral Control</a:t>
             </a:r>
             <a:endParaRPr lang="en-US" sz="800" b="1" dirty="0">
               <a:solidFill>
@@ -15671,15 +15342,7 @@
           <a:p>
             <a:r>
               <a:rPr lang="en-US" sz="1000" dirty="0" smtClean="0"/>
-              <a:t>Congruent in mindset and </a:t>
-            </a:r>
-            <a:r>
-              <a:rPr lang="en-US" sz="1000" dirty="0" err="1" smtClean="0"/>
-              <a:t>behaviour</a:t>
-            </a:r>
-            <a:r>
-              <a:rPr lang="en-US" sz="1000" dirty="0" smtClean="0"/>
-              <a:t> most of the time</a:t>
+              <a:t>Congruent in mindset and behaviour most of the time</a:t>
             </a:r>
           </a:p>
           <a:p>
@@ -15731,7 +15394,7 @@
           <a:lstStyle/>
           <a:p>
             <a:pPr algn="ctr"/>
-            <a:endParaRPr lang="en-US"/>
+            <a:endParaRPr lang="en-US" dirty="0"/>
           </a:p>
         </p:txBody>
       </p:sp>
@@ -15802,15 +15465,7 @@
           <a:p>
             <a:r>
               <a:rPr lang="en-US" sz="1000" dirty="0" smtClean="0"/>
-              <a:t>Occasionally apply </a:t>
-            </a:r>
-            <a:r>
-              <a:rPr lang="en-US" sz="1000" dirty="0" err="1" smtClean="0"/>
-              <a:t>behaviours</a:t>
-            </a:r>
-            <a:r>
-              <a:rPr lang="en-US" sz="1000" dirty="0" smtClean="0"/>
-              <a:t> in practice</a:t>
+              <a:t>Occasionally apply behaviours in practice</a:t>
             </a:r>
           </a:p>
         </p:txBody>
@@ -15855,7 +15510,7 @@
           <a:lstStyle/>
           <a:p>
             <a:pPr algn="ctr"/>
-            <a:endParaRPr lang="en-US"/>
+            <a:endParaRPr lang="en-US" dirty="0"/>
           </a:p>
         </p:txBody>
       </p:sp>
@@ -15926,15 +15581,7 @@
           <a:p>
             <a:r>
               <a:rPr lang="en-US" sz="1000" dirty="0" smtClean="0"/>
-              <a:t>Applies Mutual Learning </a:t>
-            </a:r>
-            <a:r>
-              <a:rPr lang="en-US" sz="1000" dirty="0" err="1" smtClean="0"/>
-              <a:t>behaviours</a:t>
-            </a:r>
-            <a:r>
-              <a:rPr lang="en-US" sz="1000" dirty="0" smtClean="0"/>
-              <a:t> most of the time</a:t>
+              <a:t>Applies Mutual Learning behaviours most of the time</a:t>
             </a:r>
           </a:p>
         </p:txBody>
@@ -16016,7 +15663,7 @@
           <a:lstStyle/>
           <a:p>
             <a:pPr algn="ctr"/>
-            <a:endParaRPr lang="en-US"/>
+            <a:endParaRPr lang="en-US" dirty="0"/>
           </a:p>
         </p:txBody>
       </p:sp>
@@ -16029,7 +15676,7 @@
         <p:spPr>
           <a:xfrm>
             <a:off x="2655686" y="2999688"/>
-            <a:ext cx="1481631" cy="276999"/>
+            <a:ext cx="1481631" cy="461665"/>
           </a:xfrm>
           <a:prstGeom prst="rect">
             <a:avLst/>
@@ -16043,16 +15690,6 @@
           <a:lstStyle/>
           <a:p>
             <a:pPr algn="ctr"/>
-            <a:r>
-              <a:rPr lang="en-US" sz="1200" b="1" dirty="0">
-                <a:solidFill>
-                  <a:schemeClr val="bg2">
-                    <a:lumMod val="25000"/>
-                  </a:schemeClr>
-                </a:solidFill>
-              </a:rPr>
-              <a:t>a</a:t>
-            </a:r>
             <a:r>
               <a:rPr lang="en-US" sz="1200" b="1" dirty="0" smtClean="0">
                 <a:solidFill>
@@ -16061,7 +15698,7 @@
                   </a:schemeClr>
                 </a:solidFill>
               </a:rPr>
-              <a:t>dvanced beginner</a:t>
+              <a:t>Mutual learning bias</a:t>
             </a:r>
             <a:endParaRPr lang="en-US" sz="1200" b="1" dirty="0">
               <a:solidFill>
@@ -16083,18 +15720,18 @@
   <p:clrMapOvr>
     <a:masterClrMapping/>
   </p:clrMapOvr>
-  <mc:AlternateContent xmlns:mc="http://schemas.openxmlformats.org/markup-compatibility/2006">
-    <mc:Choice xmlns:p14="http://schemas.microsoft.com/office/powerpoint/2010/main" Requires="p14">
+  <mc:AlternateContent xmlns:mc="http://schemas.openxmlformats.org/markup-compatibility/2006" xmlns:p14="http://schemas.microsoft.com/office/powerpoint/2010/main">
+    <mc:Choice Requires="p14">
       <p:transition spd="slow" p14:dur="2000"/>
     </mc:Choice>
-    <mc:Fallback>
+    <mc:Fallback xmlns="">
       <p:transition xmlns:p14="http://schemas.microsoft.com/office/powerpoint/2010/main" spd="slow"/>
     </mc:Fallback>
   </mc:AlternateContent>
   <p:timing>
     <p:tnLst>
       <p:par>
-        <p:cTn xmlns:p14="http://schemas.microsoft.com/office/powerpoint/2010/main" id="1" dur="indefinite" restart="never" nodeType="tmRoot">
+        <p:cTn id="1" dur="indefinite" restart="never" nodeType="tmRoot">
           <p:childTnLst>
             <p:seq concurrent="1" nextAc="seek">
               <p:cTn id="2" dur="indefinite" nodeType="mainSeq">
@@ -16879,25 +16516,18 @@
               <a:rPr lang="en-GB" sz="2800" dirty="0" smtClean="0"/>
               <a:t>Where are you on the quadrant?</a:t>
             </a:r>
-            <a:endParaRPr lang="en-GB" sz="2800" dirty="0" smtClean="0"/>
           </a:p>
           <a:p>
             <a:r>
               <a:rPr lang="en-GB" sz="2800" dirty="0" smtClean="0"/>
               <a:t>Where would you like to be?</a:t>
             </a:r>
-            <a:endParaRPr lang="en-GB" sz="2800" dirty="0" smtClean="0"/>
           </a:p>
           <a:p>
             <a:r>
               <a:rPr lang="en-GB" sz="2800" dirty="0" smtClean="0"/>
-              <a:t>Identify at least one personal improvement </a:t>
-            </a:r>
-            <a:r>
-              <a:rPr lang="en-GB" sz="2800" dirty="0" smtClean="0"/>
-              <a:t>action to move towards your target location</a:t>
-            </a:r>
-            <a:endParaRPr lang="en-GB" sz="2800" dirty="0" smtClean="0"/>
+              <a:t>Identify at least one personal improvement action to move towards your target location</a:t>
+            </a:r>
           </a:p>
           <a:p>
             <a:endParaRPr lang="en-GB" sz="2800" dirty="0" smtClean="0"/>
@@ -16917,7 +16547,7 @@
   <p:timing>
     <p:tnLst>
       <p:par>
-        <p:cTn xmlns:p14="http://schemas.microsoft.com/office/powerpoint/2010/main" id="1" dur="indefinite" restart="never" nodeType="tmRoot"/>
+        <p:cTn id="1" dur="indefinite" restart="never" nodeType="tmRoot"/>
       </p:par>
     </p:tnLst>
   </p:timing>
@@ -17019,7 +16649,7 @@
   <p:timing>
     <p:tnLst>
       <p:par>
-        <p:cTn xmlns:p14="http://schemas.microsoft.com/office/powerpoint/2010/main" id="1" dur="indefinite" restart="never" nodeType="tmRoot"/>
+        <p:cTn id="1" dur="indefinite" restart="never" nodeType="tmRoot"/>
       </p:par>
     </p:tnLst>
   </p:timing>
@@ -17085,15 +16715,7 @@
           <a:p>
             <a:r>
               <a:rPr lang="en-GB" sz="2000" dirty="0" smtClean="0"/>
-              <a:t>London Action Science </a:t>
-            </a:r>
-            <a:r>
-              <a:rPr lang="en-GB" sz="2000" dirty="0" err="1" smtClean="0"/>
-              <a:t>Meetup</a:t>
-            </a:r>
-            <a:r>
-              <a:rPr lang="en-GB" sz="2000" dirty="0" smtClean="0"/>
-              <a:t> Group</a:t>
+              <a:t>London Action Science Meetup Group</a:t>
             </a:r>
           </a:p>
           <a:p>
@@ -17203,7 +16825,7 @@
         </p:blipFill>
         <p:spPr>
           <a:xfrm>
-            <a:off x="7058985" y="3284984"/>
+            <a:off x="6876256" y="3140968"/>
             <a:ext cx="1545463" cy="2345308"/>
           </a:xfrm>
           <a:prstGeom prst="rect">
@@ -17234,7 +16856,7 @@
   <p:timing>
     <p:tnLst>
       <p:par>
-        <p:cTn xmlns:p14="http://schemas.microsoft.com/office/powerpoint/2010/main" id="1" dur="indefinite" restart="never" nodeType="tmRoot"/>
+        <p:cTn id="1" dur="indefinite" restart="never" nodeType="tmRoot"/>
       </p:par>
     </p:tnLst>
   </p:timing>
@@ -17340,7 +16962,7 @@
   <p:timing>
     <p:tnLst>
       <p:par>
-        <p:cTn xmlns:p14="http://schemas.microsoft.com/office/powerpoint/2010/main" id="1" dur="indefinite" restart="never" nodeType="tmRoot"/>
+        <p:cTn id="1" dur="indefinite" restart="never" nodeType="tmRoot"/>
       </p:par>
     </p:tnLst>
   </p:timing>
@@ -17477,11 +17099,7 @@
             </a:pPr>
             <a:r>
               <a:rPr lang="en-GB" sz="2400" dirty="0" smtClean="0"/>
-              <a:t>[ ] </a:t>
-            </a:r>
-            <a:r>
-              <a:rPr lang="en-GB" sz="2400" dirty="0" smtClean="0"/>
-              <a:t>I’ve </a:t>
+              <a:t>[ ] I’ve </a:t>
             </a:r>
             <a:r>
               <a:rPr lang="en-GB" sz="2400" dirty="0"/>
@@ -17498,11 +17116,7 @@
             </a:pPr>
             <a:r>
               <a:rPr lang="en-GB" sz="2400" dirty="0" smtClean="0"/>
-              <a:t>[ ] I've </a:t>
-            </a:r>
-            <a:r>
-              <a:rPr lang="en-GB" sz="2400" dirty="0" smtClean="0"/>
-              <a:t>identified at least one personal improvement action</a:t>
+              <a:t>[ ] I've identified at least one personal improvement action</a:t>
             </a:r>
           </a:p>
           <a:p>
@@ -17530,7 +17144,7 @@
   <p:timing>
     <p:tnLst>
       <p:par>
-        <p:cTn xmlns:p14="http://schemas.microsoft.com/office/powerpoint/2010/main" id="1" dur="indefinite" restart="never" nodeType="tmRoot"/>
+        <p:cTn id="1" dur="indefinite" restart="never" nodeType="tmRoot"/>
       </p:par>
     </p:tnLst>
   </p:timing>
@@ -17659,14 +17273,14 @@
           </a:ln>
           <a:effectLst/>
           <a:extLst>
-            <a:ext uri="{909E8E84-426E-40dd-AFC4-6F175D3DCCD1}">
+            <a:ext uri="{909E8E84-426E-40DD-AFC4-6F175D3DCCD1}">
               <a14:hiddenFill xmlns:a14="http://schemas.microsoft.com/office/drawing/2010/main">
                 <a:solidFill>
                   <a:schemeClr val="accent1"/>
                 </a:solidFill>
               </a14:hiddenFill>
             </a:ext>
-            <a:ext uri="{91240B29-F687-4f45-9708-019B960494DF}">
+            <a:ext uri="{91240B29-F687-4F45-9708-019B960494DF}">
               <a14:hiddenLine xmlns:a14="http://schemas.microsoft.com/office/drawing/2010/main" w="9525">
                 <a:solidFill>
                   <a:schemeClr val="tx1"/>
@@ -17676,7 +17290,7 @@
                 <a:tailEnd/>
               </a14:hiddenLine>
             </a:ext>
-            <a:ext uri="{AF507438-7753-43e0-B8FC-AC1667EBCBE1}">
+            <a:ext uri="{AF507438-7753-43E0-B8FC-AC1667EBCBE1}">
               <a14:hiddenEffects xmlns:a14="http://schemas.microsoft.com/office/drawing/2010/main">
                 <a:effectLst>
                   <a:outerShdw blurRad="63500" dist="38099" dir="2700000" algn="ctr" rotWithShape="0">
@@ -17736,14 +17350,14 @@
           </a:ln>
           <a:effectLst/>
           <a:extLst>
-            <a:ext uri="{909E8E84-426E-40dd-AFC4-6F175D3DCCD1}">
+            <a:ext uri="{909E8E84-426E-40DD-AFC4-6F175D3DCCD1}">
               <a14:hiddenFill xmlns:a14="http://schemas.microsoft.com/office/drawing/2010/main">
                 <a:solidFill>
                   <a:schemeClr val="accent1"/>
                 </a:solidFill>
               </a14:hiddenFill>
             </a:ext>
-            <a:ext uri="{91240B29-F687-4f45-9708-019B960494DF}">
+            <a:ext uri="{91240B29-F687-4F45-9708-019B960494DF}">
               <a14:hiddenLine xmlns:a14="http://schemas.microsoft.com/office/drawing/2010/main" w="9525">
                 <a:solidFill>
                   <a:schemeClr val="tx1"/>
@@ -17753,7 +17367,7 @@
                 <a:tailEnd/>
               </a14:hiddenLine>
             </a:ext>
-            <a:ext uri="{AF507438-7753-43e0-B8FC-AC1667EBCBE1}">
+            <a:ext uri="{AF507438-7753-43E0-B8FC-AC1667EBCBE1}">
               <a14:hiddenEffects xmlns:a14="http://schemas.microsoft.com/office/drawing/2010/main">
                 <a:effectLst>
                   <a:outerShdw blurRad="63500" dist="38099" dir="2700000" algn="ctr" rotWithShape="0">
@@ -17841,7 +17455,7 @@
               <a:t>: </a:t>
             </a:r>
             <a:r>
-              <a:rPr lang="en-GB" sz="1200" dirty="0" err="1" smtClean="0">
+              <a:rPr lang="en-GB" sz="1200" dirty="0" smtClean="0">
                 <a:solidFill>
                   <a:srgbClr val="558ED5"/>
                 </a:solidFill>
@@ -17882,14 +17496,14 @@
           </a:ln>
           <a:effectLst/>
           <a:extLst>
-            <a:ext uri="{909E8E84-426E-40dd-AFC4-6F175D3DCCD1}">
+            <a:ext uri="{909E8E84-426E-40DD-AFC4-6F175D3DCCD1}">
               <a14:hiddenFill xmlns:a14="http://schemas.microsoft.com/office/drawing/2010/main">
                 <a:solidFill>
                   <a:schemeClr val="accent1"/>
                 </a:solidFill>
               </a14:hiddenFill>
             </a:ext>
-            <a:ext uri="{91240B29-F687-4f45-9708-019B960494DF}">
+            <a:ext uri="{91240B29-F687-4F45-9708-019B960494DF}">
               <a14:hiddenLine xmlns:a14="http://schemas.microsoft.com/office/drawing/2010/main" w="9525">
                 <a:solidFill>
                   <a:schemeClr val="tx1"/>
@@ -17899,7 +17513,7 @@
                 <a:tailEnd/>
               </a14:hiddenLine>
             </a:ext>
-            <a:ext uri="{AF507438-7753-43e0-B8FC-AC1667EBCBE1}">
+            <a:ext uri="{AF507438-7753-43E0-B8FC-AC1667EBCBE1}">
               <a14:hiddenEffects xmlns:a14="http://schemas.microsoft.com/office/drawing/2010/main">
                 <a:effectLst>
                   <a:outerShdw blurRad="63500" dist="38099" dir="2700000" algn="ctr" rotWithShape="0">
@@ -18163,7 +17777,7 @@
             <a:tailEnd/>
           </a:ln>
           <a:extLst>
-            <a:ext uri="{909E8E84-426E-40dd-AFC4-6F175D3DCCD1}">
+            <a:ext uri="{909E8E84-426E-40DD-AFC4-6F175D3DCCD1}">
               <a14:hiddenFill xmlns:a14="http://schemas.microsoft.com/office/drawing/2010/main">
                 <a:solidFill>
                   <a:srgbClr val="FFFFFF"/>
@@ -18195,14 +17809,14 @@
           </a:ln>
           <a:effectLst/>
           <a:extLst>
-            <a:ext uri="{909E8E84-426E-40dd-AFC4-6F175D3DCCD1}">
+            <a:ext uri="{909E8E84-426E-40DD-AFC4-6F175D3DCCD1}">
               <a14:hiddenFill xmlns:a14="http://schemas.microsoft.com/office/drawing/2010/main">
                 <a:solidFill>
                   <a:schemeClr val="accent1"/>
                 </a:solidFill>
               </a14:hiddenFill>
             </a:ext>
-            <a:ext uri="{91240B29-F687-4f45-9708-019B960494DF}">
+            <a:ext uri="{91240B29-F687-4F45-9708-019B960494DF}">
               <a14:hiddenLine xmlns:a14="http://schemas.microsoft.com/office/drawing/2010/main" w="9525">
                 <a:solidFill>
                   <a:schemeClr val="tx1"/>
@@ -18212,7 +17826,7 @@
                 <a:tailEnd/>
               </a14:hiddenLine>
             </a:ext>
-            <a:ext uri="{AF507438-7753-43e0-B8FC-AC1667EBCBE1}">
+            <a:ext uri="{AF507438-7753-43E0-B8FC-AC1667EBCBE1}">
               <a14:hiddenEffects xmlns:a14="http://schemas.microsoft.com/office/drawing/2010/main">
                 <a:effectLst>
                   <a:outerShdw blurRad="63500" dist="38099" dir="2700000" algn="ctr" rotWithShape="0">
@@ -18306,7 +17920,7 @@
               <a:t>: </a:t>
             </a:r>
             <a:r>
-              <a:rPr lang="en-GB" sz="1200" dirty="0" err="1" smtClean="0">
+              <a:rPr lang="en-GB" sz="1200" dirty="0" smtClean="0">
                 <a:solidFill>
                   <a:srgbClr val="558ED5"/>
                 </a:solidFill>
@@ -18347,14 +17961,14 @@
           </a:ln>
           <a:effectLst/>
           <a:extLst>
-            <a:ext uri="{909E8E84-426E-40dd-AFC4-6F175D3DCCD1}">
+            <a:ext uri="{909E8E84-426E-40DD-AFC4-6F175D3DCCD1}">
               <a14:hiddenFill xmlns:a14="http://schemas.microsoft.com/office/drawing/2010/main">
                 <a:solidFill>
                   <a:schemeClr val="accent1"/>
                 </a:solidFill>
               </a14:hiddenFill>
             </a:ext>
-            <a:ext uri="{91240B29-F687-4f45-9708-019B960494DF}">
+            <a:ext uri="{91240B29-F687-4F45-9708-019B960494DF}">
               <a14:hiddenLine xmlns:a14="http://schemas.microsoft.com/office/drawing/2010/main" w="9525">
                 <a:solidFill>
                   <a:schemeClr val="tx1"/>
@@ -18364,7 +17978,7 @@
                 <a:tailEnd/>
               </a14:hiddenLine>
             </a:ext>
-            <a:ext uri="{AF507438-7753-43e0-B8FC-AC1667EBCBE1}">
+            <a:ext uri="{AF507438-7753-43E0-B8FC-AC1667EBCBE1}">
               <a14:hiddenEffects xmlns:a14="http://schemas.microsoft.com/office/drawing/2010/main">
                 <a:effectLst>
                   <a:outerShdw blurRad="63500" dist="38099" dir="2700000" algn="ctr" rotWithShape="0">
@@ -18419,7 +18033,7 @@
   <p:timing>
     <p:tnLst>
       <p:par>
-        <p:cTn xmlns:p14="http://schemas.microsoft.com/office/powerpoint/2010/main" id="1" dur="indefinite" restart="never" nodeType="tmRoot"/>
+        <p:cTn id="1" dur="indefinite" restart="never" nodeType="tmRoot"/>
       </p:par>
     </p:tnLst>
   </p:timing>
@@ -19161,13 +18775,13 @@
   <p:clrMapOvr>
     <a:masterClrMapping/>
   </p:clrMapOvr>
-  <p:transition xmlns:p14="http://schemas.microsoft.com/office/powerpoint/2010/main" spd="slow">
+  <p:transition spd="slow">
     <p:cut/>
   </p:transition>
   <p:timing>
     <p:tnLst>
       <p:par>
-        <p:cTn xmlns:p14="http://schemas.microsoft.com/office/powerpoint/2010/main" id="1" dur="indefinite" restart="never" nodeType="tmRoot"/>
+        <p:cTn id="1" dur="indefinite" restart="never" nodeType="tmRoot"/>
       </p:par>
     </p:tnLst>
   </p:timing>
@@ -19250,7 +18864,7 @@
   <p:timing>
     <p:tnLst>
       <p:par>
-        <p:cTn xmlns:p14="http://schemas.microsoft.com/office/powerpoint/2010/main" id="1" dur="indefinite" restart="never" nodeType="tmRoot"/>
+        <p:cTn id="1" dur="indefinite" restart="never" nodeType="tmRoot"/>
       </p:par>
     </p:tnLst>
   </p:timing>
@@ -19312,7 +18926,7 @@
           <a:bodyPr/>
           <a:lstStyle/>
           <a:p>
-            <a:endParaRPr lang="en-US"/>
+            <a:endParaRPr lang="en-US" dirty="0"/>
           </a:p>
         </p:txBody>
       </p:sp>
@@ -19329,7 +18943,7 @@
   <p:timing>
     <p:tnLst>
       <p:par>
-        <p:cTn xmlns:p14="http://schemas.microsoft.com/office/powerpoint/2010/main" id="1" dur="indefinite" restart="never" nodeType="tmRoot"/>
+        <p:cTn id="1" dur="indefinite" restart="never" nodeType="tmRoot"/>
       </p:par>
     </p:tnLst>
   </p:timing>
@@ -19477,7 +19091,7 @@
           <a:lstStyle/>
           <a:p>
             <a:pPr algn="ctr"/>
-            <a:endParaRPr lang="en-US"/>
+            <a:endParaRPr lang="en-US" dirty="0"/>
           </a:p>
         </p:txBody>
       </p:sp>
@@ -19529,7 +19143,7 @@
   <p:timing>
     <p:tnLst>
       <p:par>
-        <p:cTn xmlns:p14="http://schemas.microsoft.com/office/powerpoint/2010/main" id="1" dur="indefinite" restart="never" nodeType="tmRoot"/>
+        <p:cTn id="1" dur="indefinite" restart="never" nodeType="tmRoot"/>
       </p:par>
     </p:tnLst>
   </p:timing>
@@ -19671,7 +19285,7 @@
           <a:lstStyle/>
           <a:p>
             <a:pPr algn="ctr"/>
-            <a:endParaRPr lang="en-US"/>
+            <a:endParaRPr lang="en-US" dirty="0"/>
           </a:p>
         </p:txBody>
       </p:sp>
@@ -19723,7 +19337,7 @@
   <p:timing>
     <p:tnLst>
       <p:par>
-        <p:cTn xmlns:p14="http://schemas.microsoft.com/office/powerpoint/2010/main" id="1" dur="indefinite" restart="never" nodeType="tmRoot"/>
+        <p:cTn id="1" dur="indefinite" restart="never" nodeType="tmRoot"/>
       </p:par>
     </p:tnLst>
   </p:timing>
@@ -19850,7 +19464,7 @@
           <a:lstStyle/>
           <a:p>
             <a:pPr algn="ctr"/>
-            <a:endParaRPr lang="en-US"/>
+            <a:endParaRPr lang="en-US" dirty="0"/>
           </a:p>
         </p:txBody>
       </p:sp>
@@ -19902,7 +19516,7 @@
   <p:timing>
     <p:tnLst>
       <p:par>
-        <p:cTn xmlns:p14="http://schemas.microsoft.com/office/powerpoint/2010/main" id="1" dur="indefinite" restart="never" nodeType="tmRoot"/>
+        <p:cTn id="1" dur="indefinite" restart="never" nodeType="tmRoot"/>
       </p:par>
     </p:tnLst>
   </p:timing>
@@ -20088,7 +19702,7 @@
           <a:lstStyle/>
           <a:p>
             <a:pPr algn="ctr"/>
-            <a:endParaRPr lang="en-US"/>
+            <a:endParaRPr lang="en-US" dirty="0"/>
           </a:p>
         </p:txBody>
       </p:sp>
@@ -20132,7 +19746,7 @@
           <a:lstStyle/>
           <a:p>
             <a:pPr algn="ctr"/>
-            <a:endParaRPr lang="en-US"/>
+            <a:endParaRPr lang="en-US" dirty="0"/>
           </a:p>
         </p:txBody>
       </p:sp>
@@ -20176,7 +19790,7 @@
           <a:lstStyle/>
           <a:p>
             <a:pPr algn="ctr"/>
-            <a:endParaRPr lang="en-US"/>
+            <a:endParaRPr lang="en-US" dirty="0"/>
           </a:p>
         </p:txBody>
       </p:sp>
@@ -20193,7 +19807,7 @@
   <p:timing>
     <p:tnLst>
       <p:par>
-        <p:cTn xmlns:p14="http://schemas.microsoft.com/office/powerpoint/2010/main" id="1" dur="indefinite" restart="never" nodeType="tmRoot"/>
+        <p:cTn id="1" dur="indefinite" restart="never" nodeType="tmRoot"/>
       </p:par>
     </p:tnLst>
   </p:timing>
@@ -20264,7 +19878,6 @@
               <a:rPr lang="en-US" sz="2400" dirty="0" smtClean="0"/>
               <a:t>Re-act the scene with some of these assumptions.</a:t>
             </a:r>
-            <a:endParaRPr lang="en-US" sz="2400" dirty="0" smtClean="0"/>
           </a:p>
           <a:p>
             <a:pPr marL="0" indent="0" algn="just">
@@ -20361,15 +19974,7 @@
             <a:pPr algn="r"/>
             <a:r>
               <a:rPr lang="en-US" sz="1200" i="1" dirty="0" smtClean="0"/>
-              <a:t>8 </a:t>
-            </a:r>
-            <a:r>
-              <a:rPr lang="en-US" sz="1200" i="1" dirty="0" err="1" smtClean="0"/>
-              <a:t>Behaviours</a:t>
-            </a:r>
-            <a:r>
-              <a:rPr lang="en-US" sz="1200" i="1" dirty="0" smtClean="0"/>
-              <a:t> from The Virtuous Cycle of Mutual Learning by Roger Schwarz</a:t>
+              <a:t>8 Behaviours from The Virtuous Cycle of Mutual Learning by Roger Schwarz</a:t>
             </a:r>
             <a:endParaRPr lang="en-US" sz="1200" i="1" dirty="0"/>
           </a:p>
@@ -20388,7 +19993,7 @@
   <p:timing>
     <p:tnLst>
       <p:par>
-        <p:cTn xmlns:p14="http://schemas.microsoft.com/office/powerpoint/2010/main" id="1" dur="indefinite" restart="never" nodeType="tmRoot"/>
+        <p:cTn id="1" dur="indefinite" restart="never" nodeType="tmRoot"/>
       </p:par>
     </p:tnLst>
   </p:timing>
@@ -20517,14 +20122,14 @@
           </a:ln>
           <a:effectLst/>
           <a:extLst>
-            <a:ext uri="{909E8E84-426E-40dd-AFC4-6F175D3DCCD1}">
+            <a:ext uri="{909E8E84-426E-40DD-AFC4-6F175D3DCCD1}">
               <a14:hiddenFill xmlns:a14="http://schemas.microsoft.com/office/drawing/2010/main">
                 <a:solidFill>
                   <a:schemeClr val="accent1"/>
                 </a:solidFill>
               </a14:hiddenFill>
             </a:ext>
-            <a:ext uri="{91240B29-F687-4f45-9708-019B960494DF}">
+            <a:ext uri="{91240B29-F687-4F45-9708-019B960494DF}">
               <a14:hiddenLine xmlns:a14="http://schemas.microsoft.com/office/drawing/2010/main" w="9525">
                 <a:solidFill>
                   <a:schemeClr val="tx1"/>
@@ -20534,7 +20139,7 @@
                 <a:tailEnd/>
               </a14:hiddenLine>
             </a:ext>
-            <a:ext uri="{AF507438-7753-43e0-B8FC-AC1667EBCBE1}">
+            <a:ext uri="{AF507438-7753-43E0-B8FC-AC1667EBCBE1}">
               <a14:hiddenEffects xmlns:a14="http://schemas.microsoft.com/office/drawing/2010/main">
                 <a:effectLst>
                   <a:outerShdw blurRad="63500" dist="38099" dir="2700000" algn="ctr" rotWithShape="0">
@@ -20594,14 +20199,14 @@
           </a:ln>
           <a:effectLst/>
           <a:extLst>
-            <a:ext uri="{909E8E84-426E-40dd-AFC4-6F175D3DCCD1}">
+            <a:ext uri="{909E8E84-426E-40DD-AFC4-6F175D3DCCD1}">
               <a14:hiddenFill xmlns:a14="http://schemas.microsoft.com/office/drawing/2010/main">
                 <a:solidFill>
                   <a:schemeClr val="accent1"/>
                 </a:solidFill>
               </a14:hiddenFill>
             </a:ext>
-            <a:ext uri="{91240B29-F687-4f45-9708-019B960494DF}">
+            <a:ext uri="{91240B29-F687-4F45-9708-019B960494DF}">
               <a14:hiddenLine xmlns:a14="http://schemas.microsoft.com/office/drawing/2010/main" w="9525">
                 <a:solidFill>
                   <a:schemeClr val="tx1"/>
@@ -20611,7 +20216,7 @@
                 <a:tailEnd/>
               </a14:hiddenLine>
             </a:ext>
-            <a:ext uri="{AF507438-7753-43e0-B8FC-AC1667EBCBE1}">
+            <a:ext uri="{AF507438-7753-43E0-B8FC-AC1667EBCBE1}">
               <a14:hiddenEffects xmlns:a14="http://schemas.microsoft.com/office/drawing/2010/main">
                 <a:effectLst>
                   <a:outerShdw blurRad="63500" dist="38099" dir="2700000" algn="ctr" rotWithShape="0">
@@ -20699,7 +20304,7 @@
               <a:t>: </a:t>
             </a:r>
             <a:r>
-              <a:rPr lang="en-GB" sz="1200" dirty="0" err="1" smtClean="0">
+              <a:rPr lang="en-GB" sz="1200" dirty="0" smtClean="0">
                 <a:solidFill>
                   <a:srgbClr val="558ED5"/>
                 </a:solidFill>
@@ -20740,14 +20345,14 @@
           </a:ln>
           <a:effectLst/>
           <a:extLst>
-            <a:ext uri="{909E8E84-426E-40dd-AFC4-6F175D3DCCD1}">
+            <a:ext uri="{909E8E84-426E-40DD-AFC4-6F175D3DCCD1}">
               <a14:hiddenFill xmlns:a14="http://schemas.microsoft.com/office/drawing/2010/main">
                 <a:solidFill>
                   <a:schemeClr val="accent1"/>
                 </a:solidFill>
               </a14:hiddenFill>
             </a:ext>
-            <a:ext uri="{91240B29-F687-4f45-9708-019B960494DF}">
+            <a:ext uri="{91240B29-F687-4F45-9708-019B960494DF}">
               <a14:hiddenLine xmlns:a14="http://schemas.microsoft.com/office/drawing/2010/main" w="9525">
                 <a:solidFill>
                   <a:schemeClr val="tx1"/>
@@ -20757,7 +20362,7 @@
                 <a:tailEnd/>
               </a14:hiddenLine>
             </a:ext>
-            <a:ext uri="{AF507438-7753-43e0-B8FC-AC1667EBCBE1}">
+            <a:ext uri="{AF507438-7753-43E0-B8FC-AC1667EBCBE1}">
               <a14:hiddenEffects xmlns:a14="http://schemas.microsoft.com/office/drawing/2010/main">
                 <a:effectLst>
                   <a:outerShdw blurRad="63500" dist="38099" dir="2700000" algn="ctr" rotWithShape="0">
@@ -21021,7 +20626,7 @@
             <a:tailEnd/>
           </a:ln>
           <a:extLst>
-            <a:ext uri="{909E8E84-426E-40dd-AFC4-6F175D3DCCD1}">
+            <a:ext uri="{909E8E84-426E-40DD-AFC4-6F175D3DCCD1}">
               <a14:hiddenFill xmlns:a14="http://schemas.microsoft.com/office/drawing/2010/main">
                 <a:solidFill>
                   <a:srgbClr val="FFFFFF"/>
@@ -21053,14 +20658,14 @@
           </a:ln>
           <a:effectLst/>
           <a:extLst>
-            <a:ext uri="{909E8E84-426E-40dd-AFC4-6F175D3DCCD1}">
+            <a:ext uri="{909E8E84-426E-40DD-AFC4-6F175D3DCCD1}">
               <a14:hiddenFill xmlns:a14="http://schemas.microsoft.com/office/drawing/2010/main">
                 <a:solidFill>
                   <a:schemeClr val="accent1"/>
                 </a:solidFill>
               </a14:hiddenFill>
             </a:ext>
-            <a:ext uri="{91240B29-F687-4f45-9708-019B960494DF}">
+            <a:ext uri="{91240B29-F687-4F45-9708-019B960494DF}">
               <a14:hiddenLine xmlns:a14="http://schemas.microsoft.com/office/drawing/2010/main" w="9525">
                 <a:solidFill>
                   <a:schemeClr val="tx1"/>
@@ -21070,7 +20675,7 @@
                 <a:tailEnd/>
               </a14:hiddenLine>
             </a:ext>
-            <a:ext uri="{AF507438-7753-43e0-B8FC-AC1667EBCBE1}">
+            <a:ext uri="{AF507438-7753-43E0-B8FC-AC1667EBCBE1}">
               <a14:hiddenEffects xmlns:a14="http://schemas.microsoft.com/office/drawing/2010/main">
                 <a:effectLst>
                   <a:outerShdw blurRad="63500" dist="38099" dir="2700000" algn="ctr" rotWithShape="0">
@@ -21164,7 +20769,7 @@
               <a:t>: </a:t>
             </a:r>
             <a:r>
-              <a:rPr lang="en-GB" sz="1200" dirty="0" err="1" smtClean="0">
+              <a:rPr lang="en-GB" sz="1200" dirty="0" smtClean="0">
                 <a:solidFill>
                   <a:srgbClr val="558ED5"/>
                 </a:solidFill>
@@ -21205,14 +20810,14 @@
           </a:ln>
           <a:effectLst/>
           <a:extLst>
-            <a:ext uri="{909E8E84-426E-40dd-AFC4-6F175D3DCCD1}">
+            <a:ext uri="{909E8E84-426E-40DD-AFC4-6F175D3DCCD1}">
               <a14:hiddenFill xmlns:a14="http://schemas.microsoft.com/office/drawing/2010/main">
                 <a:solidFill>
                   <a:schemeClr val="accent1"/>
                 </a:solidFill>
               </a14:hiddenFill>
             </a:ext>
-            <a:ext uri="{91240B29-F687-4f45-9708-019B960494DF}">
+            <a:ext uri="{91240B29-F687-4F45-9708-019B960494DF}">
               <a14:hiddenLine xmlns:a14="http://schemas.microsoft.com/office/drawing/2010/main" w="9525">
                 <a:solidFill>
                   <a:schemeClr val="tx1"/>
@@ -21222,7 +20827,7 @@
                 <a:tailEnd/>
               </a14:hiddenLine>
             </a:ext>
-            <a:ext uri="{AF507438-7753-43e0-B8FC-AC1667EBCBE1}">
+            <a:ext uri="{AF507438-7753-43E0-B8FC-AC1667EBCBE1}">
               <a14:hiddenEffects xmlns:a14="http://schemas.microsoft.com/office/drawing/2010/main">
                 <a:effectLst>
                   <a:outerShdw blurRad="63500" dist="38099" dir="2700000" algn="ctr" rotWithShape="0">
@@ -21277,7 +20882,7 @@
   <p:timing>
     <p:tnLst>
       <p:par>
-        <p:cTn xmlns:p14="http://schemas.microsoft.com/office/powerpoint/2010/main" id="1" dur="indefinite" restart="never" nodeType="tmRoot"/>
+        <p:cTn id="1" dur="indefinite" restart="never" nodeType="tmRoot"/>
       </p:par>
     </p:tnLst>
   </p:timing>
@@ -21346,17 +20951,8 @@
             </a:pPr>
             <a:r>
               <a:rPr lang="en-US" sz="2400" dirty="0" smtClean="0"/>
-              <a:t>Re-act the scene with some of these </a:t>
-            </a:r>
-            <a:r>
-              <a:rPr lang="en-US" sz="2400" dirty="0" err="1" smtClean="0"/>
-              <a:t>behaviours</a:t>
-            </a:r>
-            <a:r>
-              <a:rPr lang="en-US" sz="2400" dirty="0" smtClean="0"/>
-              <a:t>.</a:t>
-            </a:r>
-            <a:endParaRPr lang="en-US" sz="2400" dirty="0" smtClean="0"/>
+              <a:t>Re-act the scene with some of these behaviours.</a:t>
+            </a:r>
           </a:p>
           <a:p>
             <a:pPr marL="0" indent="0" algn="just">
@@ -21441,15 +21037,7 @@
             </a:pPr>
             <a:r>
               <a:rPr lang="en-US" sz="2400" dirty="0" smtClean="0"/>
-              <a:t>Discuss </a:t>
-            </a:r>
-            <a:r>
-              <a:rPr lang="en-US" sz="2400" dirty="0" err="1" smtClean="0"/>
-              <a:t>undiscussable</a:t>
-            </a:r>
-            <a:r>
-              <a:rPr lang="en-US" sz="2400" dirty="0" smtClean="0"/>
-              <a:t> issues</a:t>
+              <a:t>Discuss undiscussable issues</a:t>
             </a:r>
           </a:p>
           <a:p>
@@ -21491,15 +21079,7 @@
             <a:pPr algn="r"/>
             <a:r>
               <a:rPr lang="en-US" sz="1200" i="1" dirty="0" smtClean="0"/>
-              <a:t>8 </a:t>
-            </a:r>
-            <a:r>
-              <a:rPr lang="en-US" sz="1200" i="1" dirty="0" err="1" smtClean="0"/>
-              <a:t>Behaviours</a:t>
-            </a:r>
-            <a:r>
-              <a:rPr lang="en-US" sz="1200" i="1" dirty="0" smtClean="0"/>
-              <a:t> from The Virtuous Cycle of Mutual Learning by Roger Schwarz</a:t>
+              <a:t>8 Behaviours from The Virtuous Cycle of Mutual Learning by Roger Schwarz</a:t>
             </a:r>
             <a:endParaRPr lang="en-US" sz="1200" i="1" dirty="0"/>
           </a:p>
@@ -21518,7 +21098,7 @@
   <p:timing>
     <p:tnLst>
       <p:par>
-        <p:cTn xmlns:p14="http://schemas.microsoft.com/office/powerpoint/2010/main" id="1" dur="indefinite" restart="never" nodeType="tmRoot"/>
+        <p:cTn id="1" dur="indefinite" restart="never" nodeType="tmRoot"/>
       </p:par>
     </p:tnLst>
   </p:timing>
@@ -21580,7 +21160,7 @@
           <a:bodyPr/>
           <a:lstStyle/>
           <a:p>
-            <a:endParaRPr lang="en-US"/>
+            <a:endParaRPr lang="en-US" dirty="0"/>
           </a:p>
         </p:txBody>
       </p:sp>
@@ -21597,7 +21177,7 @@
   <p:timing>
     <p:tnLst>
       <p:par>
-        <p:cTn xmlns:p14="http://schemas.microsoft.com/office/powerpoint/2010/main" id="1" dur="indefinite" restart="never" nodeType="tmRoot"/>
+        <p:cTn id="1" dur="indefinite" restart="never" nodeType="tmRoot"/>
       </p:par>
     </p:tnLst>
   </p:timing>
@@ -21666,19 +21246,7 @@
             </a:pPr>
             <a:r>
               <a:rPr lang="en-US" sz="2400" dirty="0" smtClean="0"/>
-              <a:t>Keep a tally of each </a:t>
-            </a:r>
-            <a:r>
-              <a:rPr lang="en-US" sz="2400" dirty="0" err="1" smtClean="0"/>
-              <a:t>behaviour</a:t>
-            </a:r>
-            <a:r>
-              <a:rPr lang="en-US" sz="2400" dirty="0" smtClean="0"/>
-              <a:t> </a:t>
-            </a:r>
-            <a:r>
-              <a:rPr lang="en-US" sz="2400" dirty="0" smtClean="0"/>
-              <a:t>each time you see it.</a:t>
+              <a:t>Keep a tally of each behaviour each time you see it.</a:t>
             </a:r>
           </a:p>
           <a:p>
@@ -21693,11 +21261,7 @@
             </a:pPr>
             <a:r>
               <a:rPr lang="en-US" sz="1800" dirty="0" smtClean="0"/>
-              <a:t>___ State </a:t>
-            </a:r>
-            <a:r>
-              <a:rPr lang="en-US" sz="1800" dirty="0" smtClean="0"/>
-              <a:t>my views without asking for others’ views and vice versa</a:t>
+              <a:t>___ State my views without asking for others’ views and vice versa</a:t>
             </a:r>
           </a:p>
           <a:p>
@@ -21709,12 +21273,8 @@
               <a:t>___ </a:t>
             </a:r>
             <a:r>
-              <a:rPr lang="en-US" sz="1800" dirty="0" err="1" smtClean="0"/>
-              <a:t>Withold</a:t>
-            </a:r>
-            <a:r>
               <a:rPr lang="en-US" sz="1800" dirty="0" smtClean="0"/>
-              <a:t> </a:t>
+              <a:t>Withhold </a:t>
             </a:r>
             <a:r>
               <a:rPr lang="en-US" sz="1800" dirty="0" smtClean="0"/>
@@ -21727,11 +21287,7 @@
             </a:pPr>
             <a:r>
               <a:rPr lang="en-US" sz="1800" dirty="0" smtClean="0"/>
-              <a:t>___ Speak </a:t>
-            </a:r>
-            <a:r>
-              <a:rPr lang="en-US" sz="1800" dirty="0" smtClean="0"/>
-              <a:t>in general terms and don’t agree on what important words mean</a:t>
+              <a:t>___ Speak in general terms and don’t agree on what important words mean</a:t>
             </a:r>
           </a:p>
           <a:p>
@@ -21740,15 +21296,7 @@
             </a:pPr>
             <a:r>
               <a:rPr lang="en-US" sz="1800" dirty="0" smtClean="0"/>
-              <a:t>___ Keep </a:t>
-            </a:r>
-            <a:r>
-              <a:rPr lang="en-US" sz="1800" dirty="0" smtClean="0"/>
-              <a:t>my reasoning private; don’t ask others about their </a:t>
-            </a:r>
-            <a:r>
-              <a:rPr lang="en-US" sz="1800" dirty="0" smtClean="0"/>
-              <a:t>reasoning</a:t>
+              <a:t>___ Keep my reasoning private; don’t ask others about their reasoning</a:t>
             </a:r>
           </a:p>
           <a:p>
@@ -21766,11 +21314,7 @@
             </a:pPr>
             <a:r>
               <a:rPr lang="en-US" sz="1800" dirty="0" smtClean="0"/>
-              <a:t>___ Act </a:t>
-            </a:r>
-            <a:r>
-              <a:rPr lang="en-US" sz="1800" dirty="0" smtClean="0"/>
-              <a:t>on untested assumptions and inference as if they were true</a:t>
+              <a:t>___ Act on untested assumptions and inference as if they were true</a:t>
             </a:r>
           </a:p>
           <a:p>
@@ -21779,11 +21323,7 @@
             </a:pPr>
             <a:r>
               <a:rPr lang="en-US" sz="1800" dirty="0" smtClean="0"/>
-              <a:t>___ Control </a:t>
-            </a:r>
-            <a:r>
-              <a:rPr lang="en-US" sz="1800" dirty="0" smtClean="0"/>
-              <a:t>the conversation</a:t>
+              <a:t>___ Control the conversation</a:t>
             </a:r>
           </a:p>
           <a:p>
@@ -21792,11 +21332,7 @@
             </a:pPr>
             <a:r>
               <a:rPr lang="en-US" sz="1800" dirty="0" smtClean="0"/>
-              <a:t>___ Avoid</a:t>
-            </a:r>
-            <a:r>
-              <a:rPr lang="en-US" sz="1800" dirty="0" smtClean="0"/>
-              <a:t>, ease into, or save face on difficult issues</a:t>
+              <a:t>___ Avoid, ease into, or save face on difficult issues</a:t>
             </a:r>
             <a:endParaRPr lang="en-US" sz="1800" dirty="0"/>
           </a:p>
@@ -21827,15 +21363,7 @@
             <a:pPr algn="r"/>
             <a:r>
               <a:rPr lang="en-US" sz="1200" i="1" dirty="0" smtClean="0"/>
-              <a:t>8 </a:t>
-            </a:r>
-            <a:r>
-              <a:rPr lang="en-US" sz="1200" i="1" dirty="0" err="1" smtClean="0"/>
-              <a:t>Behaviours</a:t>
-            </a:r>
-            <a:r>
-              <a:rPr lang="en-US" sz="1200" i="1" dirty="0" smtClean="0"/>
-              <a:t> from The Vicious Cycle of Unilateral Control by Roger Schwarz</a:t>
+              <a:t>8 Behaviours from The Vicious Cycle of Unilateral Control by Roger Schwarz</a:t>
             </a:r>
             <a:endParaRPr lang="en-US" sz="1200" i="1" dirty="0"/>
           </a:p>
@@ -21854,7 +21382,7 @@
   <p:timing>
     <p:tnLst>
       <p:par>
-        <p:cTn xmlns:p14="http://schemas.microsoft.com/office/powerpoint/2010/main" id="1" dur="indefinite" restart="never" nodeType="tmRoot"/>
+        <p:cTn id="1" dur="indefinite" restart="never" nodeType="tmRoot"/>
       </p:par>
     </p:tnLst>
   </p:timing>
@@ -21923,15 +21451,7 @@
             </a:pPr>
             <a:r>
               <a:rPr lang="en-US" sz="2400" dirty="0"/>
-              <a:t>Keep a tally of each </a:t>
-            </a:r>
-            <a:r>
-              <a:rPr lang="en-US" sz="2400" dirty="0" err="1"/>
-              <a:t>behaviour</a:t>
-            </a:r>
-            <a:r>
-              <a:rPr lang="en-US" sz="2400" dirty="0"/>
-              <a:t> each time you see it.</a:t>
+              <a:t>Keep a tally of each behaviour each time you see it.</a:t>
             </a:r>
           </a:p>
           <a:p>
@@ -21946,11 +21466,7 @@
             </a:pPr>
             <a:r>
               <a:rPr lang="en-US" sz="1800" dirty="0" smtClean="0"/>
-              <a:t>___ State </a:t>
-            </a:r>
-            <a:r>
-              <a:rPr lang="en-US" sz="1800" dirty="0" smtClean="0"/>
-              <a:t>views and ask genuine questions</a:t>
+              <a:t>___ State views and ask genuine questions</a:t>
             </a:r>
           </a:p>
           <a:p>
@@ -21959,11 +21475,7 @@
             </a:pPr>
             <a:r>
               <a:rPr lang="en-US" sz="1800" dirty="0" smtClean="0"/>
-              <a:t>___ Share </a:t>
-            </a:r>
-            <a:r>
-              <a:rPr lang="en-US" sz="1800" dirty="0" smtClean="0"/>
-              <a:t>all relevant information</a:t>
+              <a:t>___ Share all relevant information</a:t>
             </a:r>
           </a:p>
           <a:p>
@@ -21972,11 +21484,7 @@
             </a:pPr>
             <a:r>
               <a:rPr lang="en-US" sz="1800" dirty="0" smtClean="0"/>
-              <a:t>___ Use </a:t>
-            </a:r>
-            <a:r>
-              <a:rPr lang="en-US" sz="1800" dirty="0" smtClean="0"/>
-              <a:t>specific examples and agree on what important words mean</a:t>
+              <a:t>___ Use specific examples and agree on what important words mean</a:t>
             </a:r>
           </a:p>
           <a:p>
@@ -21985,11 +21493,7 @@
             </a:pPr>
             <a:r>
               <a:rPr lang="en-US" sz="1800" dirty="0" smtClean="0"/>
-              <a:t>___ Explain </a:t>
-            </a:r>
-            <a:r>
-              <a:rPr lang="en-US" sz="1800" dirty="0" smtClean="0"/>
-              <a:t>reasoning and intent</a:t>
+              <a:t>___ Explain reasoning and intent</a:t>
             </a:r>
           </a:p>
           <a:p>
@@ -21998,11 +21502,7 @@
             </a:pPr>
             <a:r>
               <a:rPr lang="en-US" sz="1800" dirty="0" smtClean="0"/>
-              <a:t>___ Focus </a:t>
-            </a:r>
-            <a:r>
-              <a:rPr lang="en-US" sz="1800" dirty="0" smtClean="0"/>
-              <a:t>on interests, not positions</a:t>
+              <a:t>___ Focus on interests, not positions</a:t>
             </a:r>
           </a:p>
           <a:p>
@@ -22011,11 +21511,7 @@
             </a:pPr>
             <a:r>
               <a:rPr lang="en-US" sz="1800" dirty="0" smtClean="0"/>
-              <a:t>___ Test </a:t>
-            </a:r>
-            <a:r>
-              <a:rPr lang="en-US" sz="1800" dirty="0" smtClean="0"/>
-              <a:t>assumptions and inferences</a:t>
+              <a:t>___ Test assumptions and inferences</a:t>
             </a:r>
           </a:p>
           <a:p>
@@ -22024,11 +21520,7 @@
             </a:pPr>
             <a:r>
               <a:rPr lang="en-US" sz="1800" dirty="0" smtClean="0"/>
-              <a:t>___ Jointly </a:t>
-            </a:r>
-            <a:r>
-              <a:rPr lang="en-US" sz="1800" dirty="0" smtClean="0"/>
-              <a:t>design next steps</a:t>
+              <a:t>___ Jointly design next steps</a:t>
             </a:r>
           </a:p>
           <a:p>
@@ -22037,15 +21529,7 @@
             </a:pPr>
             <a:r>
               <a:rPr lang="en-US" sz="1800" dirty="0" smtClean="0"/>
-              <a:t>___ Discuss </a:t>
-            </a:r>
-            <a:r>
-              <a:rPr lang="en-US" sz="1800" dirty="0" err="1" smtClean="0"/>
-              <a:t>undiscussable</a:t>
-            </a:r>
-            <a:r>
-              <a:rPr lang="en-US" sz="1800" dirty="0" smtClean="0"/>
-              <a:t> issues</a:t>
+              <a:t>___ Discuss undiscussable issues</a:t>
             </a:r>
           </a:p>
           <a:p>
@@ -22087,15 +21571,7 @@
             <a:pPr algn="r"/>
             <a:r>
               <a:rPr lang="en-US" sz="1200" i="1" dirty="0" smtClean="0"/>
-              <a:t>8 </a:t>
-            </a:r>
-            <a:r>
-              <a:rPr lang="en-US" sz="1200" i="1" dirty="0" err="1" smtClean="0"/>
-              <a:t>Behaviours</a:t>
-            </a:r>
-            <a:r>
-              <a:rPr lang="en-US" sz="1200" i="1" dirty="0" smtClean="0"/>
-              <a:t> from The Virtuous Cycle of Mutual Learning by Roger Schwarz</a:t>
+              <a:t>8 Behaviours from The Virtuous Cycle of Mutual Learning by Roger Schwarz</a:t>
             </a:r>
             <a:endParaRPr lang="en-US" sz="1200" i="1" dirty="0"/>
           </a:p>
@@ -22114,7 +21590,7 @@
   <p:timing>
     <p:tnLst>
       <p:par>
-        <p:cTn xmlns:p14="http://schemas.microsoft.com/office/powerpoint/2010/main" id="1" dur="indefinite" restart="never" nodeType="tmRoot"/>
+        <p:cTn id="1" dur="indefinite" restart="never" nodeType="tmRoot"/>
       </p:par>
     </p:tnLst>
   </p:timing>
@@ -22243,13 +21719,8 @@
             </a:pPr>
             <a:r>
               <a:rPr lang="en-GB" sz="2400" dirty="0" smtClean="0"/>
-              <a:t>[ ] </a:t>
-            </a:r>
-            <a:r>
-              <a:rPr lang="en-GB" sz="2400" dirty="0" smtClean="0"/>
-              <a:t>I’ve gained one or more personal insights</a:t>
-            </a:r>
-            <a:endParaRPr lang="en-GB" sz="2400" dirty="0" smtClean="0"/>
+              <a:t>[ ] I’ve gained one or more personal insights</a:t>
+            </a:r>
           </a:p>
           <a:p>
             <a:pPr marL="0" indent="0">
@@ -22285,7 +21756,7 @@
   <p:timing>
     <p:tnLst>
       <p:par>
-        <p:cTn xmlns:p14="http://schemas.microsoft.com/office/powerpoint/2010/main" id="1" dur="indefinite" restart="never" nodeType="tmRoot"/>
+        <p:cTn id="1" dur="indefinite" restart="never" nodeType="tmRoot"/>
       </p:par>
     </p:tnLst>
   </p:timing>
@@ -22328,7 +21799,15 @@
           <a:p>
             <a:r>
               <a:rPr lang="en-US" sz="3600" dirty="0" smtClean="0"/>
-              <a:t>The Mutual Learning Questionnaire</a:t>
+              <a:t>The </a:t>
+            </a:r>
+            <a:r>
+              <a:rPr lang="en-US" sz="3600" dirty="0" smtClean="0"/>
+              <a:t>Espoused Mindset </a:t>
+            </a:r>
+            <a:r>
+              <a:rPr lang="en-US" sz="3600" dirty="0" smtClean="0"/>
+              <a:t>Questionnaire</a:t>
             </a:r>
             <a:endParaRPr lang="en-US" sz="3600" dirty="0"/>
           </a:p>
@@ -22347,7 +21826,7 @@
         <p:spPr>
           <a:xfrm>
             <a:off x="251520" y="1196752"/>
-            <a:ext cx="8640960" cy="460647"/>
+            <a:ext cx="8640960" cy="792088"/>
           </a:xfrm>
         </p:spPr>
         <p:txBody>
@@ -22361,7 +21840,33 @@
             </a:pPr>
             <a:r>
               <a:rPr lang="en-US" sz="1400" dirty="0" smtClean="0"/>
-              <a:t>Read each pair of statements. For each pair, tick the box which most accurately reflects the way you think.</a:t>
+              <a:t>Read each pair of statements. For each pair, tick the box which most accurately reflects the way you think</a:t>
+            </a:r>
+            <a:r>
+              <a:rPr lang="en-US" sz="1400" dirty="0" smtClean="0"/>
+              <a:t>.</a:t>
+            </a:r>
+          </a:p>
+          <a:p>
+            <a:pPr marL="0" indent="0" algn="ctr">
+              <a:buNone/>
+            </a:pPr>
+            <a:r>
+              <a:rPr lang="en-US" sz="1400" dirty="0" smtClean="0"/>
+              <a:t>Tick "1" if you fully agree with the statement on the left</a:t>
+            </a:r>
+          </a:p>
+          <a:p>
+            <a:pPr marL="0" indent="0" algn="ctr">
+              <a:buNone/>
+            </a:pPr>
+            <a:r>
+              <a:rPr lang="en-US" sz="1400" dirty="0"/>
+              <a:t>T</a:t>
+            </a:r>
+            <a:r>
+              <a:rPr lang="en-US" sz="1400" dirty="0" smtClean="0"/>
+              <a:t>ick "4" if you fully agree with the statement on the right</a:t>
             </a:r>
             <a:endParaRPr lang="en-US" sz="1400" dirty="0"/>
           </a:p>
@@ -22396,79 +21901,18 @@
                   <a:srgbClr val="000000"/>
                 </a:solidFill>
               </a:rPr>
-              <a:t>Questionnaire designed </a:t>
-            </a:r>
+              <a:t>Questionnaire designed by Joe Schmetzer &amp; Portia Tung</a:t>
+            </a:r>
+          </a:p>
+          <a:p>
+            <a:pPr algn="r"/>
             <a:r>
               <a:rPr lang="en-US" sz="1200" i="1" dirty="0" smtClean="0">
                 <a:solidFill>
                   <a:srgbClr val="000000"/>
                 </a:solidFill>
               </a:rPr>
-              <a:t>by </a:t>
-            </a:r>
-            <a:r>
-              <a:rPr lang="en-US" sz="1200" i="1" dirty="0" smtClean="0">
-                <a:solidFill>
-                  <a:srgbClr val="000000"/>
-                </a:solidFill>
-              </a:rPr>
-              <a:t>Joe </a:t>
-            </a:r>
-            <a:r>
-              <a:rPr lang="en-US" sz="1200" i="1" dirty="0" err="1" smtClean="0">
-                <a:solidFill>
-                  <a:srgbClr val="000000"/>
-                </a:solidFill>
-              </a:rPr>
-              <a:t>Schmetzer</a:t>
-            </a:r>
-            <a:r>
-              <a:rPr lang="en-US" sz="1200" i="1" dirty="0" smtClean="0">
-                <a:solidFill>
-                  <a:srgbClr val="000000"/>
-                </a:solidFill>
-              </a:rPr>
-              <a:t> &amp; Portia Tung</a:t>
-            </a:r>
-            <a:endParaRPr lang="en-US" sz="1200" i="1" dirty="0" smtClean="0">
-              <a:solidFill>
-                <a:srgbClr val="000000"/>
-              </a:solidFill>
-            </a:endParaRPr>
-          </a:p>
-          <a:p>
-            <a:pPr algn="r"/>
-            <a:r>
-              <a:rPr lang="en-US" sz="1200" i="1" dirty="0" smtClean="0">
-                <a:solidFill>
-                  <a:srgbClr val="000000"/>
-                </a:solidFill>
-              </a:rPr>
-              <a:t>Derived from Chris </a:t>
-            </a:r>
-            <a:r>
-              <a:rPr lang="en-US" sz="1200" i="1" dirty="0" err="1" smtClean="0">
-                <a:solidFill>
-                  <a:srgbClr val="000000"/>
-                </a:solidFill>
-              </a:rPr>
-              <a:t>Argyris’s</a:t>
-            </a:r>
-            <a:r>
-              <a:rPr lang="en-US" sz="1200" i="1" dirty="0" smtClean="0">
-                <a:solidFill>
-                  <a:srgbClr val="000000"/>
-                </a:solidFill>
-              </a:rPr>
-              <a:t> Mutual Learning </a:t>
-            </a:r>
-            <a:r>
-              <a:rPr lang="en-US" sz="1200" i="1" dirty="0" smtClean="0">
-                <a:solidFill>
-                  <a:srgbClr val="000000"/>
-                </a:solidFill>
-              </a:rPr>
-              <a:t>Model</a:t>
+              <a:t>Derived from Chris Argyris’s Mutual Learning Model</a:t>
             </a:r>
             <a:endParaRPr lang="en-US" sz="1200" i="1" dirty="0">
               <a:solidFill>
@@ -22487,7 +21931,7 @@
           <p:nvPr>
             <p:extLst>
               <p:ext uri="{D42A27DB-BD31-4B8C-83A1-F6EECF244321}">
-                <p14:modId xmlns:p14="http://schemas.microsoft.com/office/powerpoint/2010/main" val="997950901"/>
+                <p14:modId xmlns:p14="http://schemas.microsoft.com/office/powerpoint/2010/main" val="1880011261"/>
               </p:ext>
             </p:extLst>
           </p:nvPr>
@@ -22636,7 +22080,7 @@
                     <a:lstStyle/>
                     <a:p>
                       <a:pPr algn="l"/>
-                      <a:endParaRPr lang="en-US" sz="1600"/>
+                      <a:endParaRPr lang="en-US" sz="1600" dirty="0"/>
                     </a:p>
                   </a:txBody>
                   <a:tcPr/>
@@ -22669,7 +22113,7 @@
                     <a:lstStyle/>
                     <a:p>
                       <a:pPr algn="l"/>
-                      <a:endParaRPr lang="en-US" sz="1600"/>
+                      <a:endParaRPr lang="en-US" sz="1600" dirty="0"/>
                     </a:p>
                   </a:txBody>
                   <a:tcPr/>
@@ -22699,7 +22143,11 @@
                       <a:pPr algn="l"/>
                       <a:r>
                         <a:rPr lang="en-US" sz="1600" dirty="0" smtClean="0"/>
-                        <a:t>2) I am right most of the time</a:t>
+                        <a:t>2) </a:t>
+                      </a:r>
+                      <a:r>
+                        <a:rPr lang="en-US" sz="1600" dirty="0" smtClean="0"/>
+                        <a:t>People who disagree with me are pushing an agenda</a:t>
                       </a:r>
                       <a:endParaRPr lang="en-US" sz="1600" dirty="0"/>
                     </a:p>
@@ -22712,7 +22160,7 @@
                     <a:lstStyle/>
                     <a:p>
                       <a:pPr algn="l"/>
-                      <a:endParaRPr lang="en-US" sz="1600"/>
+                      <a:endParaRPr lang="en-US" sz="1600" dirty="0"/>
                     </a:p>
                   </a:txBody>
                   <a:tcPr/>
@@ -22723,7 +22171,7 @@
                     <a:lstStyle/>
                     <a:p>
                       <a:pPr algn="l"/>
-                      <a:endParaRPr lang="en-US" sz="1600"/>
+                      <a:endParaRPr lang="en-US" sz="1600" dirty="0"/>
                     </a:p>
                   </a:txBody>
                   <a:tcPr/>
@@ -22734,7 +22182,7 @@
                     <a:lstStyle/>
                     <a:p>
                       <a:pPr algn="l"/>
-                      <a:endParaRPr lang="en-US" sz="1600"/>
+                      <a:endParaRPr lang="en-US" sz="1600" dirty="0"/>
                     </a:p>
                   </a:txBody>
                   <a:tcPr/>
@@ -22745,7 +22193,7 @@
                     <a:lstStyle/>
                     <a:p>
                       <a:pPr algn="l"/>
-                      <a:endParaRPr lang="en-US" sz="1600"/>
+                      <a:endParaRPr lang="en-US" sz="1600" dirty="0"/>
                     </a:p>
                   </a:txBody>
                   <a:tcPr/>
@@ -22775,8 +22223,15 @@
                       <a:pPr algn="l"/>
                       <a:r>
                         <a:rPr lang="en-US" sz="1600" dirty="0" smtClean="0"/>
-                        <a:t>3) People who disagree with me are pushing an agenda</a:t>
+                        <a:t>3</a:t>
                       </a:r>
+                      <a:r>
+                        <a:rPr lang="en-US" sz="1600" dirty="0" smtClean="0"/>
+                        <a:t>) I am right most of the time</a:t>
+                      </a:r>
+                    </a:p>
+                    <a:p>
+                      <a:pPr algn="l"/>
                       <a:endParaRPr lang="en-US" sz="1600" dirty="0"/>
                     </a:p>
                   </a:txBody>
@@ -22788,7 +22243,7 @@
                     <a:lstStyle/>
                     <a:p>
                       <a:pPr algn="l"/>
-                      <a:endParaRPr lang="en-US" sz="1600"/>
+                      <a:endParaRPr lang="en-US" sz="1600" dirty="0"/>
                     </a:p>
                   </a:txBody>
                   <a:tcPr/>
@@ -22799,7 +22254,7 @@
                     <a:lstStyle/>
                     <a:p>
                       <a:pPr algn="l"/>
-                      <a:endParaRPr lang="en-US" sz="1600"/>
+                      <a:endParaRPr lang="en-US" sz="1600" dirty="0"/>
                     </a:p>
                   </a:txBody>
                   <a:tcPr/>
@@ -22810,7 +22265,7 @@
                     <a:lstStyle/>
                     <a:p>
                       <a:pPr algn="l"/>
-                      <a:endParaRPr lang="en-US" sz="1600"/>
+                      <a:endParaRPr lang="en-US" sz="1600" dirty="0"/>
                     </a:p>
                   </a:txBody>
                   <a:tcPr/>
@@ -22821,7 +22276,7 @@
                     <a:lstStyle/>
                     <a:p>
                       <a:pPr algn="l"/>
-                      <a:endParaRPr lang="en-US" sz="1600"/>
+                      <a:endParaRPr lang="en-US" sz="1600" dirty="0"/>
                     </a:p>
                   </a:txBody>
                   <a:tcPr/>
@@ -22834,11 +22289,15 @@
                       <a:pPr algn="l"/>
                       <a:r>
                         <a:rPr lang="en-US" sz="1600" dirty="0" smtClean="0"/>
-                        <a:t>3) Other </a:t>
+                        <a:t>3) </a:t>
                       </a:r>
                       <a:r>
                         <a:rPr lang="en-US" sz="1600" dirty="0" smtClean="0"/>
-                        <a:t>can teach me much</a:t>
+                        <a:t>I am often mistaken or have</a:t>
+                      </a:r>
+                      <a:r>
+                        <a:rPr lang="en-US" sz="1600" baseline="0" dirty="0" smtClean="0"/>
+                        <a:t> incomplete knowledge</a:t>
                       </a:r>
                       <a:endParaRPr lang="en-US" sz="1600" dirty="0"/>
                     </a:p>
@@ -22855,11 +22314,11 @@
                       <a:pPr algn="l"/>
                       <a:r>
                         <a:rPr lang="en-US" sz="1600" dirty="0" smtClean="0"/>
-                        <a:t>4) I can</a:t>
+                        <a:t>4) </a:t>
                       </a:r>
                       <a:r>
-                        <a:rPr lang="en-US" sz="1600" baseline="0" dirty="0" smtClean="0"/>
-                        <a:t> teach people to fix their mistakes</a:t>
+                        <a:rPr lang="en-US" sz="1600" dirty="0" smtClean="0"/>
+                        <a:t>I don't have much to learn from my colleagues</a:t>
                       </a:r>
                       <a:endParaRPr lang="en-US" sz="1600" dirty="0"/>
                     </a:p>
@@ -22872,7 +22331,7 @@
                     <a:lstStyle/>
                     <a:p>
                       <a:pPr algn="l"/>
-                      <a:endParaRPr lang="en-US" sz="1600"/>
+                      <a:endParaRPr lang="en-US" sz="1600" dirty="0"/>
                     </a:p>
                   </a:txBody>
                   <a:tcPr/>
@@ -22883,7 +22342,7 @@
                     <a:lstStyle/>
                     <a:p>
                       <a:pPr algn="l"/>
-                      <a:endParaRPr lang="en-US" sz="1600"/>
+                      <a:endParaRPr lang="en-US" sz="1600" dirty="0"/>
                     </a:p>
                   </a:txBody>
                   <a:tcPr/>
@@ -22894,7 +22353,7 @@
                     <a:lstStyle/>
                     <a:p>
                       <a:pPr algn="l"/>
-                      <a:endParaRPr lang="en-US" sz="1600"/>
+                      <a:endParaRPr lang="en-US" sz="1600" dirty="0"/>
                     </a:p>
                   </a:txBody>
                   <a:tcPr/>
@@ -22905,7 +22364,7 @@
                     <a:lstStyle/>
                     <a:p>
                       <a:pPr algn="l"/>
-                      <a:endParaRPr lang="en-US" sz="1600"/>
+                      <a:endParaRPr lang="en-US" sz="1600" dirty="0"/>
                     </a:p>
                   </a:txBody>
                   <a:tcPr/>
@@ -22918,11 +22377,7 @@
                       <a:pPr algn="l"/>
                       <a:r>
                         <a:rPr lang="en-US" sz="1600" dirty="0" smtClean="0"/>
-                        <a:t>4) I </a:t>
-                      </a:r>
-                      <a:r>
-                        <a:rPr lang="en-US" sz="1600" dirty="0" smtClean="0"/>
-                        <a:t>can learn from</a:t>
+                        <a:t>4) I can learn from</a:t>
                       </a:r>
                       <a:r>
                         <a:rPr lang="en-US" sz="1600" baseline="0" dirty="0" smtClean="0"/>
@@ -22956,7 +22411,7 @@
                     <a:lstStyle/>
                     <a:p>
                       <a:pPr algn="l"/>
-                      <a:endParaRPr lang="en-US" sz="1600"/>
+                      <a:endParaRPr lang="en-US" sz="1600" dirty="0"/>
                     </a:p>
                   </a:txBody>
                   <a:tcPr/>
@@ -22967,7 +22422,7 @@
                     <a:lstStyle/>
                     <a:p>
                       <a:pPr algn="l"/>
-                      <a:endParaRPr lang="en-US" sz="1600"/>
+                      <a:endParaRPr lang="en-US" sz="1600" dirty="0"/>
                     </a:p>
                   </a:txBody>
                   <a:tcPr/>
@@ -22978,7 +22433,7 @@
                     <a:lstStyle/>
                     <a:p>
                       <a:pPr algn="l"/>
-                      <a:endParaRPr lang="en-US" sz="1600"/>
+                      <a:endParaRPr lang="en-US" sz="1600" dirty="0"/>
                     </a:p>
                   </a:txBody>
                   <a:tcPr/>
@@ -22989,7 +22444,7 @@
                     <a:lstStyle/>
                     <a:p>
                       <a:pPr algn="l"/>
-                      <a:endParaRPr lang="en-US" sz="1600"/>
+                      <a:endParaRPr lang="en-US" sz="1600" dirty="0"/>
                     </a:p>
                   </a:txBody>
                   <a:tcPr/>
@@ -23010,15 +22465,23 @@
                       </a:r>
                       <a:r>
                         <a:rPr lang="en-US" sz="1600" dirty="0" smtClean="0"/>
-                        <a:t>My </a:t>
+                        <a:t>My feelings are </a:t>
                       </a:r>
                       <a:r>
                         <a:rPr lang="en-US" sz="1600" dirty="0" smtClean="0"/>
-                        <a:t>feelings are hidden</a:t>
+                        <a:t>not obvious to others </a:t>
                       </a:r>
                       <a:r>
                         <a:rPr lang="en-US" sz="1600" baseline="0" dirty="0" smtClean="0"/>
-                        <a:t> and may be self-motivated</a:t>
+                        <a:t>and </a:t>
+                      </a:r>
+                      <a:r>
+                        <a:rPr lang="en-US" sz="1600" baseline="0" dirty="0" smtClean="0"/>
+                        <a:t>may </a:t>
+                      </a:r>
+                      <a:r>
+                        <a:rPr lang="en-US" sz="1600" baseline="0" dirty="0" smtClean="0"/>
+                        <a:t>not be rational</a:t>
                       </a:r>
                       <a:endParaRPr lang="en-US" sz="1600" dirty="0"/>
                     </a:p>
@@ -23048,7 +22511,7 @@
                     <a:lstStyle/>
                     <a:p>
                       <a:pPr algn="l"/>
-                      <a:endParaRPr lang="en-US" sz="1600"/>
+                      <a:endParaRPr lang="en-US" sz="1600" dirty="0"/>
                     </a:p>
                   </a:txBody>
                   <a:tcPr/>
@@ -23059,7 +22522,7 @@
                     <a:lstStyle/>
                     <a:p>
                       <a:pPr algn="l"/>
-                      <a:endParaRPr lang="en-US" sz="1600"/>
+                      <a:endParaRPr lang="en-US" sz="1600" dirty="0"/>
                     </a:p>
                   </a:txBody>
                   <a:tcPr/>
@@ -23070,7 +22533,7 @@
                     <a:lstStyle/>
                     <a:p>
                       <a:pPr algn="l"/>
-                      <a:endParaRPr lang="en-US" sz="1600"/>
+                      <a:endParaRPr lang="en-US" sz="1600" dirty="0"/>
                     </a:p>
                   </a:txBody>
                   <a:tcPr/>
@@ -23081,7 +22544,7 @@
                     <a:lstStyle/>
                     <a:p>
                       <a:pPr algn="l"/>
-                      <a:endParaRPr lang="en-US" sz="1600"/>
+                      <a:endParaRPr lang="en-US" sz="1600" dirty="0"/>
                     </a:p>
                   </a:txBody>
                   <a:tcPr/>
@@ -23587,7 +23050,7 @@
   <p:timing>
     <p:tnLst>
       <p:par>
-        <p:cTn xmlns:p14="http://schemas.microsoft.com/office/powerpoint/2010/main" id="1" dur="indefinite" restart="never" nodeType="tmRoot"/>
+        <p:cTn id="1" dur="indefinite" restart="never" nodeType="tmRoot"/>
       </p:par>
     </p:tnLst>
   </p:timing>
@@ -23879,15 +23342,7 @@
             </a:r>
             <a:r>
               <a:rPr lang="en-US" dirty="0"/>
-              <a:t>discuss </a:t>
-            </a:r>
-            <a:r>
-              <a:rPr lang="en-US" dirty="0" err="1"/>
-              <a:t>undiscussable</a:t>
-            </a:r>
-            <a:r>
-              <a:rPr lang="en-US" dirty="0"/>
-              <a:t> issues. </a:t>
+              <a:t>discuss undiscussable issues. </a:t>
             </a:r>
           </a:p>
         </p:txBody>
@@ -23921,21 +23376,8 @@
                   <a:srgbClr val="000000"/>
                 </a:solidFill>
               </a:rPr>
-              <a:t>Scale design by Portia Tung &amp; Joe </a:t>
-            </a:r>
-            <a:r>
-              <a:rPr lang="en-US" sz="1200" i="1" dirty="0" err="1" smtClean="0">
-                <a:solidFill>
-                  <a:srgbClr val="000000"/>
-                </a:solidFill>
-              </a:rPr>
-              <a:t>Schmetzer</a:t>
-            </a:r>
-            <a:endParaRPr lang="en-US" sz="1200" i="1" dirty="0" smtClean="0">
-              <a:solidFill>
-                <a:srgbClr val="000000"/>
-              </a:solidFill>
-            </a:endParaRPr>
+              <a:t>Scale design by Portia Tung &amp; Joe Schmetzer</a:t>
+            </a:r>
           </a:p>
           <a:p>
             <a:pPr algn="r"/>
@@ -23945,23 +23387,7 @@
                   <a:srgbClr val="000000"/>
                 </a:solidFill>
               </a:rPr>
-              <a:t>Derived from Chris </a:t>
-            </a:r>
-            <a:r>
-              <a:rPr lang="en-US" sz="1200" i="1" dirty="0" err="1" smtClean="0">
-                <a:solidFill>
-                  <a:srgbClr val="000000"/>
-                </a:solidFill>
-              </a:rPr>
-              <a:t>Argyris’s</a:t>
-            </a:r>
-            <a:r>
-              <a:rPr lang="en-US" sz="1200" i="1" dirty="0" smtClean="0">
-                <a:solidFill>
-                  <a:srgbClr val="000000"/>
-                </a:solidFill>
-              </a:rPr>
-              <a:t> Mutual Learning Model and “Smart Leaders Smarter Teams” by Roger Schwarz</a:t>
+              <a:t>Derived from Chris Argyris’s Mutual Learning Model and “Smart Leaders Smarter Teams” by Roger Schwarz</a:t>
             </a:r>
             <a:endParaRPr lang="en-US" sz="1200" i="1" dirty="0">
               <a:solidFill>
@@ -23981,18 +23407,18 @@
   <p:clrMapOvr>
     <a:masterClrMapping/>
   </p:clrMapOvr>
-  <mc:AlternateContent xmlns:mc="http://schemas.openxmlformats.org/markup-compatibility/2006">
-    <mc:Choice xmlns:p14="http://schemas.microsoft.com/office/powerpoint/2010/main" Requires="p14">
+  <mc:AlternateContent xmlns:mc="http://schemas.openxmlformats.org/markup-compatibility/2006" xmlns:p14="http://schemas.microsoft.com/office/powerpoint/2010/main">
+    <mc:Choice Requires="p14">
       <p:transition spd="slow" p14:dur="2000"/>
     </mc:Choice>
-    <mc:Fallback>
+    <mc:Fallback xmlns="">
       <p:transition xmlns:p14="http://schemas.microsoft.com/office/powerpoint/2010/main" spd="slow"/>
     </mc:Fallback>
   </mc:AlternateContent>
   <p:timing>
     <p:tnLst>
       <p:par>
-        <p:cTn xmlns:p14="http://schemas.microsoft.com/office/powerpoint/2010/main" id="1" dur="indefinite" restart="never" nodeType="tmRoot"/>
+        <p:cTn id="1" dur="indefinite" restart="never" nodeType="tmRoot"/>
       </p:par>
     </p:tnLst>
   </p:timing>
@@ -24100,7 +23526,7 @@
   <p:timing>
     <p:tnLst>
       <p:par>
-        <p:cTn xmlns:p14="http://schemas.microsoft.com/office/powerpoint/2010/main" id="1" dur="indefinite" restart="never" nodeType="tmRoot"/>
+        <p:cTn id="1" dur="indefinite" restart="never" nodeType="tmRoot"/>
       </p:par>
     </p:tnLst>
   </p:timing>
@@ -24217,7 +23643,7 @@
   <p:timing>
     <p:tnLst>
       <p:par>
-        <p:cTn xmlns:p14="http://schemas.microsoft.com/office/powerpoint/2010/main" id="1" dur="indefinite" restart="never" nodeType="tmRoot"/>
+        <p:cTn id="1" dur="indefinite" restart="never" nodeType="tmRoot"/>
       </p:par>
     </p:tnLst>
   </p:timing>
@@ -24311,7 +23737,7 @@
   <p:timing>
     <p:tnLst>
       <p:par>
-        <p:cTn xmlns:p14="http://schemas.microsoft.com/office/powerpoint/2010/main" id="1" dur="indefinite" restart="never" nodeType="tmRoot"/>
+        <p:cTn id="1" dur="indefinite" restart="never" nodeType="tmRoot"/>
       </p:par>
     </p:tnLst>
   </p:timing>

--- a/The Fellowship of the Ring.pptx
+++ b/The Fellowship of the Ring.pptx
@@ -25,7 +25,7 @@
     <p:sldId id="296" r:id="rId16"/>
     <p:sldId id="278" r:id="rId17"/>
     <p:sldId id="271" r:id="rId18"/>
-    <p:sldId id="282" r:id="rId19"/>
+    <p:sldId id="297" r:id="rId19"/>
     <p:sldId id="267" r:id="rId20"/>
     <p:sldId id="283" r:id="rId21"/>
     <p:sldId id="288" r:id="rId22"/>
@@ -7759,7 +7759,7 @@
             <a:noFill/>
           </a:ln>
           <a:extLst>
-            <a:ext uri="{91240B29-F687-4F45-9708-019B960494DF}">
+            <a:ext uri="{91240B29-F687-4f45-9708-019B960494DF}">
               <a14:hiddenLine xmlns:a14="http://schemas.microsoft.com/office/drawing/2010/main" w="9525">
                 <a:solidFill>
                   <a:srgbClr val="000000"/>
@@ -7785,7 +7785,7 @@
   <p:timing>
     <p:tnLst>
       <p:par>
-        <p:cTn id="1" dur="indefinite" restart="never" nodeType="tmRoot"/>
+        <p:cTn xmlns:p14="http://schemas.microsoft.com/office/powerpoint/2010/main" id="1" dur="indefinite" restart="never" nodeType="tmRoot"/>
       </p:par>
     </p:tnLst>
   </p:timing>
@@ -8837,7 +8837,7 @@
   <p:timing>
     <p:tnLst>
       <p:par>
-        <p:cTn id="1" dur="indefinite" restart="never" nodeType="tmRoot">
+        <p:cTn xmlns:p14="http://schemas.microsoft.com/office/powerpoint/2010/main" id="1" dur="indefinite" restart="never" nodeType="tmRoot">
           <p:childTnLst>
             <p:seq concurrent="1" nextAc="seek">
               <p:cTn id="2" dur="indefinite" nodeType="mainSeq">
@@ -9279,7 +9279,7 @@
   <p:timing>
     <p:tnLst>
       <p:par>
-        <p:cTn id="1" dur="indefinite" restart="never" nodeType="tmRoot"/>
+        <p:cTn xmlns:p14="http://schemas.microsoft.com/office/powerpoint/2010/main" id="1" dur="indefinite" restart="never" nodeType="tmRoot"/>
       </p:par>
     </p:tnLst>
   </p:timing>
@@ -9379,7 +9379,7 @@
   <p:timing>
     <p:tnLst>
       <p:par>
-        <p:cTn id="1" dur="indefinite" restart="never" nodeType="tmRoot"/>
+        <p:cTn xmlns:p14="http://schemas.microsoft.com/office/powerpoint/2010/main" id="1" dur="indefinite" restart="never" nodeType="tmRoot"/>
       </p:par>
     </p:tnLst>
   </p:timing>
@@ -10390,7 +10390,7 @@
   <p:timing>
     <p:tnLst>
       <p:par>
-        <p:cTn id="1" dur="indefinite" restart="never" nodeType="tmRoot">
+        <p:cTn xmlns:p14="http://schemas.microsoft.com/office/powerpoint/2010/main" id="1" dur="indefinite" restart="never" nodeType="tmRoot">
           <p:childTnLst>
             <p:seq concurrent="1" nextAc="seek">
               <p:cTn id="2" dur="indefinite" nodeType="mainSeq">
@@ -12405,7 +12405,7 @@
   <p:timing>
     <p:tnLst>
       <p:par>
-        <p:cTn id="1" dur="indefinite" restart="never" nodeType="tmRoot">
+        <p:cTn xmlns:p14="http://schemas.microsoft.com/office/powerpoint/2010/main" id="1" dur="indefinite" restart="never" nodeType="tmRoot">
           <p:childTnLst>
             <p:seq concurrent="1" nextAc="seek">
               <p:cTn id="2" dur="indefinite" nodeType="mainSeq">
@@ -13591,7 +13591,7 @@
   <p:timing>
     <p:tnLst>
       <p:par>
-        <p:cTn id="1" dur="indefinite" restart="never" nodeType="tmRoot">
+        <p:cTn xmlns:p14="http://schemas.microsoft.com/office/powerpoint/2010/main" id="1" dur="indefinite" restart="never" nodeType="tmRoot">
           <p:childTnLst>
             <p:seq concurrent="1" nextAc="seek">
               <p:cTn id="2" dur="indefinite" nodeType="mainSeq">
@@ -15104,8 +15104,8 @@
         </p:nvSpPr>
         <p:spPr>
           <a:xfrm>
-            <a:off x="3807293" y="2383984"/>
-            <a:ext cx="935199" cy="461665"/>
+            <a:off x="3033356" y="2383984"/>
+            <a:ext cx="1682660" cy="276999"/>
           </a:xfrm>
           <a:prstGeom prst="rect">
             <a:avLst/>
@@ -15118,7 +15118,7 @@
           </a:bodyPr>
           <a:lstStyle/>
           <a:p>
-            <a:pPr algn="ctr"/>
+            <a:pPr algn="r"/>
             <a:r>
               <a:rPr lang="en-US" sz="1200" b="1" dirty="0" smtClean="0">
                 <a:solidFill>
@@ -15127,7 +15127,17 @@
                   </a:schemeClr>
                 </a:solidFill>
               </a:rPr>
-              <a:t>Mutual learning</a:t>
+              <a:t>Mutual </a:t>
+            </a:r>
+            <a:r>
+              <a:rPr lang="en-US" sz="1200" b="1" dirty="0" smtClean="0">
+                <a:solidFill>
+                  <a:schemeClr val="bg2">
+                    <a:lumMod val="25000"/>
+                  </a:schemeClr>
+                </a:solidFill>
+              </a:rPr>
+              <a:t>Learning</a:t>
             </a:r>
             <a:endParaRPr lang="en-US" sz="1200" b="1" dirty="0">
               <a:solidFill>
@@ -15147,8 +15157,8 @@
         </p:nvSpPr>
         <p:spPr>
           <a:xfrm>
-            <a:off x="2559537" y="3630318"/>
-            <a:ext cx="935199" cy="646331"/>
+            <a:off x="2411759" y="3630318"/>
+            <a:ext cx="1082977" cy="461665"/>
           </a:xfrm>
           <a:prstGeom prst="rect">
             <a:avLst/>
@@ -15170,7 +15180,17 @@
                   </a:schemeClr>
                 </a:solidFill>
               </a:rPr>
-              <a:t>Unilateral Control bias</a:t>
+              <a:t>Unilateral Control </a:t>
+            </a:r>
+            <a:r>
+              <a:rPr lang="en-US" sz="1200" b="1" dirty="0" smtClean="0">
+                <a:solidFill>
+                  <a:schemeClr val="bg2">
+                    <a:lumMod val="25000"/>
+                  </a:schemeClr>
+                </a:solidFill>
+              </a:rPr>
+              <a:t>Bias</a:t>
             </a:r>
             <a:endParaRPr lang="en-US" sz="1200" b="1" dirty="0">
               <a:solidFill>
@@ -15204,7 +15224,7 @@
           </a:bodyPr>
           <a:lstStyle/>
           <a:p>
-            <a:pPr algn="ctr"/>
+            <a:pPr algn="r"/>
             <a:r>
               <a:rPr lang="en-US" sz="800" b="1" dirty="0" smtClean="0">
                 <a:solidFill>
@@ -15675,8 +15695,8 @@
         </p:nvSpPr>
         <p:spPr>
           <a:xfrm>
-            <a:off x="2655686" y="2999688"/>
-            <a:ext cx="1481631" cy="461665"/>
+            <a:off x="2699792" y="3005477"/>
+            <a:ext cx="1405347" cy="461665"/>
           </a:xfrm>
           <a:prstGeom prst="rect">
             <a:avLst/>
@@ -15689,7 +15709,7 @@
           </a:bodyPr>
           <a:lstStyle/>
           <a:p>
-            <a:pPr algn="ctr"/>
+            <a:pPr algn="r"/>
             <a:r>
               <a:rPr lang="en-US" sz="1200" b="1" dirty="0" smtClean="0">
                 <a:solidFill>
@@ -15698,7 +15718,17 @@
                   </a:schemeClr>
                 </a:solidFill>
               </a:rPr>
-              <a:t>Mutual learning bias</a:t>
+              <a:t>Mutual </a:t>
+            </a:r>
+            <a:r>
+              <a:rPr lang="en-US" sz="1200" b="1" dirty="0" smtClean="0">
+                <a:solidFill>
+                  <a:schemeClr val="bg2">
+                    <a:lumMod val="25000"/>
+                  </a:schemeClr>
+                </a:solidFill>
+              </a:rPr>
+              <a:t>Learning Bias</a:t>
             </a:r>
             <a:endParaRPr lang="en-US" sz="1200" b="1" dirty="0">
               <a:solidFill>
@@ -15731,7 +15761,7 @@
   <p:timing>
     <p:tnLst>
       <p:par>
-        <p:cTn id="1" dur="indefinite" restart="never" nodeType="tmRoot">
+        <p:cTn xmlns:p14="http://schemas.microsoft.com/office/powerpoint/2010/main" id="1" dur="indefinite" restart="never" nodeType="tmRoot">
           <p:childTnLst>
             <p:seq concurrent="1" nextAc="seek">
               <p:cTn id="2" dur="indefinite" nodeType="mainSeq">
@@ -16547,7 +16577,7 @@
   <p:timing>
     <p:tnLst>
       <p:par>
-        <p:cTn id="1" dur="indefinite" restart="never" nodeType="tmRoot"/>
+        <p:cTn xmlns:p14="http://schemas.microsoft.com/office/powerpoint/2010/main" id="1" dur="indefinite" restart="never" nodeType="tmRoot"/>
       </p:par>
     </p:tnLst>
   </p:timing>
@@ -16594,52 +16624,370 @@
           </a:p>
         </p:txBody>
       </p:sp>
-      <p:sp>
-        <p:nvSpPr>
-          <p:cNvPr id="3" name="Content Placeholder 2"/>
-          <p:cNvSpPr>
-            <a:spLocks noGrp="1"/>
-          </p:cNvSpPr>
-          <p:nvPr>
-            <p:ph idx="1"/>
-          </p:nvPr>
-        </p:nvSpPr>
-        <p:spPr/>
-        <p:txBody>
-          <a:bodyPr>
-            <a:normAutofit/>
-          </a:bodyPr>
-          <a:lstStyle/>
-          <a:p>
-            <a:r>
-              <a:rPr lang="en-GB" sz="2800" dirty="0" smtClean="0"/>
-              <a:t>Applied the Mutual Learning Scale to ourselves</a:t>
-            </a:r>
-          </a:p>
-          <a:p>
-            <a:r>
-              <a:rPr lang="en-GB" sz="2800" dirty="0" smtClean="0"/>
-              <a:t>Learned about the Mutual Learning Model</a:t>
-            </a:r>
-          </a:p>
-          <a:p>
-            <a:r>
-              <a:rPr lang="en-GB" sz="2800" dirty="0" smtClean="0"/>
-              <a:t>Learned about the 8 behaviours</a:t>
-            </a:r>
-          </a:p>
-          <a:p>
-            <a:r>
-              <a:rPr lang="en-GB" sz="2800" dirty="0" smtClean="0"/>
-              <a:t>Identified ways we can apply the concepts</a:t>
-            </a:r>
-          </a:p>
-        </p:txBody>
-      </p:sp>
+      <p:pic>
+        <p:nvPicPr>
+          <p:cNvPr id="4" name="Picture 3" descr="Slide05.jpg"/>
+          <p:cNvPicPr>
+            <a:picLocks noChangeAspect="1"/>
+          </p:cNvPicPr>
+          <p:nvPr/>
+        </p:nvPicPr>
+        <p:blipFill>
+          <a:blip r:embed="rId3">
+            <a:extLst>
+              <a:ext uri="{28A0092B-C50C-407E-A947-70E740481C1C}">
+                <a14:useLocalDpi xmlns:a14="http://schemas.microsoft.com/office/drawing/2010/main" val="0"/>
+              </a:ext>
+            </a:extLst>
+          </a:blip>
+          <a:stretch>
+            <a:fillRect/>
+          </a:stretch>
+        </p:blipFill>
+        <p:spPr>
+          <a:xfrm>
+            <a:off x="498459" y="1810178"/>
+            <a:ext cx="2915816" cy="2186862"/>
+          </a:xfrm>
+          <a:prstGeom prst="rect">
+            <a:avLst/>
+          </a:prstGeom>
+          <a:solidFill>
+            <a:srgbClr val="FFFFFF">
+              <a:shade val="85000"/>
+            </a:srgbClr>
+          </a:solidFill>
+          <a:ln w="88900" cap="sq">
+            <a:solidFill>
+              <a:srgbClr val="FFFFFF"/>
+            </a:solidFill>
+            <a:miter lim="800000"/>
+          </a:ln>
+          <a:effectLst>
+            <a:outerShdw blurRad="55000" dist="18000" dir="5400000" algn="tl" rotWithShape="0">
+              <a:srgbClr val="000000">
+                <a:alpha val="40000"/>
+              </a:srgbClr>
+            </a:outerShdw>
+          </a:effectLst>
+          <a:scene3d>
+            <a:camera prst="orthographicFront"/>
+            <a:lightRig rig="twoPt" dir="t">
+              <a:rot lat="0" lon="0" rev="7200000"/>
+            </a:lightRig>
+          </a:scene3d>
+          <a:sp3d>
+            <a:bevelT w="25400" h="19050"/>
+            <a:contourClr>
+              <a:srgbClr val="FFFFFF"/>
+            </a:contourClr>
+          </a:sp3d>
+        </p:spPr>
+      </p:pic>
+      <p:pic>
+        <p:nvPicPr>
+          <p:cNvPr id="5" name="Picture 4" descr="Slide14.jpg"/>
+          <p:cNvPicPr>
+            <a:picLocks noChangeAspect="1"/>
+          </p:cNvPicPr>
+          <p:nvPr/>
+        </p:nvPicPr>
+        <p:blipFill>
+          <a:blip r:embed="rId4">
+            <a:extLst>
+              <a:ext uri="{28A0092B-C50C-407E-A947-70E740481C1C}">
+                <a14:useLocalDpi xmlns:a14="http://schemas.microsoft.com/office/drawing/2010/main" val="0"/>
+              </a:ext>
+            </a:extLst>
+          </a:blip>
+          <a:stretch>
+            <a:fillRect/>
+          </a:stretch>
+        </p:blipFill>
+        <p:spPr>
+          <a:xfrm>
+            <a:off x="5148064" y="1844824"/>
+            <a:ext cx="3168352" cy="2376264"/>
+          </a:xfrm>
+          <a:prstGeom prst="rect">
+            <a:avLst/>
+          </a:prstGeom>
+          <a:solidFill>
+            <a:srgbClr val="FFFFFF">
+              <a:shade val="85000"/>
+            </a:srgbClr>
+          </a:solidFill>
+          <a:ln w="88900" cap="sq">
+            <a:solidFill>
+              <a:srgbClr val="FFFFFF"/>
+            </a:solidFill>
+            <a:miter lim="800000"/>
+          </a:ln>
+          <a:effectLst>
+            <a:outerShdw blurRad="55000" dist="18000" dir="5400000" algn="tl" rotWithShape="0">
+              <a:srgbClr val="000000">
+                <a:alpha val="40000"/>
+              </a:srgbClr>
+            </a:outerShdw>
+          </a:effectLst>
+          <a:scene3d>
+            <a:camera prst="orthographicFront"/>
+            <a:lightRig rig="twoPt" dir="t">
+              <a:rot lat="0" lon="0" rev="7200000"/>
+            </a:lightRig>
+          </a:scene3d>
+          <a:sp3d>
+            <a:bevelT w="25400" h="19050"/>
+            <a:contourClr>
+              <a:srgbClr val="FFFFFF"/>
+            </a:contourClr>
+          </a:sp3d>
+        </p:spPr>
+      </p:pic>
+      <p:pic>
+        <p:nvPicPr>
+          <p:cNvPr id="6" name="Picture 5" descr="Slide15.jpg"/>
+          <p:cNvPicPr>
+            <a:picLocks noChangeAspect="1"/>
+          </p:cNvPicPr>
+          <p:nvPr/>
+        </p:nvPicPr>
+        <p:blipFill>
+          <a:blip r:embed="rId5">
+            <a:extLst>
+              <a:ext uri="{28A0092B-C50C-407E-A947-70E740481C1C}">
+                <a14:useLocalDpi xmlns:a14="http://schemas.microsoft.com/office/drawing/2010/main" val="0"/>
+              </a:ext>
+            </a:extLst>
+          </a:blip>
+          <a:stretch>
+            <a:fillRect/>
+          </a:stretch>
+        </p:blipFill>
+        <p:spPr>
+          <a:xfrm>
+            <a:off x="5512288" y="3645024"/>
+            <a:ext cx="3168352" cy="2376264"/>
+          </a:xfrm>
+          <a:prstGeom prst="rect">
+            <a:avLst/>
+          </a:prstGeom>
+          <a:solidFill>
+            <a:srgbClr val="FFFFFF">
+              <a:shade val="85000"/>
+            </a:srgbClr>
+          </a:solidFill>
+          <a:ln w="88900" cap="sq">
+            <a:solidFill>
+              <a:srgbClr val="FFFFFF"/>
+            </a:solidFill>
+            <a:miter lim="800000"/>
+          </a:ln>
+          <a:effectLst>
+            <a:outerShdw blurRad="55000" dist="18000" dir="5400000" algn="tl" rotWithShape="0">
+              <a:srgbClr val="000000">
+                <a:alpha val="40000"/>
+              </a:srgbClr>
+            </a:outerShdw>
+          </a:effectLst>
+          <a:scene3d>
+            <a:camera prst="orthographicFront"/>
+            <a:lightRig rig="twoPt" dir="t">
+              <a:rot lat="0" lon="0" rev="7200000"/>
+            </a:lightRig>
+          </a:scene3d>
+          <a:sp3d>
+            <a:bevelT w="25400" h="19050"/>
+            <a:contourClr>
+              <a:srgbClr val="FFFFFF"/>
+            </a:contourClr>
+          </a:sp3d>
+        </p:spPr>
+      </p:pic>
+      <p:pic>
+        <p:nvPicPr>
+          <p:cNvPr id="9" name="Picture 8" descr="Slide07.jpg"/>
+          <p:cNvPicPr>
+            <a:picLocks noChangeAspect="1"/>
+          </p:cNvPicPr>
+          <p:nvPr/>
+        </p:nvPicPr>
+        <p:blipFill>
+          <a:blip r:embed="rId6">
+            <a:extLst>
+              <a:ext uri="{28A0092B-C50C-407E-A947-70E740481C1C}">
+                <a14:useLocalDpi xmlns:a14="http://schemas.microsoft.com/office/drawing/2010/main" val="0"/>
+              </a:ext>
+            </a:extLst>
+          </a:blip>
+          <a:stretch>
+            <a:fillRect/>
+          </a:stretch>
+        </p:blipFill>
+        <p:spPr>
+          <a:xfrm>
+            <a:off x="947597" y="2492896"/>
+            <a:ext cx="2952328" cy="2160239"/>
+          </a:xfrm>
+          <a:prstGeom prst="rect">
+            <a:avLst/>
+          </a:prstGeom>
+          <a:solidFill>
+            <a:srgbClr val="FFFFFF">
+              <a:shade val="85000"/>
+            </a:srgbClr>
+          </a:solidFill>
+          <a:ln w="88900" cap="sq">
+            <a:solidFill>
+              <a:srgbClr val="FFFFFF"/>
+            </a:solidFill>
+            <a:miter lim="800000"/>
+          </a:ln>
+          <a:effectLst>
+            <a:outerShdw blurRad="55000" dist="18000" dir="5400000" algn="tl" rotWithShape="0">
+              <a:srgbClr val="000000">
+                <a:alpha val="40000"/>
+              </a:srgbClr>
+            </a:outerShdw>
+          </a:effectLst>
+          <a:scene3d>
+            <a:camera prst="orthographicFront"/>
+            <a:lightRig rig="twoPt" dir="t">
+              <a:rot lat="0" lon="0" rev="7200000"/>
+            </a:lightRig>
+          </a:scene3d>
+          <a:sp3d>
+            <a:bevelT w="25400" h="19050"/>
+            <a:contourClr>
+              <a:srgbClr val="FFFFFF"/>
+            </a:contourClr>
+          </a:sp3d>
+        </p:spPr>
+      </p:pic>
+      <p:pic>
+        <p:nvPicPr>
+          <p:cNvPr id="10" name="Picture 9" descr="Slide10.jpg"/>
+          <p:cNvPicPr>
+            <a:picLocks noChangeAspect="1"/>
+          </p:cNvPicPr>
+          <p:nvPr/>
+        </p:nvPicPr>
+        <p:blipFill>
+          <a:blip r:embed="rId7">
+            <a:extLst>
+              <a:ext uri="{28A0092B-C50C-407E-A947-70E740481C1C}">
+                <a14:useLocalDpi xmlns:a14="http://schemas.microsoft.com/office/drawing/2010/main" val="0"/>
+              </a:ext>
+            </a:extLst>
+          </a:blip>
+          <a:stretch>
+            <a:fillRect/>
+          </a:stretch>
+        </p:blipFill>
+        <p:spPr>
+          <a:xfrm>
+            <a:off x="1357155" y="3063885"/>
+            <a:ext cx="2976330" cy="2232248"/>
+          </a:xfrm>
+          <a:prstGeom prst="rect">
+            <a:avLst/>
+          </a:prstGeom>
+          <a:solidFill>
+            <a:srgbClr val="FFFFFF">
+              <a:shade val="85000"/>
+            </a:srgbClr>
+          </a:solidFill>
+          <a:ln w="88900" cap="sq">
+            <a:solidFill>
+              <a:srgbClr val="FFFFFF"/>
+            </a:solidFill>
+            <a:miter lim="800000"/>
+          </a:ln>
+          <a:effectLst>
+            <a:outerShdw blurRad="55000" dist="18000" dir="5400000" algn="tl" rotWithShape="0">
+              <a:srgbClr val="000000">
+                <a:alpha val="40000"/>
+              </a:srgbClr>
+            </a:outerShdw>
+          </a:effectLst>
+          <a:scene3d>
+            <a:camera prst="orthographicFront"/>
+            <a:lightRig rig="twoPt" dir="t">
+              <a:rot lat="0" lon="0" rev="7200000"/>
+            </a:lightRig>
+          </a:scene3d>
+          <a:sp3d>
+            <a:bevelT w="25400" h="19050"/>
+            <a:contourClr>
+              <a:srgbClr val="FFFFFF"/>
+            </a:contourClr>
+          </a:sp3d>
+        </p:spPr>
+      </p:pic>
+      <p:pic>
+        <p:nvPicPr>
+          <p:cNvPr id="11" name="Picture 10" descr="Slide13.jpg"/>
+          <p:cNvPicPr>
+            <a:picLocks noChangeAspect="1"/>
+          </p:cNvPicPr>
+          <p:nvPr/>
+        </p:nvPicPr>
+        <p:blipFill>
+          <a:blip r:embed="rId8">
+            <a:extLst>
+              <a:ext uri="{28A0092B-C50C-407E-A947-70E740481C1C}">
+                <a14:useLocalDpi xmlns:a14="http://schemas.microsoft.com/office/drawing/2010/main" val="0"/>
+              </a:ext>
+            </a:extLst>
+          </a:blip>
+          <a:stretch>
+            <a:fillRect/>
+          </a:stretch>
+        </p:blipFill>
+        <p:spPr>
+          <a:xfrm>
+            <a:off x="1739685" y="3789040"/>
+            <a:ext cx="2976331" cy="2232248"/>
+          </a:xfrm>
+          <a:prstGeom prst="rect">
+            <a:avLst/>
+          </a:prstGeom>
+          <a:solidFill>
+            <a:srgbClr val="FFFFFF">
+              <a:shade val="85000"/>
+            </a:srgbClr>
+          </a:solidFill>
+          <a:ln w="88900" cap="sq">
+            <a:solidFill>
+              <a:srgbClr val="FFFFFF"/>
+            </a:solidFill>
+            <a:miter lim="800000"/>
+          </a:ln>
+          <a:effectLst>
+            <a:outerShdw blurRad="55000" dist="18000" dir="5400000" algn="tl" rotWithShape="0">
+              <a:srgbClr val="000000">
+                <a:alpha val="40000"/>
+              </a:srgbClr>
+            </a:outerShdw>
+          </a:effectLst>
+          <a:scene3d>
+            <a:camera prst="orthographicFront"/>
+            <a:lightRig rig="twoPt" dir="t">
+              <a:rot lat="0" lon="0" rev="7200000"/>
+            </a:lightRig>
+          </a:scene3d>
+          <a:sp3d>
+            <a:bevelT w="25400" h="19050"/>
+            <a:contourClr>
+              <a:srgbClr val="FFFFFF"/>
+            </a:contourClr>
+          </a:sp3d>
+        </p:spPr>
+      </p:pic>
     </p:spTree>
     <p:extLst>
       <p:ext uri="{BB962C8B-B14F-4D97-AF65-F5344CB8AC3E}">
-        <p14:creationId xmlns:p14="http://schemas.microsoft.com/office/powerpoint/2010/main" val="225589894"/>
+        <p14:creationId xmlns:p14="http://schemas.microsoft.com/office/powerpoint/2010/main" val="4221590431"/>
       </p:ext>
     </p:extLst>
   </p:cSld>
@@ -16649,7 +16997,300 @@
   <p:timing>
     <p:tnLst>
       <p:par>
-        <p:cTn id="1" dur="indefinite" restart="never" nodeType="tmRoot"/>
+        <p:cTn xmlns:p14="http://schemas.microsoft.com/office/powerpoint/2010/main" id="1" dur="indefinite" restart="never" nodeType="tmRoot">
+          <p:childTnLst>
+            <p:seq concurrent="1" nextAc="seek">
+              <p:cTn id="2" dur="indefinite" nodeType="mainSeq">
+                <p:childTnLst>
+                  <p:par>
+                    <p:cTn id="3" fill="hold">
+                      <p:stCondLst>
+                        <p:cond delay="indefinite"/>
+                      </p:stCondLst>
+                      <p:childTnLst>
+                        <p:par>
+                          <p:cTn id="4" fill="hold">
+                            <p:stCondLst>
+                              <p:cond delay="0"/>
+                            </p:stCondLst>
+                            <p:childTnLst>
+                              <p:par>
+                                <p:cTn id="5" presetID="1" presetClass="entr" presetSubtype="0" fill="hold" nodeType="clickEffect">
+                                  <p:stCondLst>
+                                    <p:cond delay="0"/>
+                                  </p:stCondLst>
+                                  <p:childTnLst>
+                                    <p:set>
+                                      <p:cBhvr>
+                                        <p:cTn id="6" dur="1" fill="hold">
+                                          <p:stCondLst>
+                                            <p:cond delay="0"/>
+                                          </p:stCondLst>
+                                        </p:cTn>
+                                        <p:tgtEl>
+                                          <p:spTgt spid="4"/>
+                                        </p:tgtEl>
+                                        <p:attrNameLst>
+                                          <p:attrName>style.visibility</p:attrName>
+                                        </p:attrNameLst>
+                                      </p:cBhvr>
+                                      <p:to>
+                                        <p:strVal val="visible"/>
+                                      </p:to>
+                                    </p:set>
+                                  </p:childTnLst>
+                                </p:cTn>
+                              </p:par>
+                            </p:childTnLst>
+                          </p:cTn>
+                        </p:par>
+                      </p:childTnLst>
+                    </p:cTn>
+                  </p:par>
+                  <p:par>
+                    <p:cTn id="7" fill="hold">
+                      <p:stCondLst>
+                        <p:cond delay="indefinite"/>
+                      </p:stCondLst>
+                      <p:childTnLst>
+                        <p:par>
+                          <p:cTn id="8" fill="hold">
+                            <p:stCondLst>
+                              <p:cond delay="0"/>
+                            </p:stCondLst>
+                            <p:childTnLst>
+                              <p:par>
+                                <p:cTn id="9" presetID="1" presetClass="entr" presetSubtype="0" fill="hold" nodeType="clickEffect">
+                                  <p:stCondLst>
+                                    <p:cond delay="0"/>
+                                  </p:stCondLst>
+                                  <p:childTnLst>
+                                    <p:set>
+                                      <p:cBhvr>
+                                        <p:cTn id="10" dur="1" fill="hold">
+                                          <p:stCondLst>
+                                            <p:cond delay="0"/>
+                                          </p:stCondLst>
+                                        </p:cTn>
+                                        <p:tgtEl>
+                                          <p:spTgt spid="9"/>
+                                        </p:tgtEl>
+                                        <p:attrNameLst>
+                                          <p:attrName>style.visibility</p:attrName>
+                                        </p:attrNameLst>
+                                      </p:cBhvr>
+                                      <p:to>
+                                        <p:strVal val="visible"/>
+                                      </p:to>
+                                    </p:set>
+                                  </p:childTnLst>
+                                </p:cTn>
+                              </p:par>
+                            </p:childTnLst>
+                          </p:cTn>
+                        </p:par>
+                      </p:childTnLst>
+                    </p:cTn>
+                  </p:par>
+                  <p:par>
+                    <p:cTn id="11" fill="hold">
+                      <p:stCondLst>
+                        <p:cond delay="indefinite"/>
+                      </p:stCondLst>
+                      <p:childTnLst>
+                        <p:par>
+                          <p:cTn id="12" fill="hold">
+                            <p:stCondLst>
+                              <p:cond delay="0"/>
+                            </p:stCondLst>
+                            <p:childTnLst>
+                              <p:par>
+                                <p:cTn id="13" presetID="1" presetClass="entr" presetSubtype="0" fill="hold" nodeType="clickEffect">
+                                  <p:stCondLst>
+                                    <p:cond delay="0"/>
+                                  </p:stCondLst>
+                                  <p:childTnLst>
+                                    <p:set>
+                                      <p:cBhvr>
+                                        <p:cTn id="14" dur="1" fill="hold">
+                                          <p:stCondLst>
+                                            <p:cond delay="0"/>
+                                          </p:stCondLst>
+                                        </p:cTn>
+                                        <p:tgtEl>
+                                          <p:spTgt spid="10"/>
+                                        </p:tgtEl>
+                                        <p:attrNameLst>
+                                          <p:attrName>style.visibility</p:attrName>
+                                        </p:attrNameLst>
+                                      </p:cBhvr>
+                                      <p:to>
+                                        <p:strVal val="visible"/>
+                                      </p:to>
+                                    </p:set>
+                                  </p:childTnLst>
+                                </p:cTn>
+                              </p:par>
+                            </p:childTnLst>
+                          </p:cTn>
+                        </p:par>
+                      </p:childTnLst>
+                    </p:cTn>
+                  </p:par>
+                  <p:par>
+                    <p:cTn id="15" fill="hold">
+                      <p:stCondLst>
+                        <p:cond delay="indefinite"/>
+                      </p:stCondLst>
+                      <p:childTnLst>
+                        <p:par>
+                          <p:cTn id="16" fill="hold">
+                            <p:stCondLst>
+                              <p:cond delay="0"/>
+                            </p:stCondLst>
+                            <p:childTnLst>
+                              <p:par>
+                                <p:cTn id="17" presetID="1" presetClass="entr" presetSubtype="0" fill="hold" nodeType="clickEffect">
+                                  <p:stCondLst>
+                                    <p:cond delay="0"/>
+                                  </p:stCondLst>
+                                  <p:childTnLst>
+                                    <p:set>
+                                      <p:cBhvr>
+                                        <p:cTn id="18" dur="1" fill="hold">
+                                          <p:stCondLst>
+                                            <p:cond delay="0"/>
+                                          </p:stCondLst>
+                                        </p:cTn>
+                                        <p:tgtEl>
+                                          <p:spTgt spid="11"/>
+                                        </p:tgtEl>
+                                        <p:attrNameLst>
+                                          <p:attrName>style.visibility</p:attrName>
+                                        </p:attrNameLst>
+                                      </p:cBhvr>
+                                      <p:to>
+                                        <p:strVal val="visible"/>
+                                      </p:to>
+                                    </p:set>
+                                  </p:childTnLst>
+                                </p:cTn>
+                              </p:par>
+                            </p:childTnLst>
+                          </p:cTn>
+                        </p:par>
+                      </p:childTnLst>
+                    </p:cTn>
+                  </p:par>
+                  <p:par>
+                    <p:cTn id="19" fill="hold">
+                      <p:stCondLst>
+                        <p:cond delay="indefinite"/>
+                      </p:stCondLst>
+                      <p:childTnLst>
+                        <p:par>
+                          <p:cTn id="20" fill="hold">
+                            <p:stCondLst>
+                              <p:cond delay="0"/>
+                            </p:stCondLst>
+                            <p:childTnLst>
+                              <p:par>
+                                <p:cTn id="21" presetID="1" presetClass="entr" presetSubtype="0" fill="hold" nodeType="clickEffect">
+                                  <p:stCondLst>
+                                    <p:cond delay="0"/>
+                                  </p:stCondLst>
+                                  <p:childTnLst>
+                                    <p:set>
+                                      <p:cBhvr>
+                                        <p:cTn id="22" dur="1" fill="hold">
+                                          <p:stCondLst>
+                                            <p:cond delay="0"/>
+                                          </p:stCondLst>
+                                        </p:cTn>
+                                        <p:tgtEl>
+                                          <p:spTgt spid="5"/>
+                                        </p:tgtEl>
+                                        <p:attrNameLst>
+                                          <p:attrName>style.visibility</p:attrName>
+                                        </p:attrNameLst>
+                                      </p:cBhvr>
+                                      <p:to>
+                                        <p:strVal val="visible"/>
+                                      </p:to>
+                                    </p:set>
+                                  </p:childTnLst>
+                                </p:cTn>
+                              </p:par>
+                            </p:childTnLst>
+                          </p:cTn>
+                        </p:par>
+                      </p:childTnLst>
+                    </p:cTn>
+                  </p:par>
+                  <p:par>
+                    <p:cTn id="23" fill="hold">
+                      <p:stCondLst>
+                        <p:cond delay="indefinite"/>
+                      </p:stCondLst>
+                      <p:childTnLst>
+                        <p:par>
+                          <p:cTn id="24" fill="hold">
+                            <p:stCondLst>
+                              <p:cond delay="0"/>
+                            </p:stCondLst>
+                            <p:childTnLst>
+                              <p:par>
+                                <p:cTn id="25" presetID="1" presetClass="entr" presetSubtype="0" fill="hold" nodeType="clickEffect">
+                                  <p:stCondLst>
+                                    <p:cond delay="0"/>
+                                  </p:stCondLst>
+                                  <p:childTnLst>
+                                    <p:set>
+                                      <p:cBhvr>
+                                        <p:cTn id="26" dur="1" fill="hold">
+                                          <p:stCondLst>
+                                            <p:cond delay="0"/>
+                                          </p:stCondLst>
+                                        </p:cTn>
+                                        <p:tgtEl>
+                                          <p:spTgt spid="6"/>
+                                        </p:tgtEl>
+                                        <p:attrNameLst>
+                                          <p:attrName>style.visibility</p:attrName>
+                                        </p:attrNameLst>
+                                      </p:cBhvr>
+                                      <p:to>
+                                        <p:strVal val="visible"/>
+                                      </p:to>
+                                    </p:set>
+                                  </p:childTnLst>
+                                </p:cTn>
+                              </p:par>
+                            </p:childTnLst>
+                          </p:cTn>
+                        </p:par>
+                      </p:childTnLst>
+                    </p:cTn>
+                  </p:par>
+                </p:childTnLst>
+              </p:cTn>
+              <p:prevCondLst>
+                <p:cond evt="onPrev" delay="0">
+                  <p:tgtEl>
+                    <p:sldTgt/>
+                  </p:tgtEl>
+                </p:cond>
+              </p:prevCondLst>
+              <p:nextCondLst>
+                <p:cond evt="onNext" delay="0">
+                  <p:tgtEl>
+                    <p:sldTgt/>
+                  </p:tgtEl>
+                </p:cond>
+              </p:nextCondLst>
+            </p:seq>
+          </p:childTnLst>
+        </p:cTn>
       </p:par>
     </p:tnLst>
   </p:timing>
@@ -16825,7 +17466,7 @@
         </p:blipFill>
         <p:spPr>
           <a:xfrm>
-            <a:off x="6876256" y="3140968"/>
+            <a:off x="7058985" y="3315940"/>
             <a:ext cx="1545463" cy="2345308"/>
           </a:xfrm>
           <a:prstGeom prst="rect">
@@ -16856,7 +17497,7 @@
   <p:timing>
     <p:tnLst>
       <p:par>
-        <p:cTn id="1" dur="indefinite" restart="never" nodeType="tmRoot"/>
+        <p:cTn xmlns:p14="http://schemas.microsoft.com/office/powerpoint/2010/main" id="1" dur="indefinite" restart="never" nodeType="tmRoot"/>
       </p:par>
     </p:tnLst>
   </p:timing>
@@ -16962,7 +17603,7 @@
   <p:timing>
     <p:tnLst>
       <p:par>
-        <p:cTn id="1" dur="indefinite" restart="never" nodeType="tmRoot"/>
+        <p:cTn xmlns:p14="http://schemas.microsoft.com/office/powerpoint/2010/main" id="1" dur="indefinite" restart="never" nodeType="tmRoot"/>
       </p:par>
     </p:tnLst>
   </p:timing>
@@ -17144,7 +17785,7 @@
   <p:timing>
     <p:tnLst>
       <p:par>
-        <p:cTn id="1" dur="indefinite" restart="never" nodeType="tmRoot"/>
+        <p:cTn xmlns:p14="http://schemas.microsoft.com/office/powerpoint/2010/main" id="1" dur="indefinite" restart="never" nodeType="tmRoot"/>
       </p:par>
     </p:tnLst>
   </p:timing>
@@ -17273,14 +17914,14 @@
           </a:ln>
           <a:effectLst/>
           <a:extLst>
-            <a:ext uri="{909E8E84-426E-40DD-AFC4-6F175D3DCCD1}">
+            <a:ext uri="{909E8E84-426E-40dd-AFC4-6F175D3DCCD1}">
               <a14:hiddenFill xmlns:a14="http://schemas.microsoft.com/office/drawing/2010/main">
                 <a:solidFill>
                   <a:schemeClr val="accent1"/>
                 </a:solidFill>
               </a14:hiddenFill>
             </a:ext>
-            <a:ext uri="{91240B29-F687-4F45-9708-019B960494DF}">
+            <a:ext uri="{91240B29-F687-4f45-9708-019B960494DF}">
               <a14:hiddenLine xmlns:a14="http://schemas.microsoft.com/office/drawing/2010/main" w="9525">
                 <a:solidFill>
                   <a:schemeClr val="tx1"/>
@@ -17290,7 +17931,7 @@
                 <a:tailEnd/>
               </a14:hiddenLine>
             </a:ext>
-            <a:ext uri="{AF507438-7753-43E0-B8FC-AC1667EBCBE1}">
+            <a:ext uri="{AF507438-7753-43e0-B8FC-AC1667EBCBE1}">
               <a14:hiddenEffects xmlns:a14="http://schemas.microsoft.com/office/drawing/2010/main">
                 <a:effectLst>
                   <a:outerShdw blurRad="63500" dist="38099" dir="2700000" algn="ctr" rotWithShape="0">
@@ -17350,14 +17991,14 @@
           </a:ln>
           <a:effectLst/>
           <a:extLst>
-            <a:ext uri="{909E8E84-426E-40DD-AFC4-6F175D3DCCD1}">
+            <a:ext uri="{909E8E84-426E-40dd-AFC4-6F175D3DCCD1}">
               <a14:hiddenFill xmlns:a14="http://schemas.microsoft.com/office/drawing/2010/main">
                 <a:solidFill>
                   <a:schemeClr val="accent1"/>
                 </a:solidFill>
               </a14:hiddenFill>
             </a:ext>
-            <a:ext uri="{91240B29-F687-4F45-9708-019B960494DF}">
+            <a:ext uri="{91240B29-F687-4f45-9708-019B960494DF}">
               <a14:hiddenLine xmlns:a14="http://schemas.microsoft.com/office/drawing/2010/main" w="9525">
                 <a:solidFill>
                   <a:schemeClr val="tx1"/>
@@ -17367,7 +18008,7 @@
                 <a:tailEnd/>
               </a14:hiddenLine>
             </a:ext>
-            <a:ext uri="{AF507438-7753-43E0-B8FC-AC1667EBCBE1}">
+            <a:ext uri="{AF507438-7753-43e0-B8FC-AC1667EBCBE1}">
               <a14:hiddenEffects xmlns:a14="http://schemas.microsoft.com/office/drawing/2010/main">
                 <a:effectLst>
                   <a:outerShdw blurRad="63500" dist="38099" dir="2700000" algn="ctr" rotWithShape="0">
@@ -17496,14 +18137,14 @@
           </a:ln>
           <a:effectLst/>
           <a:extLst>
-            <a:ext uri="{909E8E84-426E-40DD-AFC4-6F175D3DCCD1}">
+            <a:ext uri="{909E8E84-426E-40dd-AFC4-6F175D3DCCD1}">
               <a14:hiddenFill xmlns:a14="http://schemas.microsoft.com/office/drawing/2010/main">
                 <a:solidFill>
                   <a:schemeClr val="accent1"/>
                 </a:solidFill>
               </a14:hiddenFill>
             </a:ext>
-            <a:ext uri="{91240B29-F687-4F45-9708-019B960494DF}">
+            <a:ext uri="{91240B29-F687-4f45-9708-019B960494DF}">
               <a14:hiddenLine xmlns:a14="http://schemas.microsoft.com/office/drawing/2010/main" w="9525">
                 <a:solidFill>
                   <a:schemeClr val="tx1"/>
@@ -17513,7 +18154,7 @@
                 <a:tailEnd/>
               </a14:hiddenLine>
             </a:ext>
-            <a:ext uri="{AF507438-7753-43E0-B8FC-AC1667EBCBE1}">
+            <a:ext uri="{AF507438-7753-43e0-B8FC-AC1667EBCBE1}">
               <a14:hiddenEffects xmlns:a14="http://schemas.microsoft.com/office/drawing/2010/main">
                 <a:effectLst>
                   <a:outerShdw blurRad="63500" dist="38099" dir="2700000" algn="ctr" rotWithShape="0">
@@ -17777,7 +18418,7 @@
             <a:tailEnd/>
           </a:ln>
           <a:extLst>
-            <a:ext uri="{909E8E84-426E-40DD-AFC4-6F175D3DCCD1}">
+            <a:ext uri="{909E8E84-426E-40dd-AFC4-6F175D3DCCD1}">
               <a14:hiddenFill xmlns:a14="http://schemas.microsoft.com/office/drawing/2010/main">
                 <a:solidFill>
                   <a:srgbClr val="FFFFFF"/>
@@ -17809,14 +18450,14 @@
           </a:ln>
           <a:effectLst/>
           <a:extLst>
-            <a:ext uri="{909E8E84-426E-40DD-AFC4-6F175D3DCCD1}">
+            <a:ext uri="{909E8E84-426E-40dd-AFC4-6F175D3DCCD1}">
               <a14:hiddenFill xmlns:a14="http://schemas.microsoft.com/office/drawing/2010/main">
                 <a:solidFill>
                   <a:schemeClr val="accent1"/>
                 </a:solidFill>
               </a14:hiddenFill>
             </a:ext>
-            <a:ext uri="{91240B29-F687-4F45-9708-019B960494DF}">
+            <a:ext uri="{91240B29-F687-4f45-9708-019B960494DF}">
               <a14:hiddenLine xmlns:a14="http://schemas.microsoft.com/office/drawing/2010/main" w="9525">
                 <a:solidFill>
                   <a:schemeClr val="tx1"/>
@@ -17826,7 +18467,7 @@
                 <a:tailEnd/>
               </a14:hiddenLine>
             </a:ext>
-            <a:ext uri="{AF507438-7753-43E0-B8FC-AC1667EBCBE1}">
+            <a:ext uri="{AF507438-7753-43e0-B8FC-AC1667EBCBE1}">
               <a14:hiddenEffects xmlns:a14="http://schemas.microsoft.com/office/drawing/2010/main">
                 <a:effectLst>
                   <a:outerShdw blurRad="63500" dist="38099" dir="2700000" algn="ctr" rotWithShape="0">
@@ -17961,14 +18602,14 @@
           </a:ln>
           <a:effectLst/>
           <a:extLst>
-            <a:ext uri="{909E8E84-426E-40DD-AFC4-6F175D3DCCD1}">
+            <a:ext uri="{909E8E84-426E-40dd-AFC4-6F175D3DCCD1}">
               <a14:hiddenFill xmlns:a14="http://schemas.microsoft.com/office/drawing/2010/main">
                 <a:solidFill>
                   <a:schemeClr val="accent1"/>
                 </a:solidFill>
               </a14:hiddenFill>
             </a:ext>
-            <a:ext uri="{91240B29-F687-4F45-9708-019B960494DF}">
+            <a:ext uri="{91240B29-F687-4f45-9708-019B960494DF}">
               <a14:hiddenLine xmlns:a14="http://schemas.microsoft.com/office/drawing/2010/main" w="9525">
                 <a:solidFill>
                   <a:schemeClr val="tx1"/>
@@ -17978,7 +18619,7 @@
                 <a:tailEnd/>
               </a14:hiddenLine>
             </a:ext>
-            <a:ext uri="{AF507438-7753-43E0-B8FC-AC1667EBCBE1}">
+            <a:ext uri="{AF507438-7753-43e0-B8FC-AC1667EBCBE1}">
               <a14:hiddenEffects xmlns:a14="http://schemas.microsoft.com/office/drawing/2010/main">
                 <a:effectLst>
                   <a:outerShdw blurRad="63500" dist="38099" dir="2700000" algn="ctr" rotWithShape="0">
@@ -18033,7 +18674,7 @@
   <p:timing>
     <p:tnLst>
       <p:par>
-        <p:cTn id="1" dur="indefinite" restart="never" nodeType="tmRoot"/>
+        <p:cTn xmlns:p14="http://schemas.microsoft.com/office/powerpoint/2010/main" id="1" dur="indefinite" restart="never" nodeType="tmRoot"/>
       </p:par>
     </p:tnLst>
   </p:timing>
@@ -18775,13 +19416,13 @@
   <p:clrMapOvr>
     <a:masterClrMapping/>
   </p:clrMapOvr>
-  <p:transition spd="slow">
+  <p:transition xmlns:p14="http://schemas.microsoft.com/office/powerpoint/2010/main" spd="slow">
     <p:cut/>
   </p:transition>
   <p:timing>
     <p:tnLst>
       <p:par>
-        <p:cTn id="1" dur="indefinite" restart="never" nodeType="tmRoot"/>
+        <p:cTn xmlns:p14="http://schemas.microsoft.com/office/powerpoint/2010/main" id="1" dur="indefinite" restart="never" nodeType="tmRoot"/>
       </p:par>
     </p:tnLst>
   </p:timing>
@@ -18864,7 +19505,7 @@
   <p:timing>
     <p:tnLst>
       <p:par>
-        <p:cTn id="1" dur="indefinite" restart="never" nodeType="tmRoot"/>
+        <p:cTn xmlns:p14="http://schemas.microsoft.com/office/powerpoint/2010/main" id="1" dur="indefinite" restart="never" nodeType="tmRoot"/>
       </p:par>
     </p:tnLst>
   </p:timing>
@@ -18943,7 +19584,7 @@
   <p:timing>
     <p:tnLst>
       <p:par>
-        <p:cTn id="1" dur="indefinite" restart="never" nodeType="tmRoot"/>
+        <p:cTn xmlns:p14="http://schemas.microsoft.com/office/powerpoint/2010/main" id="1" dur="indefinite" restart="never" nodeType="tmRoot"/>
       </p:par>
     </p:tnLst>
   </p:timing>
@@ -19143,7 +19784,7 @@
   <p:timing>
     <p:tnLst>
       <p:par>
-        <p:cTn id="1" dur="indefinite" restart="never" nodeType="tmRoot"/>
+        <p:cTn xmlns:p14="http://schemas.microsoft.com/office/powerpoint/2010/main" id="1" dur="indefinite" restart="never" nodeType="tmRoot"/>
       </p:par>
     </p:tnLst>
   </p:timing>
@@ -19337,7 +19978,7 @@
   <p:timing>
     <p:tnLst>
       <p:par>
-        <p:cTn id="1" dur="indefinite" restart="never" nodeType="tmRoot"/>
+        <p:cTn xmlns:p14="http://schemas.microsoft.com/office/powerpoint/2010/main" id="1" dur="indefinite" restart="never" nodeType="tmRoot"/>
       </p:par>
     </p:tnLst>
   </p:timing>
@@ -19516,7 +20157,7 @@
   <p:timing>
     <p:tnLst>
       <p:par>
-        <p:cTn id="1" dur="indefinite" restart="never" nodeType="tmRoot"/>
+        <p:cTn xmlns:p14="http://schemas.microsoft.com/office/powerpoint/2010/main" id="1" dur="indefinite" restart="never" nodeType="tmRoot"/>
       </p:par>
     </p:tnLst>
   </p:timing>
@@ -19807,7 +20448,7 @@
   <p:timing>
     <p:tnLst>
       <p:par>
-        <p:cTn id="1" dur="indefinite" restart="never" nodeType="tmRoot"/>
+        <p:cTn xmlns:p14="http://schemas.microsoft.com/office/powerpoint/2010/main" id="1" dur="indefinite" restart="never" nodeType="tmRoot"/>
       </p:par>
     </p:tnLst>
   </p:timing>
@@ -19875,7 +20516,7 @@
               <a:buNone/>
             </a:pPr>
             <a:r>
-              <a:rPr lang="en-US" sz="2400" dirty="0" smtClean="0"/>
+              <a:rPr lang="en-US" sz="1800" i="1" dirty="0" smtClean="0"/>
               <a:t>Re-act the scene with some of these assumptions.</a:t>
             </a:r>
           </a:p>
@@ -19993,7 +20634,7 @@
   <p:timing>
     <p:tnLst>
       <p:par>
-        <p:cTn id="1" dur="indefinite" restart="never" nodeType="tmRoot"/>
+        <p:cTn xmlns:p14="http://schemas.microsoft.com/office/powerpoint/2010/main" id="1" dur="indefinite" restart="never" nodeType="tmRoot"/>
       </p:par>
     </p:tnLst>
   </p:timing>
@@ -20122,14 +20763,14 @@
           </a:ln>
           <a:effectLst/>
           <a:extLst>
-            <a:ext uri="{909E8E84-426E-40DD-AFC4-6F175D3DCCD1}">
+            <a:ext uri="{909E8E84-426E-40dd-AFC4-6F175D3DCCD1}">
               <a14:hiddenFill xmlns:a14="http://schemas.microsoft.com/office/drawing/2010/main">
                 <a:solidFill>
                   <a:schemeClr val="accent1"/>
                 </a:solidFill>
               </a14:hiddenFill>
             </a:ext>
-            <a:ext uri="{91240B29-F687-4F45-9708-019B960494DF}">
+            <a:ext uri="{91240B29-F687-4f45-9708-019B960494DF}">
               <a14:hiddenLine xmlns:a14="http://schemas.microsoft.com/office/drawing/2010/main" w="9525">
                 <a:solidFill>
                   <a:schemeClr val="tx1"/>
@@ -20139,7 +20780,7 @@
                 <a:tailEnd/>
               </a14:hiddenLine>
             </a:ext>
-            <a:ext uri="{AF507438-7753-43E0-B8FC-AC1667EBCBE1}">
+            <a:ext uri="{AF507438-7753-43e0-B8FC-AC1667EBCBE1}">
               <a14:hiddenEffects xmlns:a14="http://schemas.microsoft.com/office/drawing/2010/main">
                 <a:effectLst>
                   <a:outerShdw blurRad="63500" dist="38099" dir="2700000" algn="ctr" rotWithShape="0">
@@ -20199,14 +20840,14 @@
           </a:ln>
           <a:effectLst/>
           <a:extLst>
-            <a:ext uri="{909E8E84-426E-40DD-AFC4-6F175D3DCCD1}">
+            <a:ext uri="{909E8E84-426E-40dd-AFC4-6F175D3DCCD1}">
               <a14:hiddenFill xmlns:a14="http://schemas.microsoft.com/office/drawing/2010/main">
                 <a:solidFill>
                   <a:schemeClr val="accent1"/>
                 </a:solidFill>
               </a14:hiddenFill>
             </a:ext>
-            <a:ext uri="{91240B29-F687-4F45-9708-019B960494DF}">
+            <a:ext uri="{91240B29-F687-4f45-9708-019B960494DF}">
               <a14:hiddenLine xmlns:a14="http://schemas.microsoft.com/office/drawing/2010/main" w="9525">
                 <a:solidFill>
                   <a:schemeClr val="tx1"/>
@@ -20216,7 +20857,7 @@
                 <a:tailEnd/>
               </a14:hiddenLine>
             </a:ext>
-            <a:ext uri="{AF507438-7753-43E0-B8FC-AC1667EBCBE1}">
+            <a:ext uri="{AF507438-7753-43e0-B8FC-AC1667EBCBE1}">
               <a14:hiddenEffects xmlns:a14="http://schemas.microsoft.com/office/drawing/2010/main">
                 <a:effectLst>
                   <a:outerShdw blurRad="63500" dist="38099" dir="2700000" algn="ctr" rotWithShape="0">
@@ -20345,14 +20986,14 @@
           </a:ln>
           <a:effectLst/>
           <a:extLst>
-            <a:ext uri="{909E8E84-426E-40DD-AFC4-6F175D3DCCD1}">
+            <a:ext uri="{909E8E84-426E-40dd-AFC4-6F175D3DCCD1}">
               <a14:hiddenFill xmlns:a14="http://schemas.microsoft.com/office/drawing/2010/main">
                 <a:solidFill>
                   <a:schemeClr val="accent1"/>
                 </a:solidFill>
               </a14:hiddenFill>
             </a:ext>
-            <a:ext uri="{91240B29-F687-4F45-9708-019B960494DF}">
+            <a:ext uri="{91240B29-F687-4f45-9708-019B960494DF}">
               <a14:hiddenLine xmlns:a14="http://schemas.microsoft.com/office/drawing/2010/main" w="9525">
                 <a:solidFill>
                   <a:schemeClr val="tx1"/>
@@ -20362,7 +21003,7 @@
                 <a:tailEnd/>
               </a14:hiddenLine>
             </a:ext>
-            <a:ext uri="{AF507438-7753-43E0-B8FC-AC1667EBCBE1}">
+            <a:ext uri="{AF507438-7753-43e0-B8FC-AC1667EBCBE1}">
               <a14:hiddenEffects xmlns:a14="http://schemas.microsoft.com/office/drawing/2010/main">
                 <a:effectLst>
                   <a:outerShdw blurRad="63500" dist="38099" dir="2700000" algn="ctr" rotWithShape="0">
@@ -20626,7 +21267,7 @@
             <a:tailEnd/>
           </a:ln>
           <a:extLst>
-            <a:ext uri="{909E8E84-426E-40DD-AFC4-6F175D3DCCD1}">
+            <a:ext uri="{909E8E84-426E-40dd-AFC4-6F175D3DCCD1}">
               <a14:hiddenFill xmlns:a14="http://schemas.microsoft.com/office/drawing/2010/main">
                 <a:solidFill>
                   <a:srgbClr val="FFFFFF"/>
@@ -20658,14 +21299,14 @@
           </a:ln>
           <a:effectLst/>
           <a:extLst>
-            <a:ext uri="{909E8E84-426E-40DD-AFC4-6F175D3DCCD1}">
+            <a:ext uri="{909E8E84-426E-40dd-AFC4-6F175D3DCCD1}">
               <a14:hiddenFill xmlns:a14="http://schemas.microsoft.com/office/drawing/2010/main">
                 <a:solidFill>
                   <a:schemeClr val="accent1"/>
                 </a:solidFill>
               </a14:hiddenFill>
             </a:ext>
-            <a:ext uri="{91240B29-F687-4F45-9708-019B960494DF}">
+            <a:ext uri="{91240B29-F687-4f45-9708-019B960494DF}">
               <a14:hiddenLine xmlns:a14="http://schemas.microsoft.com/office/drawing/2010/main" w="9525">
                 <a:solidFill>
                   <a:schemeClr val="tx1"/>
@@ -20675,7 +21316,7 @@
                 <a:tailEnd/>
               </a14:hiddenLine>
             </a:ext>
-            <a:ext uri="{AF507438-7753-43E0-B8FC-AC1667EBCBE1}">
+            <a:ext uri="{AF507438-7753-43e0-B8FC-AC1667EBCBE1}">
               <a14:hiddenEffects xmlns:a14="http://schemas.microsoft.com/office/drawing/2010/main">
                 <a:effectLst>
                   <a:outerShdw blurRad="63500" dist="38099" dir="2700000" algn="ctr" rotWithShape="0">
@@ -20810,14 +21451,14 @@
           </a:ln>
           <a:effectLst/>
           <a:extLst>
-            <a:ext uri="{909E8E84-426E-40DD-AFC4-6F175D3DCCD1}">
+            <a:ext uri="{909E8E84-426E-40dd-AFC4-6F175D3DCCD1}">
               <a14:hiddenFill xmlns:a14="http://schemas.microsoft.com/office/drawing/2010/main">
                 <a:solidFill>
                   <a:schemeClr val="accent1"/>
                 </a:solidFill>
               </a14:hiddenFill>
             </a:ext>
-            <a:ext uri="{91240B29-F687-4F45-9708-019B960494DF}">
+            <a:ext uri="{91240B29-F687-4f45-9708-019B960494DF}">
               <a14:hiddenLine xmlns:a14="http://schemas.microsoft.com/office/drawing/2010/main" w="9525">
                 <a:solidFill>
                   <a:schemeClr val="tx1"/>
@@ -20827,7 +21468,7 @@
                 <a:tailEnd/>
               </a14:hiddenLine>
             </a:ext>
-            <a:ext uri="{AF507438-7753-43E0-B8FC-AC1667EBCBE1}">
+            <a:ext uri="{AF507438-7753-43e0-B8FC-AC1667EBCBE1}">
               <a14:hiddenEffects xmlns:a14="http://schemas.microsoft.com/office/drawing/2010/main">
                 <a:effectLst>
                   <a:outerShdw blurRad="63500" dist="38099" dir="2700000" algn="ctr" rotWithShape="0">
@@ -20882,7 +21523,7 @@
   <p:timing>
     <p:tnLst>
       <p:par>
-        <p:cTn id="1" dur="indefinite" restart="never" nodeType="tmRoot"/>
+        <p:cTn xmlns:p14="http://schemas.microsoft.com/office/powerpoint/2010/main" id="1" dur="indefinite" restart="never" nodeType="tmRoot"/>
       </p:par>
     </p:tnLst>
   </p:timing>
@@ -20950,7 +21591,7 @@
               <a:buNone/>
             </a:pPr>
             <a:r>
-              <a:rPr lang="en-US" sz="2400" dirty="0" smtClean="0"/>
+              <a:rPr lang="en-US" sz="1800" i="1" dirty="0" smtClean="0"/>
               <a:t>Re-act the scene with some of these behaviours.</a:t>
             </a:r>
           </a:p>
@@ -20961,80 +21602,56 @@
             <a:endParaRPr lang="en-US" sz="2400" dirty="0"/>
           </a:p>
           <a:p>
-            <a:pPr marL="514350" indent="-514350" algn="just">
-              <a:buFont typeface="+mj-lt"/>
-              <a:buAutoNum type="romanLcPeriod"/>
-            </a:pPr>
+            <a:pPr algn="just"/>
             <a:r>
               <a:rPr lang="en-US" sz="2400" dirty="0" smtClean="0"/>
               <a:t>State views and ask genuine questions</a:t>
             </a:r>
           </a:p>
           <a:p>
-            <a:pPr marL="514350" indent="-514350" algn="just">
-              <a:buFont typeface="+mj-lt"/>
-              <a:buAutoNum type="romanLcPeriod"/>
-            </a:pPr>
+            <a:pPr algn="just"/>
             <a:r>
               <a:rPr lang="en-US" sz="2400" dirty="0" smtClean="0"/>
               <a:t>Share all relevant information</a:t>
             </a:r>
           </a:p>
           <a:p>
-            <a:pPr marL="514350" indent="-514350" algn="just">
-              <a:buFont typeface="+mj-lt"/>
-              <a:buAutoNum type="romanLcPeriod"/>
-            </a:pPr>
+            <a:pPr algn="just"/>
             <a:r>
               <a:rPr lang="en-US" sz="2400" dirty="0" smtClean="0"/>
               <a:t>Use specific examples and agree on what important words mean</a:t>
             </a:r>
           </a:p>
           <a:p>
-            <a:pPr marL="514350" indent="-514350" algn="just">
-              <a:buFont typeface="+mj-lt"/>
-              <a:buAutoNum type="romanLcPeriod"/>
-            </a:pPr>
+            <a:pPr algn="just"/>
             <a:r>
               <a:rPr lang="en-US" sz="2400" dirty="0" smtClean="0"/>
               <a:t>Explain reasoning and intent</a:t>
             </a:r>
           </a:p>
           <a:p>
-            <a:pPr marL="514350" indent="-514350" algn="just">
-              <a:buFont typeface="+mj-lt"/>
-              <a:buAutoNum type="romanLcPeriod"/>
-            </a:pPr>
+            <a:pPr algn="just"/>
             <a:r>
               <a:rPr lang="en-US" sz="2400" dirty="0" smtClean="0"/>
               <a:t>Focus on interests, not positions</a:t>
             </a:r>
           </a:p>
           <a:p>
-            <a:pPr marL="514350" indent="-514350" algn="just">
-              <a:buFont typeface="+mj-lt"/>
-              <a:buAutoNum type="romanLcPeriod"/>
-            </a:pPr>
+            <a:pPr algn="just"/>
             <a:r>
               <a:rPr lang="en-US" sz="2400" dirty="0" smtClean="0"/>
               <a:t>Test assumptions and inferences</a:t>
             </a:r>
           </a:p>
           <a:p>
-            <a:pPr marL="514350" indent="-514350" algn="just">
-              <a:buFont typeface="+mj-lt"/>
-              <a:buAutoNum type="romanLcPeriod"/>
-            </a:pPr>
+            <a:pPr algn="just"/>
             <a:r>
               <a:rPr lang="en-US" sz="2400" dirty="0" smtClean="0"/>
               <a:t>Jointly design next steps</a:t>
             </a:r>
           </a:p>
           <a:p>
-            <a:pPr marL="514350" indent="-514350" algn="just">
-              <a:buFont typeface="+mj-lt"/>
-              <a:buAutoNum type="romanLcPeriod"/>
-            </a:pPr>
+            <a:pPr algn="just"/>
             <a:r>
               <a:rPr lang="en-US" sz="2400" dirty="0" smtClean="0"/>
               <a:t>Discuss undiscussable issues</a:t>
@@ -21098,7 +21715,7 @@
   <p:timing>
     <p:tnLst>
       <p:par>
-        <p:cTn id="1" dur="indefinite" restart="never" nodeType="tmRoot"/>
+        <p:cTn xmlns:p14="http://schemas.microsoft.com/office/powerpoint/2010/main" id="1" dur="indefinite" restart="never" nodeType="tmRoot"/>
       </p:par>
     </p:tnLst>
   </p:timing>
@@ -21177,7 +21794,7 @@
   <p:timing>
     <p:tnLst>
       <p:par>
-        <p:cTn id="1" dur="indefinite" restart="never" nodeType="tmRoot"/>
+        <p:cTn xmlns:p14="http://schemas.microsoft.com/office/powerpoint/2010/main" id="1" dur="indefinite" restart="never" nodeType="tmRoot"/>
       </p:par>
     </p:tnLst>
   </p:timing>
@@ -21245,7 +21862,7 @@
               <a:buNone/>
             </a:pPr>
             <a:r>
-              <a:rPr lang="en-US" sz="2400" dirty="0" smtClean="0"/>
+              <a:rPr lang="en-US" sz="1800" i="1" dirty="0" smtClean="0"/>
               <a:t>Keep a tally of each behaviour each time you see it.</a:t>
             </a:r>
           </a:p>
@@ -21260,7 +21877,7 @@
               <a:buNone/>
             </a:pPr>
             <a:r>
-              <a:rPr lang="en-US" sz="1800" dirty="0" smtClean="0"/>
+              <a:rPr lang="en-US" sz="1900" dirty="0" smtClean="0"/>
               <a:t>___ State my views without asking for others’ views and vice versa</a:t>
             </a:r>
           </a:p>
@@ -21269,16 +21886,8 @@
               <a:buNone/>
             </a:pPr>
             <a:r>
-              <a:rPr lang="en-US" sz="1800" dirty="0" smtClean="0"/>
-              <a:t>___ </a:t>
-            </a:r>
-            <a:r>
-              <a:rPr lang="en-US" sz="1800" dirty="0" smtClean="0"/>
-              <a:t>Withhold </a:t>
-            </a:r>
-            <a:r>
-              <a:rPr lang="en-US" sz="1800" dirty="0" smtClean="0"/>
-              <a:t>relevant information</a:t>
+              <a:rPr lang="en-US" sz="1900" dirty="0" smtClean="0"/>
+              <a:t>___ Withhold relevant information</a:t>
             </a:r>
           </a:p>
           <a:p>
@@ -21286,7 +21895,7 @@
               <a:buNone/>
             </a:pPr>
             <a:r>
-              <a:rPr lang="en-US" sz="1800" dirty="0" smtClean="0"/>
+              <a:rPr lang="en-US" sz="1900" dirty="0" smtClean="0"/>
               <a:t>___ Speak in general terms and don’t agree on what important words mean</a:t>
             </a:r>
           </a:p>
@@ -21295,7 +21904,7 @@
               <a:buNone/>
             </a:pPr>
             <a:r>
-              <a:rPr lang="en-US" sz="1800" dirty="0" smtClean="0"/>
+              <a:rPr lang="en-US" sz="1900" dirty="0" smtClean="0"/>
               <a:t>___ Keep my reasoning private; don’t ask others about their reasoning</a:t>
             </a:r>
           </a:p>
@@ -21304,7 +21913,7 @@
               <a:buNone/>
             </a:pPr>
             <a:r>
-              <a:rPr lang="en-US" sz="1800" dirty="0" smtClean="0"/>
+              <a:rPr lang="en-US" sz="1900" dirty="0" smtClean="0"/>
               <a:t>___ Focus on positions, not interests</a:t>
             </a:r>
           </a:p>
@@ -21313,7 +21922,7 @@
               <a:buNone/>
             </a:pPr>
             <a:r>
-              <a:rPr lang="en-US" sz="1800" dirty="0" smtClean="0"/>
+              <a:rPr lang="en-US" sz="1900" dirty="0" smtClean="0"/>
               <a:t>___ Act on untested assumptions and inference as if they were true</a:t>
             </a:r>
           </a:p>
@@ -21322,7 +21931,7 @@
               <a:buNone/>
             </a:pPr>
             <a:r>
-              <a:rPr lang="en-US" sz="1800" dirty="0" smtClean="0"/>
+              <a:rPr lang="en-US" sz="1900" dirty="0" smtClean="0"/>
               <a:t>___ Control the conversation</a:t>
             </a:r>
           </a:p>
@@ -21331,8 +21940,12 @@
               <a:buNone/>
             </a:pPr>
             <a:r>
+              <a:rPr lang="en-US" sz="1900" dirty="0" smtClean="0"/>
+              <a:t>___ Avoid, ease into, or save face on difficult issu</a:t>
+            </a:r>
+            <a:r>
               <a:rPr lang="en-US" sz="1800" dirty="0" smtClean="0"/>
-              <a:t>___ Avoid, ease into, or save face on difficult issues</a:t>
+              <a:t>es</a:t>
             </a:r>
             <a:endParaRPr lang="en-US" sz="1800" dirty="0"/>
           </a:p>
@@ -21382,7 +21995,7 @@
   <p:timing>
     <p:tnLst>
       <p:par>
-        <p:cTn id="1" dur="indefinite" restart="never" nodeType="tmRoot"/>
+        <p:cTn xmlns:p14="http://schemas.microsoft.com/office/powerpoint/2010/main" id="1" dur="indefinite" restart="never" nodeType="tmRoot"/>
       </p:par>
     </p:tnLst>
   </p:timing>
@@ -21450,7 +22063,7 @@
               <a:buNone/>
             </a:pPr>
             <a:r>
-              <a:rPr lang="en-US" sz="2400" dirty="0"/>
+              <a:rPr lang="en-US" sz="1800" i="1" dirty="0"/>
               <a:t>Keep a tally of each behaviour each time you see it.</a:t>
             </a:r>
           </a:p>
@@ -21465,7 +22078,7 @@
               <a:buNone/>
             </a:pPr>
             <a:r>
-              <a:rPr lang="en-US" sz="1800" dirty="0" smtClean="0"/>
+              <a:rPr lang="en-US" sz="1900" dirty="0" smtClean="0"/>
               <a:t>___ State views and ask genuine questions</a:t>
             </a:r>
           </a:p>
@@ -21474,7 +22087,7 @@
               <a:buNone/>
             </a:pPr>
             <a:r>
-              <a:rPr lang="en-US" sz="1800" dirty="0" smtClean="0"/>
+              <a:rPr lang="en-US" sz="1900" dirty="0" smtClean="0"/>
               <a:t>___ Share all relevant information</a:t>
             </a:r>
           </a:p>
@@ -21483,7 +22096,7 @@
               <a:buNone/>
             </a:pPr>
             <a:r>
-              <a:rPr lang="en-US" sz="1800" dirty="0" smtClean="0"/>
+              <a:rPr lang="en-US" sz="1900" dirty="0" smtClean="0"/>
               <a:t>___ Use specific examples and agree on what important words mean</a:t>
             </a:r>
           </a:p>
@@ -21492,7 +22105,7 @@
               <a:buNone/>
             </a:pPr>
             <a:r>
-              <a:rPr lang="en-US" sz="1800" dirty="0" smtClean="0"/>
+              <a:rPr lang="en-US" sz="1900" dirty="0" smtClean="0"/>
               <a:t>___ Explain reasoning and intent</a:t>
             </a:r>
           </a:p>
@@ -21501,7 +22114,7 @@
               <a:buNone/>
             </a:pPr>
             <a:r>
-              <a:rPr lang="en-US" sz="1800" dirty="0" smtClean="0"/>
+              <a:rPr lang="en-US" sz="1900" dirty="0" smtClean="0"/>
               <a:t>___ Focus on interests, not positions</a:t>
             </a:r>
           </a:p>
@@ -21510,7 +22123,7 @@
               <a:buNone/>
             </a:pPr>
             <a:r>
-              <a:rPr lang="en-US" sz="1800" dirty="0" smtClean="0"/>
+              <a:rPr lang="en-US" sz="1900" dirty="0" smtClean="0"/>
               <a:t>___ Test assumptions and inferences</a:t>
             </a:r>
           </a:p>
@@ -21519,7 +22132,7 @@
               <a:buNone/>
             </a:pPr>
             <a:r>
-              <a:rPr lang="en-US" sz="1800" dirty="0" smtClean="0"/>
+              <a:rPr lang="en-US" sz="1900" dirty="0" smtClean="0"/>
               <a:t>___ Jointly design next steps</a:t>
             </a:r>
           </a:p>
@@ -21528,7 +22141,7 @@
               <a:buNone/>
             </a:pPr>
             <a:r>
-              <a:rPr lang="en-US" sz="1800" dirty="0" smtClean="0"/>
+              <a:rPr lang="en-US" sz="1900" dirty="0" smtClean="0"/>
               <a:t>___ Discuss undiscussable issues</a:t>
             </a:r>
           </a:p>
@@ -21590,7 +22203,7 @@
   <p:timing>
     <p:tnLst>
       <p:par>
-        <p:cTn id="1" dur="indefinite" restart="never" nodeType="tmRoot"/>
+        <p:cTn xmlns:p14="http://schemas.microsoft.com/office/powerpoint/2010/main" id="1" dur="indefinite" restart="never" nodeType="tmRoot"/>
       </p:par>
     </p:tnLst>
   </p:timing>
@@ -21756,7 +22369,7 @@
   <p:timing>
     <p:tnLst>
       <p:par>
-        <p:cTn id="1" dur="indefinite" restart="never" nodeType="tmRoot"/>
+        <p:cTn xmlns:p14="http://schemas.microsoft.com/office/powerpoint/2010/main" id="1" dur="indefinite" restart="never" nodeType="tmRoot"/>
       </p:par>
     </p:tnLst>
   </p:timing>
@@ -21799,15 +22412,7 @@
           <a:p>
             <a:r>
               <a:rPr lang="en-US" sz="3600" dirty="0" smtClean="0"/>
-              <a:t>The </a:t>
-            </a:r>
-            <a:r>
-              <a:rPr lang="en-US" sz="3600" dirty="0" smtClean="0"/>
-              <a:t>Espoused Mindset </a:t>
-            </a:r>
-            <a:r>
-              <a:rPr lang="en-US" sz="3600" dirty="0" smtClean="0"/>
-              <a:t>Questionnaire</a:t>
+              <a:t>The Espoused Mindset Questionnaire</a:t>
             </a:r>
             <a:endParaRPr lang="en-US" sz="3600" dirty="0"/>
           </a:p>
@@ -21825,8 +22430,8 @@
         </p:nvSpPr>
         <p:spPr>
           <a:xfrm>
-            <a:off x="251520" y="1196752"/>
-            <a:ext cx="8640960" cy="792088"/>
+            <a:off x="323528" y="1268760"/>
+            <a:ext cx="8640960" cy="648072"/>
           </a:xfrm>
         </p:spPr>
         <p:txBody>
@@ -21835,40 +22440,59 @@
           </a:bodyPr>
           <a:lstStyle/>
           <a:p>
-            <a:pPr marL="0" indent="0" algn="ctr">
+            <a:pPr marL="0" indent="0">
               <a:buNone/>
             </a:pPr>
             <a:r>
-              <a:rPr lang="en-US" sz="1400" dirty="0" smtClean="0"/>
-              <a:t>Read each pair of statements. For each pair, tick the box which most accurately reflects the way you think</a:t>
-            </a:r>
-            <a:r>
-              <a:rPr lang="en-US" sz="1400" dirty="0" smtClean="0"/>
-              <a:t>.</a:t>
-            </a:r>
-          </a:p>
-          <a:p>
-            <a:pPr marL="0" indent="0" algn="ctr">
+              <a:rPr lang="en-US" sz="1250" i="1" dirty="0" smtClean="0">
+                <a:latin typeface="+mn-lt"/>
+              </a:rPr>
+              <a:t>Read each pair of statements. For each pair, tick the box which most accurately reflects the way you think.</a:t>
+            </a:r>
+          </a:p>
+          <a:p>
+            <a:pPr marL="0" indent="0">
               <a:buNone/>
             </a:pPr>
             <a:r>
-              <a:rPr lang="en-US" sz="1400" dirty="0" smtClean="0"/>
-              <a:t>Tick "1" if you fully agree with the statement on the left</a:t>
-            </a:r>
-          </a:p>
-          <a:p>
-            <a:pPr marL="0" indent="0" algn="ctr">
-              <a:buNone/>
-            </a:pPr>
-            <a:r>
-              <a:rPr lang="en-US" sz="1400" dirty="0"/>
-              <a:t>T</a:t>
-            </a:r>
-            <a:r>
-              <a:rPr lang="en-US" sz="1400" dirty="0" smtClean="0"/>
-              <a:t>ick "4" if you fully agree with the statement on the right</a:t>
-            </a:r>
-            <a:endParaRPr lang="en-US" sz="1400" dirty="0"/>
+              <a:rPr lang="en-US" sz="1250" i="1" dirty="0" smtClean="0">
+                <a:latin typeface="+mn-lt"/>
+              </a:rPr>
+              <a:t>For instance, t</a:t>
+            </a:r>
+            <a:r>
+              <a:rPr lang="en-US" sz="1250" i="1" dirty="0" smtClean="0">
+                <a:latin typeface="+mn-lt"/>
+              </a:rPr>
+              <a:t>ick </a:t>
+            </a:r>
+            <a:r>
+              <a:rPr lang="en-US" sz="1250" i="1" dirty="0" smtClean="0">
+                <a:latin typeface="+mn-lt"/>
+              </a:rPr>
+              <a:t>"1" if you fully agree with the statement on the </a:t>
+            </a:r>
+            <a:r>
+              <a:rPr lang="en-US" sz="1250" i="1" dirty="0" smtClean="0">
+                <a:latin typeface="+mn-lt"/>
+              </a:rPr>
+              <a:t>left or tick </a:t>
+            </a:r>
+            <a:r>
+              <a:rPr lang="en-US" sz="1250" i="1" dirty="0" smtClean="0">
+                <a:latin typeface="+mn-lt"/>
+              </a:rPr>
+              <a:t>"4" if you fully agree with the statement on the </a:t>
+            </a:r>
+            <a:r>
+              <a:rPr lang="en-US" sz="1250" i="1" dirty="0" smtClean="0">
+                <a:latin typeface="+mn-lt"/>
+              </a:rPr>
+              <a:t>right.</a:t>
+            </a:r>
+            <a:endParaRPr lang="en-US" sz="1250" i="1" dirty="0">
+              <a:latin typeface="+mn-lt"/>
+            </a:endParaRPr>
           </a:p>
         </p:txBody>
       </p:sp>
@@ -21931,13 +22555,13 @@
           <p:nvPr>
             <p:extLst>
               <p:ext uri="{D42A27DB-BD31-4B8C-83A1-F6EECF244321}">
-                <p14:modId xmlns:p14="http://schemas.microsoft.com/office/powerpoint/2010/main" val="1880011261"/>
+                <p14:modId xmlns:p14="http://schemas.microsoft.com/office/powerpoint/2010/main" val="1464269839"/>
               </p:ext>
             </p:extLst>
           </p:nvPr>
         </p:nvGraphicFramePr>
         <p:xfrm>
-          <a:off x="395536" y="2001376"/>
+          <a:off x="395536" y="2145391"/>
           <a:ext cx="8424936" cy="3803888"/>
         </p:xfrm>
         <a:graphic>
@@ -22143,11 +22767,7 @@
                       <a:pPr algn="l"/>
                       <a:r>
                         <a:rPr lang="en-US" sz="1600" dirty="0" smtClean="0"/>
-                        <a:t>2) </a:t>
-                      </a:r>
-                      <a:r>
-                        <a:rPr lang="en-US" sz="1600" dirty="0" smtClean="0"/>
-                        <a:t>People who disagree with me are pushing an agenda</a:t>
+                        <a:t>2) People who disagree with me are pushing an agenda</a:t>
                       </a:r>
                       <a:endParaRPr lang="en-US" sz="1600" dirty="0"/>
                     </a:p>
@@ -22223,11 +22843,7 @@
                       <a:pPr algn="l"/>
                       <a:r>
                         <a:rPr lang="en-US" sz="1600" dirty="0" smtClean="0"/>
-                        <a:t>3</a:t>
-                      </a:r>
-                      <a:r>
-                        <a:rPr lang="en-US" sz="1600" dirty="0" smtClean="0"/>
-                        <a:t>) I am right most of the time</a:t>
+                        <a:t>3) I am right most of the time</a:t>
                       </a:r>
                     </a:p>
                     <a:p>
@@ -22289,11 +22905,7 @@
                       <a:pPr algn="l"/>
                       <a:r>
                         <a:rPr lang="en-US" sz="1600" dirty="0" smtClean="0"/>
-                        <a:t>3) </a:t>
-                      </a:r>
-                      <a:r>
-                        <a:rPr lang="en-US" sz="1600" dirty="0" smtClean="0"/>
-                        <a:t>I am often mistaken or have</a:t>
+                        <a:t>3) I am often mistaken or have</a:t>
                       </a:r>
                       <a:r>
                         <a:rPr lang="en-US" sz="1600" baseline="0" dirty="0" smtClean="0"/>
@@ -22314,11 +22926,7 @@
                       <a:pPr algn="l"/>
                       <a:r>
                         <a:rPr lang="en-US" sz="1600" dirty="0" smtClean="0"/>
-                        <a:t>4) </a:t>
-                      </a:r>
-                      <a:r>
-                        <a:rPr lang="en-US" sz="1600" dirty="0" smtClean="0"/>
-                        <a:t>I don't have much to learn from my colleagues</a:t>
+                        <a:t>4) I don't have much to learn from my colleagues</a:t>
                       </a:r>
                       <a:endParaRPr lang="en-US" sz="1600" dirty="0"/>
                     </a:p>
@@ -22465,23 +23073,11 @@
                       </a:r>
                       <a:r>
                         <a:rPr lang="en-US" sz="1600" dirty="0" smtClean="0"/>
-                        <a:t>My feelings are </a:t>
-                      </a:r>
-                      <a:r>
-                        <a:rPr lang="en-US" sz="1600" dirty="0" smtClean="0"/>
-                        <a:t>not obvious to others </a:t>
+                        <a:t>My feelings are not obvious to others </a:t>
                       </a:r>
                       <a:r>
                         <a:rPr lang="en-US" sz="1600" baseline="0" dirty="0" smtClean="0"/>
-                        <a:t>and </a:t>
-                      </a:r>
-                      <a:r>
-                        <a:rPr lang="en-US" sz="1600" baseline="0" dirty="0" smtClean="0"/>
-                        <a:t>may </a:t>
-                      </a:r>
-                      <a:r>
-                        <a:rPr lang="en-US" sz="1600" baseline="0" dirty="0" smtClean="0"/>
-                        <a:t>not be rational</a:t>
+                        <a:t>and may not be rational</a:t>
                       </a:r>
                       <a:endParaRPr lang="en-US" sz="1600" dirty="0"/>
                     </a:p>
@@ -22577,7 +23173,7 @@
         </p:nvCxnSpPr>
         <p:spPr>
           <a:xfrm>
-            <a:off x="4139952" y="1988840"/>
+            <a:off x="4139952" y="2132855"/>
             <a:ext cx="0" cy="3960440"/>
           </a:xfrm>
           <a:prstGeom prst="line">
@@ -22613,7 +23209,7 @@
         </p:nvCxnSpPr>
         <p:spPr>
           <a:xfrm>
-            <a:off x="4572000" y="1988840"/>
+            <a:off x="4572000" y="2132855"/>
             <a:ext cx="0" cy="3960440"/>
           </a:xfrm>
           <a:prstGeom prst="line">
@@ -22649,7 +23245,7 @@
         </p:nvCxnSpPr>
         <p:spPr>
           <a:xfrm>
-            <a:off x="5004048" y="1988840"/>
+            <a:off x="5004048" y="2132855"/>
             <a:ext cx="0" cy="3960440"/>
           </a:xfrm>
           <a:prstGeom prst="line">
@@ -22685,7 +23281,7 @@
         </p:nvCxnSpPr>
         <p:spPr>
           <a:xfrm>
-            <a:off x="3707904" y="1988840"/>
+            <a:off x="3707904" y="2132855"/>
             <a:ext cx="0" cy="3960440"/>
           </a:xfrm>
           <a:prstGeom prst="line">
@@ -22721,7 +23317,7 @@
         </p:nvCxnSpPr>
         <p:spPr>
           <a:xfrm>
-            <a:off x="5436096" y="1988840"/>
+            <a:off x="5436096" y="2132855"/>
             <a:ext cx="0" cy="3960440"/>
           </a:xfrm>
           <a:prstGeom prst="line">
@@ -22757,7 +23353,7 @@
         </p:nvCxnSpPr>
         <p:spPr>
           <a:xfrm flipH="1">
-            <a:off x="336228" y="3107060"/>
+            <a:off x="336228" y="3251075"/>
             <a:ext cx="8424936" cy="1"/>
           </a:xfrm>
           <a:prstGeom prst="line">
@@ -22793,7 +23389,7 @@
         </p:nvCxnSpPr>
         <p:spPr>
           <a:xfrm flipH="1">
-            <a:off x="323528" y="3755131"/>
+            <a:off x="323528" y="3899146"/>
             <a:ext cx="8424936" cy="1"/>
           </a:xfrm>
           <a:prstGeom prst="line">
@@ -22829,7 +23425,7 @@
         </p:nvCxnSpPr>
         <p:spPr>
           <a:xfrm flipH="1">
-            <a:off x="323528" y="4352403"/>
+            <a:off x="323528" y="4496418"/>
             <a:ext cx="8424936" cy="1"/>
           </a:xfrm>
           <a:prstGeom prst="line">
@@ -22865,7 +23461,7 @@
         </p:nvCxnSpPr>
         <p:spPr>
           <a:xfrm flipH="1">
-            <a:off x="323528" y="4907260"/>
+            <a:off x="323528" y="5051275"/>
             <a:ext cx="8424936" cy="1"/>
           </a:xfrm>
           <a:prstGeom prst="line">
@@ -22901,7 +23497,7 @@
         </p:nvCxnSpPr>
         <p:spPr>
           <a:xfrm flipH="1">
-            <a:off x="323528" y="5491831"/>
+            <a:off x="323528" y="5635846"/>
             <a:ext cx="8424936" cy="1"/>
           </a:xfrm>
           <a:prstGeom prst="line">
@@ -22937,7 +23533,7 @@
         </p:nvCxnSpPr>
         <p:spPr>
           <a:xfrm flipH="1">
-            <a:off x="3707904" y="1988840"/>
+            <a:off x="3707904" y="2132855"/>
             <a:ext cx="1728192" cy="0"/>
           </a:xfrm>
           <a:prstGeom prst="line">
@@ -22973,7 +23569,7 @@
         </p:nvCxnSpPr>
         <p:spPr>
           <a:xfrm flipH="1">
-            <a:off x="323528" y="2420888"/>
+            <a:off x="323528" y="2564903"/>
             <a:ext cx="8424936" cy="1"/>
           </a:xfrm>
           <a:prstGeom prst="line">
@@ -23009,7 +23605,7 @@
         </p:nvCxnSpPr>
         <p:spPr>
           <a:xfrm flipH="1">
-            <a:off x="323528" y="5949280"/>
+            <a:off x="323528" y="6093295"/>
             <a:ext cx="8424936" cy="1"/>
           </a:xfrm>
           <a:prstGeom prst="line">
@@ -23050,7 +23646,7 @@
   <p:timing>
     <p:tnLst>
       <p:par>
-        <p:cTn id="1" dur="indefinite" restart="never" nodeType="tmRoot"/>
+        <p:cTn xmlns:p14="http://schemas.microsoft.com/office/powerpoint/2010/main" id="1" dur="indefinite" restart="never" nodeType="tmRoot"/>
       </p:par>
     </p:tnLst>
   </p:timing>
@@ -23418,7 +24014,7 @@
   <p:timing>
     <p:tnLst>
       <p:par>
-        <p:cTn id="1" dur="indefinite" restart="never" nodeType="tmRoot"/>
+        <p:cTn xmlns:p14="http://schemas.microsoft.com/office/powerpoint/2010/main" id="1" dur="indefinite" restart="never" nodeType="tmRoot"/>
       </p:par>
     </p:tnLst>
   </p:timing>
@@ -23526,7 +24122,7 @@
   <p:timing>
     <p:tnLst>
       <p:par>
-        <p:cTn id="1" dur="indefinite" restart="never" nodeType="tmRoot"/>
+        <p:cTn xmlns:p14="http://schemas.microsoft.com/office/powerpoint/2010/main" id="1" dur="indefinite" restart="never" nodeType="tmRoot"/>
       </p:par>
     </p:tnLst>
   </p:timing>
@@ -23643,7 +24239,7 @@
   <p:timing>
     <p:tnLst>
       <p:par>
-        <p:cTn id="1" dur="indefinite" restart="never" nodeType="tmRoot"/>
+        <p:cTn xmlns:p14="http://schemas.microsoft.com/office/powerpoint/2010/main" id="1" dur="indefinite" restart="never" nodeType="tmRoot"/>
       </p:par>
     </p:tnLst>
   </p:timing>
@@ -23737,7 +24333,7 @@
   <p:timing>
     <p:tnLst>
       <p:par>
-        <p:cTn id="1" dur="indefinite" restart="never" nodeType="tmRoot"/>
+        <p:cTn xmlns:p14="http://schemas.microsoft.com/office/powerpoint/2010/main" id="1" dur="indefinite" restart="never" nodeType="tmRoot"/>
       </p:par>
     </p:tnLst>
   </p:timing>

--- a/The Fellowship of the Ring.pptx
+++ b/The Fellowship of the Ring.pptx
@@ -224,7 +224,7 @@
           <a:p>
             <a:fld id="{B87E2604-5AC8-4AF7-8F67-ED0E692FA66E}" type="datetimeFigureOut">
               <a:rPr lang="en-GB" smtClean="0"/>
-              <a:t>22/09/2015</a:t>
+              <a:t>28/09/2015</a:t>
             </a:fld>
             <a:endParaRPr lang="en-GB" dirty="0"/>
           </a:p>
@@ -4536,7 +4536,7 @@
           <a:p>
             <a:fld id="{46657BA7-24BA-4EC1-97D6-99B2CCBE5DEC}" type="datetimeFigureOut">
               <a:rPr lang="en-GB" smtClean="0"/>
-              <a:t>22/09/2015</a:t>
+              <a:t>28/09/2015</a:t>
             </a:fld>
             <a:endParaRPr lang="en-GB" dirty="0"/>
           </a:p>
@@ -4706,7 +4706,7 @@
           <a:p>
             <a:fld id="{46657BA7-24BA-4EC1-97D6-99B2CCBE5DEC}" type="datetimeFigureOut">
               <a:rPr lang="en-GB" smtClean="0"/>
-              <a:t>22/09/2015</a:t>
+              <a:t>28/09/2015</a:t>
             </a:fld>
             <a:endParaRPr lang="en-GB" dirty="0"/>
           </a:p>
@@ -4886,7 +4886,7 @@
           <a:p>
             <a:fld id="{46657BA7-24BA-4EC1-97D6-99B2CCBE5DEC}" type="datetimeFigureOut">
               <a:rPr lang="en-GB" smtClean="0"/>
-              <a:t>22/09/2015</a:t>
+              <a:t>28/09/2015</a:t>
             </a:fld>
             <a:endParaRPr lang="en-GB" dirty="0"/>
           </a:p>
@@ -5297,7 +5297,7 @@
           <a:p>
             <a:fld id="{46657BA7-24BA-4EC1-97D6-99B2CCBE5DEC}" type="datetimeFigureOut">
               <a:rPr lang="en-GB" smtClean="0"/>
-              <a:t>22/09/2015</a:t>
+              <a:t>28/09/2015</a:t>
             </a:fld>
             <a:endParaRPr lang="en-GB" dirty="0"/>
           </a:p>
@@ -5543,7 +5543,7 @@
           <a:p>
             <a:fld id="{46657BA7-24BA-4EC1-97D6-99B2CCBE5DEC}" type="datetimeFigureOut">
               <a:rPr lang="en-GB" smtClean="0"/>
-              <a:t>22/09/2015</a:t>
+              <a:t>28/09/2015</a:t>
             </a:fld>
             <a:endParaRPr lang="en-GB" dirty="0"/>
           </a:p>
@@ -5831,7 +5831,7 @@
           <a:p>
             <a:fld id="{46657BA7-24BA-4EC1-97D6-99B2CCBE5DEC}" type="datetimeFigureOut">
               <a:rPr lang="en-GB" smtClean="0"/>
-              <a:t>22/09/2015</a:t>
+              <a:t>28/09/2015</a:t>
             </a:fld>
             <a:endParaRPr lang="en-GB" dirty="0"/>
           </a:p>
@@ -6253,7 +6253,7 @@
           <a:p>
             <a:fld id="{46657BA7-24BA-4EC1-97D6-99B2CCBE5DEC}" type="datetimeFigureOut">
               <a:rPr lang="en-GB" smtClean="0"/>
-              <a:t>22/09/2015</a:t>
+              <a:t>28/09/2015</a:t>
             </a:fld>
             <a:endParaRPr lang="en-GB" dirty="0"/>
           </a:p>
@@ -6371,7 +6371,7 @@
           <a:p>
             <a:fld id="{46657BA7-24BA-4EC1-97D6-99B2CCBE5DEC}" type="datetimeFigureOut">
               <a:rPr lang="en-GB" smtClean="0"/>
-              <a:t>22/09/2015</a:t>
+              <a:t>28/09/2015</a:t>
             </a:fld>
             <a:endParaRPr lang="en-GB" dirty="0"/>
           </a:p>
@@ -6466,7 +6466,7 @@
           <a:p>
             <a:fld id="{46657BA7-24BA-4EC1-97D6-99B2CCBE5DEC}" type="datetimeFigureOut">
               <a:rPr lang="en-GB" smtClean="0"/>
-              <a:t>22/09/2015</a:t>
+              <a:t>28/09/2015</a:t>
             </a:fld>
             <a:endParaRPr lang="en-GB" dirty="0"/>
           </a:p>
@@ -6743,7 +6743,7 @@
           <a:p>
             <a:fld id="{46657BA7-24BA-4EC1-97D6-99B2CCBE5DEC}" type="datetimeFigureOut">
               <a:rPr lang="en-GB" smtClean="0"/>
-              <a:t>22/09/2015</a:t>
+              <a:t>28/09/2015</a:t>
             </a:fld>
             <a:endParaRPr lang="en-GB" dirty="0"/>
           </a:p>
@@ -6996,7 +6996,7 @@
           <a:p>
             <a:fld id="{46657BA7-24BA-4EC1-97D6-99B2CCBE5DEC}" type="datetimeFigureOut">
               <a:rPr lang="en-GB" smtClean="0"/>
-              <a:t>22/09/2015</a:t>
+              <a:t>28/09/2015</a:t>
             </a:fld>
             <a:endParaRPr lang="en-GB" dirty="0"/>
           </a:p>
@@ -7209,7 +7209,7 @@
           <a:p>
             <a:fld id="{46657BA7-24BA-4EC1-97D6-99B2CCBE5DEC}" type="datetimeFigureOut">
               <a:rPr lang="en-GB" smtClean="0"/>
-              <a:t>22/09/2015</a:t>
+              <a:t>28/09/2015</a:t>
             </a:fld>
             <a:endParaRPr lang="en-GB" dirty="0"/>
           </a:p>
@@ -7759,7 +7759,7 @@
             <a:noFill/>
           </a:ln>
           <a:extLst>
-            <a:ext uri="{91240B29-F687-4f45-9708-019B960494DF}">
+            <a:ext uri="{91240B29-F687-4F45-9708-019B960494DF}">
               <a14:hiddenLine xmlns:a14="http://schemas.microsoft.com/office/drawing/2010/main" w="9525">
                 <a:solidFill>
                   <a:srgbClr val="000000"/>
@@ -7785,7 +7785,7 @@
   <p:timing>
     <p:tnLst>
       <p:par>
-        <p:cTn xmlns:p14="http://schemas.microsoft.com/office/powerpoint/2010/main" id="1" dur="indefinite" restart="never" nodeType="tmRoot"/>
+        <p:cTn id="1" dur="indefinite" restart="never" nodeType="tmRoot"/>
       </p:par>
     </p:tnLst>
   </p:timing>
@@ -8837,7 +8837,7 @@
   <p:timing>
     <p:tnLst>
       <p:par>
-        <p:cTn xmlns:p14="http://schemas.microsoft.com/office/powerpoint/2010/main" id="1" dur="indefinite" restart="never" nodeType="tmRoot">
+        <p:cTn id="1" dur="indefinite" restart="never" nodeType="tmRoot">
           <p:childTnLst>
             <p:seq concurrent="1" nextAc="seek">
               <p:cTn id="2" dur="indefinite" nodeType="mainSeq">
@@ -9279,7 +9279,7 @@
   <p:timing>
     <p:tnLst>
       <p:par>
-        <p:cTn xmlns:p14="http://schemas.microsoft.com/office/powerpoint/2010/main" id="1" dur="indefinite" restart="never" nodeType="tmRoot"/>
+        <p:cTn id="1" dur="indefinite" restart="never" nodeType="tmRoot"/>
       </p:par>
     </p:tnLst>
   </p:timing>
@@ -9379,7 +9379,7 @@
   <p:timing>
     <p:tnLst>
       <p:par>
-        <p:cTn xmlns:p14="http://schemas.microsoft.com/office/powerpoint/2010/main" id="1" dur="indefinite" restart="never" nodeType="tmRoot"/>
+        <p:cTn id="1" dur="indefinite" restart="never" nodeType="tmRoot"/>
       </p:par>
     </p:tnLst>
   </p:timing>
@@ -10390,7 +10390,7 @@
   <p:timing>
     <p:tnLst>
       <p:par>
-        <p:cTn xmlns:p14="http://schemas.microsoft.com/office/powerpoint/2010/main" id="1" dur="indefinite" restart="never" nodeType="tmRoot">
+        <p:cTn id="1" dur="indefinite" restart="never" nodeType="tmRoot">
           <p:childTnLst>
             <p:seq concurrent="1" nextAc="seek">
               <p:cTn id="2" dur="indefinite" nodeType="mainSeq">
@@ -12405,7 +12405,7 @@
   <p:timing>
     <p:tnLst>
       <p:par>
-        <p:cTn xmlns:p14="http://schemas.microsoft.com/office/powerpoint/2010/main" id="1" dur="indefinite" restart="never" nodeType="tmRoot">
+        <p:cTn id="1" dur="indefinite" restart="never" nodeType="tmRoot">
           <p:childTnLst>
             <p:seq concurrent="1" nextAc="seek">
               <p:cTn id="2" dur="indefinite" nodeType="mainSeq">
@@ -13591,7 +13591,7 @@
   <p:timing>
     <p:tnLst>
       <p:par>
-        <p:cTn xmlns:p14="http://schemas.microsoft.com/office/powerpoint/2010/main" id="1" dur="indefinite" restart="never" nodeType="tmRoot">
+        <p:cTn id="1" dur="indefinite" restart="never" nodeType="tmRoot">
           <p:childTnLst>
             <p:seq concurrent="1" nextAc="seek">
               <p:cTn id="2" dur="indefinite" nodeType="mainSeq">
@@ -15127,17 +15127,7 @@
                   </a:schemeClr>
                 </a:solidFill>
               </a:rPr>
-              <a:t>Mutual </a:t>
-            </a:r>
-            <a:r>
-              <a:rPr lang="en-US" sz="1200" b="1" dirty="0" smtClean="0">
-                <a:solidFill>
-                  <a:schemeClr val="bg2">
-                    <a:lumMod val="25000"/>
-                  </a:schemeClr>
-                </a:solidFill>
-              </a:rPr>
-              <a:t>Learning</a:t>
+              <a:t>Mutual Learning</a:t>
             </a:r>
             <a:endParaRPr lang="en-US" sz="1200" b="1" dirty="0">
               <a:solidFill>
@@ -15180,17 +15170,7 @@
                   </a:schemeClr>
                 </a:solidFill>
               </a:rPr>
-              <a:t>Unilateral Control </a:t>
-            </a:r>
-            <a:r>
-              <a:rPr lang="en-US" sz="1200" b="1" dirty="0" smtClean="0">
-                <a:solidFill>
-                  <a:schemeClr val="bg2">
-                    <a:lumMod val="25000"/>
-                  </a:schemeClr>
-                </a:solidFill>
-              </a:rPr>
-              <a:t>Bias</a:t>
+              <a:t>Unilateral Control Bias</a:t>
             </a:r>
             <a:endParaRPr lang="en-US" sz="1200" b="1" dirty="0">
               <a:solidFill>
@@ -15718,17 +15698,7 @@
                   </a:schemeClr>
                 </a:solidFill>
               </a:rPr>
-              <a:t>Mutual </a:t>
-            </a:r>
-            <a:r>
-              <a:rPr lang="en-US" sz="1200" b="1" dirty="0" smtClean="0">
-                <a:solidFill>
-                  <a:schemeClr val="bg2">
-                    <a:lumMod val="25000"/>
-                  </a:schemeClr>
-                </a:solidFill>
-              </a:rPr>
-              <a:t>Learning Bias</a:t>
+              <a:t>Mutual Learning Bias</a:t>
             </a:r>
             <a:endParaRPr lang="en-US" sz="1200" b="1" dirty="0">
               <a:solidFill>
@@ -15761,7 +15731,7 @@
   <p:timing>
     <p:tnLst>
       <p:par>
-        <p:cTn xmlns:p14="http://schemas.microsoft.com/office/powerpoint/2010/main" id="1" dur="indefinite" restart="never" nodeType="tmRoot">
+        <p:cTn id="1" dur="indefinite" restart="never" nodeType="tmRoot">
           <p:childTnLst>
             <p:seq concurrent="1" nextAc="seek">
               <p:cTn id="2" dur="indefinite" nodeType="mainSeq">
@@ -16577,7 +16547,7 @@
   <p:timing>
     <p:tnLst>
       <p:par>
-        <p:cTn xmlns:p14="http://schemas.microsoft.com/office/powerpoint/2010/main" id="1" dur="indefinite" restart="never" nodeType="tmRoot"/>
+        <p:cTn id="1" dur="indefinite" restart="never" nodeType="tmRoot"/>
       </p:par>
     </p:tnLst>
   </p:timing>
@@ -16633,7 +16603,7 @@
           <p:nvPr/>
         </p:nvPicPr>
         <p:blipFill>
-          <a:blip r:embed="rId3">
+          <a:blip r:embed="rId3" cstate="print">
             <a:extLst>
               <a:ext uri="{28A0092B-C50C-407E-A947-70E740481C1C}">
                 <a14:useLocalDpi xmlns:a14="http://schemas.microsoft.com/office/drawing/2010/main" val="0"/>
@@ -16813,7 +16783,7 @@
           <p:nvPr/>
         </p:nvPicPr>
         <p:blipFill>
-          <a:blip r:embed="rId6">
+          <a:blip r:embed="rId6" cstate="print">
             <a:extLst>
               <a:ext uri="{28A0092B-C50C-407E-A947-70E740481C1C}">
                 <a14:useLocalDpi xmlns:a14="http://schemas.microsoft.com/office/drawing/2010/main" val="0"/>
@@ -16873,7 +16843,7 @@
           <p:nvPr/>
         </p:nvPicPr>
         <p:blipFill>
-          <a:blip r:embed="rId7">
+          <a:blip r:embed="rId7" cstate="print">
             <a:extLst>
               <a:ext uri="{28A0092B-C50C-407E-A947-70E740481C1C}">
                 <a14:useLocalDpi xmlns:a14="http://schemas.microsoft.com/office/drawing/2010/main" val="0"/>
@@ -16933,7 +16903,7 @@
           <p:nvPr/>
         </p:nvPicPr>
         <p:blipFill>
-          <a:blip r:embed="rId8">
+          <a:blip r:embed="rId8" cstate="print">
             <a:extLst>
               <a:ext uri="{28A0092B-C50C-407E-A947-70E740481C1C}">
                 <a14:useLocalDpi xmlns:a14="http://schemas.microsoft.com/office/drawing/2010/main" val="0"/>
@@ -16997,7 +16967,7 @@
   <p:timing>
     <p:tnLst>
       <p:par>
-        <p:cTn xmlns:p14="http://schemas.microsoft.com/office/powerpoint/2010/main" id="1" dur="indefinite" restart="never" nodeType="tmRoot">
+        <p:cTn id="1" dur="indefinite" restart="never" nodeType="tmRoot">
           <p:childTnLst>
             <p:seq concurrent="1" nextAc="seek">
               <p:cTn id="2" dur="indefinite" nodeType="mainSeq">
@@ -17497,7 +17467,7 @@
   <p:timing>
     <p:tnLst>
       <p:par>
-        <p:cTn xmlns:p14="http://schemas.microsoft.com/office/powerpoint/2010/main" id="1" dur="indefinite" restart="never" nodeType="tmRoot"/>
+        <p:cTn id="1" dur="indefinite" restart="never" nodeType="tmRoot"/>
       </p:par>
     </p:tnLst>
   </p:timing>
@@ -17603,7 +17573,7 @@
   <p:timing>
     <p:tnLst>
       <p:par>
-        <p:cTn xmlns:p14="http://schemas.microsoft.com/office/powerpoint/2010/main" id="1" dur="indefinite" restart="never" nodeType="tmRoot"/>
+        <p:cTn id="1" dur="indefinite" restart="never" nodeType="tmRoot"/>
       </p:par>
     </p:tnLst>
   </p:timing>
@@ -17785,7 +17755,7 @@
   <p:timing>
     <p:tnLst>
       <p:par>
-        <p:cTn xmlns:p14="http://schemas.microsoft.com/office/powerpoint/2010/main" id="1" dur="indefinite" restart="never" nodeType="tmRoot"/>
+        <p:cTn id="1" dur="indefinite" restart="never" nodeType="tmRoot"/>
       </p:par>
     </p:tnLst>
   </p:timing>
@@ -17914,14 +17884,14 @@
           </a:ln>
           <a:effectLst/>
           <a:extLst>
-            <a:ext uri="{909E8E84-426E-40dd-AFC4-6F175D3DCCD1}">
+            <a:ext uri="{909E8E84-426E-40DD-AFC4-6F175D3DCCD1}">
               <a14:hiddenFill xmlns:a14="http://schemas.microsoft.com/office/drawing/2010/main">
                 <a:solidFill>
                   <a:schemeClr val="accent1"/>
                 </a:solidFill>
               </a14:hiddenFill>
             </a:ext>
-            <a:ext uri="{91240B29-F687-4f45-9708-019B960494DF}">
+            <a:ext uri="{91240B29-F687-4F45-9708-019B960494DF}">
               <a14:hiddenLine xmlns:a14="http://schemas.microsoft.com/office/drawing/2010/main" w="9525">
                 <a:solidFill>
                   <a:schemeClr val="tx1"/>
@@ -17931,7 +17901,7 @@
                 <a:tailEnd/>
               </a14:hiddenLine>
             </a:ext>
-            <a:ext uri="{AF507438-7753-43e0-B8FC-AC1667EBCBE1}">
+            <a:ext uri="{AF507438-7753-43E0-B8FC-AC1667EBCBE1}">
               <a14:hiddenEffects xmlns:a14="http://schemas.microsoft.com/office/drawing/2010/main">
                 <a:effectLst>
                   <a:outerShdw blurRad="63500" dist="38099" dir="2700000" algn="ctr" rotWithShape="0">
@@ -17991,14 +17961,14 @@
           </a:ln>
           <a:effectLst/>
           <a:extLst>
-            <a:ext uri="{909E8E84-426E-40dd-AFC4-6F175D3DCCD1}">
+            <a:ext uri="{909E8E84-426E-40DD-AFC4-6F175D3DCCD1}">
               <a14:hiddenFill xmlns:a14="http://schemas.microsoft.com/office/drawing/2010/main">
                 <a:solidFill>
                   <a:schemeClr val="accent1"/>
                 </a:solidFill>
               </a14:hiddenFill>
             </a:ext>
-            <a:ext uri="{91240B29-F687-4f45-9708-019B960494DF}">
+            <a:ext uri="{91240B29-F687-4F45-9708-019B960494DF}">
               <a14:hiddenLine xmlns:a14="http://schemas.microsoft.com/office/drawing/2010/main" w="9525">
                 <a:solidFill>
                   <a:schemeClr val="tx1"/>
@@ -18008,7 +17978,7 @@
                 <a:tailEnd/>
               </a14:hiddenLine>
             </a:ext>
-            <a:ext uri="{AF507438-7753-43e0-B8FC-AC1667EBCBE1}">
+            <a:ext uri="{AF507438-7753-43E0-B8FC-AC1667EBCBE1}">
               <a14:hiddenEffects xmlns:a14="http://schemas.microsoft.com/office/drawing/2010/main">
                 <a:effectLst>
                   <a:outerShdw blurRad="63500" dist="38099" dir="2700000" algn="ctr" rotWithShape="0">
@@ -18137,14 +18107,14 @@
           </a:ln>
           <a:effectLst/>
           <a:extLst>
-            <a:ext uri="{909E8E84-426E-40dd-AFC4-6F175D3DCCD1}">
+            <a:ext uri="{909E8E84-426E-40DD-AFC4-6F175D3DCCD1}">
               <a14:hiddenFill xmlns:a14="http://schemas.microsoft.com/office/drawing/2010/main">
                 <a:solidFill>
                   <a:schemeClr val="accent1"/>
                 </a:solidFill>
               </a14:hiddenFill>
             </a:ext>
-            <a:ext uri="{91240B29-F687-4f45-9708-019B960494DF}">
+            <a:ext uri="{91240B29-F687-4F45-9708-019B960494DF}">
               <a14:hiddenLine xmlns:a14="http://schemas.microsoft.com/office/drawing/2010/main" w="9525">
                 <a:solidFill>
                   <a:schemeClr val="tx1"/>
@@ -18154,7 +18124,7 @@
                 <a:tailEnd/>
               </a14:hiddenLine>
             </a:ext>
-            <a:ext uri="{AF507438-7753-43e0-B8FC-AC1667EBCBE1}">
+            <a:ext uri="{AF507438-7753-43E0-B8FC-AC1667EBCBE1}">
               <a14:hiddenEffects xmlns:a14="http://schemas.microsoft.com/office/drawing/2010/main">
                 <a:effectLst>
                   <a:outerShdw blurRad="63500" dist="38099" dir="2700000" algn="ctr" rotWithShape="0">
@@ -18418,7 +18388,7 @@
             <a:tailEnd/>
           </a:ln>
           <a:extLst>
-            <a:ext uri="{909E8E84-426E-40dd-AFC4-6F175D3DCCD1}">
+            <a:ext uri="{909E8E84-426E-40DD-AFC4-6F175D3DCCD1}">
               <a14:hiddenFill xmlns:a14="http://schemas.microsoft.com/office/drawing/2010/main">
                 <a:solidFill>
                   <a:srgbClr val="FFFFFF"/>
@@ -18450,14 +18420,14 @@
           </a:ln>
           <a:effectLst/>
           <a:extLst>
-            <a:ext uri="{909E8E84-426E-40dd-AFC4-6F175D3DCCD1}">
+            <a:ext uri="{909E8E84-426E-40DD-AFC4-6F175D3DCCD1}">
               <a14:hiddenFill xmlns:a14="http://schemas.microsoft.com/office/drawing/2010/main">
                 <a:solidFill>
                   <a:schemeClr val="accent1"/>
                 </a:solidFill>
               </a14:hiddenFill>
             </a:ext>
-            <a:ext uri="{91240B29-F687-4f45-9708-019B960494DF}">
+            <a:ext uri="{91240B29-F687-4F45-9708-019B960494DF}">
               <a14:hiddenLine xmlns:a14="http://schemas.microsoft.com/office/drawing/2010/main" w="9525">
                 <a:solidFill>
                   <a:schemeClr val="tx1"/>
@@ -18467,7 +18437,7 @@
                 <a:tailEnd/>
               </a14:hiddenLine>
             </a:ext>
-            <a:ext uri="{AF507438-7753-43e0-B8FC-AC1667EBCBE1}">
+            <a:ext uri="{AF507438-7753-43E0-B8FC-AC1667EBCBE1}">
               <a14:hiddenEffects xmlns:a14="http://schemas.microsoft.com/office/drawing/2010/main">
                 <a:effectLst>
                   <a:outerShdw blurRad="63500" dist="38099" dir="2700000" algn="ctr" rotWithShape="0">
@@ -18602,14 +18572,14 @@
           </a:ln>
           <a:effectLst/>
           <a:extLst>
-            <a:ext uri="{909E8E84-426E-40dd-AFC4-6F175D3DCCD1}">
+            <a:ext uri="{909E8E84-426E-40DD-AFC4-6F175D3DCCD1}">
               <a14:hiddenFill xmlns:a14="http://schemas.microsoft.com/office/drawing/2010/main">
                 <a:solidFill>
                   <a:schemeClr val="accent1"/>
                 </a:solidFill>
               </a14:hiddenFill>
             </a:ext>
-            <a:ext uri="{91240B29-F687-4f45-9708-019B960494DF}">
+            <a:ext uri="{91240B29-F687-4F45-9708-019B960494DF}">
               <a14:hiddenLine xmlns:a14="http://schemas.microsoft.com/office/drawing/2010/main" w="9525">
                 <a:solidFill>
                   <a:schemeClr val="tx1"/>
@@ -18619,7 +18589,7 @@
                 <a:tailEnd/>
               </a14:hiddenLine>
             </a:ext>
-            <a:ext uri="{AF507438-7753-43e0-B8FC-AC1667EBCBE1}">
+            <a:ext uri="{AF507438-7753-43E0-B8FC-AC1667EBCBE1}">
               <a14:hiddenEffects xmlns:a14="http://schemas.microsoft.com/office/drawing/2010/main">
                 <a:effectLst>
                   <a:outerShdw blurRad="63500" dist="38099" dir="2700000" algn="ctr" rotWithShape="0">
@@ -18674,7 +18644,7 @@
   <p:timing>
     <p:tnLst>
       <p:par>
-        <p:cTn xmlns:p14="http://schemas.microsoft.com/office/powerpoint/2010/main" id="1" dur="indefinite" restart="never" nodeType="tmRoot"/>
+        <p:cTn id="1" dur="indefinite" restart="never" nodeType="tmRoot"/>
       </p:par>
     </p:tnLst>
   </p:timing>
@@ -19416,13 +19386,13 @@
   <p:clrMapOvr>
     <a:masterClrMapping/>
   </p:clrMapOvr>
-  <p:transition xmlns:p14="http://schemas.microsoft.com/office/powerpoint/2010/main" spd="slow">
+  <p:transition spd="slow">
     <p:cut/>
   </p:transition>
   <p:timing>
     <p:tnLst>
       <p:par>
-        <p:cTn xmlns:p14="http://schemas.microsoft.com/office/powerpoint/2010/main" id="1" dur="indefinite" restart="never" nodeType="tmRoot"/>
+        <p:cTn id="1" dur="indefinite" restart="never" nodeType="tmRoot"/>
       </p:par>
     </p:tnLst>
   </p:timing>
@@ -19505,7 +19475,7 @@
   <p:timing>
     <p:tnLst>
       <p:par>
-        <p:cTn xmlns:p14="http://schemas.microsoft.com/office/powerpoint/2010/main" id="1" dur="indefinite" restart="never" nodeType="tmRoot"/>
+        <p:cTn id="1" dur="indefinite" restart="never" nodeType="tmRoot"/>
       </p:par>
     </p:tnLst>
   </p:timing>
@@ -19584,7 +19554,7 @@
   <p:timing>
     <p:tnLst>
       <p:par>
-        <p:cTn xmlns:p14="http://schemas.microsoft.com/office/powerpoint/2010/main" id="1" dur="indefinite" restart="never" nodeType="tmRoot"/>
+        <p:cTn id="1" dur="indefinite" restart="never" nodeType="tmRoot"/>
       </p:par>
     </p:tnLst>
   </p:timing>
@@ -19784,7 +19754,7 @@
   <p:timing>
     <p:tnLst>
       <p:par>
-        <p:cTn xmlns:p14="http://schemas.microsoft.com/office/powerpoint/2010/main" id="1" dur="indefinite" restart="never" nodeType="tmRoot"/>
+        <p:cTn id="1" dur="indefinite" restart="never" nodeType="tmRoot"/>
       </p:par>
     </p:tnLst>
   </p:timing>
@@ -19978,7 +19948,7 @@
   <p:timing>
     <p:tnLst>
       <p:par>
-        <p:cTn xmlns:p14="http://schemas.microsoft.com/office/powerpoint/2010/main" id="1" dur="indefinite" restart="never" nodeType="tmRoot"/>
+        <p:cTn id="1" dur="indefinite" restart="never" nodeType="tmRoot"/>
       </p:par>
     </p:tnLst>
   </p:timing>
@@ -20157,7 +20127,7 @@
   <p:timing>
     <p:tnLst>
       <p:par>
-        <p:cTn xmlns:p14="http://schemas.microsoft.com/office/powerpoint/2010/main" id="1" dur="indefinite" restart="never" nodeType="tmRoot"/>
+        <p:cTn id="1" dur="indefinite" restart="never" nodeType="tmRoot"/>
       </p:par>
     </p:tnLst>
   </p:timing>
@@ -20448,7 +20418,7 @@
   <p:timing>
     <p:tnLst>
       <p:par>
-        <p:cTn xmlns:p14="http://schemas.microsoft.com/office/powerpoint/2010/main" id="1" dur="indefinite" restart="never" nodeType="tmRoot"/>
+        <p:cTn id="1" dur="indefinite" restart="never" nodeType="tmRoot"/>
       </p:par>
     </p:tnLst>
   </p:timing>
@@ -20634,7 +20604,7 @@
   <p:timing>
     <p:tnLst>
       <p:par>
-        <p:cTn xmlns:p14="http://schemas.microsoft.com/office/powerpoint/2010/main" id="1" dur="indefinite" restart="never" nodeType="tmRoot"/>
+        <p:cTn id="1" dur="indefinite" restart="never" nodeType="tmRoot"/>
       </p:par>
     </p:tnLst>
   </p:timing>
@@ -20763,14 +20733,14 @@
           </a:ln>
           <a:effectLst/>
           <a:extLst>
-            <a:ext uri="{909E8E84-426E-40dd-AFC4-6F175D3DCCD1}">
+            <a:ext uri="{909E8E84-426E-40DD-AFC4-6F175D3DCCD1}">
               <a14:hiddenFill xmlns:a14="http://schemas.microsoft.com/office/drawing/2010/main">
                 <a:solidFill>
                   <a:schemeClr val="accent1"/>
                 </a:solidFill>
               </a14:hiddenFill>
             </a:ext>
-            <a:ext uri="{91240B29-F687-4f45-9708-019B960494DF}">
+            <a:ext uri="{91240B29-F687-4F45-9708-019B960494DF}">
               <a14:hiddenLine xmlns:a14="http://schemas.microsoft.com/office/drawing/2010/main" w="9525">
                 <a:solidFill>
                   <a:schemeClr val="tx1"/>
@@ -20780,7 +20750,7 @@
                 <a:tailEnd/>
               </a14:hiddenLine>
             </a:ext>
-            <a:ext uri="{AF507438-7753-43e0-B8FC-AC1667EBCBE1}">
+            <a:ext uri="{AF507438-7753-43E0-B8FC-AC1667EBCBE1}">
               <a14:hiddenEffects xmlns:a14="http://schemas.microsoft.com/office/drawing/2010/main">
                 <a:effectLst>
                   <a:outerShdw blurRad="63500" dist="38099" dir="2700000" algn="ctr" rotWithShape="0">
@@ -20840,14 +20810,14 @@
           </a:ln>
           <a:effectLst/>
           <a:extLst>
-            <a:ext uri="{909E8E84-426E-40dd-AFC4-6F175D3DCCD1}">
+            <a:ext uri="{909E8E84-426E-40DD-AFC4-6F175D3DCCD1}">
               <a14:hiddenFill xmlns:a14="http://schemas.microsoft.com/office/drawing/2010/main">
                 <a:solidFill>
                   <a:schemeClr val="accent1"/>
                 </a:solidFill>
               </a14:hiddenFill>
             </a:ext>
-            <a:ext uri="{91240B29-F687-4f45-9708-019B960494DF}">
+            <a:ext uri="{91240B29-F687-4F45-9708-019B960494DF}">
               <a14:hiddenLine xmlns:a14="http://schemas.microsoft.com/office/drawing/2010/main" w="9525">
                 <a:solidFill>
                   <a:schemeClr val="tx1"/>
@@ -20857,7 +20827,7 @@
                 <a:tailEnd/>
               </a14:hiddenLine>
             </a:ext>
-            <a:ext uri="{AF507438-7753-43e0-B8FC-AC1667EBCBE1}">
+            <a:ext uri="{AF507438-7753-43E0-B8FC-AC1667EBCBE1}">
               <a14:hiddenEffects xmlns:a14="http://schemas.microsoft.com/office/drawing/2010/main">
                 <a:effectLst>
                   <a:outerShdw blurRad="63500" dist="38099" dir="2700000" algn="ctr" rotWithShape="0">
@@ -20986,14 +20956,14 @@
           </a:ln>
           <a:effectLst/>
           <a:extLst>
-            <a:ext uri="{909E8E84-426E-40dd-AFC4-6F175D3DCCD1}">
+            <a:ext uri="{909E8E84-426E-40DD-AFC4-6F175D3DCCD1}">
               <a14:hiddenFill xmlns:a14="http://schemas.microsoft.com/office/drawing/2010/main">
                 <a:solidFill>
                   <a:schemeClr val="accent1"/>
                 </a:solidFill>
               </a14:hiddenFill>
             </a:ext>
-            <a:ext uri="{91240B29-F687-4f45-9708-019B960494DF}">
+            <a:ext uri="{91240B29-F687-4F45-9708-019B960494DF}">
               <a14:hiddenLine xmlns:a14="http://schemas.microsoft.com/office/drawing/2010/main" w="9525">
                 <a:solidFill>
                   <a:schemeClr val="tx1"/>
@@ -21003,7 +20973,7 @@
                 <a:tailEnd/>
               </a14:hiddenLine>
             </a:ext>
-            <a:ext uri="{AF507438-7753-43e0-B8FC-AC1667EBCBE1}">
+            <a:ext uri="{AF507438-7753-43E0-B8FC-AC1667EBCBE1}">
               <a14:hiddenEffects xmlns:a14="http://schemas.microsoft.com/office/drawing/2010/main">
                 <a:effectLst>
                   <a:outerShdw blurRad="63500" dist="38099" dir="2700000" algn="ctr" rotWithShape="0">
@@ -21267,7 +21237,7 @@
             <a:tailEnd/>
           </a:ln>
           <a:extLst>
-            <a:ext uri="{909E8E84-426E-40dd-AFC4-6F175D3DCCD1}">
+            <a:ext uri="{909E8E84-426E-40DD-AFC4-6F175D3DCCD1}">
               <a14:hiddenFill xmlns:a14="http://schemas.microsoft.com/office/drawing/2010/main">
                 <a:solidFill>
                   <a:srgbClr val="FFFFFF"/>
@@ -21299,14 +21269,14 @@
           </a:ln>
           <a:effectLst/>
           <a:extLst>
-            <a:ext uri="{909E8E84-426E-40dd-AFC4-6F175D3DCCD1}">
+            <a:ext uri="{909E8E84-426E-40DD-AFC4-6F175D3DCCD1}">
               <a14:hiddenFill xmlns:a14="http://schemas.microsoft.com/office/drawing/2010/main">
                 <a:solidFill>
                   <a:schemeClr val="accent1"/>
                 </a:solidFill>
               </a14:hiddenFill>
             </a:ext>
-            <a:ext uri="{91240B29-F687-4f45-9708-019B960494DF}">
+            <a:ext uri="{91240B29-F687-4F45-9708-019B960494DF}">
               <a14:hiddenLine xmlns:a14="http://schemas.microsoft.com/office/drawing/2010/main" w="9525">
                 <a:solidFill>
                   <a:schemeClr val="tx1"/>
@@ -21316,7 +21286,7 @@
                 <a:tailEnd/>
               </a14:hiddenLine>
             </a:ext>
-            <a:ext uri="{AF507438-7753-43e0-B8FC-AC1667EBCBE1}">
+            <a:ext uri="{AF507438-7753-43E0-B8FC-AC1667EBCBE1}">
               <a14:hiddenEffects xmlns:a14="http://schemas.microsoft.com/office/drawing/2010/main">
                 <a:effectLst>
                   <a:outerShdw blurRad="63500" dist="38099" dir="2700000" algn="ctr" rotWithShape="0">
@@ -21451,14 +21421,14 @@
           </a:ln>
           <a:effectLst/>
           <a:extLst>
-            <a:ext uri="{909E8E84-426E-40dd-AFC4-6F175D3DCCD1}">
+            <a:ext uri="{909E8E84-426E-40DD-AFC4-6F175D3DCCD1}">
               <a14:hiddenFill xmlns:a14="http://schemas.microsoft.com/office/drawing/2010/main">
                 <a:solidFill>
                   <a:schemeClr val="accent1"/>
                 </a:solidFill>
               </a14:hiddenFill>
             </a:ext>
-            <a:ext uri="{91240B29-F687-4f45-9708-019B960494DF}">
+            <a:ext uri="{91240B29-F687-4F45-9708-019B960494DF}">
               <a14:hiddenLine xmlns:a14="http://schemas.microsoft.com/office/drawing/2010/main" w="9525">
                 <a:solidFill>
                   <a:schemeClr val="tx1"/>
@@ -21468,7 +21438,7 @@
                 <a:tailEnd/>
               </a14:hiddenLine>
             </a:ext>
-            <a:ext uri="{AF507438-7753-43e0-B8FC-AC1667EBCBE1}">
+            <a:ext uri="{AF507438-7753-43E0-B8FC-AC1667EBCBE1}">
               <a14:hiddenEffects xmlns:a14="http://schemas.microsoft.com/office/drawing/2010/main">
                 <a:effectLst>
                   <a:outerShdw blurRad="63500" dist="38099" dir="2700000" algn="ctr" rotWithShape="0">
@@ -21523,7 +21493,7 @@
   <p:timing>
     <p:tnLst>
       <p:par>
-        <p:cTn xmlns:p14="http://schemas.microsoft.com/office/powerpoint/2010/main" id="1" dur="indefinite" restart="never" nodeType="tmRoot"/>
+        <p:cTn id="1" dur="indefinite" restart="never" nodeType="tmRoot"/>
       </p:par>
     </p:tnLst>
   </p:timing>
@@ -21715,7 +21685,7 @@
   <p:timing>
     <p:tnLst>
       <p:par>
-        <p:cTn xmlns:p14="http://schemas.microsoft.com/office/powerpoint/2010/main" id="1" dur="indefinite" restart="never" nodeType="tmRoot"/>
+        <p:cTn id="1" dur="indefinite" restart="never" nodeType="tmRoot"/>
       </p:par>
     </p:tnLst>
   </p:timing>
@@ -21794,7 +21764,7 @@
   <p:timing>
     <p:tnLst>
       <p:par>
-        <p:cTn xmlns:p14="http://schemas.microsoft.com/office/powerpoint/2010/main" id="1" dur="indefinite" restart="never" nodeType="tmRoot"/>
+        <p:cTn id="1" dur="indefinite" restart="never" nodeType="tmRoot"/>
       </p:par>
     </p:tnLst>
   </p:timing>
@@ -21995,7 +21965,7 @@
   <p:timing>
     <p:tnLst>
       <p:par>
-        <p:cTn xmlns:p14="http://schemas.microsoft.com/office/powerpoint/2010/main" id="1" dur="indefinite" restart="never" nodeType="tmRoot"/>
+        <p:cTn id="1" dur="indefinite" restart="never" nodeType="tmRoot"/>
       </p:par>
     </p:tnLst>
   </p:timing>
@@ -22203,7 +22173,7 @@
   <p:timing>
     <p:tnLst>
       <p:par>
-        <p:cTn xmlns:p14="http://schemas.microsoft.com/office/powerpoint/2010/main" id="1" dur="indefinite" restart="never" nodeType="tmRoot"/>
+        <p:cTn id="1" dur="indefinite" restart="never" nodeType="tmRoot"/>
       </p:par>
     </p:tnLst>
   </p:timing>
@@ -22369,7 +22339,7 @@
   <p:timing>
     <p:tnLst>
       <p:par>
-        <p:cTn xmlns:p14="http://schemas.microsoft.com/office/powerpoint/2010/main" id="1" dur="indefinite" restart="never" nodeType="tmRoot"/>
+        <p:cTn id="1" dur="indefinite" restart="never" nodeType="tmRoot"/>
       </p:par>
     </p:tnLst>
   </p:timing>
@@ -22403,7 +22373,12 @@
             <p:ph type="title"/>
           </p:nvPr>
         </p:nvSpPr>
-        <p:spPr/>
+        <p:spPr>
+          <a:xfrm>
+            <a:off x="457200" y="274638"/>
+            <a:ext cx="8229600" cy="922114"/>
+          </a:xfrm>
+        </p:spPr>
         <p:txBody>
           <a:bodyPr>
             <a:normAutofit/>
@@ -22412,7 +22387,11 @@
           <a:p>
             <a:r>
               <a:rPr lang="en-US" sz="3600" dirty="0" smtClean="0"/>
-              <a:t>The Espoused Mindset Questionnaire</a:t>
+              <a:t>Mindset </a:t>
+            </a:r>
+            <a:r>
+              <a:rPr lang="en-US" sz="3600" dirty="0" smtClean="0"/>
+              <a:t>Questionnaire</a:t>
             </a:r>
             <a:endParaRPr lang="en-US" sz="3600" dirty="0"/>
           </a:p>
@@ -22447,49 +22426,87 @@
               <a:rPr lang="en-US" sz="1250" i="1" dirty="0" smtClean="0">
                 <a:latin typeface="+mn-lt"/>
               </a:rPr>
-              <a:t>Read each pair of statements. For each pair, tick the box which most accurately reflects the way you think.</a:t>
-            </a:r>
-          </a:p>
-          <a:p>
-            <a:pPr marL="0" indent="0">
-              <a:buNone/>
-            </a:pPr>
+              <a:t>Read </a:t>
+            </a:r>
             <a:r>
               <a:rPr lang="en-US" sz="1250" i="1" dirty="0" smtClean="0">
                 <a:latin typeface="+mn-lt"/>
               </a:rPr>
-              <a:t>For instance, t</a:t>
+              <a:t>each pair of </a:t>
             </a:r>
             <a:r>
               <a:rPr lang="en-US" sz="1250" i="1" dirty="0" smtClean="0">
                 <a:latin typeface="+mn-lt"/>
               </a:rPr>
-              <a:t>ick </a:t>
+              <a:t>statements in a row. </a:t>
             </a:r>
             <a:r>
               <a:rPr lang="en-US" sz="1250" i="1" dirty="0" smtClean="0">
                 <a:latin typeface="+mn-lt"/>
               </a:rPr>
-              <a:t>"1" if you fully agree with the statement on the </a:t>
+              <a:t>For each pair, tick the box which most </a:t>
             </a:r>
             <a:r>
               <a:rPr lang="en-US" sz="1250" i="1" dirty="0" smtClean="0">
                 <a:latin typeface="+mn-lt"/>
               </a:rPr>
-              <a:t>left or tick </a:t>
+              <a:t>closely </a:t>
             </a:r>
             <a:r>
               <a:rPr lang="en-US" sz="1250" i="1" dirty="0" smtClean="0">
                 <a:latin typeface="+mn-lt"/>
               </a:rPr>
-              <a:t>"4" if you fully agree with the statement on the </a:t>
-            </a:r>
+              <a:t>represents your views</a:t>
+            </a:r>
+            <a:endParaRPr lang="en-US" sz="1250" i="1" dirty="0" smtClean="0">
+              <a:latin typeface="+mn-lt"/>
+            </a:endParaRPr>
+          </a:p>
+          <a:p>
+            <a:pPr marL="0" indent="0">
+              <a:buNone/>
+            </a:pPr>
             <a:r>
               <a:rPr lang="en-US" sz="1250" i="1" dirty="0" smtClean="0">
                 <a:latin typeface="+mn-lt"/>
               </a:rPr>
-              <a:t>right.</a:t>
-            </a:r>
+              <a:t>For </a:t>
+            </a:r>
+            <a:r>
+              <a:rPr lang="en-US" sz="1250" i="1" dirty="0" smtClean="0">
+                <a:latin typeface="+mn-lt"/>
+              </a:rPr>
+              <a:t>instance, tick "1" if you fully agree with the statement on the left or tick "4" if you fully agree with the statement on the right</a:t>
+            </a:r>
+            <a:r>
+              <a:rPr lang="en-US" sz="1250" i="1" dirty="0" smtClean="0">
+                <a:latin typeface="+mn-lt"/>
+              </a:rPr>
+              <a:t>.</a:t>
+            </a:r>
+          </a:p>
+          <a:p>
+            <a:pPr marL="0" indent="0">
+              <a:buNone/>
+            </a:pPr>
+            <a:r>
+              <a:rPr lang="en-US" sz="1250" i="1" dirty="0"/>
+              <a:t>Find a neighbor, introduce yourself, </a:t>
+            </a:r>
+            <a:r>
+              <a:rPr lang="en-US" sz="1250" i="1" dirty="0" smtClean="0"/>
+              <a:t>and talk with them about </a:t>
+            </a:r>
+            <a:r>
+              <a:rPr lang="en-US" sz="1250" i="1" smtClean="0"/>
+              <a:t>your choices.</a:t>
+            </a:r>
+            <a:endParaRPr lang="en-US" sz="1250" i="1" dirty="0"/>
+          </a:p>
+          <a:p>
+            <a:pPr marL="0" indent="0">
+              <a:buNone/>
+            </a:pPr>
             <a:endParaRPr lang="en-US" sz="1250" i="1" dirty="0">
               <a:latin typeface="+mn-lt"/>
             </a:endParaRPr>
@@ -23646,7 +23663,7 @@
   <p:timing>
     <p:tnLst>
       <p:par>
-        <p:cTn xmlns:p14="http://schemas.microsoft.com/office/powerpoint/2010/main" id="1" dur="indefinite" restart="never" nodeType="tmRoot"/>
+        <p:cTn id="1" dur="indefinite" restart="never" nodeType="tmRoot"/>
       </p:par>
     </p:tnLst>
   </p:timing>
@@ -24014,7 +24031,7 @@
   <p:timing>
     <p:tnLst>
       <p:par>
-        <p:cTn xmlns:p14="http://schemas.microsoft.com/office/powerpoint/2010/main" id="1" dur="indefinite" restart="never" nodeType="tmRoot"/>
+        <p:cTn id="1" dur="indefinite" restart="never" nodeType="tmRoot"/>
       </p:par>
     </p:tnLst>
   </p:timing>
@@ -24122,7 +24139,7 @@
   <p:timing>
     <p:tnLst>
       <p:par>
-        <p:cTn xmlns:p14="http://schemas.microsoft.com/office/powerpoint/2010/main" id="1" dur="indefinite" restart="never" nodeType="tmRoot"/>
+        <p:cTn id="1" dur="indefinite" restart="never" nodeType="tmRoot"/>
       </p:par>
     </p:tnLst>
   </p:timing>
@@ -24239,7 +24256,7 @@
   <p:timing>
     <p:tnLst>
       <p:par>
-        <p:cTn xmlns:p14="http://schemas.microsoft.com/office/powerpoint/2010/main" id="1" dur="indefinite" restart="never" nodeType="tmRoot"/>
+        <p:cTn id="1" dur="indefinite" restart="never" nodeType="tmRoot"/>
       </p:par>
     </p:tnLst>
   </p:timing>
@@ -24333,7 +24350,7 @@
   <p:timing>
     <p:tnLst>
       <p:par>
-        <p:cTn xmlns:p14="http://schemas.microsoft.com/office/powerpoint/2010/main" id="1" dur="indefinite" restart="never" nodeType="tmRoot"/>
+        <p:cTn id="1" dur="indefinite" restart="never" nodeType="tmRoot"/>
       </p:par>
     </p:tnLst>
   </p:timing>

--- a/The Fellowship of the Ring.pptx
+++ b/The Fellowship of the Ring.pptx
@@ -43,7 +43,7 @@
     <p:sldId id="286" r:id="rId34"/>
   </p:sldIdLst>
   <p:sldSz cx="9144000" cy="6858000" type="screen4x3"/>
-  <p:notesSz cx="6819900" cy="9918700"/>
+  <p:notesSz cx="7099300" cy="10234613"/>
   <p:defaultTextStyle>
     <a:defPPr>
       <a:defRPr lang="en-US"/>
@@ -177,14 +177,14 @@
         <p:spPr>
           <a:xfrm>
             <a:off x="0" y="1"/>
-            <a:ext cx="2955290" cy="495935"/>
+            <a:ext cx="3076363" cy="511731"/>
           </a:xfrm>
           <a:prstGeom prst="rect">
             <a:avLst/>
           </a:prstGeom>
         </p:spPr>
         <p:txBody>
-          <a:bodyPr vert="horz" lIns="91440" tIns="45720" rIns="91440" bIns="45720" rtlCol="0"/>
+          <a:bodyPr vert="horz" lIns="94686" tIns="47343" rIns="94686" bIns="47343" rtlCol="0"/>
           <a:lstStyle>
             <a:lvl1pPr algn="l">
               <a:defRPr sz="1200"/>
@@ -207,15 +207,15 @@
         </p:nvSpPr>
         <p:spPr>
           <a:xfrm>
-            <a:off x="3863032" y="1"/>
-            <a:ext cx="2955290" cy="495935"/>
+            <a:off x="4021294" y="1"/>
+            <a:ext cx="3076363" cy="511731"/>
           </a:xfrm>
           <a:prstGeom prst="rect">
             <a:avLst/>
           </a:prstGeom>
         </p:spPr>
         <p:txBody>
-          <a:bodyPr vert="horz" lIns="91440" tIns="45720" rIns="91440" bIns="45720" rtlCol="0"/>
+          <a:bodyPr vert="horz" lIns="94686" tIns="47343" rIns="94686" bIns="47343" rtlCol="0"/>
           <a:lstStyle>
             <a:lvl1pPr algn="r">
               <a:defRPr sz="1200"/>
@@ -242,8 +242,8 @@
         </p:nvSpPr>
         <p:spPr>
           <a:xfrm>
-            <a:off x="931863" y="742950"/>
-            <a:ext cx="4957762" cy="3719513"/>
+            <a:off x="990600" y="766763"/>
+            <a:ext cx="5119688" cy="3838575"/>
           </a:xfrm>
           <a:prstGeom prst="rect">
             <a:avLst/>
@@ -256,7 +256,7 @@
           </a:ln>
         </p:spPr>
         <p:txBody>
-          <a:bodyPr vert="horz" lIns="91440" tIns="45720" rIns="91440" bIns="45720" rtlCol="0" anchor="ctr"/>
+          <a:bodyPr vert="horz" lIns="94686" tIns="47343" rIns="94686" bIns="47343" rtlCol="0" anchor="ctr"/>
           <a:lstStyle/>
           <a:p>
             <a:endParaRPr lang="en-GB" dirty="0"/>
@@ -275,15 +275,15 @@
         </p:nvSpPr>
         <p:spPr>
           <a:xfrm>
-            <a:off x="681990" y="4711383"/>
-            <a:ext cx="5455920" cy="4463415"/>
+            <a:off x="709930" y="4861442"/>
+            <a:ext cx="5679440" cy="4605576"/>
           </a:xfrm>
           <a:prstGeom prst="rect">
             <a:avLst/>
           </a:prstGeom>
         </p:spPr>
         <p:txBody>
-          <a:bodyPr vert="horz" lIns="91440" tIns="45720" rIns="91440" bIns="45720" rtlCol="0"/>
+          <a:bodyPr vert="horz" lIns="94686" tIns="47343" rIns="94686" bIns="47343" rtlCol="0"/>
           <a:lstStyle/>
           <a:p>
             <a:pPr lvl="0"/>
@@ -335,15 +335,15 @@
         </p:nvSpPr>
         <p:spPr>
           <a:xfrm>
-            <a:off x="0" y="9421045"/>
-            <a:ext cx="2955290" cy="495935"/>
+            <a:off x="0" y="9721108"/>
+            <a:ext cx="3076363" cy="511731"/>
           </a:xfrm>
           <a:prstGeom prst="rect">
             <a:avLst/>
           </a:prstGeom>
         </p:spPr>
         <p:txBody>
-          <a:bodyPr vert="horz" lIns="91440" tIns="45720" rIns="91440" bIns="45720" rtlCol="0" anchor="b"/>
+          <a:bodyPr vert="horz" lIns="94686" tIns="47343" rIns="94686" bIns="47343" rtlCol="0" anchor="b"/>
           <a:lstStyle>
             <a:lvl1pPr algn="l">
               <a:defRPr sz="1200"/>
@@ -366,15 +366,15 @@
         </p:nvSpPr>
         <p:spPr>
           <a:xfrm>
-            <a:off x="3863032" y="9421045"/>
-            <a:ext cx="2955290" cy="495935"/>
+            <a:off x="4021294" y="9721108"/>
+            <a:ext cx="3076363" cy="511731"/>
           </a:xfrm>
           <a:prstGeom prst="rect">
             <a:avLst/>
           </a:prstGeom>
         </p:spPr>
         <p:txBody>
-          <a:bodyPr vert="horz" lIns="91440" tIns="45720" rIns="91440" bIns="45720" rtlCol="0" anchor="b"/>
+          <a:bodyPr vert="horz" lIns="94686" tIns="47343" rIns="94686" bIns="47343" rtlCol="0" anchor="b"/>
           <a:lstStyle>
             <a:lvl1pPr algn="r">
               <a:defRPr sz="1200"/>
@@ -895,21 +895,7 @@
           <a:bodyPr/>
           <a:lstStyle/>
           <a:p>
-            <a:pPr marL="0" marR="0" indent="0" algn="l" defTabSz="914400" rtl="0" eaLnBrk="1" fontAlgn="auto" latinLnBrk="0" hangingPunct="1">
-              <a:lnSpc>
-                <a:spcPct val="100000"/>
-              </a:lnSpc>
-              <a:spcBef>
-                <a:spcPts val="0"/>
-              </a:spcBef>
-              <a:spcAft>
-                <a:spcPts val="0"/>
-              </a:spcAft>
-              <a:buClrTx/>
-              <a:buSzTx/>
-              <a:buFontTx/>
-              <a:buNone/>
-              <a:tabLst/>
+            <a:pPr defTabSz="946861">
               <a:defRPr/>
             </a:pPr>
             <a:r>
@@ -943,21 +929,7 @@
             </a:r>
           </a:p>
           <a:p>
-            <a:pPr marL="0" marR="0" indent="0" algn="l" defTabSz="914400" rtl="0" eaLnBrk="1" fontAlgn="auto" latinLnBrk="0" hangingPunct="1">
-              <a:lnSpc>
-                <a:spcPct val="100000"/>
-              </a:lnSpc>
-              <a:spcBef>
-                <a:spcPts val="0"/>
-              </a:spcBef>
-              <a:spcAft>
-                <a:spcPts val="0"/>
-              </a:spcAft>
-              <a:buClrTx/>
-              <a:buSzTx/>
-              <a:buFontTx/>
-              <a:buNone/>
-              <a:tabLst/>
+            <a:pPr defTabSz="946861">
               <a:defRPr/>
             </a:pPr>
             <a:r>
@@ -1305,712 +1277,404 @@
           <a:bodyPr/>
           <a:lstStyle/>
           <a:p>
-            <a:pPr marL="0" marR="0" indent="0" algn="l" defTabSz="457200" rtl="0" eaLnBrk="1" fontAlgn="auto" latinLnBrk="0" hangingPunct="1">
-              <a:lnSpc>
-                <a:spcPct val="100000"/>
-              </a:lnSpc>
-              <a:spcBef>
-                <a:spcPts val="0"/>
-              </a:spcBef>
-              <a:spcAft>
-                <a:spcPts val="0"/>
-              </a:spcAft>
-              <a:buClrTx/>
-              <a:buSzTx/>
-              <a:buFontTx/>
-              <a:buNone/>
-              <a:tabLst/>
+            <a:pPr defTabSz="473431">
               <a:defRPr/>
             </a:pPr>
             <a:r>
-              <a:rPr lang="en-US" sz="1000" i="0" baseline="0" dirty="0" smtClean="0"/>
+              <a:rPr lang="en-US" sz="1000" dirty="0"/>
               <a:t>Hypothesis can be proven by comparing expected results from Virtual Cycle of Mutual Learning.</a:t>
             </a:r>
           </a:p>
           <a:p>
-            <a:pPr marL="0" marR="0" indent="0" algn="l" defTabSz="457200" rtl="0" eaLnBrk="1" fontAlgn="auto" latinLnBrk="0" hangingPunct="1">
-              <a:lnSpc>
-                <a:spcPct val="100000"/>
-              </a:lnSpc>
-              <a:spcBef>
-                <a:spcPts val="0"/>
-              </a:spcBef>
-              <a:spcAft>
-                <a:spcPts val="0"/>
-              </a:spcAft>
-              <a:buClrTx/>
-              <a:buSzTx/>
-              <a:buFontTx/>
-              <a:buNone/>
-              <a:tabLst/>
+            <a:pPr defTabSz="473431">
               <a:defRPr/>
             </a:pPr>
-            <a:endParaRPr lang="en-US" sz="1000" i="0" baseline="0" dirty="0" smtClean="0"/>
-          </a:p>
-          <a:p>
-            <a:r>
-              <a:rPr lang="en-US" sz="1000" baseline="0" dirty="0" smtClean="0"/>
+            <a:endParaRPr lang="en-US" sz="1000" dirty="0"/>
+          </a:p>
+          <a:p>
+            <a:r>
+              <a:rPr lang="en-US" sz="1000" dirty="0"/>
               <a:t>About the Mutual Learning Scale:</a:t>
             </a:r>
           </a:p>
           <a:p>
-            <a:pPr marL="171450" indent="-171450">
+            <a:pPr marL="177536" indent="-177536">
               <a:buFont typeface="Arial"/>
               <a:buChar char="•"/>
             </a:pPr>
             <a:r>
-              <a:rPr lang="en-US" sz="1000" baseline="0" dirty="0" smtClean="0"/>
+              <a:rPr lang="en-US" sz="1000" dirty="0"/>
               <a:t>The first 5 statements are the assumptions from Chris Argyris’s Mutual Learning Mindset</a:t>
             </a:r>
           </a:p>
           <a:p>
-            <a:pPr marL="171450" indent="-171450">
+            <a:pPr marL="177536" indent="-177536">
               <a:buFont typeface="Arial"/>
               <a:buChar char="•"/>
             </a:pPr>
             <a:r>
-              <a:rPr lang="en-US" sz="1000" baseline="0" dirty="0" smtClean="0"/>
+              <a:rPr lang="en-US" sz="1000" dirty="0"/>
               <a:t>The next 8 statements are the behaviours from Schwarz.</a:t>
             </a:r>
           </a:p>
           <a:p>
-            <a:pPr marL="171450" indent="-171450">
+            <a:pPr marL="177536" indent="-177536">
               <a:buFont typeface="Arial"/>
               <a:buChar char="•"/>
             </a:pPr>
-            <a:endParaRPr lang="en-US" sz="1000" baseline="0" dirty="0" smtClean="0"/>
-          </a:p>
-          <a:p>
-            <a:pPr marL="0" indent="0">
-              <a:buFont typeface="Arial"/>
-              <a:buNone/>
-            </a:pPr>
-            <a:r>
-              <a:rPr lang="en-US" sz="1000" baseline="0" dirty="0" smtClean="0"/>
+            <a:endParaRPr lang="en-US" sz="1000" dirty="0"/>
+          </a:p>
+          <a:p>
+            <a:r>
+              <a:rPr lang="en-US" sz="1000" dirty="0"/>
               <a:t>How does the scoring work?</a:t>
             </a:r>
           </a:p>
           <a:p>
-            <a:pPr marL="0" indent="0">
-              <a:buFont typeface="Arial"/>
-              <a:buNone/>
-            </a:pPr>
-            <a:endParaRPr lang="en-US" sz="1000" baseline="0" dirty="0" smtClean="0"/>
-          </a:p>
-          <a:p>
-            <a:pPr marL="0" indent="0">
-              <a:buFont typeface="Arial"/>
-              <a:buNone/>
-            </a:pPr>
-            <a:r>
-              <a:rPr lang="en-US" sz="1000" baseline="0" dirty="0" smtClean="0"/>
+            <a:endParaRPr lang="en-US" sz="1000" dirty="0"/>
+          </a:p>
+          <a:p>
+            <a:r>
+              <a:rPr lang="en-US" sz="1000" dirty="0"/>
               <a:t>Score for mindset range from:</a:t>
             </a:r>
           </a:p>
           <a:p>
-            <a:pPr marL="171450" indent="-171450">
+            <a:pPr marL="177536" indent="-177536">
               <a:buFont typeface="Arial"/>
               <a:buChar char="•"/>
             </a:pPr>
             <a:r>
-              <a:rPr lang="en-US" sz="1000" baseline="0" dirty="0" smtClean="0"/>
+              <a:rPr lang="en-US" sz="1000" dirty="0"/>
               <a:t>5 = Don’t apply values</a:t>
             </a:r>
           </a:p>
           <a:p>
-            <a:pPr marL="171450" indent="-171450">
+            <a:pPr marL="177536" indent="-177536">
               <a:buFont typeface="Arial"/>
               <a:buChar char="•"/>
             </a:pPr>
             <a:r>
-              <a:rPr lang="en-US" sz="1000" baseline="0" dirty="0" smtClean="0"/>
+              <a:rPr lang="en-US" sz="1000" dirty="0"/>
               <a:t>10 = Rarely apply values</a:t>
             </a:r>
           </a:p>
           <a:p>
-            <a:pPr marL="171450" indent="-171450">
+            <a:pPr marL="177536" indent="-177536">
               <a:buFont typeface="Arial"/>
               <a:buChar char="•"/>
             </a:pPr>
             <a:r>
-              <a:rPr lang="en-US" sz="1000" baseline="0" dirty="0" smtClean="0"/>
+              <a:rPr lang="en-US" sz="1000" dirty="0"/>
               <a:t>15 = Mostly apply values</a:t>
             </a:r>
           </a:p>
           <a:p>
-            <a:pPr marL="171450" indent="-171450">
+            <a:pPr marL="177536" indent="-177536">
               <a:buFont typeface="Arial"/>
               <a:buChar char="•"/>
             </a:pPr>
             <a:r>
-              <a:rPr lang="en-US" sz="1000" baseline="0" dirty="0" smtClean="0"/>
+              <a:rPr lang="en-US" sz="1000" dirty="0"/>
               <a:t>20 = Always apply values</a:t>
             </a:r>
           </a:p>
           <a:p>
-            <a:pPr marL="0" indent="0">
-              <a:buFont typeface="Arial"/>
-              <a:buNone/>
-            </a:pPr>
-            <a:endParaRPr lang="en-US" sz="1000" baseline="0" dirty="0" smtClean="0"/>
-          </a:p>
-          <a:p>
-            <a:pPr marL="0" indent="0">
-              <a:buFont typeface="Arial"/>
-              <a:buNone/>
-            </a:pPr>
-            <a:r>
-              <a:rPr lang="en-US" sz="1000" baseline="0" dirty="0" smtClean="0"/>
+            <a:endParaRPr lang="en-US" sz="1000" dirty="0"/>
+          </a:p>
+          <a:p>
+            <a:r>
+              <a:rPr lang="en-US" sz="1000" dirty="0"/>
               <a:t>Score for behaviours range from:</a:t>
             </a:r>
           </a:p>
           <a:p>
-            <a:pPr marL="0" indent="0">
-              <a:buFont typeface="Arial"/>
-              <a:buNone/>
-            </a:pPr>
-            <a:r>
-              <a:rPr lang="en-US" sz="1000" baseline="0" dirty="0" smtClean="0"/>
+            <a:r>
+              <a:rPr lang="en-US" sz="1000" dirty="0"/>
               <a:t>8 = Don’t apply behaviours</a:t>
             </a:r>
           </a:p>
           <a:p>
-            <a:pPr marL="0" indent="0">
-              <a:buFont typeface="Arial"/>
-              <a:buNone/>
-            </a:pPr>
-            <a:r>
-              <a:rPr lang="en-US" sz="1000" baseline="0" dirty="0" smtClean="0"/>
+            <a:r>
+              <a:rPr lang="en-US" sz="1000" dirty="0"/>
               <a:t>16 = Rarely apply behaviours</a:t>
             </a:r>
           </a:p>
           <a:p>
-            <a:pPr marL="0" indent="0">
-              <a:buFont typeface="Arial"/>
-              <a:buNone/>
-            </a:pPr>
-            <a:r>
-              <a:rPr lang="en-US" sz="1000" baseline="0" dirty="0" smtClean="0"/>
+            <a:r>
+              <a:rPr lang="en-US" sz="1000" dirty="0"/>
               <a:t>24 = Mostly apply behaviours</a:t>
             </a:r>
           </a:p>
           <a:p>
-            <a:pPr marL="0" indent="0">
-              <a:buFont typeface="Arial"/>
-              <a:buNone/>
-            </a:pPr>
-            <a:r>
-              <a:rPr lang="en-US" sz="1000" baseline="0" dirty="0" smtClean="0"/>
+            <a:r>
+              <a:rPr lang="en-US" sz="1000" dirty="0"/>
               <a:t>32 = Always apply behaviours</a:t>
             </a:r>
           </a:p>
           <a:p>
-            <a:pPr marL="0" indent="0">
-              <a:buFont typeface="Arial"/>
-              <a:buNone/>
-            </a:pPr>
-            <a:r>
-              <a:rPr lang="en-US" sz="1000" baseline="0" dirty="0" smtClean="0"/>
+            <a:r>
+              <a:rPr lang="en-US" sz="1000" dirty="0"/>
               <a:t> </a:t>
             </a:r>
           </a:p>
           <a:p>
-            <a:pPr marL="0" indent="0">
-              <a:buFont typeface="Arial"/>
-              <a:buNone/>
-            </a:pPr>
-            <a:r>
-              <a:rPr lang="en-US" sz="1000" baseline="0" dirty="0" smtClean="0"/>
+            <a:r>
+              <a:rPr lang="en-US" sz="1000" dirty="0"/>
               <a:t>Maximum congruence scores:</a:t>
             </a:r>
           </a:p>
           <a:p>
-            <a:pPr marL="0" indent="0">
-              <a:buFont typeface="Arial"/>
-              <a:buNone/>
-            </a:pPr>
-            <a:r>
-              <a:rPr lang="en-US" sz="1000" baseline="0" dirty="0" smtClean="0"/>
+            <a:r>
+              <a:rPr lang="en-US" sz="1000" dirty="0"/>
               <a:t>13 = 100% UC</a:t>
             </a:r>
           </a:p>
           <a:p>
-            <a:pPr marL="0" indent="0">
-              <a:buFont typeface="Arial"/>
-              <a:buNone/>
-            </a:pPr>
-            <a:r>
-              <a:rPr lang="en-US" sz="1000" baseline="0" dirty="0" smtClean="0"/>
+            <a:r>
+              <a:rPr lang="en-US" sz="1000" dirty="0"/>
               <a:t>26 = Mostly UC</a:t>
             </a:r>
           </a:p>
           <a:p>
-            <a:pPr marL="0" indent="0">
-              <a:buFont typeface="Arial"/>
-              <a:buNone/>
-            </a:pPr>
-            <a:r>
-              <a:rPr lang="en-US" sz="1000" baseline="0" dirty="0" smtClean="0"/>
+            <a:r>
+              <a:rPr lang="en-US" sz="1000" dirty="0"/>
               <a:t>39 = Mostly ML</a:t>
             </a:r>
           </a:p>
           <a:p>
-            <a:pPr marL="0" indent="0">
-              <a:buFont typeface="Arial"/>
-              <a:buNone/>
-            </a:pPr>
-            <a:r>
-              <a:rPr lang="en-US" sz="1000" baseline="0" dirty="0" smtClean="0"/>
+            <a:r>
+              <a:rPr lang="en-US" sz="1000" dirty="0"/>
               <a:t>52 = 100% ML</a:t>
             </a:r>
           </a:p>
           <a:p>
-            <a:pPr marL="0" marR="0" indent="0" algn="l" defTabSz="457200" rtl="0" eaLnBrk="1" fontAlgn="auto" latinLnBrk="0" hangingPunct="1">
-              <a:lnSpc>
-                <a:spcPct val="100000"/>
-              </a:lnSpc>
-              <a:spcBef>
-                <a:spcPts val="0"/>
-              </a:spcBef>
-              <a:spcAft>
-                <a:spcPts val="0"/>
-              </a:spcAft>
-              <a:buClrTx/>
-              <a:buSzTx/>
-              <a:buFontTx/>
-              <a:buNone/>
-              <a:tabLst/>
+            <a:pPr defTabSz="473431">
               <a:defRPr/>
             </a:pPr>
-            <a:endParaRPr lang="en-US" sz="1000" i="0" baseline="0" dirty="0" smtClean="0"/>
-          </a:p>
-          <a:p>
-            <a:pPr marL="0" marR="0" indent="0" algn="l" defTabSz="457200" rtl="0" eaLnBrk="1" fontAlgn="auto" latinLnBrk="0" hangingPunct="1">
-              <a:lnSpc>
-                <a:spcPct val="100000"/>
-              </a:lnSpc>
-              <a:spcBef>
-                <a:spcPts val="0"/>
-              </a:spcBef>
-              <a:spcAft>
-                <a:spcPts val="0"/>
-              </a:spcAft>
-              <a:buClrTx/>
-              <a:buSzTx/>
-              <a:buFontTx/>
-              <a:buNone/>
-              <a:tabLst/>
+            <a:endParaRPr lang="en-US" sz="1000" dirty="0"/>
+          </a:p>
+          <a:p>
+            <a:pPr defTabSz="473431">
               <a:defRPr/>
             </a:pPr>
             <a:r>
-              <a:rPr lang="en-US" sz="1000" i="0" baseline="0" dirty="0" smtClean="0"/>
+              <a:rPr lang="en-US" sz="1000" dirty="0"/>
               <a:t>So how did you score on the Mutual Learning Scale?</a:t>
             </a:r>
           </a:p>
           <a:p>
-            <a:endParaRPr lang="en-US" sz="1000" i="0" dirty="0" smtClean="0"/>
-          </a:p>
-          <a:p>
-            <a:r>
-              <a:rPr lang="en-US" sz="1000" i="0" dirty="0" smtClean="0"/>
-              <a:t>If you scored a total of 52 points, stand up. This is</a:t>
-            </a:r>
-            <a:r>
-              <a:rPr lang="en-US" sz="1000" i="0" baseline="0" dirty="0" smtClean="0"/>
-              <a:t> the highest possible score on the scale and means you’re congruent in your espoused theory and theory in practice.</a:t>
-            </a:r>
-          </a:p>
-          <a:p>
-            <a:pPr marL="0" marR="0" indent="0" algn="l" defTabSz="457200" rtl="0" eaLnBrk="1" fontAlgn="auto" latinLnBrk="0" hangingPunct="1">
-              <a:lnSpc>
-                <a:spcPct val="100000"/>
-              </a:lnSpc>
-              <a:spcBef>
-                <a:spcPts val="0"/>
-              </a:spcBef>
-              <a:spcAft>
-                <a:spcPts val="0"/>
-              </a:spcAft>
-              <a:buClrTx/>
-              <a:buSzTx/>
-              <a:buFontTx/>
-              <a:buNone/>
-              <a:tabLst/>
+            <a:endParaRPr lang="en-US" sz="1000" dirty="0"/>
+          </a:p>
+          <a:p>
+            <a:r>
+              <a:rPr lang="en-US" sz="1000" dirty="0"/>
+              <a:t>If you scored a total of 52 points, stand up. This is the highest possible score on the scale and means you’re congruent in your espoused theory and theory in practice.</a:t>
+            </a:r>
+          </a:p>
+          <a:p>
+            <a:pPr defTabSz="473431">
               <a:defRPr/>
             </a:pPr>
             <a:r>
-              <a:rPr lang="en-US" sz="1000" i="0" baseline="0" dirty="0" smtClean="0"/>
+              <a:rPr lang="en-US" sz="1000" dirty="0"/>
               <a:t>You believe in your ML talk AND you talk the talk and walk the walk all the time.</a:t>
             </a:r>
           </a:p>
           <a:p>
-            <a:pPr marL="0" marR="0" indent="0" algn="l" defTabSz="457200" rtl="0" eaLnBrk="1" fontAlgn="auto" latinLnBrk="0" hangingPunct="1">
-              <a:lnSpc>
-                <a:spcPct val="100000"/>
-              </a:lnSpc>
-              <a:spcBef>
-                <a:spcPts val="0"/>
-              </a:spcBef>
-              <a:spcAft>
-                <a:spcPts val="0"/>
-              </a:spcAft>
-              <a:buClrTx/>
-              <a:buSzTx/>
-              <a:buFontTx/>
-              <a:buNone/>
-              <a:tabLst/>
+            <a:pPr defTabSz="473431">
               <a:defRPr/>
             </a:pPr>
-            <a:endParaRPr lang="en-US" sz="1000" i="0" baseline="0" dirty="0" smtClean="0"/>
-          </a:p>
-          <a:p>
-            <a:pPr marL="0" marR="0" indent="0" algn="l" defTabSz="457200" rtl="0" eaLnBrk="1" fontAlgn="auto" latinLnBrk="0" hangingPunct="1">
-              <a:lnSpc>
-                <a:spcPct val="100000"/>
-              </a:lnSpc>
-              <a:spcBef>
-                <a:spcPts val="0"/>
-              </a:spcBef>
-              <a:spcAft>
-                <a:spcPts val="0"/>
-              </a:spcAft>
-              <a:buClrTx/>
-              <a:buSzTx/>
-              <a:buFontTx/>
-              <a:buNone/>
-              <a:tabLst/>
+            <a:endParaRPr lang="en-US" sz="1000" dirty="0"/>
+          </a:p>
+          <a:p>
+            <a:pPr defTabSz="473431">
               <a:defRPr/>
             </a:pPr>
             <a:r>
-              <a:rPr lang="en-US" sz="1000" i="0" baseline="0" dirty="0" smtClean="0"/>
+              <a:rPr lang="en-US" sz="1000" dirty="0"/>
               <a:t>Let’s drill down into the significance of more results by looking at time in pairs: mindset and behaviours.</a:t>
             </a:r>
           </a:p>
           <a:p>
-            <a:pPr marL="0" marR="0" indent="0" algn="l" defTabSz="457200" rtl="0" eaLnBrk="1" fontAlgn="auto" latinLnBrk="0" hangingPunct="1">
-              <a:lnSpc>
-                <a:spcPct val="100000"/>
-              </a:lnSpc>
-              <a:spcBef>
-                <a:spcPts val="0"/>
-              </a:spcBef>
-              <a:spcAft>
-                <a:spcPts val="0"/>
-              </a:spcAft>
-              <a:buClrTx/>
-              <a:buSzTx/>
-              <a:buFontTx/>
-              <a:buNone/>
-              <a:tabLst/>
+            <a:pPr defTabSz="473431">
               <a:defRPr/>
             </a:pPr>
             <a:r>
-              <a:rPr lang="en-US" sz="1000" i="0" baseline="0" dirty="0" smtClean="0"/>
+              <a:rPr lang="en-US" sz="1000" dirty="0"/>
               <a:t>On the one hand, if you scored 20 points for questions 1-5, you score yourself maximum on ML mindset and:</a:t>
             </a:r>
           </a:p>
           <a:p>
-            <a:pPr marL="171450" marR="0" indent="-171450" algn="l" defTabSz="457200" rtl="0" eaLnBrk="1" fontAlgn="auto" latinLnBrk="0" hangingPunct="1">
-              <a:lnSpc>
-                <a:spcPct val="100000"/>
-              </a:lnSpc>
-              <a:spcBef>
-                <a:spcPts val="0"/>
-              </a:spcBef>
-              <a:spcAft>
-                <a:spcPts val="0"/>
-              </a:spcAft>
-              <a:buClrTx/>
-              <a:buSzTx/>
+            <a:pPr marL="177536" indent="-177536" defTabSz="473431">
               <a:buFont typeface="Arial"/>
               <a:buChar char="•"/>
-              <a:tabLst/>
               <a:defRPr/>
             </a:pPr>
             <a:r>
-              <a:rPr lang="en-US" sz="1000" i="0" baseline="0" dirty="0" smtClean="0"/>
+              <a:rPr lang="en-US" sz="1000" dirty="0"/>
               <a:t>For questions 6-13:</a:t>
             </a:r>
           </a:p>
           <a:p>
-            <a:pPr marL="628650" marR="0" lvl="1" indent="-171450" algn="l" defTabSz="457200" rtl="0" eaLnBrk="1" fontAlgn="auto" latinLnBrk="0" hangingPunct="1">
-              <a:lnSpc>
-                <a:spcPct val="100000"/>
-              </a:lnSpc>
-              <a:spcBef>
-                <a:spcPts val="0"/>
-              </a:spcBef>
-              <a:spcAft>
-                <a:spcPts val="0"/>
-              </a:spcAft>
-              <a:buClrTx/>
-              <a:buSzTx/>
+            <a:pPr marL="650967" lvl="1" indent="-177536" defTabSz="473431">
               <a:buFont typeface="Arial"/>
               <a:buChar char="•"/>
-              <a:tabLst/>
               <a:defRPr/>
             </a:pPr>
             <a:r>
-              <a:rPr lang="en-US" sz="1000" i="0" baseline="0" dirty="0" smtClean="0"/>
+              <a:rPr lang="en-US" sz="1000" dirty="0"/>
               <a:t>If you scored 24 or higher, this means your preference is mostly ML. You believe in your ML talk AND you can talk the talk and do walk the walk most of the time.</a:t>
             </a:r>
           </a:p>
           <a:p>
-            <a:pPr marL="628650" marR="0" lvl="1" indent="-171450" algn="l" defTabSz="457200" rtl="0" eaLnBrk="1" fontAlgn="auto" latinLnBrk="0" hangingPunct="1">
-              <a:lnSpc>
-                <a:spcPct val="100000"/>
-              </a:lnSpc>
-              <a:spcBef>
-                <a:spcPts val="0"/>
-              </a:spcBef>
-              <a:spcAft>
-                <a:spcPts val="0"/>
-              </a:spcAft>
-              <a:buClrTx/>
-              <a:buSzTx/>
+            <a:pPr marL="650967" lvl="1" indent="-177536" defTabSz="473431">
               <a:buFont typeface="Arial"/>
               <a:buChar char="•"/>
-              <a:tabLst/>
               <a:defRPr/>
             </a:pPr>
             <a:r>
-              <a:rPr lang="en-US" sz="1000" i="0" baseline="0" dirty="0" smtClean="0"/>
+              <a:rPr lang="en-US" sz="1000" dirty="0"/>
               <a:t>If you scored 16-23, your behaviour straddles between UC and ML. You believe in your ML talk AND you fluctuate between UC and ML in behaviour. </a:t>
             </a:r>
           </a:p>
           <a:p>
-            <a:pPr marL="628650" marR="0" lvl="1" indent="-171450" algn="l" defTabSz="457200" rtl="0" eaLnBrk="1" fontAlgn="auto" latinLnBrk="0" hangingPunct="1">
-              <a:lnSpc>
-                <a:spcPct val="100000"/>
-              </a:lnSpc>
-              <a:spcBef>
-                <a:spcPts val="0"/>
-              </a:spcBef>
-              <a:spcAft>
-                <a:spcPts val="0"/>
-              </a:spcAft>
-              <a:buClrTx/>
-              <a:buSzTx/>
+            <a:pPr marL="650967" lvl="1" indent="-177536" defTabSz="473431">
               <a:buFont typeface="Arial"/>
               <a:buChar char="•"/>
-              <a:tabLst/>
               <a:defRPr/>
             </a:pPr>
             <a:r>
-              <a:rPr lang="en-US" sz="1000" i="0" baseline="0" dirty="0" smtClean="0"/>
+              <a:rPr lang="en-US" sz="1000" dirty="0"/>
               <a:t>If you scored 8-15, your belief in ML is in strong contradiction with your predominantly UC behaviour.</a:t>
             </a:r>
           </a:p>
           <a:p>
-            <a:pPr marL="0" marR="0" lvl="0" indent="0" algn="l" defTabSz="457200" rtl="0" eaLnBrk="1" fontAlgn="auto" latinLnBrk="0" hangingPunct="1">
-              <a:lnSpc>
-                <a:spcPct val="100000"/>
-              </a:lnSpc>
-              <a:spcBef>
-                <a:spcPts val="0"/>
-              </a:spcBef>
-              <a:spcAft>
-                <a:spcPts val="0"/>
-              </a:spcAft>
-              <a:buClrTx/>
-              <a:buSzTx/>
-              <a:buFont typeface="Arial"/>
-              <a:buNone/>
-              <a:tabLst/>
+            <a:pPr defTabSz="473431">
               <a:defRPr/>
             </a:pPr>
-            <a:endParaRPr lang="en-US" sz="1000" i="0" baseline="0" dirty="0" smtClean="0"/>
-          </a:p>
-          <a:p>
-            <a:pPr marL="0" marR="0" lvl="0" indent="0" algn="l" defTabSz="457200" rtl="0" eaLnBrk="1" fontAlgn="auto" latinLnBrk="0" hangingPunct="1">
-              <a:lnSpc>
-                <a:spcPct val="100000"/>
-              </a:lnSpc>
-              <a:spcBef>
-                <a:spcPts val="0"/>
-              </a:spcBef>
-              <a:spcAft>
-                <a:spcPts val="0"/>
-              </a:spcAft>
-              <a:buClrTx/>
-              <a:buSzTx/>
-              <a:buFont typeface="Arial"/>
-              <a:buNone/>
-              <a:tabLst/>
+            <a:endParaRPr lang="en-US" sz="1000" dirty="0"/>
+          </a:p>
+          <a:p>
+            <a:pPr defTabSz="473431">
               <a:defRPr/>
             </a:pPr>
             <a:r>
-              <a:rPr lang="en-US" sz="1000" i="0" baseline="0" dirty="0" smtClean="0"/>
+              <a:rPr lang="en-US" sz="1000" dirty="0"/>
               <a:t>On the other hand, if you scored between 5 and 10 for questions 1-5, you believe in UC AND you talk the talk and walk the walk all the time.</a:t>
             </a:r>
           </a:p>
           <a:p>
-            <a:endParaRPr lang="en-US" sz="1000" i="0" baseline="0" dirty="0" smtClean="0"/>
-          </a:p>
-          <a:p>
-            <a:r>
-              <a:rPr lang="en-US" sz="1000" i="0" baseline="0" dirty="0" smtClean="0"/>
+            <a:endParaRPr lang="en-US" sz="1000" dirty="0"/>
+          </a:p>
+          <a:p>
+            <a:r>
+              <a:rPr lang="en-US" sz="1000" dirty="0"/>
               <a:t>So – why did I ask you to share your score?</a:t>
             </a:r>
           </a:p>
           <a:p>
-            <a:endParaRPr lang="en-US" sz="1000" i="0" baseline="0" dirty="0" smtClean="0"/>
-          </a:p>
-          <a:p>
-            <a:r>
-              <a:rPr lang="en-US" sz="1000" i="0" baseline="0" dirty="0" smtClean="0"/>
+            <a:endParaRPr lang="en-US" sz="1000" dirty="0"/>
+          </a:p>
+          <a:p>
+            <a:r>
+              <a:rPr lang="en-US" sz="1000" dirty="0"/>
               <a:t>The main reason is to create the option for you to find the practitioners of ML during the break and get tips on how to live and breathe the Mutual Learning Model and 8 behaviours, even under stress.</a:t>
             </a:r>
           </a:p>
           <a:p>
-            <a:endParaRPr lang="en-US" sz="1000" i="0" baseline="0" dirty="0" smtClean="0"/>
-          </a:p>
-          <a:p>
-            <a:r>
-              <a:rPr lang="en-US" sz="1000" i="0" baseline="0" dirty="0" smtClean="0"/>
+            <a:endParaRPr lang="en-US" sz="1000" dirty="0"/>
+          </a:p>
+          <a:p>
+            <a:r>
+              <a:rPr lang="en-US" sz="1000" dirty="0"/>
               <a:t>Thank you. Everyone take a sit.</a:t>
             </a:r>
           </a:p>
           <a:p>
-            <a:endParaRPr lang="en-US" sz="1000" i="0" baseline="0" dirty="0" smtClean="0"/>
-          </a:p>
-          <a:p>
-            <a:r>
-              <a:rPr lang="en-US" sz="1000" i="0" baseline="0" dirty="0" smtClean="0"/>
+            <a:endParaRPr lang="en-US" sz="1000" dirty="0"/>
+          </a:p>
+          <a:p>
+            <a:r>
+              <a:rPr lang="en-US" sz="1000" dirty="0"/>
               <a:t>Let’s look at the findings in greater detail. If you scored 15 for mindset and 24 for behaviour, it means you are congruent in applying Mutual learning most of the time. The results you get from your efforts should reflect this.</a:t>
             </a:r>
           </a:p>
           <a:p>
-            <a:endParaRPr lang="en-US" sz="1000" i="0" baseline="0" dirty="0" smtClean="0"/>
-          </a:p>
-          <a:p>
-            <a:pPr marL="0" marR="0" indent="0" algn="l" defTabSz="457200" rtl="0" eaLnBrk="1" fontAlgn="auto" latinLnBrk="0" hangingPunct="1">
-              <a:lnSpc>
-                <a:spcPct val="100000"/>
-              </a:lnSpc>
-              <a:spcBef>
-                <a:spcPts val="0"/>
-              </a:spcBef>
-              <a:spcAft>
-                <a:spcPts val="0"/>
-              </a:spcAft>
-              <a:buClrTx/>
-              <a:buSzTx/>
-              <a:buFontTx/>
-              <a:buNone/>
-              <a:tabLst/>
+            <a:endParaRPr lang="en-US" sz="1000" dirty="0"/>
+          </a:p>
+          <a:p>
+            <a:pPr defTabSz="473431">
               <a:defRPr/>
             </a:pPr>
             <a:r>
-              <a:rPr lang="en-US" sz="1000" i="0" baseline="0" dirty="0" smtClean="0"/>
+              <a:rPr lang="en-US" sz="1000" dirty="0"/>
               <a:t>If you scored higher in behaviour than mindset, it means you actively apply the Mutual Learning behaviours without really applying the mindset. You talk the talk and walk the walk but you don’t quite believe in the ML mindset. Nonetheless, starting to change your behaviour can be an easier way to changing your mindset. As Amy Cuddy, psychologist famous for her Ted talk on the Power Pose and the body influencing the mind, it’s about "Fake it until you become it."</a:t>
             </a:r>
           </a:p>
           <a:p>
-            <a:endParaRPr lang="en-US" sz="1000" i="0" baseline="0" dirty="0" smtClean="0"/>
-          </a:p>
-          <a:p>
-            <a:r>
-              <a:rPr lang="en-US" sz="1000" i="0" baseline="0" dirty="0" smtClean="0"/>
+            <a:endParaRPr lang="en-US" sz="1000" dirty="0"/>
+          </a:p>
+          <a:p>
+            <a:r>
+              <a:rPr lang="en-US" sz="1000" dirty="0"/>
               <a:t>If you scored higher in mindset than behaviour, it means that you believe strongly in the Mutual Learning mindset yet don’t apply the behaviours fully in practice all of the time. This is a strong position to be in, however, belief needs to result in corresponding behaviour to be effective. Monitor your theory in practice for discrepancies to your ML mindset to increase your practice of ML behaviour more often, especially when under stress.</a:t>
             </a:r>
           </a:p>
           <a:p>
-            <a:endParaRPr lang="en-US" sz="1000" i="0" baseline="0" dirty="0" smtClean="0"/>
-          </a:p>
-          <a:p>
-            <a:r>
-              <a:rPr lang="en-US" sz="1000" b="1" i="0" baseline="0" dirty="0" smtClean="0"/>
+            <a:endParaRPr lang="en-US" sz="1000" dirty="0"/>
+          </a:p>
+          <a:p>
+            <a:r>
+              <a:rPr lang="en-US" sz="1000" b="1" dirty="0"/>
               <a:t>How accurate is the Mutual Learning Scale?</a:t>
             </a:r>
-            <a:endParaRPr lang="en-US" sz="1000" b="0" i="0" baseline="0" dirty="0" smtClean="0"/>
-          </a:p>
-          <a:p>
-            <a:r>
-              <a:rPr lang="en-US" sz="1000" b="0" i="0" baseline="0" dirty="0" smtClean="0"/>
+            <a:endParaRPr lang="en-US" sz="1000" dirty="0"/>
+          </a:p>
+          <a:p>
+            <a:r>
+              <a:rPr lang="en-US" sz="1000" dirty="0"/>
               <a:t>It depends. We suggest taking your two scores and multiplying them by 3/5 each to calbrate it for how you think and act under stress.</a:t>
             </a:r>
           </a:p>
           <a:p>
-            <a:endParaRPr lang="en-US" sz="1000" b="0" i="0" baseline="0" dirty="0" smtClean="0"/>
-          </a:p>
-          <a:p>
-            <a:r>
-              <a:rPr lang="en-US" sz="1000" b="0" i="0" baseline="0" dirty="0" smtClean="0"/>
+            <a:endParaRPr lang="en-US" sz="1000" dirty="0"/>
+          </a:p>
+          <a:p>
+            <a:r>
+              <a:rPr lang="en-US" sz="1000" dirty="0"/>
               <a:t>For instance, if Annie scores 20/20 for mindset on a sunny day, under stress, she would more likely score 15/20.</a:t>
             </a:r>
           </a:p>
           <a:p>
-            <a:pPr marL="0" marR="0" indent="0" algn="l" defTabSz="914400" rtl="0" eaLnBrk="1" fontAlgn="auto" latinLnBrk="0" hangingPunct="1">
-              <a:lnSpc>
-                <a:spcPct val="100000"/>
-              </a:lnSpc>
-              <a:spcBef>
-                <a:spcPts val="0"/>
-              </a:spcBef>
-              <a:spcAft>
-                <a:spcPts val="0"/>
-              </a:spcAft>
-              <a:buClrTx/>
-              <a:buSzTx/>
-              <a:buFontTx/>
-              <a:buNone/>
-              <a:tabLst/>
+            <a:pPr defTabSz="946861">
               <a:defRPr/>
             </a:pPr>
             <a:r>
-              <a:rPr lang="en-US" sz="1000" b="0" i="0" baseline="0" dirty="0" smtClean="0"/>
+              <a:rPr lang="en-US" sz="1000" dirty="0"/>
               <a:t>For instance, if Annie scores 25/32 for mindset on a sunny day, under stress, she would more likely score 15/32.</a:t>
             </a:r>
           </a:p>
           <a:p>
-            <a:pPr marL="0" marR="0" indent="0" algn="l" defTabSz="914400" rtl="0" eaLnBrk="1" fontAlgn="auto" latinLnBrk="0" hangingPunct="1">
-              <a:lnSpc>
-                <a:spcPct val="100000"/>
-              </a:lnSpc>
-              <a:spcBef>
-                <a:spcPts val="0"/>
-              </a:spcBef>
-              <a:spcAft>
-                <a:spcPts val="0"/>
-              </a:spcAft>
-              <a:buClrTx/>
-              <a:buSzTx/>
-              <a:buFontTx/>
-              <a:buNone/>
-              <a:tabLst/>
+            <a:pPr defTabSz="946861">
               <a:defRPr/>
             </a:pPr>
-            <a:endParaRPr lang="en-US" sz="1000" b="0" i="0" baseline="0" dirty="0" smtClean="0"/>
-          </a:p>
-          <a:p>
-            <a:pPr marL="0" marR="0" indent="0" algn="l" defTabSz="914400" rtl="0" eaLnBrk="1" fontAlgn="auto" latinLnBrk="0" hangingPunct="1">
-              <a:lnSpc>
-                <a:spcPct val="100000"/>
-              </a:lnSpc>
-              <a:spcBef>
-                <a:spcPts val="0"/>
-              </a:spcBef>
-              <a:spcAft>
-                <a:spcPts val="0"/>
-              </a:spcAft>
-              <a:buClrTx/>
-              <a:buSzTx/>
-              <a:buFontTx/>
-              <a:buNone/>
-              <a:tabLst/>
+            <a:endParaRPr lang="en-US" sz="1000" dirty="0"/>
+          </a:p>
+          <a:p>
+            <a:pPr defTabSz="946861">
               <a:defRPr/>
             </a:pPr>
             <a:r>
-              <a:rPr lang="en-US" sz="1000" b="0" i="0" baseline="0" dirty="0" smtClean="0"/>
+              <a:rPr lang="en-US" sz="1000" dirty="0"/>
               <a:t>What we expect to see is a reduction by one level down, from “competent” to “advanced beginner” when Annie is under stress. Embedding Mutual Learning as a mindset is vital to ensure your best chances of congruent behaviour to get the desired results.</a:t>
             </a:r>
           </a:p>
           <a:p>
-            <a:endParaRPr lang="en-US" sz="1000" b="0" i="0" baseline="0" dirty="0" smtClean="0"/>
-          </a:p>
-          <a:p>
-            <a:endParaRPr lang="en-US" sz="1000" b="1" i="0" baseline="0" dirty="0" smtClean="0"/>
+            <a:endParaRPr lang="en-US" sz="1000" dirty="0"/>
+          </a:p>
+          <a:p>
+            <a:endParaRPr lang="en-US" sz="1000" b="1" dirty="0"/>
           </a:p>
         </p:txBody>
       </p:sp>
@@ -2513,8 +2177,8 @@
         </p:nvSpPr>
         <p:spPr>
           <a:xfrm>
-            <a:off x="931863" y="742950"/>
-            <a:ext cx="4957762" cy="3719513"/>
+            <a:off x="990600" y="766763"/>
+            <a:ext cx="5119688" cy="3838575"/>
           </a:xfrm>
         </p:spPr>
       </p:sp>
@@ -2579,8 +2243,8 @@
         </p:nvSpPr>
         <p:spPr>
           <a:xfrm>
-            <a:off x="931863" y="742950"/>
-            <a:ext cx="4957762" cy="3719513"/>
+            <a:off x="990600" y="766763"/>
+            <a:ext cx="5119688" cy="3838575"/>
           </a:xfrm>
           <a:custGeom>
             <a:avLst/>
@@ -2630,25 +2294,19 @@
         </p:nvSpPr>
         <p:spPr>
           <a:xfrm>
-            <a:off x="681992" y="4711383"/>
-            <a:ext cx="5455919" cy="4463415"/>
+            <a:off x="709933" y="4861442"/>
+            <a:ext cx="5679439" cy="4605576"/>
           </a:xfrm>
           <a:prstGeom prst="rect">
             <a:avLst/>
           </a:prstGeom>
         </p:spPr>
         <p:txBody>
-          <a:bodyPr lIns="91425" tIns="91425" rIns="91425" bIns="91425" anchor="t" anchorCtr="0">
+          <a:bodyPr lIns="94671" tIns="94671" rIns="94671" bIns="94671" anchor="t" anchorCtr="0">
             <a:noAutofit/>
           </a:bodyPr>
           <a:lstStyle/>
           <a:p>
-            <a:pPr>
-              <a:spcBef>
-                <a:spcPts val="0"/>
-              </a:spcBef>
-              <a:buNone/>
-            </a:pPr>
             <a:endParaRPr dirty="0"/>
           </a:p>
         </p:txBody>
@@ -3313,8 +2971,8 @@
         </p:nvSpPr>
         <p:spPr>
           <a:xfrm>
-            <a:off x="931863" y="742950"/>
-            <a:ext cx="4957762" cy="3719513"/>
+            <a:off x="990600" y="766763"/>
+            <a:ext cx="5119688" cy="3838575"/>
           </a:xfrm>
         </p:spPr>
       </p:sp>
@@ -22456,7 +22114,7 @@
               <a:rPr lang="en-US" sz="1250" i="1" dirty="0" smtClean="0">
                 <a:latin typeface="+mn-lt"/>
               </a:rPr>
-              <a:t>represents your views</a:t>
+              <a:t>represents your views, as you tell others.</a:t>
             </a:r>
             <a:endParaRPr lang="en-US" sz="1250" i="1" dirty="0" smtClean="0">
               <a:latin typeface="+mn-lt"/>
@@ -22491,15 +22149,19 @@
             </a:pPr>
             <a:r>
               <a:rPr lang="en-US" sz="1250" i="1" dirty="0"/>
-              <a:t>Find a neighbor, introduce yourself, </a:t>
+              <a:t>Find a </a:t>
             </a:r>
             <a:r>
               <a:rPr lang="en-US" sz="1250" i="1" dirty="0" smtClean="0"/>
-              <a:t>and talk with them about </a:t>
-            </a:r>
-            <a:r>
-              <a:rPr lang="en-US" sz="1250" i="1" smtClean="0"/>
-              <a:t>your choices.</a:t>
+              <a:t>neighbor you don't know, </a:t>
+            </a:r>
+            <a:r>
+              <a:rPr lang="en-US" sz="1250" i="1" dirty="0"/>
+              <a:t>introduce yourself, </a:t>
+            </a:r>
+            <a:r>
+              <a:rPr lang="en-US" sz="1250" i="1" dirty="0" smtClean="0"/>
+              <a:t>and talk with them about why you made your choices.</a:t>
             </a:r>
             <a:endParaRPr lang="en-US" sz="1250" i="1" dirty="0"/>
           </a:p>
